--- a/04_Präsentation/VueJS_Laravel_website.pptx
+++ b/04_Präsentation/VueJS_Laravel_website.pptx
@@ -10,9 +10,11 @@
     <p:sldId id="258" r:id="rId4"/>
     <p:sldId id="259" r:id="rId5"/>
     <p:sldId id="260" r:id="rId6"/>
-    <p:sldId id="261" r:id="rId7"/>
-    <p:sldId id="262" r:id="rId8"/>
-    <p:sldId id="263" r:id="rId9"/>
+    <p:sldId id="264" r:id="rId7"/>
+    <p:sldId id="261" r:id="rId8"/>
+    <p:sldId id="265" r:id="rId9"/>
+    <p:sldId id="262" r:id="rId10"/>
+    <p:sldId id="263" r:id="rId11"/>
   </p:sldIdLst>
   <p:sldSz cx="12192000" cy="6858000"/>
   <p:notesSz cx="6858000" cy="9144000"/>
@@ -111,6 +113,11 @@
       </a:defRPr>
     </a:lvl9pPr>
   </p:defaultTextStyle>
+  <p:extLst>
+    <p:ext uri="{EFAFB233-063F-42B5-8137-9DF3F51BA10A}">
+      <p15:sldGuideLst xmlns:p15="http://schemas.microsoft.com/office/powerpoint/2012/main"/>
+    </p:ext>
+  </p:extLst>
 </p:presentation>
 </file>
 
@@ -3438,6 +3445,70 @@
 </p:sld>
 </file>
 
+<file path=ppt/slides/slide10.xml><?xml version="1.0" encoding="utf-8"?>
+<p:sld xmlns:a="http://schemas.openxmlformats.org/drawingml/2006/main" xmlns:r="http://schemas.openxmlformats.org/officeDocument/2006/relationships" xmlns:p="http://schemas.openxmlformats.org/presentationml/2006/main">
+  <p:cSld>
+    <p:spTree>
+      <p:nvGrpSpPr>
+        <p:cNvPr id="1" name=""/>
+        <p:cNvGrpSpPr/>
+        <p:nvPr/>
+      </p:nvGrpSpPr>
+      <p:grpSpPr>
+        <a:xfrm>
+          <a:off x="0" y="0"/>
+          <a:ext cx="0" cy="0"/>
+          <a:chOff x="0" y="0"/>
+          <a:chExt cx="0" cy="0"/>
+        </a:xfrm>
+      </p:grpSpPr>
+      <p:sp>
+        <p:nvSpPr>
+          <p:cNvPr id="2" name="Title 1">
+            <a:extLst>
+              <a:ext uri="{FF2B5EF4-FFF2-40B4-BE49-F238E27FC236}">
+                <a16:creationId xmlns:a16="http://schemas.microsoft.com/office/drawing/2014/main" id="{6C1619A9-84EF-5A93-D1AF-F0A7E4D19B64}"/>
+              </a:ext>
+            </a:extLst>
+          </p:cNvPr>
+          <p:cNvSpPr>
+            <a:spLocks noGrp="1"/>
+          </p:cNvSpPr>
+          <p:nvPr>
+            <p:ph type="title"/>
+          </p:nvPr>
+        </p:nvSpPr>
+        <p:spPr>
+          <a:xfrm>
+            <a:off x="4701464" y="2855614"/>
+            <a:ext cx="2789071" cy="1146772"/>
+          </a:xfrm>
+        </p:spPr>
+        <p:txBody>
+          <a:bodyPr/>
+          <a:lstStyle/>
+          <a:p>
+            <a:pPr algn="ctr"/>
+            <a:r>
+              <a:rPr lang="de-CH" dirty="0"/>
+              <a:t>Fragen</a:t>
+            </a:r>
+          </a:p>
+        </p:txBody>
+      </p:sp>
+    </p:spTree>
+    <p:extLst>
+      <p:ext uri="{BB962C8B-B14F-4D97-AF65-F5344CB8AC3E}">
+        <p14:creationId xmlns:p14="http://schemas.microsoft.com/office/powerpoint/2010/main" val="211836162"/>
+      </p:ext>
+    </p:extLst>
+  </p:cSld>
+  <p:clrMapOvr>
+    <a:masterClrMapping/>
+  </p:clrMapOvr>
+</p:sld>
+</file>
+
 <file path=ppt/slides/slide2.xml><?xml version="1.0" encoding="utf-8"?>
 <p:sld xmlns:a="http://schemas.openxmlformats.org/drawingml/2006/main" xmlns:r="http://schemas.openxmlformats.org/officeDocument/2006/relationships" xmlns:p="http://schemas.openxmlformats.org/presentationml/2006/main">
   <p:cSld>
@@ -3530,7 +3601,7 @@
           <a:p>
             <a:r>
               <a:rPr lang="de-CH" dirty="0"/>
-              <a:t>Probleme </a:t>
+              <a:t>Schwierigkeiten</a:t>
             </a:r>
           </a:p>
           <a:p>
@@ -5431,6 +5502,92 @@
           <p:cNvPr id="2" name="Title 1">
             <a:extLst>
               <a:ext uri="{FF2B5EF4-FFF2-40B4-BE49-F238E27FC236}">
+                <a16:creationId xmlns:a16="http://schemas.microsoft.com/office/drawing/2014/main" id="{7011C808-34BC-5834-6EB7-CC281155BBCC}"/>
+              </a:ext>
+            </a:extLst>
+          </p:cNvPr>
+          <p:cNvSpPr>
+            <a:spLocks noGrp="1"/>
+          </p:cNvSpPr>
+          <p:nvPr>
+            <p:ph type="title"/>
+          </p:nvPr>
+        </p:nvSpPr>
+        <p:spPr/>
+        <p:txBody>
+          <a:bodyPr/>
+          <a:lstStyle/>
+          <a:p>
+            <a:r>
+              <a:rPr lang="de-CH" dirty="0"/>
+              <a:t>Programmieren des Frontends</a:t>
+            </a:r>
+          </a:p>
+        </p:txBody>
+      </p:sp>
+      <p:sp>
+        <p:nvSpPr>
+          <p:cNvPr id="3" name="Content Placeholder 2">
+            <a:extLst>
+              <a:ext uri="{FF2B5EF4-FFF2-40B4-BE49-F238E27FC236}">
+                <a16:creationId xmlns:a16="http://schemas.microsoft.com/office/drawing/2014/main" id="{B8C4D3E3-516A-AD3B-7C10-45E314BD9C01}"/>
+              </a:ext>
+            </a:extLst>
+          </p:cNvPr>
+          <p:cNvSpPr>
+            <a:spLocks noGrp="1"/>
+          </p:cNvSpPr>
+          <p:nvPr>
+            <p:ph idx="1"/>
+          </p:nvPr>
+        </p:nvSpPr>
+        <p:spPr/>
+        <p:txBody>
+          <a:bodyPr/>
+          <a:lstStyle/>
+          <a:p>
+            <a:r>
+              <a:rPr lang="de-CH" dirty="0"/>
+              <a:t>Hatte schon Kenntnisse</a:t>
+            </a:r>
+          </a:p>
+        </p:txBody>
+      </p:sp>
+    </p:spTree>
+    <p:extLst>
+      <p:ext uri="{BB962C8B-B14F-4D97-AF65-F5344CB8AC3E}">
+        <p14:creationId xmlns:p14="http://schemas.microsoft.com/office/powerpoint/2010/main" val="757592475"/>
+      </p:ext>
+    </p:extLst>
+  </p:cSld>
+  <p:clrMapOvr>
+    <a:masterClrMapping/>
+  </p:clrMapOvr>
+</p:sld>
+</file>
+
+<file path=ppt/slides/slide7.xml><?xml version="1.0" encoding="utf-8"?>
+<p:sld xmlns:a="http://schemas.openxmlformats.org/drawingml/2006/main" xmlns:r="http://schemas.openxmlformats.org/officeDocument/2006/relationships" xmlns:p="http://schemas.openxmlformats.org/presentationml/2006/main">
+  <p:cSld>
+    <p:spTree>
+      <p:nvGrpSpPr>
+        <p:cNvPr id="1" name=""/>
+        <p:cNvGrpSpPr/>
+        <p:nvPr/>
+      </p:nvGrpSpPr>
+      <p:grpSpPr>
+        <a:xfrm>
+          <a:off x="0" y="0"/>
+          <a:ext cx="0" cy="0"/>
+          <a:chOff x="0" y="0"/>
+          <a:chExt cx="0" cy="0"/>
+        </a:xfrm>
+      </p:grpSpPr>
+      <p:sp>
+        <p:nvSpPr>
+          <p:cNvPr id="2" name="Title 1">
+            <a:extLst>
+              <a:ext uri="{FF2B5EF4-FFF2-40B4-BE49-F238E27FC236}">
                 <a16:creationId xmlns:a16="http://schemas.microsoft.com/office/drawing/2014/main" id="{FF6FE13B-4DA5-8671-FD2B-EEAD88C61DFD}"/>
               </a:ext>
             </a:extLst>
@@ -6203,98 +6360,6 @@
 </p:sld>
 </file>
 
-<file path=ppt/slides/slide7.xml><?xml version="1.0" encoding="utf-8"?>
-<p:sld xmlns:a="http://schemas.openxmlformats.org/drawingml/2006/main" xmlns:r="http://schemas.openxmlformats.org/officeDocument/2006/relationships" xmlns:p="http://schemas.openxmlformats.org/presentationml/2006/main">
-  <p:cSld>
-    <p:spTree>
-      <p:nvGrpSpPr>
-        <p:cNvPr id="1" name=""/>
-        <p:cNvGrpSpPr/>
-        <p:nvPr/>
-      </p:nvGrpSpPr>
-      <p:grpSpPr>
-        <a:xfrm>
-          <a:off x="0" y="0"/>
-          <a:ext cx="0" cy="0"/>
-          <a:chOff x="0" y="0"/>
-          <a:chExt cx="0" cy="0"/>
-        </a:xfrm>
-      </p:grpSpPr>
-      <p:sp>
-        <p:nvSpPr>
-          <p:cNvPr id="2" name="Title 1">
-            <a:extLst>
-              <a:ext uri="{FF2B5EF4-FFF2-40B4-BE49-F238E27FC236}">
-                <a16:creationId xmlns:a16="http://schemas.microsoft.com/office/drawing/2014/main" id="{93AB0AF2-07F6-59C7-D85B-A6AAC32B08ED}"/>
-              </a:ext>
-            </a:extLst>
-          </p:cNvPr>
-          <p:cNvSpPr>
-            <a:spLocks noGrp="1"/>
-          </p:cNvSpPr>
-          <p:nvPr>
-            <p:ph type="title"/>
-          </p:nvPr>
-        </p:nvSpPr>
-        <p:spPr/>
-        <p:txBody>
-          <a:bodyPr/>
-          <a:lstStyle/>
-          <a:p>
-            <a:r>
-              <a:rPr lang="de-CH" dirty="0"/>
-              <a:t>Probleme </a:t>
-            </a:r>
-          </a:p>
-        </p:txBody>
-      </p:sp>
-      <p:sp>
-        <p:nvSpPr>
-          <p:cNvPr id="3" name="Content Placeholder 2">
-            <a:extLst>
-              <a:ext uri="{FF2B5EF4-FFF2-40B4-BE49-F238E27FC236}">
-                <a16:creationId xmlns:a16="http://schemas.microsoft.com/office/drawing/2014/main" id="{9E5EE9BF-9882-72DF-DC4C-EC1E24CC0956}"/>
-              </a:ext>
-            </a:extLst>
-          </p:cNvPr>
-          <p:cNvSpPr>
-            <a:spLocks noGrp="1"/>
-          </p:cNvSpPr>
-          <p:nvPr>
-            <p:ph idx="1"/>
-          </p:nvPr>
-        </p:nvSpPr>
-        <p:spPr/>
-        <p:txBody>
-          <a:bodyPr/>
-          <a:lstStyle/>
-          <a:p>
-            <a:r>
-              <a:rPr lang="de-CH" dirty="0"/>
-              <a:t>Zu grosse Ambitionen</a:t>
-            </a:r>
-          </a:p>
-          <a:p>
-            <a:r>
-              <a:rPr lang="de-CH" dirty="0"/>
-              <a:t>Schlechte Planung am Anfang des Projekts</a:t>
-            </a:r>
-          </a:p>
-        </p:txBody>
-      </p:sp>
-    </p:spTree>
-    <p:extLst>
-      <p:ext uri="{BB962C8B-B14F-4D97-AF65-F5344CB8AC3E}">
-        <p14:creationId xmlns:p14="http://schemas.microsoft.com/office/powerpoint/2010/main" val="923782553"/>
-      </p:ext>
-    </p:extLst>
-  </p:cSld>
-  <p:clrMapOvr>
-    <a:masterClrMapping/>
-  </p:clrMapOvr>
-</p:sld>
-</file>
-
 <file path=ppt/slides/slide8.xml><?xml version="1.0" encoding="utf-8"?>
 <p:sld xmlns:a="http://schemas.openxmlformats.org/drawingml/2006/main" xmlns:r="http://schemas.openxmlformats.org/officeDocument/2006/relationships" xmlns:p="http://schemas.openxmlformats.org/presentationml/2006/main">
   <p:cSld>
@@ -6317,7 +6382,7 @@
           <p:cNvPr id="2" name="Title 1">
             <a:extLst>
               <a:ext uri="{FF2B5EF4-FFF2-40B4-BE49-F238E27FC236}">
-                <a16:creationId xmlns:a16="http://schemas.microsoft.com/office/drawing/2014/main" id="{6C1619A9-84EF-5A93-D1AF-F0A7E4D19B64}"/>
+                <a16:creationId xmlns:a16="http://schemas.microsoft.com/office/drawing/2014/main" id="{CED412BE-9B8E-6A34-71D9-83B788ECA91F}"/>
               </a:ext>
             </a:extLst>
           </p:cNvPr>
@@ -6328,20 +6393,48 @@
             <p:ph type="title"/>
           </p:nvPr>
         </p:nvSpPr>
-        <p:spPr>
-          <a:xfrm>
-            <a:off x="4701464" y="2855614"/>
-            <a:ext cx="2789071" cy="1146772"/>
-          </a:xfrm>
-        </p:spPr>
+        <p:spPr/>
         <p:txBody>
           <a:bodyPr/>
           <a:lstStyle/>
           <a:p>
-            <a:pPr algn="ctr"/>
             <a:r>
               <a:rPr lang="de-CH" dirty="0"/>
-              <a:t>Fragen</a:t>
+              <a:t>Programmieren des Backends</a:t>
+            </a:r>
+          </a:p>
+        </p:txBody>
+      </p:sp>
+      <p:sp>
+        <p:nvSpPr>
+          <p:cNvPr id="3" name="Content Placeholder 2">
+            <a:extLst>
+              <a:ext uri="{FF2B5EF4-FFF2-40B4-BE49-F238E27FC236}">
+                <a16:creationId xmlns:a16="http://schemas.microsoft.com/office/drawing/2014/main" id="{BF2DB604-9813-B3A4-1B7D-FC67CDE97DED}"/>
+              </a:ext>
+            </a:extLst>
+          </p:cNvPr>
+          <p:cNvSpPr>
+            <a:spLocks noGrp="1"/>
+          </p:cNvSpPr>
+          <p:nvPr>
+            <p:ph idx="1"/>
+          </p:nvPr>
+        </p:nvSpPr>
+        <p:spPr/>
+        <p:txBody>
+          <a:bodyPr/>
+          <a:lstStyle/>
+          <a:p>
+            <a:r>
+              <a:rPr lang="de-CH" dirty="0"/>
+              <a:t>Kompliziert</a:t>
+            </a:r>
+          </a:p>
+          <a:p>
+            <a:r>
+              <a:rPr lang="de-CH" dirty="0"/>
+              <a:t>Hatte viele Probleme</a:t>
             </a:r>
           </a:p>
         </p:txBody>
@@ -6349,7 +6442,380 @@
     </p:spTree>
     <p:extLst>
       <p:ext uri="{BB962C8B-B14F-4D97-AF65-F5344CB8AC3E}">
-        <p14:creationId xmlns:p14="http://schemas.microsoft.com/office/powerpoint/2010/main" val="211836162"/>
+        <p14:creationId xmlns:p14="http://schemas.microsoft.com/office/powerpoint/2010/main" val="2935677697"/>
+      </p:ext>
+    </p:extLst>
+  </p:cSld>
+  <p:clrMapOvr>
+    <a:masterClrMapping/>
+  </p:clrMapOvr>
+</p:sld>
+</file>
+
+<file path=ppt/slides/slide9.xml><?xml version="1.0" encoding="utf-8"?>
+<p:sld xmlns:a="http://schemas.openxmlformats.org/drawingml/2006/main" xmlns:r="http://schemas.openxmlformats.org/officeDocument/2006/relationships" xmlns:p="http://schemas.openxmlformats.org/presentationml/2006/main">
+  <p:cSld>
+    <p:spTree>
+      <p:nvGrpSpPr>
+        <p:cNvPr id="1" name=""/>
+        <p:cNvGrpSpPr/>
+        <p:nvPr/>
+      </p:nvGrpSpPr>
+      <p:grpSpPr>
+        <a:xfrm>
+          <a:off x="0" y="0"/>
+          <a:ext cx="0" cy="0"/>
+          <a:chOff x="0" y="0"/>
+          <a:chExt cx="0" cy="0"/>
+        </a:xfrm>
+      </p:grpSpPr>
+      <p:sp>
+        <p:nvSpPr>
+          <p:cNvPr id="2" name="Title 1">
+            <a:extLst>
+              <a:ext uri="{FF2B5EF4-FFF2-40B4-BE49-F238E27FC236}">
+                <a16:creationId xmlns:a16="http://schemas.microsoft.com/office/drawing/2014/main" id="{93AB0AF2-07F6-59C7-D85B-A6AAC32B08ED}"/>
+              </a:ext>
+            </a:extLst>
+          </p:cNvPr>
+          <p:cNvSpPr>
+            <a:spLocks noGrp="1"/>
+          </p:cNvSpPr>
+          <p:nvPr>
+            <p:ph type="title"/>
+          </p:nvPr>
+        </p:nvSpPr>
+        <p:spPr/>
+        <p:txBody>
+          <a:bodyPr/>
+          <a:lstStyle/>
+          <a:p>
+            <a:r>
+              <a:rPr lang="de-CH" dirty="0"/>
+              <a:t>Schwierigkeiten und Schlusswort</a:t>
+            </a:r>
+          </a:p>
+        </p:txBody>
+      </p:sp>
+      <p:sp>
+        <p:nvSpPr>
+          <p:cNvPr id="3" name="Content Placeholder 2">
+            <a:extLst>
+              <a:ext uri="{FF2B5EF4-FFF2-40B4-BE49-F238E27FC236}">
+                <a16:creationId xmlns:a16="http://schemas.microsoft.com/office/drawing/2014/main" id="{9E5EE9BF-9882-72DF-DC4C-EC1E24CC0956}"/>
+              </a:ext>
+            </a:extLst>
+          </p:cNvPr>
+          <p:cNvSpPr>
+            <a:spLocks noGrp="1"/>
+          </p:cNvSpPr>
+          <p:nvPr>
+            <p:ph idx="1"/>
+          </p:nvPr>
+        </p:nvSpPr>
+        <p:spPr>
+          <a:xfrm>
+            <a:off x="1143000" y="2057400"/>
+            <a:ext cx="9872871" cy="2279210"/>
+          </a:xfrm>
+        </p:spPr>
+        <p:txBody>
+          <a:bodyPr>
+            <a:normAutofit/>
+          </a:bodyPr>
+          <a:lstStyle/>
+          <a:p>
+            <a:r>
+              <a:rPr lang="de-CH" dirty="0"/>
+              <a:t>Zu grosse Ambitionen</a:t>
+            </a:r>
+          </a:p>
+          <a:p>
+            <a:r>
+              <a:rPr lang="de-CH" dirty="0"/>
+              <a:t>Schlechte Planung am Anfang des Projekts</a:t>
+            </a:r>
+          </a:p>
+          <a:p>
+            <a:r>
+              <a:rPr lang="de-CH" dirty="0"/>
+              <a:t>Beschlossen Laravel von 0 angefangen</a:t>
+            </a:r>
+          </a:p>
+          <a:p>
+            <a:r>
+              <a:rPr lang="de-CH" dirty="0"/>
+              <a:t>Brauchte sehr lange zum lernen</a:t>
+            </a:r>
+          </a:p>
+        </p:txBody>
+      </p:sp>
+      <p:sp>
+        <p:nvSpPr>
+          <p:cNvPr id="4" name="Content Placeholder 2">
+            <a:extLst>
+              <a:ext uri="{FF2B5EF4-FFF2-40B4-BE49-F238E27FC236}">
+                <a16:creationId xmlns:a16="http://schemas.microsoft.com/office/drawing/2014/main" id="{EEE25145-9199-90E1-5B40-462BAA1F19BD}"/>
+              </a:ext>
+            </a:extLst>
+          </p:cNvPr>
+          <p:cNvSpPr txBox="1">
+            <a:spLocks/>
+          </p:cNvSpPr>
+          <p:nvPr/>
+        </p:nvSpPr>
+        <p:spPr>
+          <a:xfrm>
+            <a:off x="1143000" y="4428050"/>
+            <a:ext cx="9872871" cy="1356360"/>
+          </a:xfrm>
+          <a:prstGeom prst="rect">
+            <a:avLst/>
+          </a:prstGeom>
+        </p:spPr>
+        <p:txBody>
+          <a:bodyPr vert="horz" lIns="91440" tIns="45720" rIns="91440" bIns="45720" rtlCol="0">
+            <a:normAutofit/>
+          </a:bodyPr>
+          <a:lstStyle>
+            <a:lvl1pPr marL="228600" indent="-182880" algn="l" defTabSz="914400" rtl="0" eaLnBrk="1" latinLnBrk="0" hangingPunct="1">
+              <a:lnSpc>
+                <a:spcPct val="90000"/>
+              </a:lnSpc>
+              <a:spcBef>
+                <a:spcPts val="1400"/>
+              </a:spcBef>
+              <a:buClr>
+                <a:schemeClr val="accent1"/>
+              </a:buClr>
+              <a:buSzPct val="80000"/>
+              <a:buFont typeface="Corbel" pitchFamily="34" charset="0"/>
+              <a:buChar char="•"/>
+              <a:defRPr sz="2200" kern="1200">
+                <a:solidFill>
+                  <a:schemeClr val="accent1"/>
+                </a:solidFill>
+                <a:latin typeface="+mn-lt"/>
+                <a:ea typeface="+mn-ea"/>
+                <a:cs typeface="+mn-cs"/>
+              </a:defRPr>
+            </a:lvl1pPr>
+            <a:lvl2pPr marL="457200" indent="-182880" algn="l" defTabSz="914400" rtl="0" eaLnBrk="1" latinLnBrk="0" hangingPunct="1">
+              <a:lnSpc>
+                <a:spcPct val="90000"/>
+              </a:lnSpc>
+              <a:spcBef>
+                <a:spcPts val="200"/>
+              </a:spcBef>
+              <a:spcAft>
+                <a:spcPts val="400"/>
+              </a:spcAft>
+              <a:buClr>
+                <a:schemeClr val="accent1"/>
+              </a:buClr>
+              <a:buSzPct val="80000"/>
+              <a:buFont typeface="Corbel" pitchFamily="34" charset="0"/>
+              <a:buChar char="•"/>
+              <a:defRPr sz="2000" kern="1200">
+                <a:solidFill>
+                  <a:schemeClr val="accent1"/>
+                </a:solidFill>
+                <a:latin typeface="+mn-lt"/>
+                <a:ea typeface="+mn-ea"/>
+                <a:cs typeface="+mn-cs"/>
+              </a:defRPr>
+            </a:lvl2pPr>
+            <a:lvl3pPr marL="731520" indent="-182880" algn="l" defTabSz="914400" rtl="0" eaLnBrk="1" latinLnBrk="0" hangingPunct="1">
+              <a:lnSpc>
+                <a:spcPct val="90000"/>
+              </a:lnSpc>
+              <a:spcBef>
+                <a:spcPts val="200"/>
+              </a:spcBef>
+              <a:spcAft>
+                <a:spcPts val="400"/>
+              </a:spcAft>
+              <a:buClr>
+                <a:schemeClr val="accent1"/>
+              </a:buClr>
+              <a:buSzPct val="80000"/>
+              <a:buFont typeface="Corbel" pitchFamily="34" charset="0"/>
+              <a:buChar char="•"/>
+              <a:defRPr sz="1800" kern="1200">
+                <a:solidFill>
+                  <a:schemeClr val="accent1"/>
+                </a:solidFill>
+                <a:latin typeface="+mn-lt"/>
+                <a:ea typeface="+mn-ea"/>
+                <a:cs typeface="+mn-cs"/>
+              </a:defRPr>
+            </a:lvl3pPr>
+            <a:lvl4pPr marL="1005840" indent="-182880" algn="l" defTabSz="914400" rtl="0" eaLnBrk="1" latinLnBrk="0" hangingPunct="1">
+              <a:lnSpc>
+                <a:spcPct val="90000"/>
+              </a:lnSpc>
+              <a:spcBef>
+                <a:spcPts val="200"/>
+              </a:spcBef>
+              <a:spcAft>
+                <a:spcPts val="400"/>
+              </a:spcAft>
+              <a:buClr>
+                <a:schemeClr val="accent1"/>
+              </a:buClr>
+              <a:buSzPct val="80000"/>
+              <a:buFont typeface="Corbel" pitchFamily="34" charset="0"/>
+              <a:buChar char="•"/>
+              <a:defRPr sz="1600" kern="1200">
+                <a:solidFill>
+                  <a:schemeClr val="accent1"/>
+                </a:solidFill>
+                <a:latin typeface="+mn-lt"/>
+                <a:ea typeface="+mn-ea"/>
+                <a:cs typeface="+mn-cs"/>
+              </a:defRPr>
+            </a:lvl4pPr>
+            <a:lvl5pPr marL="1280160" indent="-182880" algn="l" defTabSz="914400" rtl="0" eaLnBrk="1" latinLnBrk="0" hangingPunct="1">
+              <a:lnSpc>
+                <a:spcPct val="90000"/>
+              </a:lnSpc>
+              <a:spcBef>
+                <a:spcPts val="200"/>
+              </a:spcBef>
+              <a:spcAft>
+                <a:spcPts val="400"/>
+              </a:spcAft>
+              <a:buClr>
+                <a:schemeClr val="accent1"/>
+              </a:buClr>
+              <a:buSzPct val="80000"/>
+              <a:buFont typeface="Corbel" pitchFamily="34" charset="0"/>
+              <a:buChar char="•"/>
+              <a:defRPr sz="1600" kern="1200">
+                <a:solidFill>
+                  <a:schemeClr val="accent1"/>
+                </a:solidFill>
+                <a:latin typeface="+mn-lt"/>
+                <a:ea typeface="+mn-ea"/>
+                <a:cs typeface="+mn-cs"/>
+              </a:defRPr>
+            </a:lvl5pPr>
+            <a:lvl6pPr marL="1600000" indent="-228600" algn="l" defTabSz="914400" rtl="0" eaLnBrk="1" latinLnBrk="0" hangingPunct="1">
+              <a:lnSpc>
+                <a:spcPct val="90000"/>
+              </a:lnSpc>
+              <a:spcBef>
+                <a:spcPts val="200"/>
+              </a:spcBef>
+              <a:spcAft>
+                <a:spcPts val="400"/>
+              </a:spcAft>
+              <a:buClr>
+                <a:schemeClr val="accent1"/>
+              </a:buClr>
+              <a:buSzPct val="80000"/>
+              <a:buFont typeface="Corbel" pitchFamily="34" charset="0"/>
+              <a:buChar char="•"/>
+              <a:defRPr sz="1600" kern="1200">
+                <a:solidFill>
+                  <a:schemeClr val="accent1"/>
+                </a:solidFill>
+                <a:latin typeface="+mn-lt"/>
+                <a:ea typeface="+mn-ea"/>
+                <a:cs typeface="+mn-cs"/>
+              </a:defRPr>
+            </a:lvl6pPr>
+            <a:lvl7pPr marL="1900000" indent="-228600" algn="l" defTabSz="914400" rtl="0" eaLnBrk="1" latinLnBrk="0" hangingPunct="1">
+              <a:lnSpc>
+                <a:spcPct val="90000"/>
+              </a:lnSpc>
+              <a:spcBef>
+                <a:spcPts val="200"/>
+              </a:spcBef>
+              <a:spcAft>
+                <a:spcPts val="400"/>
+              </a:spcAft>
+              <a:buClr>
+                <a:schemeClr val="accent1"/>
+              </a:buClr>
+              <a:buSzPct val="80000"/>
+              <a:buFont typeface="Corbel" pitchFamily="34" charset="0"/>
+              <a:buChar char="•"/>
+              <a:defRPr sz="1600" kern="1200">
+                <a:solidFill>
+                  <a:schemeClr val="accent1"/>
+                </a:solidFill>
+                <a:latin typeface="+mn-lt"/>
+                <a:ea typeface="+mn-ea"/>
+                <a:cs typeface="+mn-cs"/>
+              </a:defRPr>
+            </a:lvl7pPr>
+            <a:lvl8pPr marL="2200000" indent="-228600" algn="l" defTabSz="914400" rtl="0" eaLnBrk="1" latinLnBrk="0" hangingPunct="1">
+              <a:lnSpc>
+                <a:spcPct val="90000"/>
+              </a:lnSpc>
+              <a:spcBef>
+                <a:spcPts val="200"/>
+              </a:spcBef>
+              <a:spcAft>
+                <a:spcPts val="400"/>
+              </a:spcAft>
+              <a:buClr>
+                <a:schemeClr val="accent1"/>
+              </a:buClr>
+              <a:buSzPct val="80000"/>
+              <a:buFont typeface="Corbel" pitchFamily="34" charset="0"/>
+              <a:buChar char="•"/>
+              <a:defRPr sz="1600" kern="1200">
+                <a:solidFill>
+                  <a:schemeClr val="accent1"/>
+                </a:solidFill>
+                <a:latin typeface="+mn-lt"/>
+                <a:ea typeface="+mn-ea"/>
+                <a:cs typeface="+mn-cs"/>
+              </a:defRPr>
+            </a:lvl8pPr>
+            <a:lvl9pPr marL="2500000" indent="-228600" algn="l" defTabSz="914400" rtl="0" eaLnBrk="1" latinLnBrk="0" hangingPunct="1">
+              <a:lnSpc>
+                <a:spcPct val="90000"/>
+              </a:lnSpc>
+              <a:spcBef>
+                <a:spcPts val="200"/>
+              </a:spcBef>
+              <a:spcAft>
+                <a:spcPts val="400"/>
+              </a:spcAft>
+              <a:buClr>
+                <a:schemeClr val="accent1"/>
+              </a:buClr>
+              <a:buSzPct val="80000"/>
+              <a:buFont typeface="Corbel" pitchFamily="34" charset="0"/>
+              <a:buChar char="•"/>
+              <a:defRPr sz="1600" kern="1200">
+                <a:solidFill>
+                  <a:schemeClr val="accent1"/>
+                </a:solidFill>
+                <a:latin typeface="+mn-lt"/>
+                <a:ea typeface="+mn-ea"/>
+                <a:cs typeface="+mn-cs"/>
+              </a:defRPr>
+            </a:lvl9pPr>
+          </a:lstStyle>
+          <a:p>
+            <a:r>
+              <a:rPr lang="de-CH" dirty="0"/>
+              <a:t>Laravel lernen ohne Druck</a:t>
+            </a:r>
+          </a:p>
+          <a:p>
+            <a:endParaRPr lang="de-CH" dirty="0"/>
+          </a:p>
+        </p:txBody>
+      </p:sp>
+    </p:spTree>
+    <p:extLst>
+      <p:ext uri="{BB962C8B-B14F-4D97-AF65-F5344CB8AC3E}">
+        <p14:creationId xmlns:p14="http://schemas.microsoft.com/office/powerpoint/2010/main" val="923782553"/>
       </p:ext>
     </p:extLst>
   </p:cSld>

--- a/04_Präsentation/VueJS_Laravel_website.pptx
+++ b/04_Präsentation/VueJS_Laravel_website.pptx
@@ -6567,7 +6567,7 @@
         <p:spPr>
           <a:xfrm>
             <a:off x="1143000" y="4428050"/>
-            <a:ext cx="9872871" cy="1356360"/>
+            <a:ext cx="9872871" cy="524196"/>
           </a:xfrm>
           <a:prstGeom prst="rect">
             <a:avLst/>

--- a/04_Präsentation/VueJS_Laravel_website.pptx
+++ b/04_Präsentation/VueJS_Laravel_website.pptx
@@ -14,7 +14,8 @@
     <p:sldId id="261" r:id="rId8"/>
     <p:sldId id="265" r:id="rId9"/>
     <p:sldId id="262" r:id="rId10"/>
-    <p:sldId id="263" r:id="rId11"/>
+    <p:sldId id="266" r:id="rId11"/>
+    <p:sldId id="263" r:id="rId12"/>
   </p:sldIdLst>
   <p:sldSz cx="12192000" cy="6858000"/>
   <p:notesSz cx="6858000" cy="9144000"/>
@@ -317,7 +318,7 @@
           <a:p>
             <a:fld id="{D4BC6153-6F2A-4CC2-8D39-3B985E7CB1A0}" type="datetimeFigureOut">
               <a:rPr lang="de-CH" smtClean="0"/>
-              <a:t>01.03.2023</a:t>
+              <a:t>07.03.2023</a:t>
             </a:fld>
             <a:endParaRPr lang="de-CH"/>
           </a:p>
@@ -375,7 +376,7 @@
           <a:p>
             <a:fld id="{ACD5A703-E130-4ADE-A552-D710893C9771}" type="slidenum">
               <a:rPr lang="de-CH" smtClean="0"/>
-              <a:t>‹#›</a:t>
+              <a:t>‹Nr.›</a:t>
             </a:fld>
             <a:endParaRPr lang="de-CH"/>
           </a:p>
@@ -538,7 +539,7 @@
           <a:p>
             <a:fld id="{D4BC6153-6F2A-4CC2-8D39-3B985E7CB1A0}" type="datetimeFigureOut">
               <a:rPr lang="de-CH" smtClean="0"/>
-              <a:t>01.03.2023</a:t>
+              <a:t>07.03.2023</a:t>
             </a:fld>
             <a:endParaRPr lang="de-CH"/>
           </a:p>
@@ -580,7 +581,7 @@
           <a:p>
             <a:fld id="{ACD5A703-E130-4ADE-A552-D710893C9771}" type="slidenum">
               <a:rPr lang="de-CH" smtClean="0"/>
-              <a:t>‹#›</a:t>
+              <a:t>‹Nr.›</a:t>
             </a:fld>
             <a:endParaRPr lang="de-CH"/>
           </a:p>
@@ -718,7 +719,7 @@
           <a:p>
             <a:fld id="{D4BC6153-6F2A-4CC2-8D39-3B985E7CB1A0}" type="datetimeFigureOut">
               <a:rPr lang="de-CH" smtClean="0"/>
-              <a:t>01.03.2023</a:t>
+              <a:t>07.03.2023</a:t>
             </a:fld>
             <a:endParaRPr lang="de-CH"/>
           </a:p>
@@ -760,7 +761,7 @@
           <a:p>
             <a:fld id="{ACD5A703-E130-4ADE-A552-D710893C9771}" type="slidenum">
               <a:rPr lang="de-CH" smtClean="0"/>
-              <a:t>‹#›</a:t>
+              <a:t>‹Nr.›</a:t>
             </a:fld>
             <a:endParaRPr lang="de-CH"/>
           </a:p>
@@ -888,7 +889,7 @@
           <a:p>
             <a:fld id="{D4BC6153-6F2A-4CC2-8D39-3B985E7CB1A0}" type="datetimeFigureOut">
               <a:rPr lang="de-CH" smtClean="0"/>
-              <a:t>01.03.2023</a:t>
+              <a:t>07.03.2023</a:t>
             </a:fld>
             <a:endParaRPr lang="de-CH"/>
           </a:p>
@@ -930,7 +931,7 @@
           <a:p>
             <a:fld id="{ACD5A703-E130-4ADE-A552-D710893C9771}" type="slidenum">
               <a:rPr lang="de-CH" smtClean="0"/>
-              <a:t>‹#›</a:t>
+              <a:t>‹Nr.›</a:t>
             </a:fld>
             <a:endParaRPr lang="de-CH"/>
           </a:p>
@@ -1139,7 +1140,7 @@
           <a:p>
             <a:fld id="{D4BC6153-6F2A-4CC2-8D39-3B985E7CB1A0}" type="datetimeFigureOut">
               <a:rPr lang="de-CH" smtClean="0"/>
-              <a:t>01.03.2023</a:t>
+              <a:t>07.03.2023</a:t>
             </a:fld>
             <a:endParaRPr lang="de-CH"/>
           </a:p>
@@ -1181,7 +1182,7 @@
           <a:p>
             <a:fld id="{ACD5A703-E130-4ADE-A552-D710893C9771}" type="slidenum">
               <a:rPr lang="de-CH" smtClean="0"/>
-              <a:t>‹#›</a:t>
+              <a:t>‹Nr.›</a:t>
             </a:fld>
             <a:endParaRPr lang="de-CH"/>
           </a:p>
@@ -1462,7 +1463,7 @@
           <a:p>
             <a:fld id="{D4BC6153-6F2A-4CC2-8D39-3B985E7CB1A0}" type="datetimeFigureOut">
               <a:rPr lang="de-CH" smtClean="0"/>
-              <a:t>01.03.2023</a:t>
+              <a:t>07.03.2023</a:t>
             </a:fld>
             <a:endParaRPr lang="de-CH"/>
           </a:p>
@@ -1504,7 +1505,7 @@
           <a:p>
             <a:fld id="{ACD5A703-E130-4ADE-A552-D710893C9771}" type="slidenum">
               <a:rPr lang="de-CH" smtClean="0"/>
-              <a:t>‹#›</a:t>
+              <a:t>‹Nr.›</a:t>
             </a:fld>
             <a:endParaRPr lang="de-CH"/>
           </a:p>
@@ -1886,7 +1887,7 @@
           <a:p>
             <a:fld id="{D4BC6153-6F2A-4CC2-8D39-3B985E7CB1A0}" type="datetimeFigureOut">
               <a:rPr lang="de-CH" smtClean="0"/>
-              <a:t>01.03.2023</a:t>
+              <a:t>07.03.2023</a:t>
             </a:fld>
             <a:endParaRPr lang="de-CH"/>
           </a:p>
@@ -1928,7 +1929,7 @@
           <a:p>
             <a:fld id="{ACD5A703-E130-4ADE-A552-D710893C9771}" type="slidenum">
               <a:rPr lang="de-CH" smtClean="0"/>
-              <a:t>‹#›</a:t>
+              <a:t>‹Nr.›</a:t>
             </a:fld>
             <a:endParaRPr lang="de-CH"/>
           </a:p>
@@ -2004,7 +2005,7 @@
           <a:p>
             <a:fld id="{D4BC6153-6F2A-4CC2-8D39-3B985E7CB1A0}" type="datetimeFigureOut">
               <a:rPr lang="de-CH" smtClean="0"/>
-              <a:t>01.03.2023</a:t>
+              <a:t>07.03.2023</a:t>
             </a:fld>
             <a:endParaRPr lang="de-CH"/>
           </a:p>
@@ -2046,7 +2047,7 @@
           <a:p>
             <a:fld id="{ACD5A703-E130-4ADE-A552-D710893C9771}" type="slidenum">
               <a:rPr lang="de-CH" smtClean="0"/>
-              <a:t>‹#›</a:t>
+              <a:t>‹Nr.›</a:t>
             </a:fld>
             <a:endParaRPr lang="de-CH"/>
           </a:p>
@@ -2099,7 +2100,7 @@
           <a:p>
             <a:fld id="{D4BC6153-6F2A-4CC2-8D39-3B985E7CB1A0}" type="datetimeFigureOut">
               <a:rPr lang="de-CH" smtClean="0"/>
-              <a:t>01.03.2023</a:t>
+              <a:t>07.03.2023</a:t>
             </a:fld>
             <a:endParaRPr lang="de-CH"/>
           </a:p>
@@ -2141,7 +2142,7 @@
           <a:p>
             <a:fld id="{ACD5A703-E130-4ADE-A552-D710893C9771}" type="slidenum">
               <a:rPr lang="de-CH" smtClean="0"/>
-              <a:t>‹#›</a:t>
+              <a:t>‹Nr.›</a:t>
             </a:fld>
             <a:endParaRPr lang="de-CH"/>
           </a:p>
@@ -2389,7 +2390,7 @@
           <a:p>
             <a:fld id="{D4BC6153-6F2A-4CC2-8D39-3B985E7CB1A0}" type="datetimeFigureOut">
               <a:rPr lang="de-CH" smtClean="0"/>
-              <a:t>01.03.2023</a:t>
+              <a:t>07.03.2023</a:t>
             </a:fld>
             <a:endParaRPr lang="de-CH"/>
           </a:p>
@@ -2431,7 +2432,7 @@
           <a:p>
             <a:fld id="{ACD5A703-E130-4ADE-A552-D710893C9771}" type="slidenum">
               <a:rPr lang="de-CH" smtClean="0"/>
-              <a:t>‹#›</a:t>
+              <a:t>‹Nr.›</a:t>
             </a:fld>
             <a:endParaRPr lang="de-CH"/>
           </a:p>
@@ -2661,7 +2662,7 @@
           <a:p>
             <a:fld id="{D4BC6153-6F2A-4CC2-8D39-3B985E7CB1A0}" type="datetimeFigureOut">
               <a:rPr lang="de-CH" smtClean="0"/>
-              <a:t>01.03.2023</a:t>
+              <a:t>07.03.2023</a:t>
             </a:fld>
             <a:endParaRPr lang="de-CH"/>
           </a:p>
@@ -2703,7 +2704,7 @@
           <a:p>
             <a:fld id="{ACD5A703-E130-4ADE-A552-D710893C9771}" type="slidenum">
               <a:rPr lang="de-CH" smtClean="0"/>
-              <a:t>‹#›</a:t>
+              <a:t>‹Nr.›</a:t>
             </a:fld>
             <a:endParaRPr lang="de-CH"/>
           </a:p>
@@ -2915,7 +2916,7 @@
           <a:p>
             <a:fld id="{D4BC6153-6F2A-4CC2-8D39-3B985E7CB1A0}" type="datetimeFigureOut">
               <a:rPr lang="de-CH" smtClean="0"/>
-              <a:t>01.03.2023</a:t>
+              <a:t>07.03.2023</a:t>
             </a:fld>
             <a:endParaRPr lang="de-CH"/>
           </a:p>
@@ -2989,7 +2990,7 @@
           <a:p>
             <a:fld id="{ACD5A703-E130-4ADE-A552-D710893C9771}" type="slidenum">
               <a:rPr lang="de-CH" smtClean="0"/>
-              <a:t>‹#›</a:t>
+              <a:t>‹Nr.›</a:t>
             </a:fld>
             <a:endParaRPr lang="de-CH"/>
           </a:p>
@@ -3464,6 +3465,350 @@
       </p:grpSpPr>
       <p:sp>
         <p:nvSpPr>
+          <p:cNvPr id="2" name="Titel 1">
+            <a:extLst>
+              <a:ext uri="{FF2B5EF4-FFF2-40B4-BE49-F238E27FC236}">
+                <a16:creationId xmlns:a16="http://schemas.microsoft.com/office/drawing/2014/main" id="{1AA26961-2D00-425E-911E-FF12FB0B43FD}"/>
+              </a:ext>
+            </a:extLst>
+          </p:cNvPr>
+          <p:cNvSpPr>
+            <a:spLocks noGrp="1"/>
+          </p:cNvSpPr>
+          <p:nvPr>
+            <p:ph type="title"/>
+          </p:nvPr>
+        </p:nvSpPr>
+        <p:spPr/>
+        <p:txBody>
+          <a:bodyPr/>
+          <a:lstStyle/>
+          <a:p>
+            <a:r>
+              <a:rPr lang="de-CH" dirty="0"/>
+              <a:t>Schlusswort vom ganzen Projekt</a:t>
+            </a:r>
+          </a:p>
+        </p:txBody>
+      </p:sp>
+      <p:sp>
+        <p:nvSpPr>
+          <p:cNvPr id="4" name="Content Placeholder 2">
+            <a:extLst>
+              <a:ext uri="{FF2B5EF4-FFF2-40B4-BE49-F238E27FC236}">
+                <a16:creationId xmlns:a16="http://schemas.microsoft.com/office/drawing/2014/main" id="{D2053699-2FFF-45FB-8137-7E0B59587698}"/>
+              </a:ext>
+            </a:extLst>
+          </p:cNvPr>
+          <p:cNvSpPr txBox="1">
+            <a:spLocks/>
+          </p:cNvSpPr>
+          <p:nvPr/>
+        </p:nvSpPr>
+        <p:spPr>
+          <a:xfrm>
+            <a:off x="1077828" y="2234271"/>
+            <a:ext cx="9875520" cy="3041113"/>
+          </a:xfrm>
+          <a:prstGeom prst="rect">
+            <a:avLst/>
+          </a:prstGeom>
+        </p:spPr>
+        <p:txBody>
+          <a:bodyPr vert="horz" lIns="91440" tIns="45720" rIns="91440" bIns="45720" rtlCol="0">
+            <a:normAutofit/>
+          </a:bodyPr>
+          <a:lstStyle>
+            <a:lvl1pPr marL="228600" indent="-182880" algn="l" defTabSz="914400" rtl="0" eaLnBrk="1" latinLnBrk="0" hangingPunct="1">
+              <a:lnSpc>
+                <a:spcPct val="90000"/>
+              </a:lnSpc>
+              <a:spcBef>
+                <a:spcPts val="1400"/>
+              </a:spcBef>
+              <a:buClr>
+                <a:schemeClr val="accent1"/>
+              </a:buClr>
+              <a:buSzPct val="80000"/>
+              <a:buFont typeface="Corbel" pitchFamily="34" charset="0"/>
+              <a:buChar char="•"/>
+              <a:defRPr sz="2200" kern="1200">
+                <a:solidFill>
+                  <a:schemeClr val="accent1"/>
+                </a:solidFill>
+                <a:latin typeface="+mn-lt"/>
+                <a:ea typeface="+mn-ea"/>
+                <a:cs typeface="+mn-cs"/>
+              </a:defRPr>
+            </a:lvl1pPr>
+            <a:lvl2pPr marL="457200" indent="-182880" algn="l" defTabSz="914400" rtl="0" eaLnBrk="1" latinLnBrk="0" hangingPunct="1">
+              <a:lnSpc>
+                <a:spcPct val="90000"/>
+              </a:lnSpc>
+              <a:spcBef>
+                <a:spcPts val="200"/>
+              </a:spcBef>
+              <a:spcAft>
+                <a:spcPts val="400"/>
+              </a:spcAft>
+              <a:buClr>
+                <a:schemeClr val="accent1"/>
+              </a:buClr>
+              <a:buSzPct val="80000"/>
+              <a:buFont typeface="Corbel" pitchFamily="34" charset="0"/>
+              <a:buChar char="•"/>
+              <a:defRPr sz="2000" kern="1200">
+                <a:solidFill>
+                  <a:schemeClr val="accent1"/>
+                </a:solidFill>
+                <a:latin typeface="+mn-lt"/>
+                <a:ea typeface="+mn-ea"/>
+                <a:cs typeface="+mn-cs"/>
+              </a:defRPr>
+            </a:lvl2pPr>
+            <a:lvl3pPr marL="731520" indent="-182880" algn="l" defTabSz="914400" rtl="0" eaLnBrk="1" latinLnBrk="0" hangingPunct="1">
+              <a:lnSpc>
+                <a:spcPct val="90000"/>
+              </a:lnSpc>
+              <a:spcBef>
+                <a:spcPts val="200"/>
+              </a:spcBef>
+              <a:spcAft>
+                <a:spcPts val="400"/>
+              </a:spcAft>
+              <a:buClr>
+                <a:schemeClr val="accent1"/>
+              </a:buClr>
+              <a:buSzPct val="80000"/>
+              <a:buFont typeface="Corbel" pitchFamily="34" charset="0"/>
+              <a:buChar char="•"/>
+              <a:defRPr sz="1800" kern="1200">
+                <a:solidFill>
+                  <a:schemeClr val="accent1"/>
+                </a:solidFill>
+                <a:latin typeface="+mn-lt"/>
+                <a:ea typeface="+mn-ea"/>
+                <a:cs typeface="+mn-cs"/>
+              </a:defRPr>
+            </a:lvl3pPr>
+            <a:lvl4pPr marL="1005840" indent="-182880" algn="l" defTabSz="914400" rtl="0" eaLnBrk="1" latinLnBrk="0" hangingPunct="1">
+              <a:lnSpc>
+                <a:spcPct val="90000"/>
+              </a:lnSpc>
+              <a:spcBef>
+                <a:spcPts val="200"/>
+              </a:spcBef>
+              <a:spcAft>
+                <a:spcPts val="400"/>
+              </a:spcAft>
+              <a:buClr>
+                <a:schemeClr val="accent1"/>
+              </a:buClr>
+              <a:buSzPct val="80000"/>
+              <a:buFont typeface="Corbel" pitchFamily="34" charset="0"/>
+              <a:buChar char="•"/>
+              <a:defRPr sz="1600" kern="1200">
+                <a:solidFill>
+                  <a:schemeClr val="accent1"/>
+                </a:solidFill>
+                <a:latin typeface="+mn-lt"/>
+                <a:ea typeface="+mn-ea"/>
+                <a:cs typeface="+mn-cs"/>
+              </a:defRPr>
+            </a:lvl4pPr>
+            <a:lvl5pPr marL="1280160" indent="-182880" algn="l" defTabSz="914400" rtl="0" eaLnBrk="1" latinLnBrk="0" hangingPunct="1">
+              <a:lnSpc>
+                <a:spcPct val="90000"/>
+              </a:lnSpc>
+              <a:spcBef>
+                <a:spcPts val="200"/>
+              </a:spcBef>
+              <a:spcAft>
+                <a:spcPts val="400"/>
+              </a:spcAft>
+              <a:buClr>
+                <a:schemeClr val="accent1"/>
+              </a:buClr>
+              <a:buSzPct val="80000"/>
+              <a:buFont typeface="Corbel" pitchFamily="34" charset="0"/>
+              <a:buChar char="•"/>
+              <a:defRPr sz="1600" kern="1200">
+                <a:solidFill>
+                  <a:schemeClr val="accent1"/>
+                </a:solidFill>
+                <a:latin typeface="+mn-lt"/>
+                <a:ea typeface="+mn-ea"/>
+                <a:cs typeface="+mn-cs"/>
+              </a:defRPr>
+            </a:lvl5pPr>
+            <a:lvl6pPr marL="1600000" indent="-228600" algn="l" defTabSz="914400" rtl="0" eaLnBrk="1" latinLnBrk="0" hangingPunct="1">
+              <a:lnSpc>
+                <a:spcPct val="90000"/>
+              </a:lnSpc>
+              <a:spcBef>
+                <a:spcPts val="200"/>
+              </a:spcBef>
+              <a:spcAft>
+                <a:spcPts val="400"/>
+              </a:spcAft>
+              <a:buClr>
+                <a:schemeClr val="accent1"/>
+              </a:buClr>
+              <a:buSzPct val="80000"/>
+              <a:buFont typeface="Corbel" pitchFamily="34" charset="0"/>
+              <a:buChar char="•"/>
+              <a:defRPr sz="1600" kern="1200">
+                <a:solidFill>
+                  <a:schemeClr val="accent1"/>
+                </a:solidFill>
+                <a:latin typeface="+mn-lt"/>
+                <a:ea typeface="+mn-ea"/>
+                <a:cs typeface="+mn-cs"/>
+              </a:defRPr>
+            </a:lvl6pPr>
+            <a:lvl7pPr marL="1900000" indent="-228600" algn="l" defTabSz="914400" rtl="0" eaLnBrk="1" latinLnBrk="0" hangingPunct="1">
+              <a:lnSpc>
+                <a:spcPct val="90000"/>
+              </a:lnSpc>
+              <a:spcBef>
+                <a:spcPts val="200"/>
+              </a:spcBef>
+              <a:spcAft>
+                <a:spcPts val="400"/>
+              </a:spcAft>
+              <a:buClr>
+                <a:schemeClr val="accent1"/>
+              </a:buClr>
+              <a:buSzPct val="80000"/>
+              <a:buFont typeface="Corbel" pitchFamily="34" charset="0"/>
+              <a:buChar char="•"/>
+              <a:defRPr sz="1600" kern="1200">
+                <a:solidFill>
+                  <a:schemeClr val="accent1"/>
+                </a:solidFill>
+                <a:latin typeface="+mn-lt"/>
+                <a:ea typeface="+mn-ea"/>
+                <a:cs typeface="+mn-cs"/>
+              </a:defRPr>
+            </a:lvl7pPr>
+            <a:lvl8pPr marL="2200000" indent="-228600" algn="l" defTabSz="914400" rtl="0" eaLnBrk="1" latinLnBrk="0" hangingPunct="1">
+              <a:lnSpc>
+                <a:spcPct val="90000"/>
+              </a:lnSpc>
+              <a:spcBef>
+                <a:spcPts val="200"/>
+              </a:spcBef>
+              <a:spcAft>
+                <a:spcPts val="400"/>
+              </a:spcAft>
+              <a:buClr>
+                <a:schemeClr val="accent1"/>
+              </a:buClr>
+              <a:buSzPct val="80000"/>
+              <a:buFont typeface="Corbel" pitchFamily="34" charset="0"/>
+              <a:buChar char="•"/>
+              <a:defRPr sz="1600" kern="1200">
+                <a:solidFill>
+                  <a:schemeClr val="accent1"/>
+                </a:solidFill>
+                <a:latin typeface="+mn-lt"/>
+                <a:ea typeface="+mn-ea"/>
+                <a:cs typeface="+mn-cs"/>
+              </a:defRPr>
+            </a:lvl8pPr>
+            <a:lvl9pPr marL="2500000" indent="-228600" algn="l" defTabSz="914400" rtl="0" eaLnBrk="1" latinLnBrk="0" hangingPunct="1">
+              <a:lnSpc>
+                <a:spcPct val="90000"/>
+              </a:lnSpc>
+              <a:spcBef>
+                <a:spcPts val="200"/>
+              </a:spcBef>
+              <a:spcAft>
+                <a:spcPts val="400"/>
+              </a:spcAft>
+              <a:buClr>
+                <a:schemeClr val="accent1"/>
+              </a:buClr>
+              <a:buSzPct val="80000"/>
+              <a:buFont typeface="Corbel" pitchFamily="34" charset="0"/>
+              <a:buChar char="•"/>
+              <a:defRPr sz="1600" kern="1200">
+                <a:solidFill>
+                  <a:schemeClr val="accent1"/>
+                </a:solidFill>
+                <a:latin typeface="+mn-lt"/>
+                <a:ea typeface="+mn-ea"/>
+                <a:cs typeface="+mn-cs"/>
+              </a:defRPr>
+            </a:lvl9pPr>
+          </a:lstStyle>
+          <a:p>
+            <a:r>
+              <a:rPr lang="de-CH" dirty="0"/>
+              <a:t>Gelerntes</a:t>
+            </a:r>
+          </a:p>
+          <a:p>
+            <a:r>
+              <a:rPr lang="de-CH" dirty="0"/>
+              <a:t>Erste Erfahrungen mit einem richtigen Projekt (Planung, Front-Backend …)</a:t>
+            </a:r>
+          </a:p>
+          <a:p>
+            <a:r>
+              <a:rPr lang="de-CH" dirty="0"/>
+              <a:t>Hat Spass gemacht</a:t>
+            </a:r>
+          </a:p>
+          <a:p>
+            <a:endParaRPr lang="de-CH" dirty="0"/>
+          </a:p>
+          <a:p>
+            <a:endParaRPr lang="de-CH" dirty="0"/>
+          </a:p>
+          <a:p>
+            <a:endParaRPr lang="de-CH" dirty="0"/>
+          </a:p>
+          <a:p>
+            <a:endParaRPr lang="de-CH" dirty="0"/>
+          </a:p>
+          <a:p>
+            <a:endParaRPr lang="de-CH" dirty="0"/>
+          </a:p>
+        </p:txBody>
+      </p:sp>
+    </p:spTree>
+    <p:extLst>
+      <p:ext uri="{BB962C8B-B14F-4D97-AF65-F5344CB8AC3E}">
+        <p14:creationId xmlns:p14="http://schemas.microsoft.com/office/powerpoint/2010/main" val="2629528562"/>
+      </p:ext>
+    </p:extLst>
+  </p:cSld>
+  <p:clrMapOvr>
+    <a:masterClrMapping/>
+  </p:clrMapOvr>
+</p:sld>
+</file>
+
+<file path=ppt/slides/slide11.xml><?xml version="1.0" encoding="utf-8"?>
+<p:sld xmlns:a="http://schemas.openxmlformats.org/drawingml/2006/main" xmlns:r="http://schemas.openxmlformats.org/officeDocument/2006/relationships" xmlns:p="http://schemas.openxmlformats.org/presentationml/2006/main">
+  <p:cSld>
+    <p:spTree>
+      <p:nvGrpSpPr>
+        <p:cNvPr id="1" name=""/>
+        <p:cNvGrpSpPr/>
+        <p:nvPr/>
+      </p:nvGrpSpPr>
+      <p:grpSpPr>
+        <a:xfrm>
+          <a:off x="0" y="0"/>
+          <a:ext cx="0" cy="0"/>
+          <a:chOff x="0" y="0"/>
+          <a:chExt cx="0" cy="0"/>
+        </a:xfrm>
+      </p:grpSpPr>
+      <p:sp>
+        <p:nvSpPr>
           <p:cNvPr id="2" name="Title 1">
             <a:extLst>
               <a:ext uri="{FF2B5EF4-FFF2-40B4-BE49-F238E27FC236}">
@@ -5551,6 +5896,9 @@
               <a:t>Hatte schon Kenntnisse</a:t>
             </a:r>
           </a:p>
+          <a:p>
+            <a:endParaRPr lang="de-CH" dirty="0"/>
+          </a:p>
         </p:txBody>
       </p:sp>
     </p:spTree>
@@ -6434,8 +6782,17 @@
           <a:p>
             <a:r>
               <a:rPr lang="de-CH" dirty="0"/>
-              <a:t>Hatte viele Probleme</a:t>
-            </a:r>
+              <a:t>Hatte viele Probleme mit dem Erstellen des Projektes</a:t>
+            </a:r>
+          </a:p>
+          <a:p>
+            <a:r>
+              <a:rPr lang="de-CH" dirty="0"/>
+              <a:t>Keine Erfahrung</a:t>
+            </a:r>
+          </a:p>
+          <a:p>
+            <a:endParaRPr lang="de-CH" dirty="0"/>
           </a:p>
         </p:txBody>
       </p:sp>
@@ -6492,7 +6849,7 @@
           <a:p>
             <a:r>
               <a:rPr lang="de-CH" dirty="0"/>
-              <a:t>Schwierigkeiten und Schlusswort</a:t>
+              <a:t>Schwierigkeiten und</a:t>
             </a:r>
           </a:p>
         </p:txBody>
@@ -6539,7 +6896,7 @@
           <a:p>
             <a:r>
               <a:rPr lang="de-CH" dirty="0"/>
-              <a:t>Beschlossen Laravel von 0 angefangen</a:t>
+              <a:t>Beschlossen Laravel von 0 anzufangen</a:t>
             </a:r>
           </a:p>
           <a:p>
@@ -6547,268 +6904,6 @@
               <a:rPr lang="de-CH" dirty="0"/>
               <a:t>Brauchte sehr lange zum lernen</a:t>
             </a:r>
-          </a:p>
-        </p:txBody>
-      </p:sp>
-      <p:sp>
-        <p:nvSpPr>
-          <p:cNvPr id="4" name="Content Placeholder 2">
-            <a:extLst>
-              <a:ext uri="{FF2B5EF4-FFF2-40B4-BE49-F238E27FC236}">
-                <a16:creationId xmlns:a16="http://schemas.microsoft.com/office/drawing/2014/main" id="{EEE25145-9199-90E1-5B40-462BAA1F19BD}"/>
-              </a:ext>
-            </a:extLst>
-          </p:cNvPr>
-          <p:cNvSpPr txBox="1">
-            <a:spLocks/>
-          </p:cNvSpPr>
-          <p:nvPr/>
-        </p:nvSpPr>
-        <p:spPr>
-          <a:xfrm>
-            <a:off x="1143000" y="4428050"/>
-            <a:ext cx="9872871" cy="524196"/>
-          </a:xfrm>
-          <a:prstGeom prst="rect">
-            <a:avLst/>
-          </a:prstGeom>
-        </p:spPr>
-        <p:txBody>
-          <a:bodyPr vert="horz" lIns="91440" tIns="45720" rIns="91440" bIns="45720" rtlCol="0">
-            <a:normAutofit/>
-          </a:bodyPr>
-          <a:lstStyle>
-            <a:lvl1pPr marL="228600" indent="-182880" algn="l" defTabSz="914400" rtl="0" eaLnBrk="1" latinLnBrk="0" hangingPunct="1">
-              <a:lnSpc>
-                <a:spcPct val="90000"/>
-              </a:lnSpc>
-              <a:spcBef>
-                <a:spcPts val="1400"/>
-              </a:spcBef>
-              <a:buClr>
-                <a:schemeClr val="accent1"/>
-              </a:buClr>
-              <a:buSzPct val="80000"/>
-              <a:buFont typeface="Corbel" pitchFamily="34" charset="0"/>
-              <a:buChar char="•"/>
-              <a:defRPr sz="2200" kern="1200">
-                <a:solidFill>
-                  <a:schemeClr val="accent1"/>
-                </a:solidFill>
-                <a:latin typeface="+mn-lt"/>
-                <a:ea typeface="+mn-ea"/>
-                <a:cs typeface="+mn-cs"/>
-              </a:defRPr>
-            </a:lvl1pPr>
-            <a:lvl2pPr marL="457200" indent="-182880" algn="l" defTabSz="914400" rtl="0" eaLnBrk="1" latinLnBrk="0" hangingPunct="1">
-              <a:lnSpc>
-                <a:spcPct val="90000"/>
-              </a:lnSpc>
-              <a:spcBef>
-                <a:spcPts val="200"/>
-              </a:spcBef>
-              <a:spcAft>
-                <a:spcPts val="400"/>
-              </a:spcAft>
-              <a:buClr>
-                <a:schemeClr val="accent1"/>
-              </a:buClr>
-              <a:buSzPct val="80000"/>
-              <a:buFont typeface="Corbel" pitchFamily="34" charset="0"/>
-              <a:buChar char="•"/>
-              <a:defRPr sz="2000" kern="1200">
-                <a:solidFill>
-                  <a:schemeClr val="accent1"/>
-                </a:solidFill>
-                <a:latin typeface="+mn-lt"/>
-                <a:ea typeface="+mn-ea"/>
-                <a:cs typeface="+mn-cs"/>
-              </a:defRPr>
-            </a:lvl2pPr>
-            <a:lvl3pPr marL="731520" indent="-182880" algn="l" defTabSz="914400" rtl="0" eaLnBrk="1" latinLnBrk="0" hangingPunct="1">
-              <a:lnSpc>
-                <a:spcPct val="90000"/>
-              </a:lnSpc>
-              <a:spcBef>
-                <a:spcPts val="200"/>
-              </a:spcBef>
-              <a:spcAft>
-                <a:spcPts val="400"/>
-              </a:spcAft>
-              <a:buClr>
-                <a:schemeClr val="accent1"/>
-              </a:buClr>
-              <a:buSzPct val="80000"/>
-              <a:buFont typeface="Corbel" pitchFamily="34" charset="0"/>
-              <a:buChar char="•"/>
-              <a:defRPr sz="1800" kern="1200">
-                <a:solidFill>
-                  <a:schemeClr val="accent1"/>
-                </a:solidFill>
-                <a:latin typeface="+mn-lt"/>
-                <a:ea typeface="+mn-ea"/>
-                <a:cs typeface="+mn-cs"/>
-              </a:defRPr>
-            </a:lvl3pPr>
-            <a:lvl4pPr marL="1005840" indent="-182880" algn="l" defTabSz="914400" rtl="0" eaLnBrk="1" latinLnBrk="0" hangingPunct="1">
-              <a:lnSpc>
-                <a:spcPct val="90000"/>
-              </a:lnSpc>
-              <a:spcBef>
-                <a:spcPts val="200"/>
-              </a:spcBef>
-              <a:spcAft>
-                <a:spcPts val="400"/>
-              </a:spcAft>
-              <a:buClr>
-                <a:schemeClr val="accent1"/>
-              </a:buClr>
-              <a:buSzPct val="80000"/>
-              <a:buFont typeface="Corbel" pitchFamily="34" charset="0"/>
-              <a:buChar char="•"/>
-              <a:defRPr sz="1600" kern="1200">
-                <a:solidFill>
-                  <a:schemeClr val="accent1"/>
-                </a:solidFill>
-                <a:latin typeface="+mn-lt"/>
-                <a:ea typeface="+mn-ea"/>
-                <a:cs typeface="+mn-cs"/>
-              </a:defRPr>
-            </a:lvl4pPr>
-            <a:lvl5pPr marL="1280160" indent="-182880" algn="l" defTabSz="914400" rtl="0" eaLnBrk="1" latinLnBrk="0" hangingPunct="1">
-              <a:lnSpc>
-                <a:spcPct val="90000"/>
-              </a:lnSpc>
-              <a:spcBef>
-                <a:spcPts val="200"/>
-              </a:spcBef>
-              <a:spcAft>
-                <a:spcPts val="400"/>
-              </a:spcAft>
-              <a:buClr>
-                <a:schemeClr val="accent1"/>
-              </a:buClr>
-              <a:buSzPct val="80000"/>
-              <a:buFont typeface="Corbel" pitchFamily="34" charset="0"/>
-              <a:buChar char="•"/>
-              <a:defRPr sz="1600" kern="1200">
-                <a:solidFill>
-                  <a:schemeClr val="accent1"/>
-                </a:solidFill>
-                <a:latin typeface="+mn-lt"/>
-                <a:ea typeface="+mn-ea"/>
-                <a:cs typeface="+mn-cs"/>
-              </a:defRPr>
-            </a:lvl5pPr>
-            <a:lvl6pPr marL="1600000" indent="-228600" algn="l" defTabSz="914400" rtl="0" eaLnBrk="1" latinLnBrk="0" hangingPunct="1">
-              <a:lnSpc>
-                <a:spcPct val="90000"/>
-              </a:lnSpc>
-              <a:spcBef>
-                <a:spcPts val="200"/>
-              </a:spcBef>
-              <a:spcAft>
-                <a:spcPts val="400"/>
-              </a:spcAft>
-              <a:buClr>
-                <a:schemeClr val="accent1"/>
-              </a:buClr>
-              <a:buSzPct val="80000"/>
-              <a:buFont typeface="Corbel" pitchFamily="34" charset="0"/>
-              <a:buChar char="•"/>
-              <a:defRPr sz="1600" kern="1200">
-                <a:solidFill>
-                  <a:schemeClr val="accent1"/>
-                </a:solidFill>
-                <a:latin typeface="+mn-lt"/>
-                <a:ea typeface="+mn-ea"/>
-                <a:cs typeface="+mn-cs"/>
-              </a:defRPr>
-            </a:lvl6pPr>
-            <a:lvl7pPr marL="1900000" indent="-228600" algn="l" defTabSz="914400" rtl="0" eaLnBrk="1" latinLnBrk="0" hangingPunct="1">
-              <a:lnSpc>
-                <a:spcPct val="90000"/>
-              </a:lnSpc>
-              <a:spcBef>
-                <a:spcPts val="200"/>
-              </a:spcBef>
-              <a:spcAft>
-                <a:spcPts val="400"/>
-              </a:spcAft>
-              <a:buClr>
-                <a:schemeClr val="accent1"/>
-              </a:buClr>
-              <a:buSzPct val="80000"/>
-              <a:buFont typeface="Corbel" pitchFamily="34" charset="0"/>
-              <a:buChar char="•"/>
-              <a:defRPr sz="1600" kern="1200">
-                <a:solidFill>
-                  <a:schemeClr val="accent1"/>
-                </a:solidFill>
-                <a:latin typeface="+mn-lt"/>
-                <a:ea typeface="+mn-ea"/>
-                <a:cs typeface="+mn-cs"/>
-              </a:defRPr>
-            </a:lvl7pPr>
-            <a:lvl8pPr marL="2200000" indent="-228600" algn="l" defTabSz="914400" rtl="0" eaLnBrk="1" latinLnBrk="0" hangingPunct="1">
-              <a:lnSpc>
-                <a:spcPct val="90000"/>
-              </a:lnSpc>
-              <a:spcBef>
-                <a:spcPts val="200"/>
-              </a:spcBef>
-              <a:spcAft>
-                <a:spcPts val="400"/>
-              </a:spcAft>
-              <a:buClr>
-                <a:schemeClr val="accent1"/>
-              </a:buClr>
-              <a:buSzPct val="80000"/>
-              <a:buFont typeface="Corbel" pitchFamily="34" charset="0"/>
-              <a:buChar char="•"/>
-              <a:defRPr sz="1600" kern="1200">
-                <a:solidFill>
-                  <a:schemeClr val="accent1"/>
-                </a:solidFill>
-                <a:latin typeface="+mn-lt"/>
-                <a:ea typeface="+mn-ea"/>
-                <a:cs typeface="+mn-cs"/>
-              </a:defRPr>
-            </a:lvl8pPr>
-            <a:lvl9pPr marL="2500000" indent="-228600" algn="l" defTabSz="914400" rtl="0" eaLnBrk="1" latinLnBrk="0" hangingPunct="1">
-              <a:lnSpc>
-                <a:spcPct val="90000"/>
-              </a:lnSpc>
-              <a:spcBef>
-                <a:spcPts val="200"/>
-              </a:spcBef>
-              <a:spcAft>
-                <a:spcPts val="400"/>
-              </a:spcAft>
-              <a:buClr>
-                <a:schemeClr val="accent1"/>
-              </a:buClr>
-              <a:buSzPct val="80000"/>
-              <a:buFont typeface="Corbel" pitchFamily="34" charset="0"/>
-              <a:buChar char="•"/>
-              <a:defRPr sz="1600" kern="1200">
-                <a:solidFill>
-                  <a:schemeClr val="accent1"/>
-                </a:solidFill>
-                <a:latin typeface="+mn-lt"/>
-                <a:ea typeface="+mn-ea"/>
-                <a:cs typeface="+mn-cs"/>
-              </a:defRPr>
-            </a:lvl9pPr>
-          </a:lstStyle>
-          <a:p>
-            <a:r>
-              <a:rPr lang="de-CH" dirty="0"/>
-              <a:t>Laravel lernen ohne Druck</a:t>
-            </a:r>
-          </a:p>
-          <a:p>
-            <a:endParaRPr lang="de-CH" dirty="0"/>
           </a:p>
         </p:txBody>
       </p:sp>

--- a/04_Präsentation/VueJS_Laravel_website.pptx
+++ b/04_Präsentation/VueJS_Laravel_website.pptx
@@ -8,14 +8,17 @@
     <p:sldId id="256" r:id="rId2"/>
     <p:sldId id="257" r:id="rId3"/>
     <p:sldId id="258" r:id="rId4"/>
-    <p:sldId id="259" r:id="rId5"/>
-    <p:sldId id="260" r:id="rId6"/>
-    <p:sldId id="264" r:id="rId7"/>
-    <p:sldId id="261" r:id="rId8"/>
-    <p:sldId id="265" r:id="rId9"/>
-    <p:sldId id="262" r:id="rId10"/>
-    <p:sldId id="266" r:id="rId11"/>
-    <p:sldId id="263" r:id="rId12"/>
+    <p:sldId id="260" r:id="rId5"/>
+    <p:sldId id="264" r:id="rId6"/>
+    <p:sldId id="261" r:id="rId7"/>
+    <p:sldId id="265" r:id="rId8"/>
+    <p:sldId id="267" r:id="rId9"/>
+    <p:sldId id="268" r:id="rId10"/>
+    <p:sldId id="259" r:id="rId11"/>
+    <p:sldId id="262" r:id="rId12"/>
+    <p:sldId id="266" r:id="rId13"/>
+    <p:sldId id="263" r:id="rId14"/>
+    <p:sldId id="269" r:id="rId15"/>
   </p:sldIdLst>
   <p:sldSz cx="12192000" cy="6858000"/>
   <p:notesSz cx="6858000" cy="9144000"/>
@@ -318,7 +321,7 @@
           <a:p>
             <a:fld id="{D4BC6153-6F2A-4CC2-8D39-3B985E7CB1A0}" type="datetimeFigureOut">
               <a:rPr lang="de-CH" smtClean="0"/>
-              <a:t>07.03.2023</a:t>
+              <a:t>08.03.2023</a:t>
             </a:fld>
             <a:endParaRPr lang="de-CH"/>
           </a:p>
@@ -539,7 +542,7 @@
           <a:p>
             <a:fld id="{D4BC6153-6F2A-4CC2-8D39-3B985E7CB1A0}" type="datetimeFigureOut">
               <a:rPr lang="de-CH" smtClean="0"/>
-              <a:t>07.03.2023</a:t>
+              <a:t>08.03.2023</a:t>
             </a:fld>
             <a:endParaRPr lang="de-CH"/>
           </a:p>
@@ -719,7 +722,7 @@
           <a:p>
             <a:fld id="{D4BC6153-6F2A-4CC2-8D39-3B985E7CB1A0}" type="datetimeFigureOut">
               <a:rPr lang="de-CH" smtClean="0"/>
-              <a:t>07.03.2023</a:t>
+              <a:t>08.03.2023</a:t>
             </a:fld>
             <a:endParaRPr lang="de-CH"/>
           </a:p>
@@ -889,7 +892,7 @@
           <a:p>
             <a:fld id="{D4BC6153-6F2A-4CC2-8D39-3B985E7CB1A0}" type="datetimeFigureOut">
               <a:rPr lang="de-CH" smtClean="0"/>
-              <a:t>07.03.2023</a:t>
+              <a:t>08.03.2023</a:t>
             </a:fld>
             <a:endParaRPr lang="de-CH"/>
           </a:p>
@@ -1140,7 +1143,7 @@
           <a:p>
             <a:fld id="{D4BC6153-6F2A-4CC2-8D39-3B985E7CB1A0}" type="datetimeFigureOut">
               <a:rPr lang="de-CH" smtClean="0"/>
-              <a:t>07.03.2023</a:t>
+              <a:t>08.03.2023</a:t>
             </a:fld>
             <a:endParaRPr lang="de-CH"/>
           </a:p>
@@ -1463,7 +1466,7 @@
           <a:p>
             <a:fld id="{D4BC6153-6F2A-4CC2-8D39-3B985E7CB1A0}" type="datetimeFigureOut">
               <a:rPr lang="de-CH" smtClean="0"/>
-              <a:t>07.03.2023</a:t>
+              <a:t>08.03.2023</a:t>
             </a:fld>
             <a:endParaRPr lang="de-CH"/>
           </a:p>
@@ -1887,7 +1890,7 @@
           <a:p>
             <a:fld id="{D4BC6153-6F2A-4CC2-8D39-3B985E7CB1A0}" type="datetimeFigureOut">
               <a:rPr lang="de-CH" smtClean="0"/>
-              <a:t>07.03.2023</a:t>
+              <a:t>08.03.2023</a:t>
             </a:fld>
             <a:endParaRPr lang="de-CH"/>
           </a:p>
@@ -2005,7 +2008,7 @@
           <a:p>
             <a:fld id="{D4BC6153-6F2A-4CC2-8D39-3B985E7CB1A0}" type="datetimeFigureOut">
               <a:rPr lang="de-CH" smtClean="0"/>
-              <a:t>07.03.2023</a:t>
+              <a:t>08.03.2023</a:t>
             </a:fld>
             <a:endParaRPr lang="de-CH"/>
           </a:p>
@@ -2100,7 +2103,7 @@
           <a:p>
             <a:fld id="{D4BC6153-6F2A-4CC2-8D39-3B985E7CB1A0}" type="datetimeFigureOut">
               <a:rPr lang="de-CH" smtClean="0"/>
-              <a:t>07.03.2023</a:t>
+              <a:t>08.03.2023</a:t>
             </a:fld>
             <a:endParaRPr lang="de-CH"/>
           </a:p>
@@ -2390,7 +2393,7 @@
           <a:p>
             <a:fld id="{D4BC6153-6F2A-4CC2-8D39-3B985E7CB1A0}" type="datetimeFigureOut">
               <a:rPr lang="de-CH" smtClean="0"/>
-              <a:t>07.03.2023</a:t>
+              <a:t>08.03.2023</a:t>
             </a:fld>
             <a:endParaRPr lang="de-CH"/>
           </a:p>
@@ -2662,7 +2665,7 @@
           <a:p>
             <a:fld id="{D4BC6153-6F2A-4CC2-8D39-3B985E7CB1A0}" type="datetimeFigureOut">
               <a:rPr lang="de-CH" smtClean="0"/>
-              <a:t>07.03.2023</a:t>
+              <a:t>08.03.2023</a:t>
             </a:fld>
             <a:endParaRPr lang="de-CH"/>
           </a:p>
@@ -2916,7 +2919,7 @@
           <a:p>
             <a:fld id="{D4BC6153-6F2A-4CC2-8D39-3B985E7CB1A0}" type="datetimeFigureOut">
               <a:rPr lang="de-CH" smtClean="0"/>
-              <a:t>07.03.2023</a:t>
+              <a:t>08.03.2023</a:t>
             </a:fld>
             <a:endParaRPr lang="de-CH"/>
           </a:p>
@@ -3405,34 +3408,6 @@
           </a:p>
         </p:txBody>
       </p:sp>
-      <p:sp>
-        <p:nvSpPr>
-          <p:cNvPr id="3" name="Subtitle 2">
-            <a:extLst>
-              <a:ext uri="{FF2B5EF4-FFF2-40B4-BE49-F238E27FC236}">
-                <a16:creationId xmlns:a16="http://schemas.microsoft.com/office/drawing/2014/main" id="{84BBD208-B420-ACFA-8AA3-D25B127B58D3}"/>
-              </a:ext>
-            </a:extLst>
-          </p:cNvPr>
-          <p:cNvSpPr>
-            <a:spLocks noGrp="1"/>
-          </p:cNvSpPr>
-          <p:nvPr>
-            <p:ph type="subTitle" idx="1"/>
-          </p:nvPr>
-        </p:nvSpPr>
-        <p:spPr/>
-        <p:txBody>
-          <a:bodyPr/>
-          <a:lstStyle/>
-          <a:p>
-            <a:r>
-              <a:rPr lang="de-CH" dirty="0"/>
-              <a:t>VueJS und Laravel</a:t>
-            </a:r>
-          </a:p>
-        </p:txBody>
-      </p:sp>
     </p:spTree>
     <p:extLst>
       <p:ext uri="{BB962C8B-B14F-4D97-AF65-F5344CB8AC3E}">
@@ -3447,937 +3422,6 @@
 </file>
 
 <file path=ppt/slides/slide10.xml><?xml version="1.0" encoding="utf-8"?>
-<p:sld xmlns:a="http://schemas.openxmlformats.org/drawingml/2006/main" xmlns:r="http://schemas.openxmlformats.org/officeDocument/2006/relationships" xmlns:p="http://schemas.openxmlformats.org/presentationml/2006/main">
-  <p:cSld>
-    <p:spTree>
-      <p:nvGrpSpPr>
-        <p:cNvPr id="1" name=""/>
-        <p:cNvGrpSpPr/>
-        <p:nvPr/>
-      </p:nvGrpSpPr>
-      <p:grpSpPr>
-        <a:xfrm>
-          <a:off x="0" y="0"/>
-          <a:ext cx="0" cy="0"/>
-          <a:chOff x="0" y="0"/>
-          <a:chExt cx="0" cy="0"/>
-        </a:xfrm>
-      </p:grpSpPr>
-      <p:sp>
-        <p:nvSpPr>
-          <p:cNvPr id="2" name="Titel 1">
-            <a:extLst>
-              <a:ext uri="{FF2B5EF4-FFF2-40B4-BE49-F238E27FC236}">
-                <a16:creationId xmlns:a16="http://schemas.microsoft.com/office/drawing/2014/main" id="{1AA26961-2D00-425E-911E-FF12FB0B43FD}"/>
-              </a:ext>
-            </a:extLst>
-          </p:cNvPr>
-          <p:cNvSpPr>
-            <a:spLocks noGrp="1"/>
-          </p:cNvSpPr>
-          <p:nvPr>
-            <p:ph type="title"/>
-          </p:nvPr>
-        </p:nvSpPr>
-        <p:spPr/>
-        <p:txBody>
-          <a:bodyPr/>
-          <a:lstStyle/>
-          <a:p>
-            <a:r>
-              <a:rPr lang="de-CH" dirty="0"/>
-              <a:t>Schlusswort vom ganzen Projekt</a:t>
-            </a:r>
-          </a:p>
-        </p:txBody>
-      </p:sp>
-      <p:sp>
-        <p:nvSpPr>
-          <p:cNvPr id="4" name="Content Placeholder 2">
-            <a:extLst>
-              <a:ext uri="{FF2B5EF4-FFF2-40B4-BE49-F238E27FC236}">
-                <a16:creationId xmlns:a16="http://schemas.microsoft.com/office/drawing/2014/main" id="{D2053699-2FFF-45FB-8137-7E0B59587698}"/>
-              </a:ext>
-            </a:extLst>
-          </p:cNvPr>
-          <p:cNvSpPr txBox="1">
-            <a:spLocks/>
-          </p:cNvSpPr>
-          <p:nvPr/>
-        </p:nvSpPr>
-        <p:spPr>
-          <a:xfrm>
-            <a:off x="1077828" y="2234271"/>
-            <a:ext cx="9875520" cy="3041113"/>
-          </a:xfrm>
-          <a:prstGeom prst="rect">
-            <a:avLst/>
-          </a:prstGeom>
-        </p:spPr>
-        <p:txBody>
-          <a:bodyPr vert="horz" lIns="91440" tIns="45720" rIns="91440" bIns="45720" rtlCol="0">
-            <a:normAutofit/>
-          </a:bodyPr>
-          <a:lstStyle>
-            <a:lvl1pPr marL="228600" indent="-182880" algn="l" defTabSz="914400" rtl="0" eaLnBrk="1" latinLnBrk="0" hangingPunct="1">
-              <a:lnSpc>
-                <a:spcPct val="90000"/>
-              </a:lnSpc>
-              <a:spcBef>
-                <a:spcPts val="1400"/>
-              </a:spcBef>
-              <a:buClr>
-                <a:schemeClr val="accent1"/>
-              </a:buClr>
-              <a:buSzPct val="80000"/>
-              <a:buFont typeface="Corbel" pitchFamily="34" charset="0"/>
-              <a:buChar char="•"/>
-              <a:defRPr sz="2200" kern="1200">
-                <a:solidFill>
-                  <a:schemeClr val="accent1"/>
-                </a:solidFill>
-                <a:latin typeface="+mn-lt"/>
-                <a:ea typeface="+mn-ea"/>
-                <a:cs typeface="+mn-cs"/>
-              </a:defRPr>
-            </a:lvl1pPr>
-            <a:lvl2pPr marL="457200" indent="-182880" algn="l" defTabSz="914400" rtl="0" eaLnBrk="1" latinLnBrk="0" hangingPunct="1">
-              <a:lnSpc>
-                <a:spcPct val="90000"/>
-              </a:lnSpc>
-              <a:spcBef>
-                <a:spcPts val="200"/>
-              </a:spcBef>
-              <a:spcAft>
-                <a:spcPts val="400"/>
-              </a:spcAft>
-              <a:buClr>
-                <a:schemeClr val="accent1"/>
-              </a:buClr>
-              <a:buSzPct val="80000"/>
-              <a:buFont typeface="Corbel" pitchFamily="34" charset="0"/>
-              <a:buChar char="•"/>
-              <a:defRPr sz="2000" kern="1200">
-                <a:solidFill>
-                  <a:schemeClr val="accent1"/>
-                </a:solidFill>
-                <a:latin typeface="+mn-lt"/>
-                <a:ea typeface="+mn-ea"/>
-                <a:cs typeface="+mn-cs"/>
-              </a:defRPr>
-            </a:lvl2pPr>
-            <a:lvl3pPr marL="731520" indent="-182880" algn="l" defTabSz="914400" rtl="0" eaLnBrk="1" latinLnBrk="0" hangingPunct="1">
-              <a:lnSpc>
-                <a:spcPct val="90000"/>
-              </a:lnSpc>
-              <a:spcBef>
-                <a:spcPts val="200"/>
-              </a:spcBef>
-              <a:spcAft>
-                <a:spcPts val="400"/>
-              </a:spcAft>
-              <a:buClr>
-                <a:schemeClr val="accent1"/>
-              </a:buClr>
-              <a:buSzPct val="80000"/>
-              <a:buFont typeface="Corbel" pitchFamily="34" charset="0"/>
-              <a:buChar char="•"/>
-              <a:defRPr sz="1800" kern="1200">
-                <a:solidFill>
-                  <a:schemeClr val="accent1"/>
-                </a:solidFill>
-                <a:latin typeface="+mn-lt"/>
-                <a:ea typeface="+mn-ea"/>
-                <a:cs typeface="+mn-cs"/>
-              </a:defRPr>
-            </a:lvl3pPr>
-            <a:lvl4pPr marL="1005840" indent="-182880" algn="l" defTabSz="914400" rtl="0" eaLnBrk="1" latinLnBrk="0" hangingPunct="1">
-              <a:lnSpc>
-                <a:spcPct val="90000"/>
-              </a:lnSpc>
-              <a:spcBef>
-                <a:spcPts val="200"/>
-              </a:spcBef>
-              <a:spcAft>
-                <a:spcPts val="400"/>
-              </a:spcAft>
-              <a:buClr>
-                <a:schemeClr val="accent1"/>
-              </a:buClr>
-              <a:buSzPct val="80000"/>
-              <a:buFont typeface="Corbel" pitchFamily="34" charset="0"/>
-              <a:buChar char="•"/>
-              <a:defRPr sz="1600" kern="1200">
-                <a:solidFill>
-                  <a:schemeClr val="accent1"/>
-                </a:solidFill>
-                <a:latin typeface="+mn-lt"/>
-                <a:ea typeface="+mn-ea"/>
-                <a:cs typeface="+mn-cs"/>
-              </a:defRPr>
-            </a:lvl4pPr>
-            <a:lvl5pPr marL="1280160" indent="-182880" algn="l" defTabSz="914400" rtl="0" eaLnBrk="1" latinLnBrk="0" hangingPunct="1">
-              <a:lnSpc>
-                <a:spcPct val="90000"/>
-              </a:lnSpc>
-              <a:spcBef>
-                <a:spcPts val="200"/>
-              </a:spcBef>
-              <a:spcAft>
-                <a:spcPts val="400"/>
-              </a:spcAft>
-              <a:buClr>
-                <a:schemeClr val="accent1"/>
-              </a:buClr>
-              <a:buSzPct val="80000"/>
-              <a:buFont typeface="Corbel" pitchFamily="34" charset="0"/>
-              <a:buChar char="•"/>
-              <a:defRPr sz="1600" kern="1200">
-                <a:solidFill>
-                  <a:schemeClr val="accent1"/>
-                </a:solidFill>
-                <a:latin typeface="+mn-lt"/>
-                <a:ea typeface="+mn-ea"/>
-                <a:cs typeface="+mn-cs"/>
-              </a:defRPr>
-            </a:lvl5pPr>
-            <a:lvl6pPr marL="1600000" indent="-228600" algn="l" defTabSz="914400" rtl="0" eaLnBrk="1" latinLnBrk="0" hangingPunct="1">
-              <a:lnSpc>
-                <a:spcPct val="90000"/>
-              </a:lnSpc>
-              <a:spcBef>
-                <a:spcPts val="200"/>
-              </a:spcBef>
-              <a:spcAft>
-                <a:spcPts val="400"/>
-              </a:spcAft>
-              <a:buClr>
-                <a:schemeClr val="accent1"/>
-              </a:buClr>
-              <a:buSzPct val="80000"/>
-              <a:buFont typeface="Corbel" pitchFamily="34" charset="0"/>
-              <a:buChar char="•"/>
-              <a:defRPr sz="1600" kern="1200">
-                <a:solidFill>
-                  <a:schemeClr val="accent1"/>
-                </a:solidFill>
-                <a:latin typeface="+mn-lt"/>
-                <a:ea typeface="+mn-ea"/>
-                <a:cs typeface="+mn-cs"/>
-              </a:defRPr>
-            </a:lvl6pPr>
-            <a:lvl7pPr marL="1900000" indent="-228600" algn="l" defTabSz="914400" rtl="0" eaLnBrk="1" latinLnBrk="0" hangingPunct="1">
-              <a:lnSpc>
-                <a:spcPct val="90000"/>
-              </a:lnSpc>
-              <a:spcBef>
-                <a:spcPts val="200"/>
-              </a:spcBef>
-              <a:spcAft>
-                <a:spcPts val="400"/>
-              </a:spcAft>
-              <a:buClr>
-                <a:schemeClr val="accent1"/>
-              </a:buClr>
-              <a:buSzPct val="80000"/>
-              <a:buFont typeface="Corbel" pitchFamily="34" charset="0"/>
-              <a:buChar char="•"/>
-              <a:defRPr sz="1600" kern="1200">
-                <a:solidFill>
-                  <a:schemeClr val="accent1"/>
-                </a:solidFill>
-                <a:latin typeface="+mn-lt"/>
-                <a:ea typeface="+mn-ea"/>
-                <a:cs typeface="+mn-cs"/>
-              </a:defRPr>
-            </a:lvl7pPr>
-            <a:lvl8pPr marL="2200000" indent="-228600" algn="l" defTabSz="914400" rtl="0" eaLnBrk="1" latinLnBrk="0" hangingPunct="1">
-              <a:lnSpc>
-                <a:spcPct val="90000"/>
-              </a:lnSpc>
-              <a:spcBef>
-                <a:spcPts val="200"/>
-              </a:spcBef>
-              <a:spcAft>
-                <a:spcPts val="400"/>
-              </a:spcAft>
-              <a:buClr>
-                <a:schemeClr val="accent1"/>
-              </a:buClr>
-              <a:buSzPct val="80000"/>
-              <a:buFont typeface="Corbel" pitchFamily="34" charset="0"/>
-              <a:buChar char="•"/>
-              <a:defRPr sz="1600" kern="1200">
-                <a:solidFill>
-                  <a:schemeClr val="accent1"/>
-                </a:solidFill>
-                <a:latin typeface="+mn-lt"/>
-                <a:ea typeface="+mn-ea"/>
-                <a:cs typeface="+mn-cs"/>
-              </a:defRPr>
-            </a:lvl8pPr>
-            <a:lvl9pPr marL="2500000" indent="-228600" algn="l" defTabSz="914400" rtl="0" eaLnBrk="1" latinLnBrk="0" hangingPunct="1">
-              <a:lnSpc>
-                <a:spcPct val="90000"/>
-              </a:lnSpc>
-              <a:spcBef>
-                <a:spcPts val="200"/>
-              </a:spcBef>
-              <a:spcAft>
-                <a:spcPts val="400"/>
-              </a:spcAft>
-              <a:buClr>
-                <a:schemeClr val="accent1"/>
-              </a:buClr>
-              <a:buSzPct val="80000"/>
-              <a:buFont typeface="Corbel" pitchFamily="34" charset="0"/>
-              <a:buChar char="•"/>
-              <a:defRPr sz="1600" kern="1200">
-                <a:solidFill>
-                  <a:schemeClr val="accent1"/>
-                </a:solidFill>
-                <a:latin typeface="+mn-lt"/>
-                <a:ea typeface="+mn-ea"/>
-                <a:cs typeface="+mn-cs"/>
-              </a:defRPr>
-            </a:lvl9pPr>
-          </a:lstStyle>
-          <a:p>
-            <a:r>
-              <a:rPr lang="de-CH" dirty="0"/>
-              <a:t>Gelerntes</a:t>
-            </a:r>
-          </a:p>
-          <a:p>
-            <a:r>
-              <a:rPr lang="de-CH" dirty="0"/>
-              <a:t>Erste Erfahrungen mit einem richtigen Projekt (Planung, Front-Backend …)</a:t>
-            </a:r>
-          </a:p>
-          <a:p>
-            <a:r>
-              <a:rPr lang="de-CH" dirty="0"/>
-              <a:t>Hat Spass gemacht</a:t>
-            </a:r>
-          </a:p>
-          <a:p>
-            <a:endParaRPr lang="de-CH" dirty="0"/>
-          </a:p>
-          <a:p>
-            <a:endParaRPr lang="de-CH" dirty="0"/>
-          </a:p>
-          <a:p>
-            <a:endParaRPr lang="de-CH" dirty="0"/>
-          </a:p>
-          <a:p>
-            <a:endParaRPr lang="de-CH" dirty="0"/>
-          </a:p>
-          <a:p>
-            <a:endParaRPr lang="de-CH" dirty="0"/>
-          </a:p>
-        </p:txBody>
-      </p:sp>
-    </p:spTree>
-    <p:extLst>
-      <p:ext uri="{BB962C8B-B14F-4D97-AF65-F5344CB8AC3E}">
-        <p14:creationId xmlns:p14="http://schemas.microsoft.com/office/powerpoint/2010/main" val="2629528562"/>
-      </p:ext>
-    </p:extLst>
-  </p:cSld>
-  <p:clrMapOvr>
-    <a:masterClrMapping/>
-  </p:clrMapOvr>
-</p:sld>
-</file>
-
-<file path=ppt/slides/slide11.xml><?xml version="1.0" encoding="utf-8"?>
-<p:sld xmlns:a="http://schemas.openxmlformats.org/drawingml/2006/main" xmlns:r="http://schemas.openxmlformats.org/officeDocument/2006/relationships" xmlns:p="http://schemas.openxmlformats.org/presentationml/2006/main">
-  <p:cSld>
-    <p:spTree>
-      <p:nvGrpSpPr>
-        <p:cNvPr id="1" name=""/>
-        <p:cNvGrpSpPr/>
-        <p:nvPr/>
-      </p:nvGrpSpPr>
-      <p:grpSpPr>
-        <a:xfrm>
-          <a:off x="0" y="0"/>
-          <a:ext cx="0" cy="0"/>
-          <a:chOff x="0" y="0"/>
-          <a:chExt cx="0" cy="0"/>
-        </a:xfrm>
-      </p:grpSpPr>
-      <p:sp>
-        <p:nvSpPr>
-          <p:cNvPr id="2" name="Title 1">
-            <a:extLst>
-              <a:ext uri="{FF2B5EF4-FFF2-40B4-BE49-F238E27FC236}">
-                <a16:creationId xmlns:a16="http://schemas.microsoft.com/office/drawing/2014/main" id="{6C1619A9-84EF-5A93-D1AF-F0A7E4D19B64}"/>
-              </a:ext>
-            </a:extLst>
-          </p:cNvPr>
-          <p:cNvSpPr>
-            <a:spLocks noGrp="1"/>
-          </p:cNvSpPr>
-          <p:nvPr>
-            <p:ph type="title"/>
-          </p:nvPr>
-        </p:nvSpPr>
-        <p:spPr>
-          <a:xfrm>
-            <a:off x="4701464" y="2855614"/>
-            <a:ext cx="2789071" cy="1146772"/>
-          </a:xfrm>
-        </p:spPr>
-        <p:txBody>
-          <a:bodyPr/>
-          <a:lstStyle/>
-          <a:p>
-            <a:pPr algn="ctr"/>
-            <a:r>
-              <a:rPr lang="de-CH" dirty="0"/>
-              <a:t>Fragen</a:t>
-            </a:r>
-          </a:p>
-        </p:txBody>
-      </p:sp>
-    </p:spTree>
-    <p:extLst>
-      <p:ext uri="{BB962C8B-B14F-4D97-AF65-F5344CB8AC3E}">
-        <p14:creationId xmlns:p14="http://schemas.microsoft.com/office/powerpoint/2010/main" val="211836162"/>
-      </p:ext>
-    </p:extLst>
-  </p:cSld>
-  <p:clrMapOvr>
-    <a:masterClrMapping/>
-  </p:clrMapOvr>
-</p:sld>
-</file>
-
-<file path=ppt/slides/slide2.xml><?xml version="1.0" encoding="utf-8"?>
-<p:sld xmlns:a="http://schemas.openxmlformats.org/drawingml/2006/main" xmlns:r="http://schemas.openxmlformats.org/officeDocument/2006/relationships" xmlns:p="http://schemas.openxmlformats.org/presentationml/2006/main">
-  <p:cSld>
-    <p:spTree>
-      <p:nvGrpSpPr>
-        <p:cNvPr id="1" name=""/>
-        <p:cNvGrpSpPr/>
-        <p:nvPr/>
-      </p:nvGrpSpPr>
-      <p:grpSpPr>
-        <a:xfrm>
-          <a:off x="0" y="0"/>
-          <a:ext cx="0" cy="0"/>
-          <a:chOff x="0" y="0"/>
-          <a:chExt cx="0" cy="0"/>
-        </a:xfrm>
-      </p:grpSpPr>
-      <p:sp>
-        <p:nvSpPr>
-          <p:cNvPr id="2" name="Title 1">
-            <a:extLst>
-              <a:ext uri="{FF2B5EF4-FFF2-40B4-BE49-F238E27FC236}">
-                <a16:creationId xmlns:a16="http://schemas.microsoft.com/office/drawing/2014/main" id="{C796896A-23A7-ED6B-466F-1B208E24E9DC}"/>
-              </a:ext>
-            </a:extLst>
-          </p:cNvPr>
-          <p:cNvSpPr>
-            <a:spLocks noGrp="1"/>
-          </p:cNvSpPr>
-          <p:nvPr>
-            <p:ph type="title"/>
-          </p:nvPr>
-        </p:nvSpPr>
-        <p:spPr/>
-        <p:txBody>
-          <a:bodyPr/>
-          <a:lstStyle/>
-          <a:p>
-            <a:r>
-              <a:rPr lang="de-CH" dirty="0"/>
-              <a:t>Inhaltsverzeichnis</a:t>
-            </a:r>
-          </a:p>
-        </p:txBody>
-      </p:sp>
-      <p:sp>
-        <p:nvSpPr>
-          <p:cNvPr id="3" name="Content Placeholder 2">
-            <a:extLst>
-              <a:ext uri="{FF2B5EF4-FFF2-40B4-BE49-F238E27FC236}">
-                <a16:creationId xmlns:a16="http://schemas.microsoft.com/office/drawing/2014/main" id="{D775B279-8645-9AA5-7E1D-19756799F53F}"/>
-              </a:ext>
-            </a:extLst>
-          </p:cNvPr>
-          <p:cNvSpPr>
-            <a:spLocks noGrp="1"/>
-          </p:cNvSpPr>
-          <p:nvPr>
-            <p:ph idx="1"/>
-          </p:nvPr>
-        </p:nvSpPr>
-        <p:spPr/>
-        <p:txBody>
-          <a:bodyPr/>
-          <a:lstStyle/>
-          <a:p>
-            <a:r>
-              <a:rPr lang="de-CH" dirty="0"/>
-              <a:t>Warum dieses Projekt</a:t>
-            </a:r>
-          </a:p>
-          <a:p>
-            <a:r>
-              <a:rPr lang="de-CH" dirty="0"/>
-              <a:t>Frontend Backend</a:t>
-            </a:r>
-          </a:p>
-          <a:p>
-            <a:r>
-              <a:rPr lang="de-CH" dirty="0"/>
-              <a:t>Frontend</a:t>
-            </a:r>
-          </a:p>
-          <a:p>
-            <a:r>
-              <a:rPr lang="de-CH" dirty="0"/>
-              <a:t>Backend</a:t>
-            </a:r>
-          </a:p>
-          <a:p>
-            <a:r>
-              <a:rPr lang="de-CH" dirty="0"/>
-              <a:t>Schwierigkeiten</a:t>
-            </a:r>
-          </a:p>
-          <a:p>
-            <a:r>
-              <a:rPr lang="de-CH" dirty="0"/>
-              <a:t>Fragen</a:t>
-            </a:r>
-          </a:p>
-          <a:p>
-            <a:endParaRPr lang="de-CH" dirty="0"/>
-          </a:p>
-        </p:txBody>
-      </p:sp>
-    </p:spTree>
-    <p:extLst>
-      <p:ext uri="{BB962C8B-B14F-4D97-AF65-F5344CB8AC3E}">
-        <p14:creationId xmlns:p14="http://schemas.microsoft.com/office/powerpoint/2010/main" val="3998942301"/>
-      </p:ext>
-    </p:extLst>
-  </p:cSld>
-  <p:clrMapOvr>
-    <a:masterClrMapping/>
-  </p:clrMapOvr>
-</p:sld>
-</file>
-
-<file path=ppt/slides/slide3.xml><?xml version="1.0" encoding="utf-8"?>
-<p:sld xmlns:a="http://schemas.openxmlformats.org/drawingml/2006/main" xmlns:r="http://schemas.openxmlformats.org/officeDocument/2006/relationships" xmlns:p="http://schemas.openxmlformats.org/presentationml/2006/main">
-  <p:cSld>
-    <p:bg>
-      <p:bgPr>
-        <a:gradFill>
-          <a:gsLst>
-            <a:gs pos="0">
-              <a:schemeClr val="accent1">
-                <a:lumMod val="5000"/>
-                <a:lumOff val="95000"/>
-              </a:schemeClr>
-            </a:gs>
-            <a:gs pos="74000">
-              <a:schemeClr val="accent1">
-                <a:lumMod val="45000"/>
-                <a:lumOff val="55000"/>
-              </a:schemeClr>
-            </a:gs>
-            <a:gs pos="83000">
-              <a:schemeClr val="accent1">
-                <a:lumMod val="45000"/>
-                <a:lumOff val="55000"/>
-              </a:schemeClr>
-            </a:gs>
-            <a:gs pos="100000">
-              <a:schemeClr val="accent1">
-                <a:lumMod val="30000"/>
-                <a:lumOff val="70000"/>
-              </a:schemeClr>
-            </a:gs>
-          </a:gsLst>
-          <a:lin ang="5400000" scaled="1"/>
-        </a:gradFill>
-        <a:effectLst/>
-      </p:bgPr>
-    </p:bg>
-    <p:spTree>
-      <p:nvGrpSpPr>
-        <p:cNvPr id="1" name=""/>
-        <p:cNvGrpSpPr/>
-        <p:nvPr/>
-      </p:nvGrpSpPr>
-      <p:grpSpPr>
-        <a:xfrm>
-          <a:off x="0" y="0"/>
-          <a:ext cx="0" cy="0"/>
-          <a:chOff x="0" y="0"/>
-          <a:chExt cx="0" cy="0"/>
-        </a:xfrm>
-      </p:grpSpPr>
-      <p:sp>
-        <p:nvSpPr>
-          <p:cNvPr id="2" name="Title 1">
-            <a:extLst>
-              <a:ext uri="{FF2B5EF4-FFF2-40B4-BE49-F238E27FC236}">
-                <a16:creationId xmlns:a16="http://schemas.microsoft.com/office/drawing/2014/main" id="{A35CD79E-8ACA-79FD-2554-361998162A74}"/>
-              </a:ext>
-            </a:extLst>
-          </p:cNvPr>
-          <p:cNvSpPr>
-            <a:spLocks noGrp="1"/>
-          </p:cNvSpPr>
-          <p:nvPr>
-            <p:ph type="title"/>
-          </p:nvPr>
-        </p:nvSpPr>
-        <p:spPr/>
-        <p:txBody>
-          <a:bodyPr/>
-          <a:lstStyle/>
-          <a:p>
-            <a:r>
-              <a:rPr lang="de-CH" dirty="0"/>
-              <a:t>Warum dieses Projekt</a:t>
-            </a:r>
-          </a:p>
-        </p:txBody>
-      </p:sp>
-      <p:sp>
-        <p:nvSpPr>
-          <p:cNvPr id="3" name="Content Placeholder 2">
-            <a:extLst>
-              <a:ext uri="{FF2B5EF4-FFF2-40B4-BE49-F238E27FC236}">
-                <a16:creationId xmlns:a16="http://schemas.microsoft.com/office/drawing/2014/main" id="{92512271-44C1-9848-C1A3-C574C23684E2}"/>
-              </a:ext>
-            </a:extLst>
-          </p:cNvPr>
-          <p:cNvSpPr>
-            <a:spLocks noGrp="1"/>
-          </p:cNvSpPr>
-          <p:nvPr>
-            <p:ph idx="1"/>
-          </p:nvPr>
-        </p:nvSpPr>
-        <p:spPr>
-          <a:xfrm>
-            <a:off x="1143000" y="3046114"/>
-            <a:ext cx="3199344" cy="382886"/>
-          </a:xfrm>
-        </p:spPr>
-        <p:txBody>
-          <a:bodyPr>
-            <a:normAutofit lnSpcReduction="10000"/>
-          </a:bodyPr>
-          <a:lstStyle/>
-          <a:p>
-            <a:r>
-              <a:rPr lang="de-CH" dirty="0"/>
-              <a:t>Grundideen waren:</a:t>
-            </a:r>
-          </a:p>
-          <a:p>
-            <a:endParaRPr lang="de-CH" dirty="0"/>
-          </a:p>
-        </p:txBody>
-      </p:sp>
-      <p:sp>
-        <p:nvSpPr>
-          <p:cNvPr id="4" name="Content Placeholder 2">
-            <a:extLst>
-              <a:ext uri="{FF2B5EF4-FFF2-40B4-BE49-F238E27FC236}">
-                <a16:creationId xmlns:a16="http://schemas.microsoft.com/office/drawing/2014/main" id="{0369195F-02F4-1109-4938-B3EB4BA4F1CC}"/>
-              </a:ext>
-            </a:extLst>
-          </p:cNvPr>
-          <p:cNvSpPr txBox="1">
-            <a:spLocks/>
-          </p:cNvSpPr>
-          <p:nvPr/>
-        </p:nvSpPr>
-        <p:spPr>
-          <a:xfrm>
-            <a:off x="3278110" y="3535681"/>
-            <a:ext cx="6036398" cy="1356360"/>
-          </a:xfrm>
-          <a:prstGeom prst="rect">
-            <a:avLst/>
-          </a:prstGeom>
-        </p:spPr>
-        <p:txBody>
-          <a:bodyPr vert="horz" lIns="91440" tIns="45720" rIns="91440" bIns="45720" rtlCol="0">
-            <a:normAutofit/>
-          </a:bodyPr>
-          <a:lstStyle>
-            <a:lvl1pPr marL="228600" indent="-182880" algn="l" defTabSz="914400" rtl="0" eaLnBrk="1" latinLnBrk="0" hangingPunct="1">
-              <a:lnSpc>
-                <a:spcPct val="90000"/>
-              </a:lnSpc>
-              <a:spcBef>
-                <a:spcPts val="1400"/>
-              </a:spcBef>
-              <a:buClr>
-                <a:schemeClr val="accent1"/>
-              </a:buClr>
-              <a:buSzPct val="80000"/>
-              <a:buFont typeface="Corbel" pitchFamily="34" charset="0"/>
-              <a:buChar char="•"/>
-              <a:defRPr sz="2200" kern="1200">
-                <a:solidFill>
-                  <a:schemeClr val="accent1"/>
-                </a:solidFill>
-                <a:latin typeface="+mn-lt"/>
-                <a:ea typeface="+mn-ea"/>
-                <a:cs typeface="+mn-cs"/>
-              </a:defRPr>
-            </a:lvl1pPr>
-            <a:lvl2pPr marL="457200" indent="-182880" algn="l" defTabSz="914400" rtl="0" eaLnBrk="1" latinLnBrk="0" hangingPunct="1">
-              <a:lnSpc>
-                <a:spcPct val="90000"/>
-              </a:lnSpc>
-              <a:spcBef>
-                <a:spcPts val="200"/>
-              </a:spcBef>
-              <a:spcAft>
-                <a:spcPts val="400"/>
-              </a:spcAft>
-              <a:buClr>
-                <a:schemeClr val="accent1"/>
-              </a:buClr>
-              <a:buSzPct val="80000"/>
-              <a:buFont typeface="Corbel" pitchFamily="34" charset="0"/>
-              <a:buChar char="•"/>
-              <a:defRPr sz="2000" kern="1200">
-                <a:solidFill>
-                  <a:schemeClr val="accent1"/>
-                </a:solidFill>
-                <a:latin typeface="+mn-lt"/>
-                <a:ea typeface="+mn-ea"/>
-                <a:cs typeface="+mn-cs"/>
-              </a:defRPr>
-            </a:lvl2pPr>
-            <a:lvl3pPr marL="731520" indent="-182880" algn="l" defTabSz="914400" rtl="0" eaLnBrk="1" latinLnBrk="0" hangingPunct="1">
-              <a:lnSpc>
-                <a:spcPct val="90000"/>
-              </a:lnSpc>
-              <a:spcBef>
-                <a:spcPts val="200"/>
-              </a:spcBef>
-              <a:spcAft>
-                <a:spcPts val="400"/>
-              </a:spcAft>
-              <a:buClr>
-                <a:schemeClr val="accent1"/>
-              </a:buClr>
-              <a:buSzPct val="80000"/>
-              <a:buFont typeface="Corbel" pitchFamily="34" charset="0"/>
-              <a:buChar char="•"/>
-              <a:defRPr sz="1800" kern="1200">
-                <a:solidFill>
-                  <a:schemeClr val="accent1"/>
-                </a:solidFill>
-                <a:latin typeface="+mn-lt"/>
-                <a:ea typeface="+mn-ea"/>
-                <a:cs typeface="+mn-cs"/>
-              </a:defRPr>
-            </a:lvl3pPr>
-            <a:lvl4pPr marL="1005840" indent="-182880" algn="l" defTabSz="914400" rtl="0" eaLnBrk="1" latinLnBrk="0" hangingPunct="1">
-              <a:lnSpc>
-                <a:spcPct val="90000"/>
-              </a:lnSpc>
-              <a:spcBef>
-                <a:spcPts val="200"/>
-              </a:spcBef>
-              <a:spcAft>
-                <a:spcPts val="400"/>
-              </a:spcAft>
-              <a:buClr>
-                <a:schemeClr val="accent1"/>
-              </a:buClr>
-              <a:buSzPct val="80000"/>
-              <a:buFont typeface="Corbel" pitchFamily="34" charset="0"/>
-              <a:buChar char="•"/>
-              <a:defRPr sz="1600" kern="1200">
-                <a:solidFill>
-                  <a:schemeClr val="accent1"/>
-                </a:solidFill>
-                <a:latin typeface="+mn-lt"/>
-                <a:ea typeface="+mn-ea"/>
-                <a:cs typeface="+mn-cs"/>
-              </a:defRPr>
-            </a:lvl4pPr>
-            <a:lvl5pPr marL="1280160" indent="-182880" algn="l" defTabSz="914400" rtl="0" eaLnBrk="1" latinLnBrk="0" hangingPunct="1">
-              <a:lnSpc>
-                <a:spcPct val="90000"/>
-              </a:lnSpc>
-              <a:spcBef>
-                <a:spcPts val="200"/>
-              </a:spcBef>
-              <a:spcAft>
-                <a:spcPts val="400"/>
-              </a:spcAft>
-              <a:buClr>
-                <a:schemeClr val="accent1"/>
-              </a:buClr>
-              <a:buSzPct val="80000"/>
-              <a:buFont typeface="Corbel" pitchFamily="34" charset="0"/>
-              <a:buChar char="•"/>
-              <a:defRPr sz="1600" kern="1200">
-                <a:solidFill>
-                  <a:schemeClr val="accent1"/>
-                </a:solidFill>
-                <a:latin typeface="+mn-lt"/>
-                <a:ea typeface="+mn-ea"/>
-                <a:cs typeface="+mn-cs"/>
-              </a:defRPr>
-            </a:lvl5pPr>
-            <a:lvl6pPr marL="1600000" indent="-228600" algn="l" defTabSz="914400" rtl="0" eaLnBrk="1" latinLnBrk="0" hangingPunct="1">
-              <a:lnSpc>
-                <a:spcPct val="90000"/>
-              </a:lnSpc>
-              <a:spcBef>
-                <a:spcPts val="200"/>
-              </a:spcBef>
-              <a:spcAft>
-                <a:spcPts val="400"/>
-              </a:spcAft>
-              <a:buClr>
-                <a:schemeClr val="accent1"/>
-              </a:buClr>
-              <a:buSzPct val="80000"/>
-              <a:buFont typeface="Corbel" pitchFamily="34" charset="0"/>
-              <a:buChar char="•"/>
-              <a:defRPr sz="1600" kern="1200">
-                <a:solidFill>
-                  <a:schemeClr val="accent1"/>
-                </a:solidFill>
-                <a:latin typeface="+mn-lt"/>
-                <a:ea typeface="+mn-ea"/>
-                <a:cs typeface="+mn-cs"/>
-              </a:defRPr>
-            </a:lvl6pPr>
-            <a:lvl7pPr marL="1900000" indent="-228600" algn="l" defTabSz="914400" rtl="0" eaLnBrk="1" latinLnBrk="0" hangingPunct="1">
-              <a:lnSpc>
-                <a:spcPct val="90000"/>
-              </a:lnSpc>
-              <a:spcBef>
-                <a:spcPts val="200"/>
-              </a:spcBef>
-              <a:spcAft>
-                <a:spcPts val="400"/>
-              </a:spcAft>
-              <a:buClr>
-                <a:schemeClr val="accent1"/>
-              </a:buClr>
-              <a:buSzPct val="80000"/>
-              <a:buFont typeface="Corbel" pitchFamily="34" charset="0"/>
-              <a:buChar char="•"/>
-              <a:defRPr sz="1600" kern="1200">
-                <a:solidFill>
-                  <a:schemeClr val="accent1"/>
-                </a:solidFill>
-                <a:latin typeface="+mn-lt"/>
-                <a:ea typeface="+mn-ea"/>
-                <a:cs typeface="+mn-cs"/>
-              </a:defRPr>
-            </a:lvl7pPr>
-            <a:lvl8pPr marL="2200000" indent="-228600" algn="l" defTabSz="914400" rtl="0" eaLnBrk="1" latinLnBrk="0" hangingPunct="1">
-              <a:lnSpc>
-                <a:spcPct val="90000"/>
-              </a:lnSpc>
-              <a:spcBef>
-                <a:spcPts val="200"/>
-              </a:spcBef>
-              <a:spcAft>
-                <a:spcPts val="400"/>
-              </a:spcAft>
-              <a:buClr>
-                <a:schemeClr val="accent1"/>
-              </a:buClr>
-              <a:buSzPct val="80000"/>
-              <a:buFont typeface="Corbel" pitchFamily="34" charset="0"/>
-              <a:buChar char="•"/>
-              <a:defRPr sz="1600" kern="1200">
-                <a:solidFill>
-                  <a:schemeClr val="accent1"/>
-                </a:solidFill>
-                <a:latin typeface="+mn-lt"/>
-                <a:ea typeface="+mn-ea"/>
-                <a:cs typeface="+mn-cs"/>
-              </a:defRPr>
-            </a:lvl8pPr>
-            <a:lvl9pPr marL="2500000" indent="-228600" algn="l" defTabSz="914400" rtl="0" eaLnBrk="1" latinLnBrk="0" hangingPunct="1">
-              <a:lnSpc>
-                <a:spcPct val="90000"/>
-              </a:lnSpc>
-              <a:spcBef>
-                <a:spcPts val="200"/>
-              </a:spcBef>
-              <a:spcAft>
-                <a:spcPts val="400"/>
-              </a:spcAft>
-              <a:buClr>
-                <a:schemeClr val="accent1"/>
-              </a:buClr>
-              <a:buSzPct val="80000"/>
-              <a:buFont typeface="Corbel" pitchFamily="34" charset="0"/>
-              <a:buChar char="•"/>
-              <a:defRPr sz="1600" kern="1200">
-                <a:solidFill>
-                  <a:schemeClr val="accent1"/>
-                </a:solidFill>
-                <a:latin typeface="+mn-lt"/>
-                <a:ea typeface="+mn-ea"/>
-                <a:cs typeface="+mn-cs"/>
-              </a:defRPr>
-            </a:lvl9pPr>
-          </a:lstStyle>
-          <a:p>
-            <a:r>
-              <a:rPr lang="de-CH" dirty="0"/>
-              <a:t>Schule </a:t>
-            </a:r>
-          </a:p>
-          <a:p>
-            <a:r>
-              <a:rPr lang="de-CH" dirty="0"/>
-              <a:t>Diskussion mit mehreren Schülern</a:t>
-            </a:r>
-          </a:p>
-          <a:p>
-            <a:r>
-              <a:rPr lang="de-CH" dirty="0"/>
-              <a:t>Einmalige Gelegheit ein Projekt zu 100%</a:t>
-            </a:r>
-          </a:p>
-          <a:p>
-            <a:endParaRPr lang="de-CH" dirty="0"/>
-          </a:p>
-        </p:txBody>
-      </p:sp>
-    </p:spTree>
-    <p:extLst>
-      <p:ext uri="{BB962C8B-B14F-4D97-AF65-F5344CB8AC3E}">
-        <p14:creationId xmlns:p14="http://schemas.microsoft.com/office/powerpoint/2010/main" val="217924523"/>
-      </p:ext>
-    </p:extLst>
-  </p:cSld>
-  <p:clrMapOvr>
-    <a:masterClrMapping/>
-  </p:clrMapOvr>
-</p:sld>
-</file>
-
-<file path=ppt/slides/slide4.xml><?xml version="1.0" encoding="utf-8"?>
 <p:sld xmlns:a="http://schemas.openxmlformats.org/drawingml/2006/main" xmlns:r="http://schemas.openxmlformats.org/officeDocument/2006/relationships" xmlns:p="http://schemas.openxmlformats.org/presentationml/2006/main">
   <p:cSld>
     <p:spTree>
@@ -4446,14 +3490,19 @@
             <p:ph type="title"/>
           </p:nvPr>
         </p:nvSpPr>
-        <p:spPr/>
+        <p:spPr>
+          <a:xfrm>
+            <a:off x="1584584" y="467552"/>
+            <a:ext cx="9875520" cy="1356360"/>
+          </a:xfrm>
+        </p:spPr>
         <p:txBody>
           <a:bodyPr/>
           <a:lstStyle/>
           <a:p>
             <a:r>
               <a:rPr lang="de-CH" dirty="0"/>
-              <a:t>Frontend Backend</a:t>
+              <a:t>Verbindung</a:t>
             </a:r>
           </a:p>
         </p:txBody>
@@ -4476,7 +3525,7 @@
         </p:nvSpPr>
         <p:spPr>
           <a:xfrm>
-            <a:off x="1587233" y="2054130"/>
+            <a:off x="1516211" y="2057783"/>
             <a:ext cx="9872871" cy="414196"/>
           </a:xfrm>
         </p:spPr>
@@ -4966,6 +4015,136 @@
           </a:p>
         </p:txBody>
       </p:sp>
+      <p:pic>
+        <p:nvPicPr>
+          <p:cNvPr id="15" name="Picture 4" descr="MySQL: Definition und Erklärung | Marketing-Lexikon">
+            <a:extLst>
+              <a:ext uri="{FF2B5EF4-FFF2-40B4-BE49-F238E27FC236}">
+                <a16:creationId xmlns:a16="http://schemas.microsoft.com/office/drawing/2014/main" id="{CC83C412-DB32-46FC-B957-955BDC038AC3}"/>
+              </a:ext>
+            </a:extLst>
+          </p:cNvPr>
+          <p:cNvPicPr>
+            <a:picLocks noChangeAspect="1" noChangeArrowheads="1"/>
+          </p:cNvPicPr>
+          <p:nvPr/>
+        </p:nvPicPr>
+        <p:blipFill>
+          <a:blip r:embed="rId4">
+            <a:extLst>
+              <a:ext uri="{28A0092B-C50C-407E-A947-70E740481C1C}">
+                <a14:useLocalDpi xmlns:a14="http://schemas.microsoft.com/office/drawing/2010/main" val="0"/>
+              </a:ext>
+            </a:extLst>
+          </a:blip>
+          <a:srcRect/>
+          <a:stretch>
+            <a:fillRect/>
+          </a:stretch>
+        </p:blipFill>
+        <p:spPr bwMode="auto">
+          <a:xfrm>
+            <a:off x="9546466" y="467552"/>
+            <a:ext cx="735643" cy="385986"/>
+          </a:xfrm>
+          <a:prstGeom prst="rect">
+            <a:avLst/>
+          </a:prstGeom>
+          <a:noFill/>
+          <a:extLst>
+            <a:ext uri="{909E8E84-426E-40DD-AFC4-6F175D3DCCD1}">
+              <a14:hiddenFill xmlns:a14="http://schemas.microsoft.com/office/drawing/2010/main">
+                <a:solidFill>
+                  <a:srgbClr val="FFFFFF"/>
+                </a:solidFill>
+              </a14:hiddenFill>
+            </a:ext>
+          </a:extLst>
+        </p:spPr>
+      </p:pic>
+      <p:pic>
+        <p:nvPicPr>
+          <p:cNvPr id="16" name="Picture 7" descr="Logo&#10;&#10;Description automatically generated">
+            <a:extLst>
+              <a:ext uri="{FF2B5EF4-FFF2-40B4-BE49-F238E27FC236}">
+                <a16:creationId xmlns:a16="http://schemas.microsoft.com/office/drawing/2014/main" id="{25C88A81-1328-42AF-A85C-2AF761B9245D}"/>
+              </a:ext>
+            </a:extLst>
+          </p:cNvPr>
+          <p:cNvPicPr>
+            <a:picLocks noChangeAspect="1"/>
+          </p:cNvPicPr>
+          <p:nvPr/>
+        </p:nvPicPr>
+        <p:blipFill>
+          <a:blip r:embed="rId5">
+            <a:extLst>
+              <a:ext uri="{28A0092B-C50C-407E-A947-70E740481C1C}">
+                <a14:useLocalDpi xmlns:a14="http://schemas.microsoft.com/office/drawing/2010/main" val="0"/>
+              </a:ext>
+            </a:extLst>
+          </a:blip>
+          <a:stretch>
+            <a:fillRect/>
+          </a:stretch>
+        </p:blipFill>
+        <p:spPr>
+          <a:xfrm>
+            <a:off x="9546466" y="1894615"/>
+            <a:ext cx="1398887" cy="515579"/>
+          </a:xfrm>
+          <a:prstGeom prst="rect">
+            <a:avLst/>
+          </a:prstGeom>
+        </p:spPr>
+      </p:pic>
+      <p:pic>
+        <p:nvPicPr>
+          <p:cNvPr id="19" name="Picture 6" descr="Vue.js comme une solution d'entreprise | Apps &amp; Platforms">
+            <a:extLst>
+              <a:ext uri="{FF2B5EF4-FFF2-40B4-BE49-F238E27FC236}">
+                <a16:creationId xmlns:a16="http://schemas.microsoft.com/office/drawing/2014/main" id="{BF323797-C033-4B92-875E-28417F30EE6C}"/>
+              </a:ext>
+            </a:extLst>
+          </p:cNvPr>
+          <p:cNvPicPr>
+            <a:picLocks noChangeAspect="1" noChangeArrowheads="1"/>
+          </p:cNvPicPr>
+          <p:nvPr/>
+        </p:nvPicPr>
+        <p:blipFill>
+          <a:blip r:embed="rId6">
+            <a:extLst>
+              <a:ext uri="{28A0092B-C50C-407E-A947-70E740481C1C}">
+                <a14:useLocalDpi xmlns:a14="http://schemas.microsoft.com/office/drawing/2010/main" val="0"/>
+              </a:ext>
+            </a:extLst>
+          </a:blip>
+          <a:srcRect/>
+          <a:stretch>
+            <a:fillRect/>
+          </a:stretch>
+        </p:blipFill>
+        <p:spPr bwMode="auto">
+          <a:xfrm>
+            <a:off x="9686875" y="4991634"/>
+            <a:ext cx="1118068" cy="670841"/>
+          </a:xfrm>
+          <a:prstGeom prst="rect">
+            <a:avLst/>
+          </a:prstGeom>
+          <a:noFill/>
+          <a:extLst>
+            <a:ext uri="{909E8E84-426E-40DD-AFC4-6F175D3DCCD1}">
+              <a14:hiddenFill xmlns:a14="http://schemas.microsoft.com/office/drawing/2010/main">
+                <a:solidFill>
+                  <a:srgbClr val="FFFFFF"/>
+                </a:solidFill>
+              </a14:hiddenFill>
+            </a:ext>
+          </a:extLst>
+        </p:spPr>
+      </p:pic>
     </p:spTree>
     <p:extLst>
       <p:ext uri="{BB962C8B-B14F-4D97-AF65-F5344CB8AC3E}">
@@ -4979,7 +4158,2313 @@
 </p:sld>
 </file>
 
-<file path=ppt/slides/slide5.xml><?xml version="1.0" encoding="utf-8"?>
+<file path=ppt/slides/slide11.xml><?xml version="1.0" encoding="utf-8"?>
+<p:sld xmlns:a="http://schemas.openxmlformats.org/drawingml/2006/main" xmlns:r="http://schemas.openxmlformats.org/officeDocument/2006/relationships" xmlns:p="http://schemas.openxmlformats.org/presentationml/2006/main">
+  <p:cSld>
+    <p:spTree>
+      <p:nvGrpSpPr>
+        <p:cNvPr id="1" name=""/>
+        <p:cNvGrpSpPr/>
+        <p:nvPr/>
+      </p:nvGrpSpPr>
+      <p:grpSpPr>
+        <a:xfrm>
+          <a:off x="0" y="0"/>
+          <a:ext cx="0" cy="0"/>
+          <a:chOff x="0" y="0"/>
+          <a:chExt cx="0" cy="0"/>
+        </a:xfrm>
+      </p:grpSpPr>
+      <p:sp>
+        <p:nvSpPr>
+          <p:cNvPr id="2" name="Title 1">
+            <a:extLst>
+              <a:ext uri="{FF2B5EF4-FFF2-40B4-BE49-F238E27FC236}">
+                <a16:creationId xmlns:a16="http://schemas.microsoft.com/office/drawing/2014/main" id="{93AB0AF2-07F6-59C7-D85B-A6AAC32B08ED}"/>
+              </a:ext>
+            </a:extLst>
+          </p:cNvPr>
+          <p:cNvSpPr>
+            <a:spLocks noGrp="1"/>
+          </p:cNvSpPr>
+          <p:nvPr>
+            <p:ph type="title"/>
+          </p:nvPr>
+        </p:nvSpPr>
+        <p:spPr/>
+        <p:txBody>
+          <a:bodyPr/>
+          <a:lstStyle/>
+          <a:p>
+            <a:r>
+              <a:rPr lang="de-CH" dirty="0"/>
+              <a:t>Schwierigkeiten</a:t>
+            </a:r>
+          </a:p>
+        </p:txBody>
+      </p:sp>
+      <p:sp>
+        <p:nvSpPr>
+          <p:cNvPr id="3" name="Content Placeholder 2">
+            <a:extLst>
+              <a:ext uri="{FF2B5EF4-FFF2-40B4-BE49-F238E27FC236}">
+                <a16:creationId xmlns:a16="http://schemas.microsoft.com/office/drawing/2014/main" id="{9E5EE9BF-9882-72DF-DC4C-EC1E24CC0956}"/>
+              </a:ext>
+            </a:extLst>
+          </p:cNvPr>
+          <p:cNvSpPr>
+            <a:spLocks noGrp="1"/>
+          </p:cNvSpPr>
+          <p:nvPr>
+            <p:ph idx="1"/>
+          </p:nvPr>
+        </p:nvSpPr>
+        <p:spPr>
+          <a:xfrm>
+            <a:off x="1143000" y="2332608"/>
+            <a:ext cx="7530483" cy="3411244"/>
+          </a:xfrm>
+        </p:spPr>
+        <p:txBody>
+          <a:bodyPr>
+            <a:normAutofit/>
+          </a:bodyPr>
+          <a:lstStyle/>
+          <a:p>
+            <a:r>
+              <a:rPr lang="de-CH" dirty="0"/>
+              <a:t>Zu grosse Ambitionen</a:t>
+            </a:r>
+          </a:p>
+          <a:p>
+            <a:r>
+              <a:rPr lang="de-CH" dirty="0"/>
+              <a:t>Schlechte Planung am Anfang des Projekts</a:t>
+            </a:r>
+          </a:p>
+          <a:p>
+            <a:r>
+              <a:rPr lang="de-CH" dirty="0"/>
+              <a:t>Zu wenig Kenntnisse </a:t>
+            </a:r>
+          </a:p>
+          <a:p>
+            <a:r>
+              <a:rPr lang="de-CH" dirty="0"/>
+              <a:t>Beschlossen Laravel von 0 anzufangen</a:t>
+            </a:r>
+          </a:p>
+          <a:p>
+            <a:r>
+              <a:rPr lang="de-CH" dirty="0"/>
+              <a:t>Brauchte sehr lange zum lernen</a:t>
+            </a:r>
+          </a:p>
+        </p:txBody>
+      </p:sp>
+    </p:spTree>
+    <p:extLst>
+      <p:ext uri="{BB962C8B-B14F-4D97-AF65-F5344CB8AC3E}">
+        <p14:creationId xmlns:p14="http://schemas.microsoft.com/office/powerpoint/2010/main" val="923782553"/>
+      </p:ext>
+    </p:extLst>
+  </p:cSld>
+  <p:clrMapOvr>
+    <a:masterClrMapping/>
+  </p:clrMapOvr>
+</p:sld>
+</file>
+
+<file path=ppt/slides/slide12.xml><?xml version="1.0" encoding="utf-8"?>
+<p:sld xmlns:a="http://schemas.openxmlformats.org/drawingml/2006/main" xmlns:r="http://schemas.openxmlformats.org/officeDocument/2006/relationships" xmlns:p="http://schemas.openxmlformats.org/presentationml/2006/main">
+  <p:cSld>
+    <p:spTree>
+      <p:nvGrpSpPr>
+        <p:cNvPr id="1" name=""/>
+        <p:cNvGrpSpPr/>
+        <p:nvPr/>
+      </p:nvGrpSpPr>
+      <p:grpSpPr>
+        <a:xfrm>
+          <a:off x="0" y="0"/>
+          <a:ext cx="0" cy="0"/>
+          <a:chOff x="0" y="0"/>
+          <a:chExt cx="0" cy="0"/>
+        </a:xfrm>
+      </p:grpSpPr>
+      <p:sp>
+        <p:nvSpPr>
+          <p:cNvPr id="2" name="Titel 1">
+            <a:extLst>
+              <a:ext uri="{FF2B5EF4-FFF2-40B4-BE49-F238E27FC236}">
+                <a16:creationId xmlns:a16="http://schemas.microsoft.com/office/drawing/2014/main" id="{1AA26961-2D00-425E-911E-FF12FB0B43FD}"/>
+              </a:ext>
+            </a:extLst>
+          </p:cNvPr>
+          <p:cNvSpPr>
+            <a:spLocks noGrp="1"/>
+          </p:cNvSpPr>
+          <p:nvPr>
+            <p:ph type="title"/>
+          </p:nvPr>
+        </p:nvSpPr>
+        <p:spPr/>
+        <p:txBody>
+          <a:bodyPr/>
+          <a:lstStyle/>
+          <a:p>
+            <a:r>
+              <a:rPr lang="de-CH" dirty="0"/>
+              <a:t>Schlusswort</a:t>
+            </a:r>
+          </a:p>
+        </p:txBody>
+      </p:sp>
+      <p:sp>
+        <p:nvSpPr>
+          <p:cNvPr id="4" name="Content Placeholder 2">
+            <a:extLst>
+              <a:ext uri="{FF2B5EF4-FFF2-40B4-BE49-F238E27FC236}">
+                <a16:creationId xmlns:a16="http://schemas.microsoft.com/office/drawing/2014/main" id="{D2053699-2FFF-45FB-8137-7E0B59587698}"/>
+              </a:ext>
+            </a:extLst>
+          </p:cNvPr>
+          <p:cNvSpPr txBox="1">
+            <a:spLocks/>
+          </p:cNvSpPr>
+          <p:nvPr/>
+        </p:nvSpPr>
+        <p:spPr>
+          <a:xfrm>
+            <a:off x="1143001" y="2207638"/>
+            <a:ext cx="9980720" cy="1893845"/>
+          </a:xfrm>
+          <a:prstGeom prst="rect">
+            <a:avLst/>
+          </a:prstGeom>
+        </p:spPr>
+        <p:txBody>
+          <a:bodyPr vert="horz" lIns="91440" tIns="45720" rIns="91440" bIns="45720" rtlCol="0">
+            <a:normAutofit/>
+          </a:bodyPr>
+          <a:lstStyle>
+            <a:lvl1pPr marL="228600" indent="-182880" algn="l" defTabSz="914400" rtl="0" eaLnBrk="1" latinLnBrk="0" hangingPunct="1">
+              <a:lnSpc>
+                <a:spcPct val="90000"/>
+              </a:lnSpc>
+              <a:spcBef>
+                <a:spcPts val="1400"/>
+              </a:spcBef>
+              <a:buClr>
+                <a:schemeClr val="accent1"/>
+              </a:buClr>
+              <a:buSzPct val="80000"/>
+              <a:buFont typeface="Corbel" pitchFamily="34" charset="0"/>
+              <a:buChar char="•"/>
+              <a:defRPr sz="2200" kern="1200">
+                <a:solidFill>
+                  <a:schemeClr val="accent1"/>
+                </a:solidFill>
+                <a:latin typeface="+mn-lt"/>
+                <a:ea typeface="+mn-ea"/>
+                <a:cs typeface="+mn-cs"/>
+              </a:defRPr>
+            </a:lvl1pPr>
+            <a:lvl2pPr marL="457200" indent="-182880" algn="l" defTabSz="914400" rtl="0" eaLnBrk="1" latinLnBrk="0" hangingPunct="1">
+              <a:lnSpc>
+                <a:spcPct val="90000"/>
+              </a:lnSpc>
+              <a:spcBef>
+                <a:spcPts val="200"/>
+              </a:spcBef>
+              <a:spcAft>
+                <a:spcPts val="400"/>
+              </a:spcAft>
+              <a:buClr>
+                <a:schemeClr val="accent1"/>
+              </a:buClr>
+              <a:buSzPct val="80000"/>
+              <a:buFont typeface="Corbel" pitchFamily="34" charset="0"/>
+              <a:buChar char="•"/>
+              <a:defRPr sz="2000" kern="1200">
+                <a:solidFill>
+                  <a:schemeClr val="accent1"/>
+                </a:solidFill>
+                <a:latin typeface="+mn-lt"/>
+                <a:ea typeface="+mn-ea"/>
+                <a:cs typeface="+mn-cs"/>
+              </a:defRPr>
+            </a:lvl2pPr>
+            <a:lvl3pPr marL="731520" indent="-182880" algn="l" defTabSz="914400" rtl="0" eaLnBrk="1" latinLnBrk="0" hangingPunct="1">
+              <a:lnSpc>
+                <a:spcPct val="90000"/>
+              </a:lnSpc>
+              <a:spcBef>
+                <a:spcPts val="200"/>
+              </a:spcBef>
+              <a:spcAft>
+                <a:spcPts val="400"/>
+              </a:spcAft>
+              <a:buClr>
+                <a:schemeClr val="accent1"/>
+              </a:buClr>
+              <a:buSzPct val="80000"/>
+              <a:buFont typeface="Corbel" pitchFamily="34" charset="0"/>
+              <a:buChar char="•"/>
+              <a:defRPr sz="1800" kern="1200">
+                <a:solidFill>
+                  <a:schemeClr val="accent1"/>
+                </a:solidFill>
+                <a:latin typeface="+mn-lt"/>
+                <a:ea typeface="+mn-ea"/>
+                <a:cs typeface="+mn-cs"/>
+              </a:defRPr>
+            </a:lvl3pPr>
+            <a:lvl4pPr marL="1005840" indent="-182880" algn="l" defTabSz="914400" rtl="0" eaLnBrk="1" latinLnBrk="0" hangingPunct="1">
+              <a:lnSpc>
+                <a:spcPct val="90000"/>
+              </a:lnSpc>
+              <a:spcBef>
+                <a:spcPts val="200"/>
+              </a:spcBef>
+              <a:spcAft>
+                <a:spcPts val="400"/>
+              </a:spcAft>
+              <a:buClr>
+                <a:schemeClr val="accent1"/>
+              </a:buClr>
+              <a:buSzPct val="80000"/>
+              <a:buFont typeface="Corbel" pitchFamily="34" charset="0"/>
+              <a:buChar char="•"/>
+              <a:defRPr sz="1600" kern="1200">
+                <a:solidFill>
+                  <a:schemeClr val="accent1"/>
+                </a:solidFill>
+                <a:latin typeface="+mn-lt"/>
+                <a:ea typeface="+mn-ea"/>
+                <a:cs typeface="+mn-cs"/>
+              </a:defRPr>
+            </a:lvl4pPr>
+            <a:lvl5pPr marL="1280160" indent="-182880" algn="l" defTabSz="914400" rtl="0" eaLnBrk="1" latinLnBrk="0" hangingPunct="1">
+              <a:lnSpc>
+                <a:spcPct val="90000"/>
+              </a:lnSpc>
+              <a:spcBef>
+                <a:spcPts val="200"/>
+              </a:spcBef>
+              <a:spcAft>
+                <a:spcPts val="400"/>
+              </a:spcAft>
+              <a:buClr>
+                <a:schemeClr val="accent1"/>
+              </a:buClr>
+              <a:buSzPct val="80000"/>
+              <a:buFont typeface="Corbel" pitchFamily="34" charset="0"/>
+              <a:buChar char="•"/>
+              <a:defRPr sz="1600" kern="1200">
+                <a:solidFill>
+                  <a:schemeClr val="accent1"/>
+                </a:solidFill>
+                <a:latin typeface="+mn-lt"/>
+                <a:ea typeface="+mn-ea"/>
+                <a:cs typeface="+mn-cs"/>
+              </a:defRPr>
+            </a:lvl5pPr>
+            <a:lvl6pPr marL="1600000" indent="-228600" algn="l" defTabSz="914400" rtl="0" eaLnBrk="1" latinLnBrk="0" hangingPunct="1">
+              <a:lnSpc>
+                <a:spcPct val="90000"/>
+              </a:lnSpc>
+              <a:spcBef>
+                <a:spcPts val="200"/>
+              </a:spcBef>
+              <a:spcAft>
+                <a:spcPts val="400"/>
+              </a:spcAft>
+              <a:buClr>
+                <a:schemeClr val="accent1"/>
+              </a:buClr>
+              <a:buSzPct val="80000"/>
+              <a:buFont typeface="Corbel" pitchFamily="34" charset="0"/>
+              <a:buChar char="•"/>
+              <a:defRPr sz="1600" kern="1200">
+                <a:solidFill>
+                  <a:schemeClr val="accent1"/>
+                </a:solidFill>
+                <a:latin typeface="+mn-lt"/>
+                <a:ea typeface="+mn-ea"/>
+                <a:cs typeface="+mn-cs"/>
+              </a:defRPr>
+            </a:lvl6pPr>
+            <a:lvl7pPr marL="1900000" indent="-228600" algn="l" defTabSz="914400" rtl="0" eaLnBrk="1" latinLnBrk="0" hangingPunct="1">
+              <a:lnSpc>
+                <a:spcPct val="90000"/>
+              </a:lnSpc>
+              <a:spcBef>
+                <a:spcPts val="200"/>
+              </a:spcBef>
+              <a:spcAft>
+                <a:spcPts val="400"/>
+              </a:spcAft>
+              <a:buClr>
+                <a:schemeClr val="accent1"/>
+              </a:buClr>
+              <a:buSzPct val="80000"/>
+              <a:buFont typeface="Corbel" pitchFamily="34" charset="0"/>
+              <a:buChar char="•"/>
+              <a:defRPr sz="1600" kern="1200">
+                <a:solidFill>
+                  <a:schemeClr val="accent1"/>
+                </a:solidFill>
+                <a:latin typeface="+mn-lt"/>
+                <a:ea typeface="+mn-ea"/>
+                <a:cs typeface="+mn-cs"/>
+              </a:defRPr>
+            </a:lvl7pPr>
+            <a:lvl8pPr marL="2200000" indent="-228600" algn="l" defTabSz="914400" rtl="0" eaLnBrk="1" latinLnBrk="0" hangingPunct="1">
+              <a:lnSpc>
+                <a:spcPct val="90000"/>
+              </a:lnSpc>
+              <a:spcBef>
+                <a:spcPts val="200"/>
+              </a:spcBef>
+              <a:spcAft>
+                <a:spcPts val="400"/>
+              </a:spcAft>
+              <a:buClr>
+                <a:schemeClr val="accent1"/>
+              </a:buClr>
+              <a:buSzPct val="80000"/>
+              <a:buFont typeface="Corbel" pitchFamily="34" charset="0"/>
+              <a:buChar char="•"/>
+              <a:defRPr sz="1600" kern="1200">
+                <a:solidFill>
+                  <a:schemeClr val="accent1"/>
+                </a:solidFill>
+                <a:latin typeface="+mn-lt"/>
+                <a:ea typeface="+mn-ea"/>
+                <a:cs typeface="+mn-cs"/>
+              </a:defRPr>
+            </a:lvl8pPr>
+            <a:lvl9pPr marL="2500000" indent="-228600" algn="l" defTabSz="914400" rtl="0" eaLnBrk="1" latinLnBrk="0" hangingPunct="1">
+              <a:lnSpc>
+                <a:spcPct val="90000"/>
+              </a:lnSpc>
+              <a:spcBef>
+                <a:spcPts val="200"/>
+              </a:spcBef>
+              <a:spcAft>
+                <a:spcPts val="400"/>
+              </a:spcAft>
+              <a:buClr>
+                <a:schemeClr val="accent1"/>
+              </a:buClr>
+              <a:buSzPct val="80000"/>
+              <a:buFont typeface="Corbel" pitchFamily="34" charset="0"/>
+              <a:buChar char="•"/>
+              <a:defRPr sz="1600" kern="1200">
+                <a:solidFill>
+                  <a:schemeClr val="accent1"/>
+                </a:solidFill>
+                <a:latin typeface="+mn-lt"/>
+                <a:ea typeface="+mn-ea"/>
+                <a:cs typeface="+mn-cs"/>
+              </a:defRPr>
+            </a:lvl9pPr>
+          </a:lstStyle>
+          <a:p>
+            <a:r>
+              <a:rPr lang="de-CH" dirty="0"/>
+              <a:t>Viel gelernt</a:t>
+            </a:r>
+          </a:p>
+          <a:p>
+            <a:r>
+              <a:rPr lang="de-CH" dirty="0"/>
+              <a:t>Erste Erfahrungen mit einem richtigen Projekt ( Planung, Front-Backend …)</a:t>
+            </a:r>
+          </a:p>
+          <a:p>
+            <a:r>
+              <a:rPr lang="de-CH" dirty="0"/>
+              <a:t>Hat Spass gemacht</a:t>
+            </a:r>
+          </a:p>
+          <a:p>
+            <a:r>
+              <a:rPr lang="de-CH" dirty="0"/>
+              <a:t>Fazit</a:t>
+            </a:r>
+          </a:p>
+        </p:txBody>
+      </p:sp>
+      <p:sp>
+        <p:nvSpPr>
+          <p:cNvPr id="5" name="Content Placeholder 2">
+            <a:extLst>
+              <a:ext uri="{FF2B5EF4-FFF2-40B4-BE49-F238E27FC236}">
+                <a16:creationId xmlns:a16="http://schemas.microsoft.com/office/drawing/2014/main" id="{B771F797-C397-4207-9E68-FC881A097FA3}"/>
+              </a:ext>
+            </a:extLst>
+          </p:cNvPr>
+          <p:cNvSpPr txBox="1">
+            <a:spLocks/>
+          </p:cNvSpPr>
+          <p:nvPr/>
+        </p:nvSpPr>
+        <p:spPr>
+          <a:xfrm>
+            <a:off x="4526873" y="4511837"/>
+            <a:ext cx="3454152" cy="752621"/>
+          </a:xfrm>
+          <a:prstGeom prst="rect">
+            <a:avLst/>
+          </a:prstGeom>
+        </p:spPr>
+        <p:txBody>
+          <a:bodyPr vert="horz" lIns="91440" tIns="45720" rIns="91440" bIns="45720" rtlCol="0">
+            <a:normAutofit fontScale="92500"/>
+          </a:bodyPr>
+          <a:lstStyle>
+            <a:lvl1pPr marL="228600" indent="-182880" algn="l" defTabSz="914400" rtl="0" eaLnBrk="1" latinLnBrk="0" hangingPunct="1">
+              <a:lnSpc>
+                <a:spcPct val="90000"/>
+              </a:lnSpc>
+              <a:spcBef>
+                <a:spcPts val="1400"/>
+              </a:spcBef>
+              <a:buClr>
+                <a:schemeClr val="accent1"/>
+              </a:buClr>
+              <a:buSzPct val="80000"/>
+              <a:buFont typeface="Corbel" pitchFamily="34" charset="0"/>
+              <a:buChar char="•"/>
+              <a:defRPr sz="2200" kern="1200">
+                <a:solidFill>
+                  <a:schemeClr val="accent1"/>
+                </a:solidFill>
+                <a:latin typeface="+mn-lt"/>
+                <a:ea typeface="+mn-ea"/>
+                <a:cs typeface="+mn-cs"/>
+              </a:defRPr>
+            </a:lvl1pPr>
+            <a:lvl2pPr marL="457200" indent="-182880" algn="l" defTabSz="914400" rtl="0" eaLnBrk="1" latinLnBrk="0" hangingPunct="1">
+              <a:lnSpc>
+                <a:spcPct val="90000"/>
+              </a:lnSpc>
+              <a:spcBef>
+                <a:spcPts val="200"/>
+              </a:spcBef>
+              <a:spcAft>
+                <a:spcPts val="400"/>
+              </a:spcAft>
+              <a:buClr>
+                <a:schemeClr val="accent1"/>
+              </a:buClr>
+              <a:buSzPct val="80000"/>
+              <a:buFont typeface="Corbel" pitchFamily="34" charset="0"/>
+              <a:buChar char="•"/>
+              <a:defRPr sz="2000" kern="1200">
+                <a:solidFill>
+                  <a:schemeClr val="accent1"/>
+                </a:solidFill>
+                <a:latin typeface="+mn-lt"/>
+                <a:ea typeface="+mn-ea"/>
+                <a:cs typeface="+mn-cs"/>
+              </a:defRPr>
+            </a:lvl2pPr>
+            <a:lvl3pPr marL="731520" indent="-182880" algn="l" defTabSz="914400" rtl="0" eaLnBrk="1" latinLnBrk="0" hangingPunct="1">
+              <a:lnSpc>
+                <a:spcPct val="90000"/>
+              </a:lnSpc>
+              <a:spcBef>
+                <a:spcPts val="200"/>
+              </a:spcBef>
+              <a:spcAft>
+                <a:spcPts val="400"/>
+              </a:spcAft>
+              <a:buClr>
+                <a:schemeClr val="accent1"/>
+              </a:buClr>
+              <a:buSzPct val="80000"/>
+              <a:buFont typeface="Corbel" pitchFamily="34" charset="0"/>
+              <a:buChar char="•"/>
+              <a:defRPr sz="1800" kern="1200">
+                <a:solidFill>
+                  <a:schemeClr val="accent1"/>
+                </a:solidFill>
+                <a:latin typeface="+mn-lt"/>
+                <a:ea typeface="+mn-ea"/>
+                <a:cs typeface="+mn-cs"/>
+              </a:defRPr>
+            </a:lvl3pPr>
+            <a:lvl4pPr marL="1005840" indent="-182880" algn="l" defTabSz="914400" rtl="0" eaLnBrk="1" latinLnBrk="0" hangingPunct="1">
+              <a:lnSpc>
+                <a:spcPct val="90000"/>
+              </a:lnSpc>
+              <a:spcBef>
+                <a:spcPts val="200"/>
+              </a:spcBef>
+              <a:spcAft>
+                <a:spcPts val="400"/>
+              </a:spcAft>
+              <a:buClr>
+                <a:schemeClr val="accent1"/>
+              </a:buClr>
+              <a:buSzPct val="80000"/>
+              <a:buFont typeface="Corbel" pitchFamily="34" charset="0"/>
+              <a:buChar char="•"/>
+              <a:defRPr sz="1600" kern="1200">
+                <a:solidFill>
+                  <a:schemeClr val="accent1"/>
+                </a:solidFill>
+                <a:latin typeface="+mn-lt"/>
+                <a:ea typeface="+mn-ea"/>
+                <a:cs typeface="+mn-cs"/>
+              </a:defRPr>
+            </a:lvl4pPr>
+            <a:lvl5pPr marL="1280160" indent="-182880" algn="l" defTabSz="914400" rtl="0" eaLnBrk="1" latinLnBrk="0" hangingPunct="1">
+              <a:lnSpc>
+                <a:spcPct val="90000"/>
+              </a:lnSpc>
+              <a:spcBef>
+                <a:spcPts val="200"/>
+              </a:spcBef>
+              <a:spcAft>
+                <a:spcPts val="400"/>
+              </a:spcAft>
+              <a:buClr>
+                <a:schemeClr val="accent1"/>
+              </a:buClr>
+              <a:buSzPct val="80000"/>
+              <a:buFont typeface="Corbel" pitchFamily="34" charset="0"/>
+              <a:buChar char="•"/>
+              <a:defRPr sz="1600" kern="1200">
+                <a:solidFill>
+                  <a:schemeClr val="accent1"/>
+                </a:solidFill>
+                <a:latin typeface="+mn-lt"/>
+                <a:ea typeface="+mn-ea"/>
+                <a:cs typeface="+mn-cs"/>
+              </a:defRPr>
+            </a:lvl5pPr>
+            <a:lvl6pPr marL="1600000" indent="-228600" algn="l" defTabSz="914400" rtl="0" eaLnBrk="1" latinLnBrk="0" hangingPunct="1">
+              <a:lnSpc>
+                <a:spcPct val="90000"/>
+              </a:lnSpc>
+              <a:spcBef>
+                <a:spcPts val="200"/>
+              </a:spcBef>
+              <a:spcAft>
+                <a:spcPts val="400"/>
+              </a:spcAft>
+              <a:buClr>
+                <a:schemeClr val="accent1"/>
+              </a:buClr>
+              <a:buSzPct val="80000"/>
+              <a:buFont typeface="Corbel" pitchFamily="34" charset="0"/>
+              <a:buChar char="•"/>
+              <a:defRPr sz="1600" kern="1200">
+                <a:solidFill>
+                  <a:schemeClr val="accent1"/>
+                </a:solidFill>
+                <a:latin typeface="+mn-lt"/>
+                <a:ea typeface="+mn-ea"/>
+                <a:cs typeface="+mn-cs"/>
+              </a:defRPr>
+            </a:lvl6pPr>
+            <a:lvl7pPr marL="1900000" indent="-228600" algn="l" defTabSz="914400" rtl="0" eaLnBrk="1" latinLnBrk="0" hangingPunct="1">
+              <a:lnSpc>
+                <a:spcPct val="90000"/>
+              </a:lnSpc>
+              <a:spcBef>
+                <a:spcPts val="200"/>
+              </a:spcBef>
+              <a:spcAft>
+                <a:spcPts val="400"/>
+              </a:spcAft>
+              <a:buClr>
+                <a:schemeClr val="accent1"/>
+              </a:buClr>
+              <a:buSzPct val="80000"/>
+              <a:buFont typeface="Corbel" pitchFamily="34" charset="0"/>
+              <a:buChar char="•"/>
+              <a:defRPr sz="1600" kern="1200">
+                <a:solidFill>
+                  <a:schemeClr val="accent1"/>
+                </a:solidFill>
+                <a:latin typeface="+mn-lt"/>
+                <a:ea typeface="+mn-ea"/>
+                <a:cs typeface="+mn-cs"/>
+              </a:defRPr>
+            </a:lvl7pPr>
+            <a:lvl8pPr marL="2200000" indent="-228600" algn="l" defTabSz="914400" rtl="0" eaLnBrk="1" latinLnBrk="0" hangingPunct="1">
+              <a:lnSpc>
+                <a:spcPct val="90000"/>
+              </a:lnSpc>
+              <a:spcBef>
+                <a:spcPts val="200"/>
+              </a:spcBef>
+              <a:spcAft>
+                <a:spcPts val="400"/>
+              </a:spcAft>
+              <a:buClr>
+                <a:schemeClr val="accent1"/>
+              </a:buClr>
+              <a:buSzPct val="80000"/>
+              <a:buFont typeface="Corbel" pitchFamily="34" charset="0"/>
+              <a:buChar char="•"/>
+              <a:defRPr sz="1600" kern="1200">
+                <a:solidFill>
+                  <a:schemeClr val="accent1"/>
+                </a:solidFill>
+                <a:latin typeface="+mn-lt"/>
+                <a:ea typeface="+mn-ea"/>
+                <a:cs typeface="+mn-cs"/>
+              </a:defRPr>
+            </a:lvl8pPr>
+            <a:lvl9pPr marL="2500000" indent="-228600" algn="l" defTabSz="914400" rtl="0" eaLnBrk="1" latinLnBrk="0" hangingPunct="1">
+              <a:lnSpc>
+                <a:spcPct val="90000"/>
+              </a:lnSpc>
+              <a:spcBef>
+                <a:spcPts val="200"/>
+              </a:spcBef>
+              <a:spcAft>
+                <a:spcPts val="400"/>
+              </a:spcAft>
+              <a:buClr>
+                <a:schemeClr val="accent1"/>
+              </a:buClr>
+              <a:buSzPct val="80000"/>
+              <a:buFont typeface="Corbel" pitchFamily="34" charset="0"/>
+              <a:buChar char="•"/>
+              <a:defRPr sz="1600" kern="1200">
+                <a:solidFill>
+                  <a:schemeClr val="accent1"/>
+                </a:solidFill>
+                <a:latin typeface="+mn-lt"/>
+                <a:ea typeface="+mn-ea"/>
+                <a:cs typeface="+mn-cs"/>
+              </a:defRPr>
+            </a:lvl9pPr>
+          </a:lstStyle>
+          <a:p>
+            <a:pPr marL="45720" indent="0">
+              <a:buNone/>
+            </a:pPr>
+            <a:r>
+              <a:rPr lang="de-CH" sz="3200" dirty="0"/>
+              <a:t>Ich gebe nicht auf!!!</a:t>
+            </a:r>
+          </a:p>
+        </p:txBody>
+      </p:sp>
+    </p:spTree>
+    <p:extLst>
+      <p:ext uri="{BB962C8B-B14F-4D97-AF65-F5344CB8AC3E}">
+        <p14:creationId xmlns:p14="http://schemas.microsoft.com/office/powerpoint/2010/main" val="2629528562"/>
+      </p:ext>
+    </p:extLst>
+  </p:cSld>
+  <p:clrMapOvr>
+    <a:masterClrMapping/>
+  </p:clrMapOvr>
+  <p:timing>
+    <p:tnLst>
+      <p:par>
+        <p:cTn id="1" dur="indefinite" restart="never" nodeType="tmRoot">
+          <p:childTnLst>
+            <p:seq concurrent="1" nextAc="seek">
+              <p:cTn id="2" dur="indefinite" nodeType="mainSeq">
+                <p:childTnLst>
+                  <p:par>
+                    <p:cTn id="3" fill="hold">
+                      <p:stCondLst>
+                        <p:cond delay="indefinite"/>
+                      </p:stCondLst>
+                      <p:childTnLst>
+                        <p:par>
+                          <p:cTn id="4" fill="hold">
+                            <p:stCondLst>
+                              <p:cond delay="0"/>
+                            </p:stCondLst>
+                            <p:childTnLst>
+                              <p:par>
+                                <p:cTn id="5" presetID="1" presetClass="entr" presetSubtype="0" fill="hold" grpId="0" nodeType="clickEffect">
+                                  <p:stCondLst>
+                                    <p:cond delay="0"/>
+                                  </p:stCondLst>
+                                  <p:childTnLst>
+                                    <p:set>
+                                      <p:cBhvr>
+                                        <p:cTn id="6" dur="1" fill="hold">
+                                          <p:stCondLst>
+                                            <p:cond delay="0"/>
+                                          </p:stCondLst>
+                                        </p:cTn>
+                                        <p:tgtEl>
+                                          <p:spTgt spid="5"/>
+                                        </p:tgtEl>
+                                        <p:attrNameLst>
+                                          <p:attrName>style.visibility</p:attrName>
+                                        </p:attrNameLst>
+                                      </p:cBhvr>
+                                      <p:to>
+                                        <p:strVal val="visible"/>
+                                      </p:to>
+                                    </p:set>
+                                  </p:childTnLst>
+                                </p:cTn>
+                              </p:par>
+                            </p:childTnLst>
+                          </p:cTn>
+                        </p:par>
+                      </p:childTnLst>
+                    </p:cTn>
+                  </p:par>
+                </p:childTnLst>
+              </p:cTn>
+              <p:prevCondLst>
+                <p:cond evt="onPrev" delay="0">
+                  <p:tgtEl>
+                    <p:sldTgt/>
+                  </p:tgtEl>
+                </p:cond>
+              </p:prevCondLst>
+              <p:nextCondLst>
+                <p:cond evt="onNext" delay="0">
+                  <p:tgtEl>
+                    <p:sldTgt/>
+                  </p:tgtEl>
+                </p:cond>
+              </p:nextCondLst>
+            </p:seq>
+          </p:childTnLst>
+        </p:cTn>
+      </p:par>
+    </p:tnLst>
+    <p:bldLst>
+      <p:bldP spid="5" grpId="0"/>
+    </p:bldLst>
+  </p:timing>
+</p:sld>
+</file>
+
+<file path=ppt/slides/slide13.xml><?xml version="1.0" encoding="utf-8"?>
+<p:sld xmlns:a="http://schemas.openxmlformats.org/drawingml/2006/main" xmlns:r="http://schemas.openxmlformats.org/officeDocument/2006/relationships" xmlns:p="http://schemas.openxmlformats.org/presentationml/2006/main">
+  <p:cSld>
+    <p:spTree>
+      <p:nvGrpSpPr>
+        <p:cNvPr id="1" name=""/>
+        <p:cNvGrpSpPr/>
+        <p:nvPr/>
+      </p:nvGrpSpPr>
+      <p:grpSpPr>
+        <a:xfrm>
+          <a:off x="0" y="0"/>
+          <a:ext cx="0" cy="0"/>
+          <a:chOff x="0" y="0"/>
+          <a:chExt cx="0" cy="0"/>
+        </a:xfrm>
+      </p:grpSpPr>
+      <p:sp>
+        <p:nvSpPr>
+          <p:cNvPr id="2" name="Title 1">
+            <a:extLst>
+              <a:ext uri="{FF2B5EF4-FFF2-40B4-BE49-F238E27FC236}">
+                <a16:creationId xmlns:a16="http://schemas.microsoft.com/office/drawing/2014/main" id="{6C1619A9-84EF-5A93-D1AF-F0A7E4D19B64}"/>
+              </a:ext>
+            </a:extLst>
+          </p:cNvPr>
+          <p:cNvSpPr>
+            <a:spLocks noGrp="1"/>
+          </p:cNvSpPr>
+          <p:nvPr>
+            <p:ph type="title"/>
+          </p:nvPr>
+        </p:nvSpPr>
+        <p:spPr>
+          <a:xfrm>
+            <a:off x="4701464" y="2855614"/>
+            <a:ext cx="2789071" cy="1146772"/>
+          </a:xfrm>
+        </p:spPr>
+        <p:txBody>
+          <a:bodyPr/>
+          <a:lstStyle/>
+          <a:p>
+            <a:pPr algn="ctr"/>
+            <a:r>
+              <a:rPr lang="de-CH" dirty="0"/>
+              <a:t>Fragen</a:t>
+            </a:r>
+          </a:p>
+        </p:txBody>
+      </p:sp>
+    </p:spTree>
+    <p:extLst>
+      <p:ext uri="{BB962C8B-B14F-4D97-AF65-F5344CB8AC3E}">
+        <p14:creationId xmlns:p14="http://schemas.microsoft.com/office/powerpoint/2010/main" val="211836162"/>
+      </p:ext>
+    </p:extLst>
+  </p:cSld>
+  <p:clrMapOvr>
+    <a:masterClrMapping/>
+  </p:clrMapOvr>
+</p:sld>
+</file>
+
+<file path=ppt/slides/slide14.xml><?xml version="1.0" encoding="utf-8"?>
+<p:sld xmlns:a="http://schemas.openxmlformats.org/drawingml/2006/main" xmlns:r="http://schemas.openxmlformats.org/officeDocument/2006/relationships" xmlns:p="http://schemas.openxmlformats.org/presentationml/2006/main" show="0">
+  <p:cSld>
+    <p:spTree>
+      <p:nvGrpSpPr>
+        <p:cNvPr id="1" name=""/>
+        <p:cNvGrpSpPr/>
+        <p:nvPr/>
+      </p:nvGrpSpPr>
+      <p:grpSpPr>
+        <a:xfrm>
+          <a:off x="0" y="0"/>
+          <a:ext cx="0" cy="0"/>
+          <a:chOff x="0" y="0"/>
+          <a:chExt cx="0" cy="0"/>
+        </a:xfrm>
+      </p:grpSpPr>
+      <p:pic>
+        <p:nvPicPr>
+          <p:cNvPr id="37" name="Grafik 36">
+            <a:extLst>
+              <a:ext uri="{FF2B5EF4-FFF2-40B4-BE49-F238E27FC236}">
+                <a16:creationId xmlns:a16="http://schemas.microsoft.com/office/drawing/2014/main" id="{AE827329-A4E7-4479-B11A-FDB905E6F65A}"/>
+              </a:ext>
+            </a:extLst>
+          </p:cNvPr>
+          <p:cNvPicPr>
+            <a:picLocks noChangeAspect="1"/>
+          </p:cNvPicPr>
+          <p:nvPr/>
+        </p:nvPicPr>
+        <p:blipFill>
+          <a:blip r:embed="rId2"/>
+          <a:stretch>
+            <a:fillRect/>
+          </a:stretch>
+        </p:blipFill>
+        <p:spPr>
+          <a:xfrm>
+            <a:off x="4073559" y="3648707"/>
+            <a:ext cx="4132249" cy="2795988"/>
+          </a:xfrm>
+          <a:prstGeom prst="rect">
+            <a:avLst/>
+          </a:prstGeom>
+          <a:ln w="38100" cap="sq">
+            <a:solidFill>
+              <a:srgbClr val="000000"/>
+            </a:solidFill>
+            <a:prstDash val="solid"/>
+            <a:miter lim="800000"/>
+          </a:ln>
+          <a:effectLst>
+            <a:outerShdw blurRad="50800" dist="38100" dir="2700000" algn="tl" rotWithShape="0">
+              <a:srgbClr val="000000">
+                <a:alpha val="43000"/>
+              </a:srgbClr>
+            </a:outerShdw>
+          </a:effectLst>
+        </p:spPr>
+      </p:pic>
+      <p:pic>
+        <p:nvPicPr>
+          <p:cNvPr id="24" name="Grafik 23">
+            <a:extLst>
+              <a:ext uri="{FF2B5EF4-FFF2-40B4-BE49-F238E27FC236}">
+                <a16:creationId xmlns:a16="http://schemas.microsoft.com/office/drawing/2014/main" id="{D79074E4-4600-48C9-BEEC-51F636EA1489}"/>
+              </a:ext>
+            </a:extLst>
+          </p:cNvPr>
+          <p:cNvPicPr>
+            <a:picLocks noChangeAspect="1"/>
+          </p:cNvPicPr>
+          <p:nvPr/>
+        </p:nvPicPr>
+        <p:blipFill>
+          <a:blip r:embed="rId2"/>
+          <a:stretch>
+            <a:fillRect/>
+          </a:stretch>
+        </p:blipFill>
+        <p:spPr>
+          <a:xfrm>
+            <a:off x="1871431" y="3902451"/>
+            <a:ext cx="3757237" cy="2542244"/>
+          </a:xfrm>
+          <a:prstGeom prst="rect">
+            <a:avLst/>
+          </a:prstGeom>
+          <a:ln w="38100" cap="sq">
+            <a:solidFill>
+              <a:srgbClr val="000000"/>
+            </a:solidFill>
+            <a:prstDash val="solid"/>
+            <a:miter lim="800000"/>
+          </a:ln>
+          <a:effectLst>
+            <a:outerShdw blurRad="50800" dist="38100" dir="2700000" algn="tl" rotWithShape="0">
+              <a:srgbClr val="000000">
+                <a:alpha val="43000"/>
+              </a:srgbClr>
+            </a:outerShdw>
+          </a:effectLst>
+        </p:spPr>
+      </p:pic>
+      <p:pic>
+        <p:nvPicPr>
+          <p:cNvPr id="5" name="Grafik 4">
+            <a:extLst>
+              <a:ext uri="{FF2B5EF4-FFF2-40B4-BE49-F238E27FC236}">
+                <a16:creationId xmlns:a16="http://schemas.microsoft.com/office/drawing/2014/main" id="{47A8C587-5DB2-416E-B366-A85B47E1A2B0}"/>
+              </a:ext>
+            </a:extLst>
+          </p:cNvPr>
+          <p:cNvPicPr>
+            <a:picLocks noChangeAspect="1"/>
+          </p:cNvPicPr>
+          <p:nvPr/>
+        </p:nvPicPr>
+        <p:blipFill rotWithShape="1">
+          <a:blip r:embed="rId3"/>
+          <a:srcRect l="4468" t="5169" r="3231" b="5092"/>
+          <a:stretch/>
+        </p:blipFill>
+        <p:spPr>
+          <a:xfrm>
+            <a:off x="1871430" y="1028515"/>
+            <a:ext cx="4546505" cy="1287263"/>
+          </a:xfrm>
+          <a:prstGeom prst="rect">
+            <a:avLst/>
+          </a:prstGeom>
+          <a:ln w="38100" cap="sq">
+            <a:solidFill>
+              <a:srgbClr val="000000"/>
+            </a:solidFill>
+            <a:prstDash val="solid"/>
+            <a:miter lim="800000"/>
+          </a:ln>
+          <a:effectLst>
+            <a:outerShdw blurRad="50800" dist="38100" dir="2700000" algn="tl" rotWithShape="0">
+              <a:srgbClr val="000000">
+                <a:alpha val="43000"/>
+              </a:srgbClr>
+            </a:outerShdw>
+          </a:effectLst>
+        </p:spPr>
+      </p:pic>
+      <p:pic>
+        <p:nvPicPr>
+          <p:cNvPr id="7" name="Grafik 6">
+            <a:extLst>
+              <a:ext uri="{FF2B5EF4-FFF2-40B4-BE49-F238E27FC236}">
+                <a16:creationId xmlns:a16="http://schemas.microsoft.com/office/drawing/2014/main" id="{37B3A01B-F6EE-4E6C-B7DD-63029B74F5D9}"/>
+              </a:ext>
+            </a:extLst>
+          </p:cNvPr>
+          <p:cNvPicPr>
+            <a:picLocks noChangeAspect="1"/>
+          </p:cNvPicPr>
+          <p:nvPr/>
+        </p:nvPicPr>
+        <p:blipFill>
+          <a:blip r:embed="rId4"/>
+          <a:stretch>
+            <a:fillRect/>
+          </a:stretch>
+        </p:blipFill>
+        <p:spPr>
+          <a:xfrm>
+            <a:off x="1871431" y="2280266"/>
+            <a:ext cx="1724266" cy="1619476"/>
+          </a:xfrm>
+          <a:prstGeom prst="rect">
+            <a:avLst/>
+          </a:prstGeom>
+          <a:ln w="38100" cap="sq">
+            <a:solidFill>
+              <a:srgbClr val="000000"/>
+            </a:solidFill>
+            <a:prstDash val="solid"/>
+            <a:miter lim="800000"/>
+          </a:ln>
+          <a:effectLst>
+            <a:outerShdw blurRad="50800" dist="38100" dir="2700000" algn="tl" rotWithShape="0">
+              <a:srgbClr val="000000">
+                <a:alpha val="43000"/>
+              </a:srgbClr>
+            </a:outerShdw>
+          </a:effectLst>
+        </p:spPr>
+      </p:pic>
+      <p:pic>
+        <p:nvPicPr>
+          <p:cNvPr id="9" name="Grafik 8">
+            <a:extLst>
+              <a:ext uri="{FF2B5EF4-FFF2-40B4-BE49-F238E27FC236}">
+                <a16:creationId xmlns:a16="http://schemas.microsoft.com/office/drawing/2014/main" id="{67C87EA2-AAD7-4A92-8A10-4E4E45D14201}"/>
+              </a:ext>
+            </a:extLst>
+          </p:cNvPr>
+          <p:cNvPicPr>
+            <a:picLocks noChangeAspect="1"/>
+          </p:cNvPicPr>
+          <p:nvPr/>
+        </p:nvPicPr>
+        <p:blipFill>
+          <a:blip r:embed="rId5">
+            <a:extLst>
+              <a:ext uri="{28A0092B-C50C-407E-A947-70E740481C1C}">
+                <a14:useLocalDpi xmlns:a14="http://schemas.microsoft.com/office/drawing/2010/main" val="0"/>
+              </a:ext>
+            </a:extLst>
+          </a:blip>
+          <a:stretch>
+            <a:fillRect/>
+          </a:stretch>
+        </p:blipFill>
+        <p:spPr>
+          <a:xfrm>
+            <a:off x="3516655" y="2276174"/>
+            <a:ext cx="3043930" cy="2025598"/>
+          </a:xfrm>
+          <a:prstGeom prst="rect">
+            <a:avLst/>
+          </a:prstGeom>
+          <a:ln w="38100" cap="sq">
+            <a:solidFill>
+              <a:srgbClr val="000000"/>
+            </a:solidFill>
+            <a:prstDash val="solid"/>
+            <a:miter lim="800000"/>
+          </a:ln>
+          <a:effectLst>
+            <a:outerShdw blurRad="50800" dist="38100" dir="2700000" algn="tl" rotWithShape="0">
+              <a:srgbClr val="000000">
+                <a:alpha val="43000"/>
+              </a:srgbClr>
+            </a:outerShdw>
+          </a:effectLst>
+        </p:spPr>
+      </p:pic>
+      <p:sp>
+        <p:nvSpPr>
+          <p:cNvPr id="10" name="Textfeld 9">
+            <a:extLst>
+              <a:ext uri="{FF2B5EF4-FFF2-40B4-BE49-F238E27FC236}">
+                <a16:creationId xmlns:a16="http://schemas.microsoft.com/office/drawing/2014/main" id="{60C2F9E1-E944-46BC-99F9-0D9F357CBB7C}"/>
+              </a:ext>
+            </a:extLst>
+          </p:cNvPr>
+          <p:cNvSpPr txBox="1"/>
+          <p:nvPr/>
+        </p:nvSpPr>
+        <p:spPr>
+          <a:xfrm>
+            <a:off x="2199220" y="3528395"/>
+            <a:ext cx="1030809" cy="307777"/>
+          </a:xfrm>
+          <a:prstGeom prst="rect">
+            <a:avLst/>
+          </a:prstGeom>
+          <a:solidFill>
+            <a:schemeClr val="tx2">
+              <a:lumMod val="40000"/>
+              <a:lumOff val="60000"/>
+            </a:schemeClr>
+          </a:solidFill>
+        </p:spPr>
+        <p:txBody>
+          <a:bodyPr wrap="square" rtlCol="0">
+            <a:spAutoFit/>
+          </a:bodyPr>
+          <a:lstStyle/>
+          <a:p>
+            <a:pPr algn="ctr"/>
+            <a:r>
+              <a:rPr lang="de-CH" sz="1400" dirty="0"/>
+              <a:t>Projekte</a:t>
+            </a:r>
+          </a:p>
+        </p:txBody>
+      </p:sp>
+      <p:sp>
+        <p:nvSpPr>
+          <p:cNvPr id="11" name="Textfeld 10">
+            <a:extLst>
+              <a:ext uri="{FF2B5EF4-FFF2-40B4-BE49-F238E27FC236}">
+                <a16:creationId xmlns:a16="http://schemas.microsoft.com/office/drawing/2014/main" id="{C731A408-16FD-4924-A95F-C77A884977B5}"/>
+              </a:ext>
+            </a:extLst>
+          </p:cNvPr>
+          <p:cNvSpPr txBox="1"/>
+          <p:nvPr/>
+        </p:nvSpPr>
+        <p:spPr>
+          <a:xfrm>
+            <a:off x="4094742" y="3696595"/>
+            <a:ext cx="1745933" cy="307777"/>
+          </a:xfrm>
+          <a:prstGeom prst="rect">
+            <a:avLst/>
+          </a:prstGeom>
+          <a:solidFill>
+            <a:schemeClr val="tx2">
+              <a:lumMod val="40000"/>
+              <a:lumOff val="60000"/>
+            </a:schemeClr>
+          </a:solidFill>
+        </p:spPr>
+        <p:txBody>
+          <a:bodyPr wrap="square" rtlCol="0">
+            <a:spAutoFit/>
+          </a:bodyPr>
+          <a:lstStyle/>
+          <a:p>
+            <a:pPr algn="ctr"/>
+            <a:r>
+              <a:rPr lang="de-CH" sz="1400" dirty="0"/>
+              <a:t>Kommunikation</a:t>
+            </a:r>
+          </a:p>
+        </p:txBody>
+      </p:sp>
+      <p:sp>
+        <p:nvSpPr>
+          <p:cNvPr id="12" name="Textfeld 11">
+            <a:extLst>
+              <a:ext uri="{FF2B5EF4-FFF2-40B4-BE49-F238E27FC236}">
+                <a16:creationId xmlns:a16="http://schemas.microsoft.com/office/drawing/2014/main" id="{80C114D1-A2E8-4DE2-A18F-A635FE3AAFA6}"/>
+              </a:ext>
+            </a:extLst>
+          </p:cNvPr>
+          <p:cNvSpPr txBox="1"/>
+          <p:nvPr/>
+        </p:nvSpPr>
+        <p:spPr>
+          <a:xfrm>
+            <a:off x="3670158" y="1850500"/>
+            <a:ext cx="823626" cy="307777"/>
+          </a:xfrm>
+          <a:prstGeom prst="rect">
+            <a:avLst/>
+          </a:prstGeom>
+          <a:solidFill>
+            <a:schemeClr val="tx2">
+              <a:lumMod val="40000"/>
+              <a:lumOff val="60000"/>
+            </a:schemeClr>
+          </a:solidFill>
+        </p:spPr>
+        <p:txBody>
+          <a:bodyPr wrap="square" rtlCol="0">
+            <a:spAutoFit/>
+          </a:bodyPr>
+          <a:lstStyle/>
+          <a:p>
+            <a:pPr algn="ctr"/>
+            <a:r>
+              <a:rPr lang="de-CH" sz="1400" dirty="0"/>
+              <a:t>Posten</a:t>
+            </a:r>
+          </a:p>
+        </p:txBody>
+      </p:sp>
+      <p:pic>
+        <p:nvPicPr>
+          <p:cNvPr id="14" name="Grafik 13">
+            <a:extLst>
+              <a:ext uri="{FF2B5EF4-FFF2-40B4-BE49-F238E27FC236}">
+                <a16:creationId xmlns:a16="http://schemas.microsoft.com/office/drawing/2014/main" id="{3D4788BD-34BD-4318-8635-D6FBE3ADE57E}"/>
+              </a:ext>
+            </a:extLst>
+          </p:cNvPr>
+          <p:cNvPicPr>
+            <a:picLocks noChangeAspect="1"/>
+          </p:cNvPicPr>
+          <p:nvPr/>
+        </p:nvPicPr>
+        <p:blipFill rotWithShape="1">
+          <a:blip r:embed="rId6"/>
+          <a:srcRect b="679"/>
+          <a:stretch/>
+        </p:blipFill>
+        <p:spPr>
+          <a:xfrm>
+            <a:off x="6417935" y="1028515"/>
+            <a:ext cx="1787873" cy="2596501"/>
+          </a:xfrm>
+          <a:prstGeom prst="rect">
+            <a:avLst/>
+          </a:prstGeom>
+          <a:ln w="38100" cap="sq">
+            <a:solidFill>
+              <a:srgbClr val="000000"/>
+            </a:solidFill>
+            <a:prstDash val="solid"/>
+            <a:miter lim="800000"/>
+          </a:ln>
+          <a:effectLst>
+            <a:outerShdw blurRad="50800" dist="38100" dir="2700000" algn="tl" rotWithShape="0">
+              <a:srgbClr val="000000">
+                <a:alpha val="43000"/>
+              </a:srgbClr>
+            </a:outerShdw>
+          </a:effectLst>
+        </p:spPr>
+      </p:pic>
+      <p:sp>
+        <p:nvSpPr>
+          <p:cNvPr id="15" name="Textfeld 14">
+            <a:extLst>
+              <a:ext uri="{FF2B5EF4-FFF2-40B4-BE49-F238E27FC236}">
+                <a16:creationId xmlns:a16="http://schemas.microsoft.com/office/drawing/2014/main" id="{4C54DB0B-5342-496D-B401-329FAB123C5A}"/>
+              </a:ext>
+            </a:extLst>
+          </p:cNvPr>
+          <p:cNvSpPr txBox="1"/>
+          <p:nvPr/>
+        </p:nvSpPr>
+        <p:spPr>
+          <a:xfrm>
+            <a:off x="6417935" y="3239404"/>
+            <a:ext cx="1745933" cy="307777"/>
+          </a:xfrm>
+          <a:prstGeom prst="rect">
+            <a:avLst/>
+          </a:prstGeom>
+          <a:solidFill>
+            <a:schemeClr val="tx2">
+              <a:lumMod val="40000"/>
+              <a:lumOff val="60000"/>
+            </a:schemeClr>
+          </a:solidFill>
+        </p:spPr>
+        <p:txBody>
+          <a:bodyPr wrap="square" rtlCol="0">
+            <a:spAutoFit/>
+          </a:bodyPr>
+          <a:lstStyle/>
+          <a:p>
+            <a:pPr algn="ctr"/>
+            <a:r>
+              <a:rPr lang="de-CH" sz="1400" dirty="0"/>
+              <a:t>Eigener Account</a:t>
+            </a:r>
+          </a:p>
+        </p:txBody>
+      </p:sp>
+      <p:pic>
+        <p:nvPicPr>
+          <p:cNvPr id="17" name="Grafik 16">
+            <a:extLst>
+              <a:ext uri="{FF2B5EF4-FFF2-40B4-BE49-F238E27FC236}">
+                <a16:creationId xmlns:a16="http://schemas.microsoft.com/office/drawing/2014/main" id="{3B7BFAC6-38E4-4CFE-BBD9-616992F7443F}"/>
+              </a:ext>
+            </a:extLst>
+          </p:cNvPr>
+          <p:cNvPicPr>
+            <a:picLocks noChangeAspect="1"/>
+          </p:cNvPicPr>
+          <p:nvPr/>
+        </p:nvPicPr>
+        <p:blipFill>
+          <a:blip r:embed="rId7"/>
+          <a:stretch>
+            <a:fillRect/>
+          </a:stretch>
+        </p:blipFill>
+        <p:spPr>
+          <a:xfrm>
+            <a:off x="3950613" y="4345702"/>
+            <a:ext cx="2175686" cy="2098994"/>
+          </a:xfrm>
+          <a:prstGeom prst="rect">
+            <a:avLst/>
+          </a:prstGeom>
+          <a:ln w="38100" cap="sq">
+            <a:solidFill>
+              <a:srgbClr val="000000"/>
+            </a:solidFill>
+            <a:prstDash val="solid"/>
+            <a:miter lim="800000"/>
+          </a:ln>
+          <a:effectLst>
+            <a:outerShdw blurRad="50800" dist="38100" dir="2700000" algn="tl" rotWithShape="0">
+              <a:srgbClr val="000000">
+                <a:alpha val="43000"/>
+              </a:srgbClr>
+            </a:outerShdw>
+          </a:effectLst>
+        </p:spPr>
+      </p:pic>
+      <p:sp>
+        <p:nvSpPr>
+          <p:cNvPr id="18" name="Textfeld 17">
+            <a:extLst>
+              <a:ext uri="{FF2B5EF4-FFF2-40B4-BE49-F238E27FC236}">
+                <a16:creationId xmlns:a16="http://schemas.microsoft.com/office/drawing/2014/main" id="{BAD367C6-E8B6-49E1-ABD6-C86C8B0E94C7}"/>
+              </a:ext>
+            </a:extLst>
+          </p:cNvPr>
+          <p:cNvSpPr txBox="1"/>
+          <p:nvPr/>
+        </p:nvSpPr>
+        <p:spPr>
+          <a:xfrm>
+            <a:off x="4016987" y="5981714"/>
+            <a:ext cx="2032857" cy="307777"/>
+          </a:xfrm>
+          <a:prstGeom prst="rect">
+            <a:avLst/>
+          </a:prstGeom>
+          <a:solidFill>
+            <a:schemeClr val="tx2">
+              <a:lumMod val="40000"/>
+              <a:lumOff val="60000"/>
+            </a:schemeClr>
+          </a:solidFill>
+        </p:spPr>
+        <p:txBody>
+          <a:bodyPr wrap="square" rtlCol="0">
+            <a:spAutoFit/>
+          </a:bodyPr>
+          <a:lstStyle/>
+          <a:p>
+            <a:pPr algn="ctr"/>
+            <a:r>
+              <a:rPr lang="de-CH" sz="1400" dirty="0"/>
+              <a:t>Private Konversationen</a:t>
+            </a:r>
+          </a:p>
+        </p:txBody>
+      </p:sp>
+      <p:pic>
+        <p:nvPicPr>
+          <p:cNvPr id="20" name="Grafik 19">
+            <a:extLst>
+              <a:ext uri="{FF2B5EF4-FFF2-40B4-BE49-F238E27FC236}">
+                <a16:creationId xmlns:a16="http://schemas.microsoft.com/office/drawing/2014/main" id="{2854ADA2-0D01-4E3D-A46B-947E93108753}"/>
+              </a:ext>
+            </a:extLst>
+          </p:cNvPr>
+          <p:cNvPicPr>
+            <a:picLocks noChangeAspect="1"/>
+          </p:cNvPicPr>
+          <p:nvPr/>
+        </p:nvPicPr>
+        <p:blipFill>
+          <a:blip r:embed="rId8">
+            <a:extLst>
+              <a:ext uri="{28A0092B-C50C-407E-A947-70E740481C1C}">
+                <a14:useLocalDpi xmlns:a14="http://schemas.microsoft.com/office/drawing/2010/main" val="0"/>
+              </a:ext>
+            </a:extLst>
+          </a:blip>
+          <a:stretch>
+            <a:fillRect/>
+          </a:stretch>
+        </p:blipFill>
+        <p:spPr>
+          <a:xfrm>
+            <a:off x="1871431" y="4036128"/>
+            <a:ext cx="843194" cy="961867"/>
+          </a:xfrm>
+          <a:prstGeom prst="rect">
+            <a:avLst/>
+          </a:prstGeom>
+        </p:spPr>
+      </p:pic>
+      <p:pic>
+        <p:nvPicPr>
+          <p:cNvPr id="22" name="Grafik 21">
+            <a:extLst>
+              <a:ext uri="{FF2B5EF4-FFF2-40B4-BE49-F238E27FC236}">
+                <a16:creationId xmlns:a16="http://schemas.microsoft.com/office/drawing/2014/main" id="{4110EA1C-1E3E-4C85-8CD3-024C834959FC}"/>
+              </a:ext>
+            </a:extLst>
+          </p:cNvPr>
+          <p:cNvPicPr>
+            <a:picLocks noChangeAspect="1"/>
+          </p:cNvPicPr>
+          <p:nvPr/>
+        </p:nvPicPr>
+        <p:blipFill>
+          <a:blip r:embed="rId9">
+            <a:extLst>
+              <a:ext uri="{28A0092B-C50C-407E-A947-70E740481C1C}">
+                <a14:useLocalDpi xmlns:a14="http://schemas.microsoft.com/office/drawing/2010/main" val="0"/>
+              </a:ext>
+            </a:extLst>
+          </a:blip>
+          <a:stretch>
+            <a:fillRect/>
+          </a:stretch>
+        </p:blipFill>
+        <p:spPr>
+          <a:xfrm>
+            <a:off x="2937849" y="5384577"/>
+            <a:ext cx="956192" cy="992734"/>
+          </a:xfrm>
+          <a:prstGeom prst="rect">
+            <a:avLst/>
+          </a:prstGeom>
+        </p:spPr>
+      </p:pic>
+      <p:sp>
+        <p:nvSpPr>
+          <p:cNvPr id="25" name="Pfeil: gebogen 24">
+            <a:extLst>
+              <a:ext uri="{FF2B5EF4-FFF2-40B4-BE49-F238E27FC236}">
+                <a16:creationId xmlns:a16="http://schemas.microsoft.com/office/drawing/2014/main" id="{1576841C-015D-4575-B05A-BB4F2565DA46}"/>
+              </a:ext>
+            </a:extLst>
+          </p:cNvPr>
+          <p:cNvSpPr/>
+          <p:nvPr/>
+        </p:nvSpPr>
+        <p:spPr>
+          <a:xfrm rot="5400000">
+            <a:off x="2835966" y="4259995"/>
+            <a:ext cx="664578" cy="654861"/>
+          </a:xfrm>
+          <a:prstGeom prst="bentArrow">
+            <a:avLst/>
+          </a:prstGeom>
+        </p:spPr>
+        <p:style>
+          <a:lnRef idx="2">
+            <a:schemeClr val="accent1">
+              <a:shade val="50000"/>
+            </a:schemeClr>
+          </a:lnRef>
+          <a:fillRef idx="1">
+            <a:schemeClr val="accent1"/>
+          </a:fillRef>
+          <a:effectRef idx="0">
+            <a:schemeClr val="accent1"/>
+          </a:effectRef>
+          <a:fontRef idx="minor">
+            <a:schemeClr val="lt1"/>
+          </a:fontRef>
+        </p:style>
+        <p:txBody>
+          <a:bodyPr rtlCol="0" anchor="ctr"/>
+          <a:lstStyle/>
+          <a:p>
+            <a:pPr algn="ctr"/>
+            <a:endParaRPr lang="de-CH">
+              <a:solidFill>
+                <a:schemeClr val="tx1"/>
+              </a:solidFill>
+            </a:endParaRPr>
+          </a:p>
+        </p:txBody>
+      </p:sp>
+      <p:sp>
+        <p:nvSpPr>
+          <p:cNvPr id="26" name="Pfeil: gebogen 25">
+            <a:extLst>
+              <a:ext uri="{FF2B5EF4-FFF2-40B4-BE49-F238E27FC236}">
+                <a16:creationId xmlns:a16="http://schemas.microsoft.com/office/drawing/2014/main" id="{757A794D-BD2A-4201-954D-52EA60B50211}"/>
+              </a:ext>
+            </a:extLst>
+          </p:cNvPr>
+          <p:cNvSpPr/>
+          <p:nvPr/>
+        </p:nvSpPr>
+        <p:spPr>
+          <a:xfrm rot="16200000">
+            <a:off x="1931959" y="5505067"/>
+            <a:ext cx="664578" cy="654861"/>
+          </a:xfrm>
+          <a:prstGeom prst="bentArrow">
+            <a:avLst/>
+          </a:prstGeom>
+        </p:spPr>
+        <p:style>
+          <a:lnRef idx="2">
+            <a:schemeClr val="accent1">
+              <a:shade val="50000"/>
+            </a:schemeClr>
+          </a:lnRef>
+          <a:fillRef idx="1">
+            <a:schemeClr val="accent1"/>
+          </a:fillRef>
+          <a:effectRef idx="0">
+            <a:schemeClr val="accent1"/>
+          </a:effectRef>
+          <a:fontRef idx="minor">
+            <a:schemeClr val="lt1"/>
+          </a:fontRef>
+        </p:style>
+        <p:txBody>
+          <a:bodyPr rtlCol="0" anchor="ctr"/>
+          <a:lstStyle/>
+          <a:p>
+            <a:pPr algn="ctr"/>
+            <a:endParaRPr lang="de-CH">
+              <a:solidFill>
+                <a:schemeClr val="tx1"/>
+              </a:solidFill>
+            </a:endParaRPr>
+          </a:p>
+        </p:txBody>
+      </p:sp>
+      <p:sp>
+        <p:nvSpPr>
+          <p:cNvPr id="28" name="Textfeld 27">
+            <a:extLst>
+              <a:ext uri="{FF2B5EF4-FFF2-40B4-BE49-F238E27FC236}">
+                <a16:creationId xmlns:a16="http://schemas.microsoft.com/office/drawing/2014/main" id="{47A2560E-FA3F-4015-98C1-3E15679EC0AD}"/>
+              </a:ext>
+            </a:extLst>
+          </p:cNvPr>
+          <p:cNvSpPr txBox="1"/>
+          <p:nvPr/>
+        </p:nvSpPr>
+        <p:spPr>
+          <a:xfrm>
+            <a:off x="1904748" y="4985992"/>
+            <a:ext cx="1959362" cy="307777"/>
+          </a:xfrm>
+          <a:prstGeom prst="rect">
+            <a:avLst/>
+          </a:prstGeom>
+          <a:solidFill>
+            <a:schemeClr val="tx2">
+              <a:lumMod val="40000"/>
+              <a:lumOff val="60000"/>
+            </a:schemeClr>
+          </a:solidFill>
+        </p:spPr>
+        <p:txBody>
+          <a:bodyPr wrap="square" rtlCol="0">
+            <a:spAutoFit/>
+          </a:bodyPr>
+          <a:lstStyle/>
+          <a:p>
+            <a:pPr algn="ctr"/>
+            <a:r>
+              <a:rPr lang="de-CH" sz="1400" dirty="0"/>
+              <a:t>Verschiedene Schulen</a:t>
+            </a:r>
+          </a:p>
+        </p:txBody>
+      </p:sp>
+      <p:pic>
+        <p:nvPicPr>
+          <p:cNvPr id="30" name="Grafik 29">
+            <a:extLst>
+              <a:ext uri="{FF2B5EF4-FFF2-40B4-BE49-F238E27FC236}">
+                <a16:creationId xmlns:a16="http://schemas.microsoft.com/office/drawing/2014/main" id="{6C6EEE10-95A9-42C4-8606-D973199D15F9}"/>
+              </a:ext>
+            </a:extLst>
+          </p:cNvPr>
+          <p:cNvPicPr>
+            <a:picLocks noChangeAspect="1"/>
+          </p:cNvPicPr>
+          <p:nvPr/>
+        </p:nvPicPr>
+        <p:blipFill>
+          <a:blip r:embed="rId10">
+            <a:extLst>
+              <a:ext uri="{28A0092B-C50C-407E-A947-70E740481C1C}">
+                <a14:useLocalDpi xmlns:a14="http://schemas.microsoft.com/office/drawing/2010/main" val="0"/>
+              </a:ext>
+            </a:extLst>
+          </a:blip>
+          <a:stretch>
+            <a:fillRect/>
+          </a:stretch>
+        </p:blipFill>
+        <p:spPr>
+          <a:xfrm>
+            <a:off x="6666758" y="3721352"/>
+            <a:ext cx="943399" cy="566039"/>
+          </a:xfrm>
+          <a:prstGeom prst="rect">
+            <a:avLst/>
+          </a:prstGeom>
+        </p:spPr>
+      </p:pic>
+      <p:pic>
+        <p:nvPicPr>
+          <p:cNvPr id="32" name="Grafik 31">
+            <a:extLst>
+              <a:ext uri="{FF2B5EF4-FFF2-40B4-BE49-F238E27FC236}">
+                <a16:creationId xmlns:a16="http://schemas.microsoft.com/office/drawing/2014/main" id="{6657D54A-E7ED-4B46-8434-4EEC2D186855}"/>
+              </a:ext>
+            </a:extLst>
+          </p:cNvPr>
+          <p:cNvPicPr>
+            <a:picLocks noChangeAspect="1"/>
+          </p:cNvPicPr>
+          <p:nvPr/>
+        </p:nvPicPr>
+        <p:blipFill>
+          <a:blip r:embed="rId11">
+            <a:extLst>
+              <a:ext uri="{28A0092B-C50C-407E-A947-70E740481C1C}">
+                <a14:useLocalDpi xmlns:a14="http://schemas.microsoft.com/office/drawing/2010/main" val="0"/>
+              </a:ext>
+            </a:extLst>
+          </a:blip>
+          <a:stretch>
+            <a:fillRect/>
+          </a:stretch>
+        </p:blipFill>
+        <p:spPr>
+          <a:xfrm>
+            <a:off x="7179786" y="4340505"/>
+            <a:ext cx="943399" cy="627789"/>
+          </a:xfrm>
+          <a:prstGeom prst="rect">
+            <a:avLst/>
+          </a:prstGeom>
+        </p:spPr>
+      </p:pic>
+      <p:pic>
+        <p:nvPicPr>
+          <p:cNvPr id="36" name="Grafik 35">
+            <a:extLst>
+              <a:ext uri="{FF2B5EF4-FFF2-40B4-BE49-F238E27FC236}">
+                <a16:creationId xmlns:a16="http://schemas.microsoft.com/office/drawing/2014/main" id="{05A30ACB-D2FA-416F-A91E-FDB8AB91B215}"/>
+              </a:ext>
+            </a:extLst>
+          </p:cNvPr>
+          <p:cNvPicPr>
+            <a:picLocks noChangeAspect="1"/>
+          </p:cNvPicPr>
+          <p:nvPr/>
+        </p:nvPicPr>
+        <p:blipFill>
+          <a:blip r:embed="rId12">
+            <a:extLst>
+              <a:ext uri="{28A0092B-C50C-407E-A947-70E740481C1C}">
+                <a14:useLocalDpi xmlns:a14="http://schemas.microsoft.com/office/drawing/2010/main" val="0"/>
+              </a:ext>
+            </a:extLst>
+          </a:blip>
+          <a:stretch>
+            <a:fillRect/>
+          </a:stretch>
+        </p:blipFill>
+        <p:spPr>
+          <a:xfrm>
+            <a:off x="6742275" y="5378851"/>
+            <a:ext cx="995286" cy="995286"/>
+          </a:xfrm>
+          <a:prstGeom prst="rect">
+            <a:avLst/>
+          </a:prstGeom>
+        </p:spPr>
+      </p:pic>
+      <p:sp>
+        <p:nvSpPr>
+          <p:cNvPr id="38" name="Textfeld 37">
+            <a:extLst>
+              <a:ext uri="{FF2B5EF4-FFF2-40B4-BE49-F238E27FC236}">
+                <a16:creationId xmlns:a16="http://schemas.microsoft.com/office/drawing/2014/main" id="{3516E1C0-7700-479D-BDF8-E3B303DD4EE6}"/>
+              </a:ext>
+            </a:extLst>
+          </p:cNvPr>
+          <p:cNvSpPr txBox="1"/>
+          <p:nvPr/>
+        </p:nvSpPr>
+        <p:spPr>
+          <a:xfrm>
+            <a:off x="6268513" y="5019684"/>
+            <a:ext cx="1917218" cy="307777"/>
+          </a:xfrm>
+          <a:prstGeom prst="rect">
+            <a:avLst/>
+          </a:prstGeom>
+          <a:solidFill>
+            <a:schemeClr val="tx2">
+              <a:lumMod val="40000"/>
+              <a:lumOff val="60000"/>
+            </a:schemeClr>
+          </a:solidFill>
+        </p:spPr>
+        <p:txBody>
+          <a:bodyPr wrap="square" rtlCol="0">
+            <a:spAutoFit/>
+          </a:bodyPr>
+          <a:lstStyle/>
+          <a:p>
+            <a:pPr algn="ctr"/>
+            <a:r>
+              <a:rPr lang="de-CH" sz="1400" dirty="0"/>
+              <a:t>Verschiedene Sprachen</a:t>
+            </a:r>
+          </a:p>
+        </p:txBody>
+      </p:sp>
+    </p:spTree>
+    <p:extLst>
+      <p:ext uri="{BB962C8B-B14F-4D97-AF65-F5344CB8AC3E}">
+        <p14:creationId xmlns:p14="http://schemas.microsoft.com/office/powerpoint/2010/main" val="1264158997"/>
+      </p:ext>
+    </p:extLst>
+  </p:cSld>
+  <p:clrMapOvr>
+    <a:masterClrMapping/>
+  </p:clrMapOvr>
+</p:sld>
+</file>
+
+<file path=ppt/slides/slide2.xml><?xml version="1.0" encoding="utf-8"?>
+<p:sld xmlns:a="http://schemas.openxmlformats.org/drawingml/2006/main" xmlns:r="http://schemas.openxmlformats.org/officeDocument/2006/relationships" xmlns:p="http://schemas.openxmlformats.org/presentationml/2006/main">
+  <p:cSld>
+    <p:spTree>
+      <p:nvGrpSpPr>
+        <p:cNvPr id="1" name=""/>
+        <p:cNvGrpSpPr/>
+        <p:nvPr/>
+      </p:nvGrpSpPr>
+      <p:grpSpPr>
+        <a:xfrm>
+          <a:off x="0" y="0"/>
+          <a:ext cx="0" cy="0"/>
+          <a:chOff x="0" y="0"/>
+          <a:chExt cx="0" cy="0"/>
+        </a:xfrm>
+      </p:grpSpPr>
+      <p:sp>
+        <p:nvSpPr>
+          <p:cNvPr id="2" name="Title 1">
+            <a:extLst>
+              <a:ext uri="{FF2B5EF4-FFF2-40B4-BE49-F238E27FC236}">
+                <a16:creationId xmlns:a16="http://schemas.microsoft.com/office/drawing/2014/main" id="{C796896A-23A7-ED6B-466F-1B208E24E9DC}"/>
+              </a:ext>
+            </a:extLst>
+          </p:cNvPr>
+          <p:cNvSpPr>
+            <a:spLocks noGrp="1"/>
+          </p:cNvSpPr>
+          <p:nvPr>
+            <p:ph type="title"/>
+          </p:nvPr>
+        </p:nvSpPr>
+        <p:spPr/>
+        <p:txBody>
+          <a:bodyPr/>
+          <a:lstStyle/>
+          <a:p>
+            <a:r>
+              <a:rPr lang="de-CH" dirty="0"/>
+              <a:t>Inhaltsverzeichnis</a:t>
+            </a:r>
+          </a:p>
+        </p:txBody>
+      </p:sp>
+      <p:sp>
+        <p:nvSpPr>
+          <p:cNvPr id="3" name="Content Placeholder 2">
+            <a:extLst>
+              <a:ext uri="{FF2B5EF4-FFF2-40B4-BE49-F238E27FC236}">
+                <a16:creationId xmlns:a16="http://schemas.microsoft.com/office/drawing/2014/main" id="{D775B279-8645-9AA5-7E1D-19756799F53F}"/>
+              </a:ext>
+            </a:extLst>
+          </p:cNvPr>
+          <p:cNvSpPr>
+            <a:spLocks noGrp="1"/>
+          </p:cNvSpPr>
+          <p:nvPr>
+            <p:ph idx="1"/>
+          </p:nvPr>
+        </p:nvSpPr>
+        <p:spPr/>
+        <p:txBody>
+          <a:bodyPr>
+            <a:normAutofit/>
+          </a:bodyPr>
+          <a:lstStyle/>
+          <a:p>
+            <a:r>
+              <a:rPr lang="de-CH" dirty="0"/>
+              <a:t>Warum dieses Projekt</a:t>
+            </a:r>
+          </a:p>
+          <a:p>
+            <a:r>
+              <a:rPr lang="de-CH" dirty="0"/>
+              <a:t>Frontend</a:t>
+            </a:r>
+          </a:p>
+          <a:p>
+            <a:r>
+              <a:rPr lang="de-CH" dirty="0"/>
+              <a:t>Backend</a:t>
+            </a:r>
+          </a:p>
+          <a:p>
+            <a:r>
+              <a:rPr lang="de-CH" dirty="0"/>
+              <a:t>MySQL</a:t>
+            </a:r>
+          </a:p>
+          <a:p>
+            <a:r>
+              <a:rPr lang="de-CH" dirty="0"/>
+              <a:t>Verbindung</a:t>
+            </a:r>
+          </a:p>
+          <a:p>
+            <a:r>
+              <a:rPr lang="de-CH" dirty="0"/>
+              <a:t>Schwierigkeiten</a:t>
+            </a:r>
+          </a:p>
+          <a:p>
+            <a:r>
+              <a:rPr lang="de-CH" dirty="0"/>
+              <a:t>Schlusswort</a:t>
+            </a:r>
+          </a:p>
+          <a:p>
+            <a:r>
+              <a:rPr lang="de-CH" dirty="0"/>
+              <a:t>Fragen</a:t>
+            </a:r>
+          </a:p>
+          <a:p>
+            <a:endParaRPr lang="de-CH" dirty="0"/>
+          </a:p>
+        </p:txBody>
+      </p:sp>
+    </p:spTree>
+    <p:extLst>
+      <p:ext uri="{BB962C8B-B14F-4D97-AF65-F5344CB8AC3E}">
+        <p14:creationId xmlns:p14="http://schemas.microsoft.com/office/powerpoint/2010/main" val="3998942301"/>
+      </p:ext>
+    </p:extLst>
+  </p:cSld>
+  <p:clrMapOvr>
+    <a:masterClrMapping/>
+  </p:clrMapOvr>
+</p:sld>
+</file>
+
+<file path=ppt/slides/slide3.xml><?xml version="1.0" encoding="utf-8"?>
+<p:sld xmlns:a="http://schemas.openxmlformats.org/drawingml/2006/main" xmlns:r="http://schemas.openxmlformats.org/officeDocument/2006/relationships" xmlns:p="http://schemas.openxmlformats.org/presentationml/2006/main">
+  <p:cSld>
+    <p:bg>
+      <p:bgPr>
+        <a:gradFill>
+          <a:gsLst>
+            <a:gs pos="0">
+              <a:schemeClr val="accent1">
+                <a:lumMod val="5000"/>
+                <a:lumOff val="95000"/>
+              </a:schemeClr>
+            </a:gs>
+            <a:gs pos="74000">
+              <a:schemeClr val="accent1">
+                <a:lumMod val="45000"/>
+                <a:lumOff val="55000"/>
+              </a:schemeClr>
+            </a:gs>
+            <a:gs pos="83000">
+              <a:schemeClr val="accent1">
+                <a:lumMod val="45000"/>
+                <a:lumOff val="55000"/>
+              </a:schemeClr>
+            </a:gs>
+            <a:gs pos="100000">
+              <a:schemeClr val="accent1">
+                <a:lumMod val="30000"/>
+                <a:lumOff val="70000"/>
+              </a:schemeClr>
+            </a:gs>
+          </a:gsLst>
+          <a:lin ang="5400000" scaled="1"/>
+        </a:gradFill>
+        <a:effectLst/>
+      </p:bgPr>
+    </p:bg>
+    <p:spTree>
+      <p:nvGrpSpPr>
+        <p:cNvPr id="1" name=""/>
+        <p:cNvGrpSpPr/>
+        <p:nvPr/>
+      </p:nvGrpSpPr>
+      <p:grpSpPr>
+        <a:xfrm>
+          <a:off x="0" y="0"/>
+          <a:ext cx="0" cy="0"/>
+          <a:chOff x="0" y="0"/>
+          <a:chExt cx="0" cy="0"/>
+        </a:xfrm>
+      </p:grpSpPr>
+      <p:sp>
+        <p:nvSpPr>
+          <p:cNvPr id="2" name="Title 1">
+            <a:extLst>
+              <a:ext uri="{FF2B5EF4-FFF2-40B4-BE49-F238E27FC236}">
+                <a16:creationId xmlns:a16="http://schemas.microsoft.com/office/drawing/2014/main" id="{A35CD79E-8ACA-79FD-2554-361998162A74}"/>
+              </a:ext>
+            </a:extLst>
+          </p:cNvPr>
+          <p:cNvSpPr>
+            <a:spLocks noGrp="1"/>
+          </p:cNvSpPr>
+          <p:nvPr>
+            <p:ph type="title"/>
+          </p:nvPr>
+        </p:nvSpPr>
+        <p:spPr/>
+        <p:txBody>
+          <a:bodyPr/>
+          <a:lstStyle/>
+          <a:p>
+            <a:r>
+              <a:rPr lang="de-CH" dirty="0"/>
+              <a:t>Warum dieses Projekt</a:t>
+            </a:r>
+          </a:p>
+        </p:txBody>
+      </p:sp>
+      <p:sp>
+        <p:nvSpPr>
+          <p:cNvPr id="4" name="Content Placeholder 2">
+            <a:extLst>
+              <a:ext uri="{FF2B5EF4-FFF2-40B4-BE49-F238E27FC236}">
+                <a16:creationId xmlns:a16="http://schemas.microsoft.com/office/drawing/2014/main" id="{0369195F-02F4-1109-4938-B3EB4BA4F1CC}"/>
+              </a:ext>
+            </a:extLst>
+          </p:cNvPr>
+          <p:cNvSpPr txBox="1">
+            <a:spLocks/>
+          </p:cNvSpPr>
+          <p:nvPr/>
+        </p:nvSpPr>
+        <p:spPr>
+          <a:xfrm>
+            <a:off x="1218490" y="2331571"/>
+            <a:ext cx="6549471" cy="2332459"/>
+          </a:xfrm>
+          <a:prstGeom prst="rect">
+            <a:avLst/>
+          </a:prstGeom>
+        </p:spPr>
+        <p:txBody>
+          <a:bodyPr vert="horz" lIns="91440" tIns="45720" rIns="91440" bIns="45720" rtlCol="0">
+            <a:normAutofit/>
+          </a:bodyPr>
+          <a:lstStyle>
+            <a:lvl1pPr marL="228600" indent="-182880" algn="l" defTabSz="914400" rtl="0" eaLnBrk="1" latinLnBrk="0" hangingPunct="1">
+              <a:lnSpc>
+                <a:spcPct val="90000"/>
+              </a:lnSpc>
+              <a:spcBef>
+                <a:spcPts val="1400"/>
+              </a:spcBef>
+              <a:buClr>
+                <a:schemeClr val="accent1"/>
+              </a:buClr>
+              <a:buSzPct val="80000"/>
+              <a:buFont typeface="Corbel" pitchFamily="34" charset="0"/>
+              <a:buChar char="•"/>
+              <a:defRPr sz="2200" kern="1200">
+                <a:solidFill>
+                  <a:schemeClr val="accent1"/>
+                </a:solidFill>
+                <a:latin typeface="+mn-lt"/>
+                <a:ea typeface="+mn-ea"/>
+                <a:cs typeface="+mn-cs"/>
+              </a:defRPr>
+            </a:lvl1pPr>
+            <a:lvl2pPr marL="457200" indent="-182880" algn="l" defTabSz="914400" rtl="0" eaLnBrk="1" latinLnBrk="0" hangingPunct="1">
+              <a:lnSpc>
+                <a:spcPct val="90000"/>
+              </a:lnSpc>
+              <a:spcBef>
+                <a:spcPts val="200"/>
+              </a:spcBef>
+              <a:spcAft>
+                <a:spcPts val="400"/>
+              </a:spcAft>
+              <a:buClr>
+                <a:schemeClr val="accent1"/>
+              </a:buClr>
+              <a:buSzPct val="80000"/>
+              <a:buFont typeface="Corbel" pitchFamily="34" charset="0"/>
+              <a:buChar char="•"/>
+              <a:defRPr sz="2000" kern="1200">
+                <a:solidFill>
+                  <a:schemeClr val="accent1"/>
+                </a:solidFill>
+                <a:latin typeface="+mn-lt"/>
+                <a:ea typeface="+mn-ea"/>
+                <a:cs typeface="+mn-cs"/>
+              </a:defRPr>
+            </a:lvl2pPr>
+            <a:lvl3pPr marL="731520" indent="-182880" algn="l" defTabSz="914400" rtl="0" eaLnBrk="1" latinLnBrk="0" hangingPunct="1">
+              <a:lnSpc>
+                <a:spcPct val="90000"/>
+              </a:lnSpc>
+              <a:spcBef>
+                <a:spcPts val="200"/>
+              </a:spcBef>
+              <a:spcAft>
+                <a:spcPts val="400"/>
+              </a:spcAft>
+              <a:buClr>
+                <a:schemeClr val="accent1"/>
+              </a:buClr>
+              <a:buSzPct val="80000"/>
+              <a:buFont typeface="Corbel" pitchFamily="34" charset="0"/>
+              <a:buChar char="•"/>
+              <a:defRPr sz="1800" kern="1200">
+                <a:solidFill>
+                  <a:schemeClr val="accent1"/>
+                </a:solidFill>
+                <a:latin typeface="+mn-lt"/>
+                <a:ea typeface="+mn-ea"/>
+                <a:cs typeface="+mn-cs"/>
+              </a:defRPr>
+            </a:lvl3pPr>
+            <a:lvl4pPr marL="1005840" indent="-182880" algn="l" defTabSz="914400" rtl="0" eaLnBrk="1" latinLnBrk="0" hangingPunct="1">
+              <a:lnSpc>
+                <a:spcPct val="90000"/>
+              </a:lnSpc>
+              <a:spcBef>
+                <a:spcPts val="200"/>
+              </a:spcBef>
+              <a:spcAft>
+                <a:spcPts val="400"/>
+              </a:spcAft>
+              <a:buClr>
+                <a:schemeClr val="accent1"/>
+              </a:buClr>
+              <a:buSzPct val="80000"/>
+              <a:buFont typeface="Corbel" pitchFamily="34" charset="0"/>
+              <a:buChar char="•"/>
+              <a:defRPr sz="1600" kern="1200">
+                <a:solidFill>
+                  <a:schemeClr val="accent1"/>
+                </a:solidFill>
+                <a:latin typeface="+mn-lt"/>
+                <a:ea typeface="+mn-ea"/>
+                <a:cs typeface="+mn-cs"/>
+              </a:defRPr>
+            </a:lvl4pPr>
+            <a:lvl5pPr marL="1280160" indent="-182880" algn="l" defTabSz="914400" rtl="0" eaLnBrk="1" latinLnBrk="0" hangingPunct="1">
+              <a:lnSpc>
+                <a:spcPct val="90000"/>
+              </a:lnSpc>
+              <a:spcBef>
+                <a:spcPts val="200"/>
+              </a:spcBef>
+              <a:spcAft>
+                <a:spcPts val="400"/>
+              </a:spcAft>
+              <a:buClr>
+                <a:schemeClr val="accent1"/>
+              </a:buClr>
+              <a:buSzPct val="80000"/>
+              <a:buFont typeface="Corbel" pitchFamily="34" charset="0"/>
+              <a:buChar char="•"/>
+              <a:defRPr sz="1600" kern="1200">
+                <a:solidFill>
+                  <a:schemeClr val="accent1"/>
+                </a:solidFill>
+                <a:latin typeface="+mn-lt"/>
+                <a:ea typeface="+mn-ea"/>
+                <a:cs typeface="+mn-cs"/>
+              </a:defRPr>
+            </a:lvl5pPr>
+            <a:lvl6pPr marL="1600000" indent="-228600" algn="l" defTabSz="914400" rtl="0" eaLnBrk="1" latinLnBrk="0" hangingPunct="1">
+              <a:lnSpc>
+                <a:spcPct val="90000"/>
+              </a:lnSpc>
+              <a:spcBef>
+                <a:spcPts val="200"/>
+              </a:spcBef>
+              <a:spcAft>
+                <a:spcPts val="400"/>
+              </a:spcAft>
+              <a:buClr>
+                <a:schemeClr val="accent1"/>
+              </a:buClr>
+              <a:buSzPct val="80000"/>
+              <a:buFont typeface="Corbel" pitchFamily="34" charset="0"/>
+              <a:buChar char="•"/>
+              <a:defRPr sz="1600" kern="1200">
+                <a:solidFill>
+                  <a:schemeClr val="accent1"/>
+                </a:solidFill>
+                <a:latin typeface="+mn-lt"/>
+                <a:ea typeface="+mn-ea"/>
+                <a:cs typeface="+mn-cs"/>
+              </a:defRPr>
+            </a:lvl6pPr>
+            <a:lvl7pPr marL="1900000" indent="-228600" algn="l" defTabSz="914400" rtl="0" eaLnBrk="1" latinLnBrk="0" hangingPunct="1">
+              <a:lnSpc>
+                <a:spcPct val="90000"/>
+              </a:lnSpc>
+              <a:spcBef>
+                <a:spcPts val="200"/>
+              </a:spcBef>
+              <a:spcAft>
+                <a:spcPts val="400"/>
+              </a:spcAft>
+              <a:buClr>
+                <a:schemeClr val="accent1"/>
+              </a:buClr>
+              <a:buSzPct val="80000"/>
+              <a:buFont typeface="Corbel" pitchFamily="34" charset="0"/>
+              <a:buChar char="•"/>
+              <a:defRPr sz="1600" kern="1200">
+                <a:solidFill>
+                  <a:schemeClr val="accent1"/>
+                </a:solidFill>
+                <a:latin typeface="+mn-lt"/>
+                <a:ea typeface="+mn-ea"/>
+                <a:cs typeface="+mn-cs"/>
+              </a:defRPr>
+            </a:lvl7pPr>
+            <a:lvl8pPr marL="2200000" indent="-228600" algn="l" defTabSz="914400" rtl="0" eaLnBrk="1" latinLnBrk="0" hangingPunct="1">
+              <a:lnSpc>
+                <a:spcPct val="90000"/>
+              </a:lnSpc>
+              <a:spcBef>
+                <a:spcPts val="200"/>
+              </a:spcBef>
+              <a:spcAft>
+                <a:spcPts val="400"/>
+              </a:spcAft>
+              <a:buClr>
+                <a:schemeClr val="accent1"/>
+              </a:buClr>
+              <a:buSzPct val="80000"/>
+              <a:buFont typeface="Corbel" pitchFamily="34" charset="0"/>
+              <a:buChar char="•"/>
+              <a:defRPr sz="1600" kern="1200">
+                <a:solidFill>
+                  <a:schemeClr val="accent1"/>
+                </a:solidFill>
+                <a:latin typeface="+mn-lt"/>
+                <a:ea typeface="+mn-ea"/>
+                <a:cs typeface="+mn-cs"/>
+              </a:defRPr>
+            </a:lvl8pPr>
+            <a:lvl9pPr marL="2500000" indent="-228600" algn="l" defTabSz="914400" rtl="0" eaLnBrk="1" latinLnBrk="0" hangingPunct="1">
+              <a:lnSpc>
+                <a:spcPct val="90000"/>
+              </a:lnSpc>
+              <a:spcBef>
+                <a:spcPts val="200"/>
+              </a:spcBef>
+              <a:spcAft>
+                <a:spcPts val="400"/>
+              </a:spcAft>
+              <a:buClr>
+                <a:schemeClr val="accent1"/>
+              </a:buClr>
+              <a:buSzPct val="80000"/>
+              <a:buFont typeface="Corbel" pitchFamily="34" charset="0"/>
+              <a:buChar char="•"/>
+              <a:defRPr sz="1600" kern="1200">
+                <a:solidFill>
+                  <a:schemeClr val="accent1"/>
+                </a:solidFill>
+                <a:latin typeface="+mn-lt"/>
+                <a:ea typeface="+mn-ea"/>
+                <a:cs typeface="+mn-cs"/>
+              </a:defRPr>
+            </a:lvl9pPr>
+          </a:lstStyle>
+          <a:p>
+            <a:r>
+              <a:rPr lang="de-CH" dirty="0"/>
+              <a:t>Keine Events in der Schule </a:t>
+            </a:r>
+          </a:p>
+          <a:p>
+            <a:r>
+              <a:rPr lang="de-CH" dirty="0"/>
+              <a:t>Diskussion zwischen mehreren Schülern</a:t>
+            </a:r>
+          </a:p>
+          <a:p>
+            <a:r>
+              <a:rPr lang="de-CH" dirty="0"/>
+              <a:t>Einmalige Gelegenheit</a:t>
+            </a:r>
+          </a:p>
+          <a:p>
+            <a:r>
+              <a:rPr lang="de-CH" dirty="0"/>
+              <a:t>Hatte diese Idee schon lange</a:t>
+            </a:r>
+          </a:p>
+        </p:txBody>
+      </p:sp>
+      <p:pic>
+        <p:nvPicPr>
+          <p:cNvPr id="5" name="Grafik 4">
+            <a:extLst>
+              <a:ext uri="{FF2B5EF4-FFF2-40B4-BE49-F238E27FC236}">
+                <a16:creationId xmlns:a16="http://schemas.microsoft.com/office/drawing/2014/main" id="{C15BDE9B-EC25-4691-9AAB-624B000CB7D7}"/>
+              </a:ext>
+            </a:extLst>
+          </p:cNvPr>
+          <p:cNvPicPr/>
+          <p:nvPr/>
+        </p:nvPicPr>
+        <p:blipFill>
+          <a:blip r:embed="rId2" cstate="print">
+            <a:extLst>
+              <a:ext uri="{28A0092B-C50C-407E-A947-70E740481C1C}">
+                <a14:useLocalDpi xmlns:a14="http://schemas.microsoft.com/office/drawing/2010/main" val="0"/>
+              </a:ext>
+            </a:extLst>
+          </a:blip>
+          <a:srcRect/>
+          <a:stretch>
+            <a:fillRect/>
+          </a:stretch>
+        </p:blipFill>
+        <p:spPr bwMode="auto">
+          <a:xfrm>
+            <a:off x="6889070" y="1429304"/>
+            <a:ext cx="4838331" cy="4136995"/>
+          </a:xfrm>
+          <a:prstGeom prst="rect">
+            <a:avLst/>
+          </a:prstGeom>
+          <a:noFill/>
+          <a:ln>
+            <a:noFill/>
+          </a:ln>
+        </p:spPr>
+      </p:pic>
+    </p:spTree>
+    <p:extLst>
+      <p:ext uri="{BB962C8B-B14F-4D97-AF65-F5344CB8AC3E}">
+        <p14:creationId xmlns:p14="http://schemas.microsoft.com/office/powerpoint/2010/main" val="217924523"/>
+      </p:ext>
+    </p:extLst>
+  </p:cSld>
+  <p:clrMapOvr>
+    <a:masterClrMapping/>
+  </p:clrMapOvr>
+</p:sld>
+</file>
+
+<file path=ppt/slides/slide4.xml><?xml version="1.0" encoding="utf-8"?>
 <p:sld xmlns:a="http://schemas.openxmlformats.org/drawingml/2006/main" xmlns:r="http://schemas.openxmlformats.org/officeDocument/2006/relationships" xmlns:p="http://schemas.openxmlformats.org/presentationml/2006/main">
   <p:cSld>
     <p:spTree>
@@ -5054,7 +6539,15 @@
           <a:p>
             <a:r>
               <a:rPr lang="de-CH" dirty="0"/>
-              <a:t>Ich habe mich für VueJS entschieden und ist ein Javascript Framework</a:t>
+              <a:t>Ich habe mich für </a:t>
+            </a:r>
+            <a:r>
+              <a:rPr lang="de-CH" dirty="0" err="1"/>
+              <a:t>VueJS</a:t>
+            </a:r>
+            <a:r>
+              <a:rPr lang="de-CH" dirty="0"/>
+              <a:t> entschieden</a:t>
             </a:r>
           </a:p>
         </p:txBody>
@@ -5313,7 +6806,7 @@
           <a:p>
             <a:r>
               <a:rPr lang="de-CH" dirty="0"/>
-              <a:t>Es gibt verschiedene Frontend Programmiersprachen</a:t>
+              <a:t>Es gibt verschiedene Frontend Libraries/Frameworks/Programmiersprachen</a:t>
             </a:r>
           </a:p>
           <a:p>
@@ -5812,6 +7305,66 @@
           </a:p>
         </p:txBody>
       </p:sp>
+      <p:sp>
+        <p:nvSpPr>
+          <p:cNvPr id="12" name="Rechteck 11">
+            <a:extLst>
+              <a:ext uri="{FF2B5EF4-FFF2-40B4-BE49-F238E27FC236}">
+                <a16:creationId xmlns:a16="http://schemas.microsoft.com/office/drawing/2014/main" id="{62BF1AA7-9616-4E05-B141-22E494AC8BA4}"/>
+              </a:ext>
+            </a:extLst>
+          </p:cNvPr>
+          <p:cNvSpPr/>
+          <p:nvPr/>
+        </p:nvSpPr>
+        <p:spPr>
+          <a:xfrm>
+            <a:off x="1143000" y="2748725"/>
+            <a:ext cx="2029923" cy="965292"/>
+          </a:xfrm>
+          <a:prstGeom prst="rect">
+            <a:avLst/>
+          </a:prstGeom>
+          <a:noFill/>
+          <a:ln>
+            <a:solidFill>
+              <a:schemeClr val="tx1"/>
+            </a:solidFill>
+          </a:ln>
+          <a:effectLst>
+            <a:glow rad="101600">
+              <a:schemeClr val="accent2">
+                <a:satMod val="175000"/>
+                <a:alpha val="40000"/>
+              </a:schemeClr>
+            </a:glow>
+          </a:effectLst>
+        </p:spPr>
+        <p:style>
+          <a:lnRef idx="2">
+            <a:schemeClr val="accent1">
+              <a:shade val="50000"/>
+            </a:schemeClr>
+          </a:lnRef>
+          <a:fillRef idx="1">
+            <a:schemeClr val="accent1"/>
+          </a:fillRef>
+          <a:effectRef idx="0">
+            <a:schemeClr val="accent1"/>
+          </a:effectRef>
+          <a:fontRef idx="minor">
+            <a:schemeClr val="lt1"/>
+          </a:fontRef>
+        </p:style>
+        <p:txBody>
+          <a:bodyPr rtlCol="0" anchor="ctr"/>
+          <a:lstStyle/>
+          <a:p>
+            <a:pPr algn="ctr"/>
+            <a:endParaRPr lang="de-CH"/>
+          </a:p>
+        </p:txBody>
+      </p:sp>
     </p:spTree>
     <p:extLst>
       <p:ext uri="{BB962C8B-B14F-4D97-AF65-F5344CB8AC3E}">
@@ -5822,10 +7375,96 @@
   <p:clrMapOvr>
     <a:masterClrMapping/>
   </p:clrMapOvr>
+  <p:timing>
+    <p:tnLst>
+      <p:par>
+        <p:cTn id="1" dur="indefinite" restart="never" nodeType="tmRoot">
+          <p:childTnLst>
+            <p:seq concurrent="1" nextAc="seek">
+              <p:cTn id="2" dur="indefinite" nodeType="mainSeq">
+                <p:childTnLst>
+                  <p:par>
+                    <p:cTn id="3" fill="hold">
+                      <p:stCondLst>
+                        <p:cond delay="indefinite"/>
+                      </p:stCondLst>
+                      <p:childTnLst>
+                        <p:par>
+                          <p:cTn id="4" fill="hold">
+                            <p:stCondLst>
+                              <p:cond delay="0"/>
+                            </p:stCondLst>
+                            <p:childTnLst>
+                              <p:par>
+                                <p:cTn id="5" presetID="10" presetClass="entr" presetSubtype="0" fill="hold" grpId="0" nodeType="clickEffect">
+                                  <p:stCondLst>
+                                    <p:cond delay="0"/>
+                                  </p:stCondLst>
+                                  <p:childTnLst>
+                                    <p:set>
+                                      <p:cBhvr>
+                                        <p:cTn id="6" dur="1" fill="hold">
+                                          <p:stCondLst>
+                                            <p:cond delay="0"/>
+                                          </p:stCondLst>
+                                        </p:cTn>
+                                        <p:tgtEl>
+                                          <p:spTgt spid="12"/>
+                                        </p:tgtEl>
+                                        <p:attrNameLst>
+                                          <p:attrName>style.visibility</p:attrName>
+                                        </p:attrNameLst>
+                                      </p:cBhvr>
+                                      <p:to>
+                                        <p:strVal val="visible"/>
+                                      </p:to>
+                                    </p:set>
+                                    <p:animEffect transition="in" filter="fade">
+                                      <p:cBhvr>
+                                        <p:cTn id="7" dur="500"/>
+                                        <p:tgtEl>
+                                          <p:spTgt spid="12"/>
+                                        </p:tgtEl>
+                                      </p:cBhvr>
+                                    </p:animEffect>
+                                  </p:childTnLst>
+                                </p:cTn>
+                              </p:par>
+                            </p:childTnLst>
+                          </p:cTn>
+                        </p:par>
+                      </p:childTnLst>
+                    </p:cTn>
+                  </p:par>
+                </p:childTnLst>
+              </p:cTn>
+              <p:prevCondLst>
+                <p:cond evt="onPrev" delay="0">
+                  <p:tgtEl>
+                    <p:sldTgt/>
+                  </p:tgtEl>
+                </p:cond>
+              </p:prevCondLst>
+              <p:nextCondLst>
+                <p:cond evt="onNext" delay="0">
+                  <p:tgtEl>
+                    <p:sldTgt/>
+                  </p:tgtEl>
+                </p:cond>
+              </p:nextCondLst>
+            </p:seq>
+          </p:childTnLst>
+        </p:cTn>
+      </p:par>
+    </p:tnLst>
+    <p:bldLst>
+      <p:bldP spid="12" grpId="0" animBg="1"/>
+    </p:bldLst>
+  </p:timing>
 </p:sld>
 </file>
 
-<file path=ppt/slides/slide6.xml><?xml version="1.0" encoding="utf-8"?>
+<file path=ppt/slides/slide5.xml><?xml version="1.0" encoding="utf-8"?>
 <p:sld xmlns:a="http://schemas.openxmlformats.org/drawingml/2006/main" xmlns:r="http://schemas.openxmlformats.org/officeDocument/2006/relationships" xmlns:p="http://schemas.openxmlformats.org/presentationml/2006/main">
   <p:cSld>
     <p:spTree>
@@ -5864,8 +7503,12 @@
           <a:lstStyle/>
           <a:p>
             <a:r>
+              <a:rPr lang="de-CH" dirty="0" err="1"/>
+              <a:t>VueJS</a:t>
+            </a:r>
+            <a:r>
               <a:rPr lang="de-CH" dirty="0"/>
-              <a:t>Programmieren des Frontends</a:t>
+              <a:t> als Frontend</a:t>
             </a:r>
           </a:p>
         </p:txBody>
@@ -5886,18 +7529,864 @@
             <p:ph idx="1"/>
           </p:nvPr>
         </p:nvSpPr>
-        <p:spPr/>
+        <p:spPr>
+          <a:xfrm>
+            <a:off x="5530788" y="2386466"/>
+            <a:ext cx="6838024" cy="385698"/>
+          </a:xfrm>
+        </p:spPr>
         <p:txBody>
-          <a:bodyPr/>
+          <a:bodyPr>
+            <a:normAutofit lnSpcReduction="10000"/>
+          </a:bodyPr>
           <a:lstStyle/>
           <a:p>
+            <a:pPr marL="45720" indent="0">
+              <a:buNone/>
+            </a:pPr>
             <a:r>
               <a:rPr lang="de-CH" dirty="0"/>
-              <a:t>Hatte schon Kenntnisse</a:t>
-            </a:r>
-          </a:p>
-          <a:p>
+              <a:t>Vorkenntnisse : genügend</a:t>
+            </a:r>
+          </a:p>
+        </p:txBody>
+      </p:sp>
+      <p:sp>
+        <p:nvSpPr>
+          <p:cNvPr id="4" name="Content Placeholder 2">
+            <a:extLst>
+              <a:ext uri="{FF2B5EF4-FFF2-40B4-BE49-F238E27FC236}">
+                <a16:creationId xmlns:a16="http://schemas.microsoft.com/office/drawing/2014/main" id="{B2DC3B70-D80E-4195-9642-47AD78FAAFD2}"/>
+              </a:ext>
+            </a:extLst>
+          </p:cNvPr>
+          <p:cNvSpPr txBox="1">
+            <a:spLocks/>
+          </p:cNvSpPr>
+          <p:nvPr/>
+        </p:nvSpPr>
+        <p:spPr>
+          <a:xfrm>
+            <a:off x="1000957" y="1873300"/>
+            <a:ext cx="6838024" cy="898864"/>
+          </a:xfrm>
+          <a:prstGeom prst="rect">
+            <a:avLst/>
+          </a:prstGeom>
+        </p:spPr>
+        <p:txBody>
+          <a:bodyPr vert="horz" lIns="91440" tIns="45720" rIns="91440" bIns="45720" rtlCol="0">
+            <a:normAutofit/>
+          </a:bodyPr>
+          <a:lstStyle>
+            <a:lvl1pPr marL="228600" indent="-182880" algn="l" defTabSz="914400" rtl="0" eaLnBrk="1" latinLnBrk="0" hangingPunct="1">
+              <a:lnSpc>
+                <a:spcPct val="90000"/>
+              </a:lnSpc>
+              <a:spcBef>
+                <a:spcPts val="1400"/>
+              </a:spcBef>
+              <a:buClr>
+                <a:schemeClr val="accent1"/>
+              </a:buClr>
+              <a:buSzPct val="80000"/>
+              <a:buFont typeface="Corbel" pitchFamily="34" charset="0"/>
+              <a:buChar char="•"/>
+              <a:defRPr sz="2200" kern="1200">
+                <a:solidFill>
+                  <a:schemeClr val="accent1"/>
+                </a:solidFill>
+                <a:latin typeface="+mn-lt"/>
+                <a:ea typeface="+mn-ea"/>
+                <a:cs typeface="+mn-cs"/>
+              </a:defRPr>
+            </a:lvl1pPr>
+            <a:lvl2pPr marL="457200" indent="-182880" algn="l" defTabSz="914400" rtl="0" eaLnBrk="1" latinLnBrk="0" hangingPunct="1">
+              <a:lnSpc>
+                <a:spcPct val="90000"/>
+              </a:lnSpc>
+              <a:spcBef>
+                <a:spcPts val="200"/>
+              </a:spcBef>
+              <a:spcAft>
+                <a:spcPts val="400"/>
+              </a:spcAft>
+              <a:buClr>
+                <a:schemeClr val="accent1"/>
+              </a:buClr>
+              <a:buSzPct val="80000"/>
+              <a:buFont typeface="Corbel" pitchFamily="34" charset="0"/>
+              <a:buChar char="•"/>
+              <a:defRPr sz="2000" kern="1200">
+                <a:solidFill>
+                  <a:schemeClr val="accent1"/>
+                </a:solidFill>
+                <a:latin typeface="+mn-lt"/>
+                <a:ea typeface="+mn-ea"/>
+                <a:cs typeface="+mn-cs"/>
+              </a:defRPr>
+            </a:lvl2pPr>
+            <a:lvl3pPr marL="731520" indent="-182880" algn="l" defTabSz="914400" rtl="0" eaLnBrk="1" latinLnBrk="0" hangingPunct="1">
+              <a:lnSpc>
+                <a:spcPct val="90000"/>
+              </a:lnSpc>
+              <a:spcBef>
+                <a:spcPts val="200"/>
+              </a:spcBef>
+              <a:spcAft>
+                <a:spcPts val="400"/>
+              </a:spcAft>
+              <a:buClr>
+                <a:schemeClr val="accent1"/>
+              </a:buClr>
+              <a:buSzPct val="80000"/>
+              <a:buFont typeface="Corbel" pitchFamily="34" charset="0"/>
+              <a:buChar char="•"/>
+              <a:defRPr sz="1800" kern="1200">
+                <a:solidFill>
+                  <a:schemeClr val="accent1"/>
+                </a:solidFill>
+                <a:latin typeface="+mn-lt"/>
+                <a:ea typeface="+mn-ea"/>
+                <a:cs typeface="+mn-cs"/>
+              </a:defRPr>
+            </a:lvl3pPr>
+            <a:lvl4pPr marL="1005840" indent="-182880" algn="l" defTabSz="914400" rtl="0" eaLnBrk="1" latinLnBrk="0" hangingPunct="1">
+              <a:lnSpc>
+                <a:spcPct val="90000"/>
+              </a:lnSpc>
+              <a:spcBef>
+                <a:spcPts val="200"/>
+              </a:spcBef>
+              <a:spcAft>
+                <a:spcPts val="400"/>
+              </a:spcAft>
+              <a:buClr>
+                <a:schemeClr val="accent1"/>
+              </a:buClr>
+              <a:buSzPct val="80000"/>
+              <a:buFont typeface="Corbel" pitchFamily="34" charset="0"/>
+              <a:buChar char="•"/>
+              <a:defRPr sz="1600" kern="1200">
+                <a:solidFill>
+                  <a:schemeClr val="accent1"/>
+                </a:solidFill>
+                <a:latin typeface="+mn-lt"/>
+                <a:ea typeface="+mn-ea"/>
+                <a:cs typeface="+mn-cs"/>
+              </a:defRPr>
+            </a:lvl4pPr>
+            <a:lvl5pPr marL="1280160" indent="-182880" algn="l" defTabSz="914400" rtl="0" eaLnBrk="1" latinLnBrk="0" hangingPunct="1">
+              <a:lnSpc>
+                <a:spcPct val="90000"/>
+              </a:lnSpc>
+              <a:spcBef>
+                <a:spcPts val="200"/>
+              </a:spcBef>
+              <a:spcAft>
+                <a:spcPts val="400"/>
+              </a:spcAft>
+              <a:buClr>
+                <a:schemeClr val="accent1"/>
+              </a:buClr>
+              <a:buSzPct val="80000"/>
+              <a:buFont typeface="Corbel" pitchFamily="34" charset="0"/>
+              <a:buChar char="•"/>
+              <a:defRPr sz="1600" kern="1200">
+                <a:solidFill>
+                  <a:schemeClr val="accent1"/>
+                </a:solidFill>
+                <a:latin typeface="+mn-lt"/>
+                <a:ea typeface="+mn-ea"/>
+                <a:cs typeface="+mn-cs"/>
+              </a:defRPr>
+            </a:lvl5pPr>
+            <a:lvl6pPr marL="1600000" indent="-228600" algn="l" defTabSz="914400" rtl="0" eaLnBrk="1" latinLnBrk="0" hangingPunct="1">
+              <a:lnSpc>
+                <a:spcPct val="90000"/>
+              </a:lnSpc>
+              <a:spcBef>
+                <a:spcPts val="200"/>
+              </a:spcBef>
+              <a:spcAft>
+                <a:spcPts val="400"/>
+              </a:spcAft>
+              <a:buClr>
+                <a:schemeClr val="accent1"/>
+              </a:buClr>
+              <a:buSzPct val="80000"/>
+              <a:buFont typeface="Corbel" pitchFamily="34" charset="0"/>
+              <a:buChar char="•"/>
+              <a:defRPr sz="1600" kern="1200">
+                <a:solidFill>
+                  <a:schemeClr val="accent1"/>
+                </a:solidFill>
+                <a:latin typeface="+mn-lt"/>
+                <a:ea typeface="+mn-ea"/>
+                <a:cs typeface="+mn-cs"/>
+              </a:defRPr>
+            </a:lvl6pPr>
+            <a:lvl7pPr marL="1900000" indent="-228600" algn="l" defTabSz="914400" rtl="0" eaLnBrk="1" latinLnBrk="0" hangingPunct="1">
+              <a:lnSpc>
+                <a:spcPct val="90000"/>
+              </a:lnSpc>
+              <a:spcBef>
+                <a:spcPts val="200"/>
+              </a:spcBef>
+              <a:spcAft>
+                <a:spcPts val="400"/>
+              </a:spcAft>
+              <a:buClr>
+                <a:schemeClr val="accent1"/>
+              </a:buClr>
+              <a:buSzPct val="80000"/>
+              <a:buFont typeface="Corbel" pitchFamily="34" charset="0"/>
+              <a:buChar char="•"/>
+              <a:defRPr sz="1600" kern="1200">
+                <a:solidFill>
+                  <a:schemeClr val="accent1"/>
+                </a:solidFill>
+                <a:latin typeface="+mn-lt"/>
+                <a:ea typeface="+mn-ea"/>
+                <a:cs typeface="+mn-cs"/>
+              </a:defRPr>
+            </a:lvl7pPr>
+            <a:lvl8pPr marL="2200000" indent="-228600" algn="l" defTabSz="914400" rtl="0" eaLnBrk="1" latinLnBrk="0" hangingPunct="1">
+              <a:lnSpc>
+                <a:spcPct val="90000"/>
+              </a:lnSpc>
+              <a:spcBef>
+                <a:spcPts val="200"/>
+              </a:spcBef>
+              <a:spcAft>
+                <a:spcPts val="400"/>
+              </a:spcAft>
+              <a:buClr>
+                <a:schemeClr val="accent1"/>
+              </a:buClr>
+              <a:buSzPct val="80000"/>
+              <a:buFont typeface="Corbel" pitchFamily="34" charset="0"/>
+              <a:buChar char="•"/>
+              <a:defRPr sz="1600" kern="1200">
+                <a:solidFill>
+                  <a:schemeClr val="accent1"/>
+                </a:solidFill>
+                <a:latin typeface="+mn-lt"/>
+                <a:ea typeface="+mn-ea"/>
+                <a:cs typeface="+mn-cs"/>
+              </a:defRPr>
+            </a:lvl8pPr>
+            <a:lvl9pPr marL="2500000" indent="-228600" algn="l" defTabSz="914400" rtl="0" eaLnBrk="1" latinLnBrk="0" hangingPunct="1">
+              <a:lnSpc>
+                <a:spcPct val="90000"/>
+              </a:lnSpc>
+              <a:spcBef>
+                <a:spcPts val="200"/>
+              </a:spcBef>
+              <a:spcAft>
+                <a:spcPts val="400"/>
+              </a:spcAft>
+              <a:buClr>
+                <a:schemeClr val="accent1"/>
+              </a:buClr>
+              <a:buSzPct val="80000"/>
+              <a:buFont typeface="Corbel" pitchFamily="34" charset="0"/>
+              <a:buChar char="•"/>
+              <a:defRPr sz="1600" kern="1200">
+                <a:solidFill>
+                  <a:schemeClr val="accent1"/>
+                </a:solidFill>
+                <a:latin typeface="+mn-lt"/>
+                <a:ea typeface="+mn-ea"/>
+                <a:cs typeface="+mn-cs"/>
+              </a:defRPr>
+            </a:lvl9pPr>
+          </a:lstStyle>
+          <a:p>
+            <a:pPr marL="45720" indent="0">
+              <a:buFont typeface="Corbel" pitchFamily="34" charset="0"/>
+              <a:buNone/>
+            </a:pPr>
+            <a:r>
+              <a:rPr lang="de-CH" dirty="0"/>
+              <a:t>Was ist </a:t>
+            </a:r>
+            <a:r>
+              <a:rPr lang="de-CH" dirty="0" err="1"/>
+              <a:t>VueJS</a:t>
+            </a:r>
             <a:endParaRPr lang="de-CH" dirty="0"/>
+          </a:p>
+          <a:p>
+            <a:r>
+              <a:rPr lang="de-CH" dirty="0"/>
+              <a:t>Ist ein JavaScript Framework</a:t>
+            </a:r>
+          </a:p>
+        </p:txBody>
+      </p:sp>
+      <p:sp>
+        <p:nvSpPr>
+          <p:cNvPr id="5" name="Content Placeholder 2">
+            <a:extLst>
+              <a:ext uri="{FF2B5EF4-FFF2-40B4-BE49-F238E27FC236}">
+                <a16:creationId xmlns:a16="http://schemas.microsoft.com/office/drawing/2014/main" id="{51141FE2-C252-42D5-B32E-077737416479}"/>
+              </a:ext>
+            </a:extLst>
+          </p:cNvPr>
+          <p:cNvSpPr txBox="1">
+            <a:spLocks/>
+          </p:cNvSpPr>
+          <p:nvPr/>
+        </p:nvSpPr>
+        <p:spPr>
+          <a:xfrm>
+            <a:off x="1046825" y="3458773"/>
+            <a:ext cx="4529831" cy="2187237"/>
+          </a:xfrm>
+          <a:prstGeom prst="rect">
+            <a:avLst/>
+          </a:prstGeom>
+        </p:spPr>
+        <p:txBody>
+          <a:bodyPr vert="horz" lIns="91440" tIns="45720" rIns="91440" bIns="45720" rtlCol="0">
+            <a:normAutofit/>
+          </a:bodyPr>
+          <a:lstStyle>
+            <a:lvl1pPr marL="228600" indent="-182880" algn="l" defTabSz="914400" rtl="0" eaLnBrk="1" latinLnBrk="0" hangingPunct="1">
+              <a:lnSpc>
+                <a:spcPct val="90000"/>
+              </a:lnSpc>
+              <a:spcBef>
+                <a:spcPts val="1400"/>
+              </a:spcBef>
+              <a:buClr>
+                <a:schemeClr val="accent1"/>
+              </a:buClr>
+              <a:buSzPct val="80000"/>
+              <a:buFont typeface="Corbel" pitchFamily="34" charset="0"/>
+              <a:buChar char="•"/>
+              <a:defRPr sz="2200" kern="1200">
+                <a:solidFill>
+                  <a:schemeClr val="accent1"/>
+                </a:solidFill>
+                <a:latin typeface="+mn-lt"/>
+                <a:ea typeface="+mn-ea"/>
+                <a:cs typeface="+mn-cs"/>
+              </a:defRPr>
+            </a:lvl1pPr>
+            <a:lvl2pPr marL="457200" indent="-182880" algn="l" defTabSz="914400" rtl="0" eaLnBrk="1" latinLnBrk="0" hangingPunct="1">
+              <a:lnSpc>
+                <a:spcPct val="90000"/>
+              </a:lnSpc>
+              <a:spcBef>
+                <a:spcPts val="200"/>
+              </a:spcBef>
+              <a:spcAft>
+                <a:spcPts val="400"/>
+              </a:spcAft>
+              <a:buClr>
+                <a:schemeClr val="accent1"/>
+              </a:buClr>
+              <a:buSzPct val="80000"/>
+              <a:buFont typeface="Corbel" pitchFamily="34" charset="0"/>
+              <a:buChar char="•"/>
+              <a:defRPr sz="2000" kern="1200">
+                <a:solidFill>
+                  <a:schemeClr val="accent1"/>
+                </a:solidFill>
+                <a:latin typeface="+mn-lt"/>
+                <a:ea typeface="+mn-ea"/>
+                <a:cs typeface="+mn-cs"/>
+              </a:defRPr>
+            </a:lvl2pPr>
+            <a:lvl3pPr marL="731520" indent="-182880" algn="l" defTabSz="914400" rtl="0" eaLnBrk="1" latinLnBrk="0" hangingPunct="1">
+              <a:lnSpc>
+                <a:spcPct val="90000"/>
+              </a:lnSpc>
+              <a:spcBef>
+                <a:spcPts val="200"/>
+              </a:spcBef>
+              <a:spcAft>
+                <a:spcPts val="400"/>
+              </a:spcAft>
+              <a:buClr>
+                <a:schemeClr val="accent1"/>
+              </a:buClr>
+              <a:buSzPct val="80000"/>
+              <a:buFont typeface="Corbel" pitchFamily="34" charset="0"/>
+              <a:buChar char="•"/>
+              <a:defRPr sz="1800" kern="1200">
+                <a:solidFill>
+                  <a:schemeClr val="accent1"/>
+                </a:solidFill>
+                <a:latin typeface="+mn-lt"/>
+                <a:ea typeface="+mn-ea"/>
+                <a:cs typeface="+mn-cs"/>
+              </a:defRPr>
+            </a:lvl3pPr>
+            <a:lvl4pPr marL="1005840" indent="-182880" algn="l" defTabSz="914400" rtl="0" eaLnBrk="1" latinLnBrk="0" hangingPunct="1">
+              <a:lnSpc>
+                <a:spcPct val="90000"/>
+              </a:lnSpc>
+              <a:spcBef>
+                <a:spcPts val="200"/>
+              </a:spcBef>
+              <a:spcAft>
+                <a:spcPts val="400"/>
+              </a:spcAft>
+              <a:buClr>
+                <a:schemeClr val="accent1"/>
+              </a:buClr>
+              <a:buSzPct val="80000"/>
+              <a:buFont typeface="Corbel" pitchFamily="34" charset="0"/>
+              <a:buChar char="•"/>
+              <a:defRPr sz="1600" kern="1200">
+                <a:solidFill>
+                  <a:schemeClr val="accent1"/>
+                </a:solidFill>
+                <a:latin typeface="+mn-lt"/>
+                <a:ea typeface="+mn-ea"/>
+                <a:cs typeface="+mn-cs"/>
+              </a:defRPr>
+            </a:lvl4pPr>
+            <a:lvl5pPr marL="1280160" indent="-182880" algn="l" defTabSz="914400" rtl="0" eaLnBrk="1" latinLnBrk="0" hangingPunct="1">
+              <a:lnSpc>
+                <a:spcPct val="90000"/>
+              </a:lnSpc>
+              <a:spcBef>
+                <a:spcPts val="200"/>
+              </a:spcBef>
+              <a:spcAft>
+                <a:spcPts val="400"/>
+              </a:spcAft>
+              <a:buClr>
+                <a:schemeClr val="accent1"/>
+              </a:buClr>
+              <a:buSzPct val="80000"/>
+              <a:buFont typeface="Corbel" pitchFamily="34" charset="0"/>
+              <a:buChar char="•"/>
+              <a:defRPr sz="1600" kern="1200">
+                <a:solidFill>
+                  <a:schemeClr val="accent1"/>
+                </a:solidFill>
+                <a:latin typeface="+mn-lt"/>
+                <a:ea typeface="+mn-ea"/>
+                <a:cs typeface="+mn-cs"/>
+              </a:defRPr>
+            </a:lvl5pPr>
+            <a:lvl6pPr marL="1600000" indent="-228600" algn="l" defTabSz="914400" rtl="0" eaLnBrk="1" latinLnBrk="0" hangingPunct="1">
+              <a:lnSpc>
+                <a:spcPct val="90000"/>
+              </a:lnSpc>
+              <a:spcBef>
+                <a:spcPts val="200"/>
+              </a:spcBef>
+              <a:spcAft>
+                <a:spcPts val="400"/>
+              </a:spcAft>
+              <a:buClr>
+                <a:schemeClr val="accent1"/>
+              </a:buClr>
+              <a:buSzPct val="80000"/>
+              <a:buFont typeface="Corbel" pitchFamily="34" charset="0"/>
+              <a:buChar char="•"/>
+              <a:defRPr sz="1600" kern="1200">
+                <a:solidFill>
+                  <a:schemeClr val="accent1"/>
+                </a:solidFill>
+                <a:latin typeface="+mn-lt"/>
+                <a:ea typeface="+mn-ea"/>
+                <a:cs typeface="+mn-cs"/>
+              </a:defRPr>
+            </a:lvl6pPr>
+            <a:lvl7pPr marL="1900000" indent="-228600" algn="l" defTabSz="914400" rtl="0" eaLnBrk="1" latinLnBrk="0" hangingPunct="1">
+              <a:lnSpc>
+                <a:spcPct val="90000"/>
+              </a:lnSpc>
+              <a:spcBef>
+                <a:spcPts val="200"/>
+              </a:spcBef>
+              <a:spcAft>
+                <a:spcPts val="400"/>
+              </a:spcAft>
+              <a:buClr>
+                <a:schemeClr val="accent1"/>
+              </a:buClr>
+              <a:buSzPct val="80000"/>
+              <a:buFont typeface="Corbel" pitchFamily="34" charset="0"/>
+              <a:buChar char="•"/>
+              <a:defRPr sz="1600" kern="1200">
+                <a:solidFill>
+                  <a:schemeClr val="accent1"/>
+                </a:solidFill>
+                <a:latin typeface="+mn-lt"/>
+                <a:ea typeface="+mn-ea"/>
+                <a:cs typeface="+mn-cs"/>
+              </a:defRPr>
+            </a:lvl7pPr>
+            <a:lvl8pPr marL="2200000" indent="-228600" algn="l" defTabSz="914400" rtl="0" eaLnBrk="1" latinLnBrk="0" hangingPunct="1">
+              <a:lnSpc>
+                <a:spcPct val="90000"/>
+              </a:lnSpc>
+              <a:spcBef>
+                <a:spcPts val="200"/>
+              </a:spcBef>
+              <a:spcAft>
+                <a:spcPts val="400"/>
+              </a:spcAft>
+              <a:buClr>
+                <a:schemeClr val="accent1"/>
+              </a:buClr>
+              <a:buSzPct val="80000"/>
+              <a:buFont typeface="Corbel" pitchFamily="34" charset="0"/>
+              <a:buChar char="•"/>
+              <a:defRPr sz="1600" kern="1200">
+                <a:solidFill>
+                  <a:schemeClr val="accent1"/>
+                </a:solidFill>
+                <a:latin typeface="+mn-lt"/>
+                <a:ea typeface="+mn-ea"/>
+                <a:cs typeface="+mn-cs"/>
+              </a:defRPr>
+            </a:lvl8pPr>
+            <a:lvl9pPr marL="2500000" indent="-228600" algn="l" defTabSz="914400" rtl="0" eaLnBrk="1" latinLnBrk="0" hangingPunct="1">
+              <a:lnSpc>
+                <a:spcPct val="90000"/>
+              </a:lnSpc>
+              <a:spcBef>
+                <a:spcPts val="200"/>
+              </a:spcBef>
+              <a:spcAft>
+                <a:spcPts val="400"/>
+              </a:spcAft>
+              <a:buClr>
+                <a:schemeClr val="accent1"/>
+              </a:buClr>
+              <a:buSzPct val="80000"/>
+              <a:buFont typeface="Corbel" pitchFamily="34" charset="0"/>
+              <a:buChar char="•"/>
+              <a:defRPr sz="1600" kern="1200">
+                <a:solidFill>
+                  <a:schemeClr val="accent1"/>
+                </a:solidFill>
+                <a:latin typeface="+mn-lt"/>
+                <a:ea typeface="+mn-ea"/>
+                <a:cs typeface="+mn-cs"/>
+              </a:defRPr>
+            </a:lvl9pPr>
+          </a:lstStyle>
+          <a:p>
+            <a:pPr marL="45720" indent="0">
+              <a:buFont typeface="Corbel" pitchFamily="34" charset="0"/>
+              <a:buNone/>
+            </a:pPr>
+            <a:r>
+              <a:rPr lang="de-CH" dirty="0"/>
+              <a:t>Stärken von </a:t>
+            </a:r>
+            <a:r>
+              <a:rPr lang="de-CH" dirty="0" err="1"/>
+              <a:t>VueJS</a:t>
+            </a:r>
+            <a:endParaRPr lang="de-CH" dirty="0"/>
+          </a:p>
+          <a:p>
+            <a:r>
+              <a:rPr lang="de-CH" dirty="0"/>
+              <a:t>Ist sehr </a:t>
+            </a:r>
+            <a:r>
+              <a:rPr lang="de-CH" dirty="0" err="1"/>
+              <a:t>perfoment</a:t>
+            </a:r>
+            <a:endParaRPr lang="de-CH" dirty="0"/>
+          </a:p>
+          <a:p>
+            <a:r>
+              <a:rPr lang="de-CH" dirty="0"/>
+              <a:t>Einfache Syntax</a:t>
+            </a:r>
+          </a:p>
+          <a:p>
+            <a:r>
+              <a:rPr lang="de-CH" dirty="0"/>
+              <a:t>Ist sehr Benutzerfreundlich</a:t>
+            </a:r>
+          </a:p>
+        </p:txBody>
+      </p:sp>
+      <p:sp>
+        <p:nvSpPr>
+          <p:cNvPr id="6" name="Content Placeholder 2">
+            <a:extLst>
+              <a:ext uri="{FF2B5EF4-FFF2-40B4-BE49-F238E27FC236}">
+                <a16:creationId xmlns:a16="http://schemas.microsoft.com/office/drawing/2014/main" id="{2DEC9978-6E44-4D83-8A7B-4669E90F37E3}"/>
+              </a:ext>
+            </a:extLst>
+          </p:cNvPr>
+          <p:cNvSpPr txBox="1">
+            <a:spLocks/>
+          </p:cNvSpPr>
+          <p:nvPr/>
+        </p:nvSpPr>
+        <p:spPr>
+          <a:xfrm>
+            <a:off x="5576656" y="3473010"/>
+            <a:ext cx="4529831" cy="1472124"/>
+          </a:xfrm>
+          <a:prstGeom prst="rect">
+            <a:avLst/>
+          </a:prstGeom>
+        </p:spPr>
+        <p:txBody>
+          <a:bodyPr vert="horz" lIns="91440" tIns="45720" rIns="91440" bIns="45720" rtlCol="0">
+            <a:normAutofit/>
+          </a:bodyPr>
+          <a:lstStyle>
+            <a:lvl1pPr marL="228600" indent="-182880" algn="l" defTabSz="914400" rtl="0" eaLnBrk="1" latinLnBrk="0" hangingPunct="1">
+              <a:lnSpc>
+                <a:spcPct val="90000"/>
+              </a:lnSpc>
+              <a:spcBef>
+                <a:spcPts val="1400"/>
+              </a:spcBef>
+              <a:buClr>
+                <a:schemeClr val="accent1"/>
+              </a:buClr>
+              <a:buSzPct val="80000"/>
+              <a:buFont typeface="Corbel" pitchFamily="34" charset="0"/>
+              <a:buChar char="•"/>
+              <a:defRPr sz="2200" kern="1200">
+                <a:solidFill>
+                  <a:schemeClr val="accent1"/>
+                </a:solidFill>
+                <a:latin typeface="+mn-lt"/>
+                <a:ea typeface="+mn-ea"/>
+                <a:cs typeface="+mn-cs"/>
+              </a:defRPr>
+            </a:lvl1pPr>
+            <a:lvl2pPr marL="457200" indent="-182880" algn="l" defTabSz="914400" rtl="0" eaLnBrk="1" latinLnBrk="0" hangingPunct="1">
+              <a:lnSpc>
+                <a:spcPct val="90000"/>
+              </a:lnSpc>
+              <a:spcBef>
+                <a:spcPts val="200"/>
+              </a:spcBef>
+              <a:spcAft>
+                <a:spcPts val="400"/>
+              </a:spcAft>
+              <a:buClr>
+                <a:schemeClr val="accent1"/>
+              </a:buClr>
+              <a:buSzPct val="80000"/>
+              <a:buFont typeface="Corbel" pitchFamily="34" charset="0"/>
+              <a:buChar char="•"/>
+              <a:defRPr sz="2000" kern="1200">
+                <a:solidFill>
+                  <a:schemeClr val="accent1"/>
+                </a:solidFill>
+                <a:latin typeface="+mn-lt"/>
+                <a:ea typeface="+mn-ea"/>
+                <a:cs typeface="+mn-cs"/>
+              </a:defRPr>
+            </a:lvl2pPr>
+            <a:lvl3pPr marL="731520" indent="-182880" algn="l" defTabSz="914400" rtl="0" eaLnBrk="1" latinLnBrk="0" hangingPunct="1">
+              <a:lnSpc>
+                <a:spcPct val="90000"/>
+              </a:lnSpc>
+              <a:spcBef>
+                <a:spcPts val="200"/>
+              </a:spcBef>
+              <a:spcAft>
+                <a:spcPts val="400"/>
+              </a:spcAft>
+              <a:buClr>
+                <a:schemeClr val="accent1"/>
+              </a:buClr>
+              <a:buSzPct val="80000"/>
+              <a:buFont typeface="Corbel" pitchFamily="34" charset="0"/>
+              <a:buChar char="•"/>
+              <a:defRPr sz="1800" kern="1200">
+                <a:solidFill>
+                  <a:schemeClr val="accent1"/>
+                </a:solidFill>
+                <a:latin typeface="+mn-lt"/>
+                <a:ea typeface="+mn-ea"/>
+                <a:cs typeface="+mn-cs"/>
+              </a:defRPr>
+            </a:lvl3pPr>
+            <a:lvl4pPr marL="1005840" indent="-182880" algn="l" defTabSz="914400" rtl="0" eaLnBrk="1" latinLnBrk="0" hangingPunct="1">
+              <a:lnSpc>
+                <a:spcPct val="90000"/>
+              </a:lnSpc>
+              <a:spcBef>
+                <a:spcPts val="200"/>
+              </a:spcBef>
+              <a:spcAft>
+                <a:spcPts val="400"/>
+              </a:spcAft>
+              <a:buClr>
+                <a:schemeClr val="accent1"/>
+              </a:buClr>
+              <a:buSzPct val="80000"/>
+              <a:buFont typeface="Corbel" pitchFamily="34" charset="0"/>
+              <a:buChar char="•"/>
+              <a:defRPr sz="1600" kern="1200">
+                <a:solidFill>
+                  <a:schemeClr val="accent1"/>
+                </a:solidFill>
+                <a:latin typeface="+mn-lt"/>
+                <a:ea typeface="+mn-ea"/>
+                <a:cs typeface="+mn-cs"/>
+              </a:defRPr>
+            </a:lvl4pPr>
+            <a:lvl5pPr marL="1280160" indent="-182880" algn="l" defTabSz="914400" rtl="0" eaLnBrk="1" latinLnBrk="0" hangingPunct="1">
+              <a:lnSpc>
+                <a:spcPct val="90000"/>
+              </a:lnSpc>
+              <a:spcBef>
+                <a:spcPts val="200"/>
+              </a:spcBef>
+              <a:spcAft>
+                <a:spcPts val="400"/>
+              </a:spcAft>
+              <a:buClr>
+                <a:schemeClr val="accent1"/>
+              </a:buClr>
+              <a:buSzPct val="80000"/>
+              <a:buFont typeface="Corbel" pitchFamily="34" charset="0"/>
+              <a:buChar char="•"/>
+              <a:defRPr sz="1600" kern="1200">
+                <a:solidFill>
+                  <a:schemeClr val="accent1"/>
+                </a:solidFill>
+                <a:latin typeface="+mn-lt"/>
+                <a:ea typeface="+mn-ea"/>
+                <a:cs typeface="+mn-cs"/>
+              </a:defRPr>
+            </a:lvl5pPr>
+            <a:lvl6pPr marL="1600000" indent="-228600" algn="l" defTabSz="914400" rtl="0" eaLnBrk="1" latinLnBrk="0" hangingPunct="1">
+              <a:lnSpc>
+                <a:spcPct val="90000"/>
+              </a:lnSpc>
+              <a:spcBef>
+                <a:spcPts val="200"/>
+              </a:spcBef>
+              <a:spcAft>
+                <a:spcPts val="400"/>
+              </a:spcAft>
+              <a:buClr>
+                <a:schemeClr val="accent1"/>
+              </a:buClr>
+              <a:buSzPct val="80000"/>
+              <a:buFont typeface="Corbel" pitchFamily="34" charset="0"/>
+              <a:buChar char="•"/>
+              <a:defRPr sz="1600" kern="1200">
+                <a:solidFill>
+                  <a:schemeClr val="accent1"/>
+                </a:solidFill>
+                <a:latin typeface="+mn-lt"/>
+                <a:ea typeface="+mn-ea"/>
+                <a:cs typeface="+mn-cs"/>
+              </a:defRPr>
+            </a:lvl6pPr>
+            <a:lvl7pPr marL="1900000" indent="-228600" algn="l" defTabSz="914400" rtl="0" eaLnBrk="1" latinLnBrk="0" hangingPunct="1">
+              <a:lnSpc>
+                <a:spcPct val="90000"/>
+              </a:lnSpc>
+              <a:spcBef>
+                <a:spcPts val="200"/>
+              </a:spcBef>
+              <a:spcAft>
+                <a:spcPts val="400"/>
+              </a:spcAft>
+              <a:buClr>
+                <a:schemeClr val="accent1"/>
+              </a:buClr>
+              <a:buSzPct val="80000"/>
+              <a:buFont typeface="Corbel" pitchFamily="34" charset="0"/>
+              <a:buChar char="•"/>
+              <a:defRPr sz="1600" kern="1200">
+                <a:solidFill>
+                  <a:schemeClr val="accent1"/>
+                </a:solidFill>
+                <a:latin typeface="+mn-lt"/>
+                <a:ea typeface="+mn-ea"/>
+                <a:cs typeface="+mn-cs"/>
+              </a:defRPr>
+            </a:lvl7pPr>
+            <a:lvl8pPr marL="2200000" indent="-228600" algn="l" defTabSz="914400" rtl="0" eaLnBrk="1" latinLnBrk="0" hangingPunct="1">
+              <a:lnSpc>
+                <a:spcPct val="90000"/>
+              </a:lnSpc>
+              <a:spcBef>
+                <a:spcPts val="200"/>
+              </a:spcBef>
+              <a:spcAft>
+                <a:spcPts val="400"/>
+              </a:spcAft>
+              <a:buClr>
+                <a:schemeClr val="accent1"/>
+              </a:buClr>
+              <a:buSzPct val="80000"/>
+              <a:buFont typeface="Corbel" pitchFamily="34" charset="0"/>
+              <a:buChar char="•"/>
+              <a:defRPr sz="1600" kern="1200">
+                <a:solidFill>
+                  <a:schemeClr val="accent1"/>
+                </a:solidFill>
+                <a:latin typeface="+mn-lt"/>
+                <a:ea typeface="+mn-ea"/>
+                <a:cs typeface="+mn-cs"/>
+              </a:defRPr>
+            </a:lvl8pPr>
+            <a:lvl9pPr marL="2500000" indent="-228600" algn="l" defTabSz="914400" rtl="0" eaLnBrk="1" latinLnBrk="0" hangingPunct="1">
+              <a:lnSpc>
+                <a:spcPct val="90000"/>
+              </a:lnSpc>
+              <a:spcBef>
+                <a:spcPts val="200"/>
+              </a:spcBef>
+              <a:spcAft>
+                <a:spcPts val="400"/>
+              </a:spcAft>
+              <a:buClr>
+                <a:schemeClr val="accent1"/>
+              </a:buClr>
+              <a:buSzPct val="80000"/>
+              <a:buFont typeface="Corbel" pitchFamily="34" charset="0"/>
+              <a:buChar char="•"/>
+              <a:defRPr sz="1600" kern="1200">
+                <a:solidFill>
+                  <a:schemeClr val="accent1"/>
+                </a:solidFill>
+                <a:latin typeface="+mn-lt"/>
+                <a:ea typeface="+mn-ea"/>
+                <a:cs typeface="+mn-cs"/>
+              </a:defRPr>
+            </a:lvl9pPr>
+          </a:lstStyle>
+          <a:p>
+            <a:pPr marL="45720" indent="0">
+              <a:buFont typeface="Corbel" pitchFamily="34" charset="0"/>
+              <a:buNone/>
+            </a:pPr>
+            <a:r>
+              <a:rPr lang="de-CH" dirty="0"/>
+              <a:t>Schwächen von </a:t>
+            </a:r>
+            <a:r>
+              <a:rPr lang="de-CH" dirty="0" err="1"/>
+              <a:t>VueJS</a:t>
+            </a:r>
+            <a:endParaRPr lang="de-CH" dirty="0"/>
+          </a:p>
+          <a:p>
+            <a:r>
+              <a:rPr lang="de-CH" dirty="0"/>
+              <a:t>Eignet sich weniger für grosse Projekte </a:t>
+            </a:r>
           </a:p>
         </p:txBody>
       </p:sp>
@@ -5914,7 +8403,7 @@
 </p:sld>
 </file>
 
-<file path=ppt/slides/slide7.xml><?xml version="1.0" encoding="utf-8"?>
+<file path=ppt/slides/slide6.xml><?xml version="1.0" encoding="utf-8"?>
 <p:sld xmlns:a="http://schemas.openxmlformats.org/drawingml/2006/main" xmlns:r="http://schemas.openxmlformats.org/officeDocument/2006/relationships" xmlns:p="http://schemas.openxmlformats.org/presentationml/2006/main">
   <p:cSld>
     <p:spTree>
@@ -6251,8 +8740,13 @@
           <a:p>
             <a:r>
               <a:rPr lang="de-CH" dirty="0"/>
-              <a:t>Es gibt verschiedene Frontend Programmiersprachen</a:t>
-            </a:r>
+              <a:t>Es gibt verschiedene Frontend Libraries/Frameworks/Programmiersprachen </a:t>
+            </a:r>
+            <a:r>
+              <a:rPr lang="de-CH" dirty="0" err="1"/>
+              <a:t>Programmiersprachen</a:t>
+            </a:r>
+            <a:endParaRPr lang="de-CH" dirty="0"/>
           </a:p>
           <a:p>
             <a:endParaRPr lang="de-CH" dirty="0"/>
@@ -6549,7 +9043,15 @@
           <a:p>
             <a:r>
               <a:rPr lang="de-CH" dirty="0"/>
-              <a:t>Ich habe mich für Laravel entschieden und ist ein PHP Framework</a:t>
+              <a:t>Ich habe mich für </a:t>
+            </a:r>
+            <a:r>
+              <a:rPr lang="de-CH" dirty="0" err="1"/>
+              <a:t>Laravel</a:t>
+            </a:r>
+            <a:r>
+              <a:rPr lang="de-CH" dirty="0"/>
+              <a:t> entschieden</a:t>
             </a:r>
           </a:p>
         </p:txBody>
@@ -6695,6 +9197,66 @@
           </a:extLst>
         </p:spPr>
       </p:pic>
+      <p:sp>
+        <p:nvSpPr>
+          <p:cNvPr id="3" name="Rechteck 2">
+            <a:extLst>
+              <a:ext uri="{FF2B5EF4-FFF2-40B4-BE49-F238E27FC236}">
+                <a16:creationId xmlns:a16="http://schemas.microsoft.com/office/drawing/2014/main" id="{41C2F1FB-F6BD-4275-AC32-F36FAE124B98}"/>
+              </a:ext>
+            </a:extLst>
+          </p:cNvPr>
+          <p:cNvSpPr/>
+          <p:nvPr/>
+        </p:nvSpPr>
+        <p:spPr>
+          <a:xfrm>
+            <a:off x="907610" y="2474202"/>
+            <a:ext cx="2528048" cy="911793"/>
+          </a:xfrm>
+          <a:prstGeom prst="rect">
+            <a:avLst/>
+          </a:prstGeom>
+          <a:noFill/>
+          <a:ln>
+            <a:solidFill>
+              <a:schemeClr val="tx1"/>
+            </a:solidFill>
+          </a:ln>
+          <a:effectLst>
+            <a:glow rad="101600">
+              <a:schemeClr val="accent2">
+                <a:satMod val="175000"/>
+                <a:alpha val="40000"/>
+              </a:schemeClr>
+            </a:glow>
+          </a:effectLst>
+        </p:spPr>
+        <p:style>
+          <a:lnRef idx="2">
+            <a:schemeClr val="accent1">
+              <a:shade val="50000"/>
+            </a:schemeClr>
+          </a:lnRef>
+          <a:fillRef idx="1">
+            <a:schemeClr val="accent1"/>
+          </a:fillRef>
+          <a:effectRef idx="0">
+            <a:schemeClr val="accent1"/>
+          </a:effectRef>
+          <a:fontRef idx="minor">
+            <a:schemeClr val="lt1"/>
+          </a:fontRef>
+        </p:style>
+        <p:txBody>
+          <a:bodyPr rtlCol="0" anchor="ctr"/>
+          <a:lstStyle/>
+          <a:p>
+            <a:pPr algn="ctr"/>
+            <a:endParaRPr lang="de-CH"/>
+          </a:p>
+        </p:txBody>
+      </p:sp>
     </p:spTree>
     <p:extLst>
       <p:ext uri="{BB962C8B-B14F-4D97-AF65-F5344CB8AC3E}">
@@ -6705,10 +9267,96 @@
   <p:clrMapOvr>
     <a:masterClrMapping/>
   </p:clrMapOvr>
+  <p:timing>
+    <p:tnLst>
+      <p:par>
+        <p:cTn id="1" dur="indefinite" restart="never" nodeType="tmRoot">
+          <p:childTnLst>
+            <p:seq concurrent="1" nextAc="seek">
+              <p:cTn id="2" dur="indefinite" nodeType="mainSeq">
+                <p:childTnLst>
+                  <p:par>
+                    <p:cTn id="3" fill="hold">
+                      <p:stCondLst>
+                        <p:cond delay="indefinite"/>
+                      </p:stCondLst>
+                      <p:childTnLst>
+                        <p:par>
+                          <p:cTn id="4" fill="hold">
+                            <p:stCondLst>
+                              <p:cond delay="0"/>
+                            </p:stCondLst>
+                            <p:childTnLst>
+                              <p:par>
+                                <p:cTn id="5" presetID="10" presetClass="entr" presetSubtype="0" fill="hold" grpId="0" nodeType="clickEffect">
+                                  <p:stCondLst>
+                                    <p:cond delay="0"/>
+                                  </p:stCondLst>
+                                  <p:childTnLst>
+                                    <p:set>
+                                      <p:cBhvr>
+                                        <p:cTn id="6" dur="1" fill="hold">
+                                          <p:stCondLst>
+                                            <p:cond delay="0"/>
+                                          </p:stCondLst>
+                                        </p:cTn>
+                                        <p:tgtEl>
+                                          <p:spTgt spid="3"/>
+                                        </p:tgtEl>
+                                        <p:attrNameLst>
+                                          <p:attrName>style.visibility</p:attrName>
+                                        </p:attrNameLst>
+                                      </p:cBhvr>
+                                      <p:to>
+                                        <p:strVal val="visible"/>
+                                      </p:to>
+                                    </p:set>
+                                    <p:animEffect transition="in" filter="fade">
+                                      <p:cBhvr>
+                                        <p:cTn id="7" dur="500"/>
+                                        <p:tgtEl>
+                                          <p:spTgt spid="3"/>
+                                        </p:tgtEl>
+                                      </p:cBhvr>
+                                    </p:animEffect>
+                                  </p:childTnLst>
+                                </p:cTn>
+                              </p:par>
+                            </p:childTnLst>
+                          </p:cTn>
+                        </p:par>
+                      </p:childTnLst>
+                    </p:cTn>
+                  </p:par>
+                </p:childTnLst>
+              </p:cTn>
+              <p:prevCondLst>
+                <p:cond evt="onPrev" delay="0">
+                  <p:tgtEl>
+                    <p:sldTgt/>
+                  </p:tgtEl>
+                </p:cond>
+              </p:prevCondLst>
+              <p:nextCondLst>
+                <p:cond evt="onNext" delay="0">
+                  <p:tgtEl>
+                    <p:sldTgt/>
+                  </p:tgtEl>
+                </p:cond>
+              </p:nextCondLst>
+            </p:seq>
+          </p:childTnLst>
+        </p:cTn>
+      </p:par>
+    </p:tnLst>
+    <p:bldLst>
+      <p:bldP spid="3" grpId="0" animBg="1"/>
+    </p:bldLst>
+  </p:timing>
 </p:sld>
 </file>
 
-<file path=ppt/slides/slide8.xml><?xml version="1.0" encoding="utf-8"?>
+<file path=ppt/slides/slide7.xml><?xml version="1.0" encoding="utf-8"?>
 <p:sld xmlns:a="http://schemas.openxmlformats.org/drawingml/2006/main" xmlns:r="http://schemas.openxmlformats.org/officeDocument/2006/relationships" xmlns:p="http://schemas.openxmlformats.org/presentationml/2006/main">
   <p:cSld>
     <p:spTree>
@@ -6747,18 +9395,866 @@
           <a:lstStyle/>
           <a:p>
             <a:r>
+              <a:rPr lang="de-CH" dirty="0" err="1"/>
+              <a:t>Laravel</a:t>
+            </a:r>
+            <a:r>
               <a:rPr lang="de-CH" dirty="0"/>
-              <a:t>Programmieren des Backends</a:t>
+              <a:t> als Backend</a:t>
             </a:r>
           </a:p>
         </p:txBody>
       </p:sp>
       <p:sp>
         <p:nvSpPr>
-          <p:cNvPr id="3" name="Content Placeholder 2">
+          <p:cNvPr id="4" name="Content Placeholder 2">
             <a:extLst>
               <a:ext uri="{FF2B5EF4-FFF2-40B4-BE49-F238E27FC236}">
-                <a16:creationId xmlns:a16="http://schemas.microsoft.com/office/drawing/2014/main" id="{BF2DB604-9813-B3A4-1B7D-FC67CDE97DED}"/>
+                <a16:creationId xmlns:a16="http://schemas.microsoft.com/office/drawing/2014/main" id="{DC4EF84D-1418-4D80-954E-7CC8B4C02484}"/>
+              </a:ext>
+            </a:extLst>
+          </p:cNvPr>
+          <p:cNvSpPr txBox="1">
+            <a:spLocks/>
+          </p:cNvSpPr>
+          <p:nvPr/>
+        </p:nvSpPr>
+        <p:spPr>
+          <a:xfrm>
+            <a:off x="1373821" y="1965960"/>
+            <a:ext cx="6838024" cy="898864"/>
+          </a:xfrm>
+          <a:prstGeom prst="rect">
+            <a:avLst/>
+          </a:prstGeom>
+        </p:spPr>
+        <p:txBody>
+          <a:bodyPr vert="horz" lIns="91440" tIns="45720" rIns="91440" bIns="45720" rtlCol="0">
+            <a:normAutofit/>
+          </a:bodyPr>
+          <a:lstStyle>
+            <a:lvl1pPr marL="228600" indent="-182880" algn="l" defTabSz="914400" rtl="0" eaLnBrk="1" latinLnBrk="0" hangingPunct="1">
+              <a:lnSpc>
+                <a:spcPct val="90000"/>
+              </a:lnSpc>
+              <a:spcBef>
+                <a:spcPts val="1400"/>
+              </a:spcBef>
+              <a:buClr>
+                <a:schemeClr val="accent1"/>
+              </a:buClr>
+              <a:buSzPct val="80000"/>
+              <a:buFont typeface="Corbel" pitchFamily="34" charset="0"/>
+              <a:buChar char="•"/>
+              <a:defRPr sz="2200" kern="1200">
+                <a:solidFill>
+                  <a:schemeClr val="accent1"/>
+                </a:solidFill>
+                <a:latin typeface="+mn-lt"/>
+                <a:ea typeface="+mn-ea"/>
+                <a:cs typeface="+mn-cs"/>
+              </a:defRPr>
+            </a:lvl1pPr>
+            <a:lvl2pPr marL="457200" indent="-182880" algn="l" defTabSz="914400" rtl="0" eaLnBrk="1" latinLnBrk="0" hangingPunct="1">
+              <a:lnSpc>
+                <a:spcPct val="90000"/>
+              </a:lnSpc>
+              <a:spcBef>
+                <a:spcPts val="200"/>
+              </a:spcBef>
+              <a:spcAft>
+                <a:spcPts val="400"/>
+              </a:spcAft>
+              <a:buClr>
+                <a:schemeClr val="accent1"/>
+              </a:buClr>
+              <a:buSzPct val="80000"/>
+              <a:buFont typeface="Corbel" pitchFamily="34" charset="0"/>
+              <a:buChar char="•"/>
+              <a:defRPr sz="2000" kern="1200">
+                <a:solidFill>
+                  <a:schemeClr val="accent1"/>
+                </a:solidFill>
+                <a:latin typeface="+mn-lt"/>
+                <a:ea typeface="+mn-ea"/>
+                <a:cs typeface="+mn-cs"/>
+              </a:defRPr>
+            </a:lvl2pPr>
+            <a:lvl3pPr marL="731520" indent="-182880" algn="l" defTabSz="914400" rtl="0" eaLnBrk="1" latinLnBrk="0" hangingPunct="1">
+              <a:lnSpc>
+                <a:spcPct val="90000"/>
+              </a:lnSpc>
+              <a:spcBef>
+                <a:spcPts val="200"/>
+              </a:spcBef>
+              <a:spcAft>
+                <a:spcPts val="400"/>
+              </a:spcAft>
+              <a:buClr>
+                <a:schemeClr val="accent1"/>
+              </a:buClr>
+              <a:buSzPct val="80000"/>
+              <a:buFont typeface="Corbel" pitchFamily="34" charset="0"/>
+              <a:buChar char="•"/>
+              <a:defRPr sz="1800" kern="1200">
+                <a:solidFill>
+                  <a:schemeClr val="accent1"/>
+                </a:solidFill>
+                <a:latin typeface="+mn-lt"/>
+                <a:ea typeface="+mn-ea"/>
+                <a:cs typeface="+mn-cs"/>
+              </a:defRPr>
+            </a:lvl3pPr>
+            <a:lvl4pPr marL="1005840" indent="-182880" algn="l" defTabSz="914400" rtl="0" eaLnBrk="1" latinLnBrk="0" hangingPunct="1">
+              <a:lnSpc>
+                <a:spcPct val="90000"/>
+              </a:lnSpc>
+              <a:spcBef>
+                <a:spcPts val="200"/>
+              </a:spcBef>
+              <a:spcAft>
+                <a:spcPts val="400"/>
+              </a:spcAft>
+              <a:buClr>
+                <a:schemeClr val="accent1"/>
+              </a:buClr>
+              <a:buSzPct val="80000"/>
+              <a:buFont typeface="Corbel" pitchFamily="34" charset="0"/>
+              <a:buChar char="•"/>
+              <a:defRPr sz="1600" kern="1200">
+                <a:solidFill>
+                  <a:schemeClr val="accent1"/>
+                </a:solidFill>
+                <a:latin typeface="+mn-lt"/>
+                <a:ea typeface="+mn-ea"/>
+                <a:cs typeface="+mn-cs"/>
+              </a:defRPr>
+            </a:lvl4pPr>
+            <a:lvl5pPr marL="1280160" indent="-182880" algn="l" defTabSz="914400" rtl="0" eaLnBrk="1" latinLnBrk="0" hangingPunct="1">
+              <a:lnSpc>
+                <a:spcPct val="90000"/>
+              </a:lnSpc>
+              <a:spcBef>
+                <a:spcPts val="200"/>
+              </a:spcBef>
+              <a:spcAft>
+                <a:spcPts val="400"/>
+              </a:spcAft>
+              <a:buClr>
+                <a:schemeClr val="accent1"/>
+              </a:buClr>
+              <a:buSzPct val="80000"/>
+              <a:buFont typeface="Corbel" pitchFamily="34" charset="0"/>
+              <a:buChar char="•"/>
+              <a:defRPr sz="1600" kern="1200">
+                <a:solidFill>
+                  <a:schemeClr val="accent1"/>
+                </a:solidFill>
+                <a:latin typeface="+mn-lt"/>
+                <a:ea typeface="+mn-ea"/>
+                <a:cs typeface="+mn-cs"/>
+              </a:defRPr>
+            </a:lvl5pPr>
+            <a:lvl6pPr marL="1600000" indent="-228600" algn="l" defTabSz="914400" rtl="0" eaLnBrk="1" latinLnBrk="0" hangingPunct="1">
+              <a:lnSpc>
+                <a:spcPct val="90000"/>
+              </a:lnSpc>
+              <a:spcBef>
+                <a:spcPts val="200"/>
+              </a:spcBef>
+              <a:spcAft>
+                <a:spcPts val="400"/>
+              </a:spcAft>
+              <a:buClr>
+                <a:schemeClr val="accent1"/>
+              </a:buClr>
+              <a:buSzPct val="80000"/>
+              <a:buFont typeface="Corbel" pitchFamily="34" charset="0"/>
+              <a:buChar char="•"/>
+              <a:defRPr sz="1600" kern="1200">
+                <a:solidFill>
+                  <a:schemeClr val="accent1"/>
+                </a:solidFill>
+                <a:latin typeface="+mn-lt"/>
+                <a:ea typeface="+mn-ea"/>
+                <a:cs typeface="+mn-cs"/>
+              </a:defRPr>
+            </a:lvl6pPr>
+            <a:lvl7pPr marL="1900000" indent="-228600" algn="l" defTabSz="914400" rtl="0" eaLnBrk="1" latinLnBrk="0" hangingPunct="1">
+              <a:lnSpc>
+                <a:spcPct val="90000"/>
+              </a:lnSpc>
+              <a:spcBef>
+                <a:spcPts val="200"/>
+              </a:spcBef>
+              <a:spcAft>
+                <a:spcPts val="400"/>
+              </a:spcAft>
+              <a:buClr>
+                <a:schemeClr val="accent1"/>
+              </a:buClr>
+              <a:buSzPct val="80000"/>
+              <a:buFont typeface="Corbel" pitchFamily="34" charset="0"/>
+              <a:buChar char="•"/>
+              <a:defRPr sz="1600" kern="1200">
+                <a:solidFill>
+                  <a:schemeClr val="accent1"/>
+                </a:solidFill>
+                <a:latin typeface="+mn-lt"/>
+                <a:ea typeface="+mn-ea"/>
+                <a:cs typeface="+mn-cs"/>
+              </a:defRPr>
+            </a:lvl7pPr>
+            <a:lvl8pPr marL="2200000" indent="-228600" algn="l" defTabSz="914400" rtl="0" eaLnBrk="1" latinLnBrk="0" hangingPunct="1">
+              <a:lnSpc>
+                <a:spcPct val="90000"/>
+              </a:lnSpc>
+              <a:spcBef>
+                <a:spcPts val="200"/>
+              </a:spcBef>
+              <a:spcAft>
+                <a:spcPts val="400"/>
+              </a:spcAft>
+              <a:buClr>
+                <a:schemeClr val="accent1"/>
+              </a:buClr>
+              <a:buSzPct val="80000"/>
+              <a:buFont typeface="Corbel" pitchFamily="34" charset="0"/>
+              <a:buChar char="•"/>
+              <a:defRPr sz="1600" kern="1200">
+                <a:solidFill>
+                  <a:schemeClr val="accent1"/>
+                </a:solidFill>
+                <a:latin typeface="+mn-lt"/>
+                <a:ea typeface="+mn-ea"/>
+                <a:cs typeface="+mn-cs"/>
+              </a:defRPr>
+            </a:lvl8pPr>
+            <a:lvl9pPr marL="2500000" indent="-228600" algn="l" defTabSz="914400" rtl="0" eaLnBrk="1" latinLnBrk="0" hangingPunct="1">
+              <a:lnSpc>
+                <a:spcPct val="90000"/>
+              </a:lnSpc>
+              <a:spcBef>
+                <a:spcPts val="200"/>
+              </a:spcBef>
+              <a:spcAft>
+                <a:spcPts val="400"/>
+              </a:spcAft>
+              <a:buClr>
+                <a:schemeClr val="accent1"/>
+              </a:buClr>
+              <a:buSzPct val="80000"/>
+              <a:buFont typeface="Corbel" pitchFamily="34" charset="0"/>
+              <a:buChar char="•"/>
+              <a:defRPr sz="1600" kern="1200">
+                <a:solidFill>
+                  <a:schemeClr val="accent1"/>
+                </a:solidFill>
+                <a:latin typeface="+mn-lt"/>
+                <a:ea typeface="+mn-ea"/>
+                <a:cs typeface="+mn-cs"/>
+              </a:defRPr>
+            </a:lvl9pPr>
+          </a:lstStyle>
+          <a:p>
+            <a:pPr marL="45720" indent="0">
+              <a:buFont typeface="Corbel" pitchFamily="34" charset="0"/>
+              <a:buNone/>
+            </a:pPr>
+            <a:r>
+              <a:rPr lang="de-CH" dirty="0"/>
+              <a:t>Was ist </a:t>
+            </a:r>
+            <a:r>
+              <a:rPr lang="de-CH" dirty="0" err="1"/>
+              <a:t>Laravel</a:t>
+            </a:r>
+            <a:endParaRPr lang="de-CH" dirty="0"/>
+          </a:p>
+          <a:p>
+            <a:pPr marL="45720" indent="0">
+              <a:buFont typeface="Corbel" pitchFamily="34" charset="0"/>
+              <a:buNone/>
+            </a:pPr>
+            <a:r>
+              <a:rPr lang="de-CH" dirty="0"/>
+              <a:t>Ist ein PHP Framework</a:t>
+            </a:r>
+          </a:p>
+        </p:txBody>
+      </p:sp>
+      <p:sp>
+        <p:nvSpPr>
+          <p:cNvPr id="5" name="Content Placeholder 2">
+            <a:extLst>
+              <a:ext uri="{FF2B5EF4-FFF2-40B4-BE49-F238E27FC236}">
+                <a16:creationId xmlns:a16="http://schemas.microsoft.com/office/drawing/2014/main" id="{936F485E-6C87-4BEA-887D-2B4DF6CE968D}"/>
+              </a:ext>
+            </a:extLst>
+          </p:cNvPr>
+          <p:cNvSpPr txBox="1">
+            <a:spLocks/>
+          </p:cNvSpPr>
+          <p:nvPr/>
+        </p:nvSpPr>
+        <p:spPr>
+          <a:xfrm>
+            <a:off x="1282084" y="3672509"/>
+            <a:ext cx="4529831" cy="2187237"/>
+          </a:xfrm>
+          <a:prstGeom prst="rect">
+            <a:avLst/>
+          </a:prstGeom>
+        </p:spPr>
+        <p:txBody>
+          <a:bodyPr vert="horz" lIns="91440" tIns="45720" rIns="91440" bIns="45720" rtlCol="0">
+            <a:normAutofit/>
+          </a:bodyPr>
+          <a:lstStyle>
+            <a:lvl1pPr marL="228600" indent="-182880" algn="l" defTabSz="914400" rtl="0" eaLnBrk="1" latinLnBrk="0" hangingPunct="1">
+              <a:lnSpc>
+                <a:spcPct val="90000"/>
+              </a:lnSpc>
+              <a:spcBef>
+                <a:spcPts val="1400"/>
+              </a:spcBef>
+              <a:buClr>
+                <a:schemeClr val="accent1"/>
+              </a:buClr>
+              <a:buSzPct val="80000"/>
+              <a:buFont typeface="Corbel" pitchFamily="34" charset="0"/>
+              <a:buChar char="•"/>
+              <a:defRPr sz="2200" kern="1200">
+                <a:solidFill>
+                  <a:schemeClr val="accent1"/>
+                </a:solidFill>
+                <a:latin typeface="+mn-lt"/>
+                <a:ea typeface="+mn-ea"/>
+                <a:cs typeface="+mn-cs"/>
+              </a:defRPr>
+            </a:lvl1pPr>
+            <a:lvl2pPr marL="457200" indent="-182880" algn="l" defTabSz="914400" rtl="0" eaLnBrk="1" latinLnBrk="0" hangingPunct="1">
+              <a:lnSpc>
+                <a:spcPct val="90000"/>
+              </a:lnSpc>
+              <a:spcBef>
+                <a:spcPts val="200"/>
+              </a:spcBef>
+              <a:spcAft>
+                <a:spcPts val="400"/>
+              </a:spcAft>
+              <a:buClr>
+                <a:schemeClr val="accent1"/>
+              </a:buClr>
+              <a:buSzPct val="80000"/>
+              <a:buFont typeface="Corbel" pitchFamily="34" charset="0"/>
+              <a:buChar char="•"/>
+              <a:defRPr sz="2000" kern="1200">
+                <a:solidFill>
+                  <a:schemeClr val="accent1"/>
+                </a:solidFill>
+                <a:latin typeface="+mn-lt"/>
+                <a:ea typeface="+mn-ea"/>
+                <a:cs typeface="+mn-cs"/>
+              </a:defRPr>
+            </a:lvl2pPr>
+            <a:lvl3pPr marL="731520" indent="-182880" algn="l" defTabSz="914400" rtl="0" eaLnBrk="1" latinLnBrk="0" hangingPunct="1">
+              <a:lnSpc>
+                <a:spcPct val="90000"/>
+              </a:lnSpc>
+              <a:spcBef>
+                <a:spcPts val="200"/>
+              </a:spcBef>
+              <a:spcAft>
+                <a:spcPts val="400"/>
+              </a:spcAft>
+              <a:buClr>
+                <a:schemeClr val="accent1"/>
+              </a:buClr>
+              <a:buSzPct val="80000"/>
+              <a:buFont typeface="Corbel" pitchFamily="34" charset="0"/>
+              <a:buChar char="•"/>
+              <a:defRPr sz="1800" kern="1200">
+                <a:solidFill>
+                  <a:schemeClr val="accent1"/>
+                </a:solidFill>
+                <a:latin typeface="+mn-lt"/>
+                <a:ea typeface="+mn-ea"/>
+                <a:cs typeface="+mn-cs"/>
+              </a:defRPr>
+            </a:lvl3pPr>
+            <a:lvl4pPr marL="1005840" indent="-182880" algn="l" defTabSz="914400" rtl="0" eaLnBrk="1" latinLnBrk="0" hangingPunct="1">
+              <a:lnSpc>
+                <a:spcPct val="90000"/>
+              </a:lnSpc>
+              <a:spcBef>
+                <a:spcPts val="200"/>
+              </a:spcBef>
+              <a:spcAft>
+                <a:spcPts val="400"/>
+              </a:spcAft>
+              <a:buClr>
+                <a:schemeClr val="accent1"/>
+              </a:buClr>
+              <a:buSzPct val="80000"/>
+              <a:buFont typeface="Corbel" pitchFamily="34" charset="0"/>
+              <a:buChar char="•"/>
+              <a:defRPr sz="1600" kern="1200">
+                <a:solidFill>
+                  <a:schemeClr val="accent1"/>
+                </a:solidFill>
+                <a:latin typeface="+mn-lt"/>
+                <a:ea typeface="+mn-ea"/>
+                <a:cs typeface="+mn-cs"/>
+              </a:defRPr>
+            </a:lvl4pPr>
+            <a:lvl5pPr marL="1280160" indent="-182880" algn="l" defTabSz="914400" rtl="0" eaLnBrk="1" latinLnBrk="0" hangingPunct="1">
+              <a:lnSpc>
+                <a:spcPct val="90000"/>
+              </a:lnSpc>
+              <a:spcBef>
+                <a:spcPts val="200"/>
+              </a:spcBef>
+              <a:spcAft>
+                <a:spcPts val="400"/>
+              </a:spcAft>
+              <a:buClr>
+                <a:schemeClr val="accent1"/>
+              </a:buClr>
+              <a:buSzPct val="80000"/>
+              <a:buFont typeface="Corbel" pitchFamily="34" charset="0"/>
+              <a:buChar char="•"/>
+              <a:defRPr sz="1600" kern="1200">
+                <a:solidFill>
+                  <a:schemeClr val="accent1"/>
+                </a:solidFill>
+                <a:latin typeface="+mn-lt"/>
+                <a:ea typeface="+mn-ea"/>
+                <a:cs typeface="+mn-cs"/>
+              </a:defRPr>
+            </a:lvl5pPr>
+            <a:lvl6pPr marL="1600000" indent="-228600" algn="l" defTabSz="914400" rtl="0" eaLnBrk="1" latinLnBrk="0" hangingPunct="1">
+              <a:lnSpc>
+                <a:spcPct val="90000"/>
+              </a:lnSpc>
+              <a:spcBef>
+                <a:spcPts val="200"/>
+              </a:spcBef>
+              <a:spcAft>
+                <a:spcPts val="400"/>
+              </a:spcAft>
+              <a:buClr>
+                <a:schemeClr val="accent1"/>
+              </a:buClr>
+              <a:buSzPct val="80000"/>
+              <a:buFont typeface="Corbel" pitchFamily="34" charset="0"/>
+              <a:buChar char="•"/>
+              <a:defRPr sz="1600" kern="1200">
+                <a:solidFill>
+                  <a:schemeClr val="accent1"/>
+                </a:solidFill>
+                <a:latin typeface="+mn-lt"/>
+                <a:ea typeface="+mn-ea"/>
+                <a:cs typeface="+mn-cs"/>
+              </a:defRPr>
+            </a:lvl6pPr>
+            <a:lvl7pPr marL="1900000" indent="-228600" algn="l" defTabSz="914400" rtl="0" eaLnBrk="1" latinLnBrk="0" hangingPunct="1">
+              <a:lnSpc>
+                <a:spcPct val="90000"/>
+              </a:lnSpc>
+              <a:spcBef>
+                <a:spcPts val="200"/>
+              </a:spcBef>
+              <a:spcAft>
+                <a:spcPts val="400"/>
+              </a:spcAft>
+              <a:buClr>
+                <a:schemeClr val="accent1"/>
+              </a:buClr>
+              <a:buSzPct val="80000"/>
+              <a:buFont typeface="Corbel" pitchFamily="34" charset="0"/>
+              <a:buChar char="•"/>
+              <a:defRPr sz="1600" kern="1200">
+                <a:solidFill>
+                  <a:schemeClr val="accent1"/>
+                </a:solidFill>
+                <a:latin typeface="+mn-lt"/>
+                <a:ea typeface="+mn-ea"/>
+                <a:cs typeface="+mn-cs"/>
+              </a:defRPr>
+            </a:lvl7pPr>
+            <a:lvl8pPr marL="2200000" indent="-228600" algn="l" defTabSz="914400" rtl="0" eaLnBrk="1" latinLnBrk="0" hangingPunct="1">
+              <a:lnSpc>
+                <a:spcPct val="90000"/>
+              </a:lnSpc>
+              <a:spcBef>
+                <a:spcPts val="200"/>
+              </a:spcBef>
+              <a:spcAft>
+                <a:spcPts val="400"/>
+              </a:spcAft>
+              <a:buClr>
+                <a:schemeClr val="accent1"/>
+              </a:buClr>
+              <a:buSzPct val="80000"/>
+              <a:buFont typeface="Corbel" pitchFamily="34" charset="0"/>
+              <a:buChar char="•"/>
+              <a:defRPr sz="1600" kern="1200">
+                <a:solidFill>
+                  <a:schemeClr val="accent1"/>
+                </a:solidFill>
+                <a:latin typeface="+mn-lt"/>
+                <a:ea typeface="+mn-ea"/>
+                <a:cs typeface="+mn-cs"/>
+              </a:defRPr>
+            </a:lvl8pPr>
+            <a:lvl9pPr marL="2500000" indent="-228600" algn="l" defTabSz="914400" rtl="0" eaLnBrk="1" latinLnBrk="0" hangingPunct="1">
+              <a:lnSpc>
+                <a:spcPct val="90000"/>
+              </a:lnSpc>
+              <a:spcBef>
+                <a:spcPts val="200"/>
+              </a:spcBef>
+              <a:spcAft>
+                <a:spcPts val="400"/>
+              </a:spcAft>
+              <a:buClr>
+                <a:schemeClr val="accent1"/>
+              </a:buClr>
+              <a:buSzPct val="80000"/>
+              <a:buFont typeface="Corbel" pitchFamily="34" charset="0"/>
+              <a:buChar char="•"/>
+              <a:defRPr sz="1600" kern="1200">
+                <a:solidFill>
+                  <a:schemeClr val="accent1"/>
+                </a:solidFill>
+                <a:latin typeface="+mn-lt"/>
+                <a:ea typeface="+mn-ea"/>
+                <a:cs typeface="+mn-cs"/>
+              </a:defRPr>
+            </a:lvl9pPr>
+          </a:lstStyle>
+          <a:p>
+            <a:pPr marL="45720" indent="0">
+              <a:buFont typeface="Corbel" pitchFamily="34" charset="0"/>
+              <a:buNone/>
+            </a:pPr>
+            <a:r>
+              <a:rPr lang="de-CH" dirty="0"/>
+              <a:t>Stärken von </a:t>
+            </a:r>
+            <a:r>
+              <a:rPr lang="de-CH" dirty="0" err="1"/>
+              <a:t>Laravel</a:t>
+            </a:r>
+            <a:endParaRPr lang="de-CH" dirty="0"/>
+          </a:p>
+          <a:p>
+            <a:r>
+              <a:rPr lang="de-CH" dirty="0"/>
+              <a:t>Gute Dokumentationen</a:t>
+            </a:r>
+          </a:p>
+          <a:p>
+            <a:r>
+              <a:rPr lang="de-CH" dirty="0"/>
+              <a:t>Die Community ist sehr gross</a:t>
+            </a:r>
+          </a:p>
+          <a:p>
+            <a:r>
+              <a:rPr lang="de-CH" dirty="0"/>
+              <a:t>Open-Source</a:t>
+            </a:r>
+          </a:p>
+        </p:txBody>
+      </p:sp>
+      <p:sp>
+        <p:nvSpPr>
+          <p:cNvPr id="6" name="Content Placeholder 2">
+            <a:extLst>
+              <a:ext uri="{FF2B5EF4-FFF2-40B4-BE49-F238E27FC236}">
+                <a16:creationId xmlns:a16="http://schemas.microsoft.com/office/drawing/2014/main" id="{7AF34D89-2BEF-4376-995A-C82717D2C67B}"/>
+              </a:ext>
+            </a:extLst>
+          </p:cNvPr>
+          <p:cNvSpPr txBox="1">
+            <a:spLocks/>
+          </p:cNvSpPr>
+          <p:nvPr/>
+        </p:nvSpPr>
+        <p:spPr>
+          <a:xfrm>
+            <a:off x="5811915" y="3672509"/>
+            <a:ext cx="4799860" cy="2187237"/>
+          </a:xfrm>
+          <a:prstGeom prst="rect">
+            <a:avLst/>
+          </a:prstGeom>
+        </p:spPr>
+        <p:txBody>
+          <a:bodyPr vert="horz" lIns="91440" tIns="45720" rIns="91440" bIns="45720" rtlCol="0">
+            <a:normAutofit/>
+          </a:bodyPr>
+          <a:lstStyle>
+            <a:lvl1pPr marL="228600" indent="-182880" algn="l" defTabSz="914400" rtl="0" eaLnBrk="1" latinLnBrk="0" hangingPunct="1">
+              <a:lnSpc>
+                <a:spcPct val="90000"/>
+              </a:lnSpc>
+              <a:spcBef>
+                <a:spcPts val="1400"/>
+              </a:spcBef>
+              <a:buClr>
+                <a:schemeClr val="accent1"/>
+              </a:buClr>
+              <a:buSzPct val="80000"/>
+              <a:buFont typeface="Corbel" pitchFamily="34" charset="0"/>
+              <a:buChar char="•"/>
+              <a:defRPr sz="2200" kern="1200">
+                <a:solidFill>
+                  <a:schemeClr val="accent1"/>
+                </a:solidFill>
+                <a:latin typeface="+mn-lt"/>
+                <a:ea typeface="+mn-ea"/>
+                <a:cs typeface="+mn-cs"/>
+              </a:defRPr>
+            </a:lvl1pPr>
+            <a:lvl2pPr marL="457200" indent="-182880" algn="l" defTabSz="914400" rtl="0" eaLnBrk="1" latinLnBrk="0" hangingPunct="1">
+              <a:lnSpc>
+                <a:spcPct val="90000"/>
+              </a:lnSpc>
+              <a:spcBef>
+                <a:spcPts val="200"/>
+              </a:spcBef>
+              <a:spcAft>
+                <a:spcPts val="400"/>
+              </a:spcAft>
+              <a:buClr>
+                <a:schemeClr val="accent1"/>
+              </a:buClr>
+              <a:buSzPct val="80000"/>
+              <a:buFont typeface="Corbel" pitchFamily="34" charset="0"/>
+              <a:buChar char="•"/>
+              <a:defRPr sz="2000" kern="1200">
+                <a:solidFill>
+                  <a:schemeClr val="accent1"/>
+                </a:solidFill>
+                <a:latin typeface="+mn-lt"/>
+                <a:ea typeface="+mn-ea"/>
+                <a:cs typeface="+mn-cs"/>
+              </a:defRPr>
+            </a:lvl2pPr>
+            <a:lvl3pPr marL="731520" indent="-182880" algn="l" defTabSz="914400" rtl="0" eaLnBrk="1" latinLnBrk="0" hangingPunct="1">
+              <a:lnSpc>
+                <a:spcPct val="90000"/>
+              </a:lnSpc>
+              <a:spcBef>
+                <a:spcPts val="200"/>
+              </a:spcBef>
+              <a:spcAft>
+                <a:spcPts val="400"/>
+              </a:spcAft>
+              <a:buClr>
+                <a:schemeClr val="accent1"/>
+              </a:buClr>
+              <a:buSzPct val="80000"/>
+              <a:buFont typeface="Corbel" pitchFamily="34" charset="0"/>
+              <a:buChar char="•"/>
+              <a:defRPr sz="1800" kern="1200">
+                <a:solidFill>
+                  <a:schemeClr val="accent1"/>
+                </a:solidFill>
+                <a:latin typeface="+mn-lt"/>
+                <a:ea typeface="+mn-ea"/>
+                <a:cs typeface="+mn-cs"/>
+              </a:defRPr>
+            </a:lvl3pPr>
+            <a:lvl4pPr marL="1005840" indent="-182880" algn="l" defTabSz="914400" rtl="0" eaLnBrk="1" latinLnBrk="0" hangingPunct="1">
+              <a:lnSpc>
+                <a:spcPct val="90000"/>
+              </a:lnSpc>
+              <a:spcBef>
+                <a:spcPts val="200"/>
+              </a:spcBef>
+              <a:spcAft>
+                <a:spcPts val="400"/>
+              </a:spcAft>
+              <a:buClr>
+                <a:schemeClr val="accent1"/>
+              </a:buClr>
+              <a:buSzPct val="80000"/>
+              <a:buFont typeface="Corbel" pitchFamily="34" charset="0"/>
+              <a:buChar char="•"/>
+              <a:defRPr sz="1600" kern="1200">
+                <a:solidFill>
+                  <a:schemeClr val="accent1"/>
+                </a:solidFill>
+                <a:latin typeface="+mn-lt"/>
+                <a:ea typeface="+mn-ea"/>
+                <a:cs typeface="+mn-cs"/>
+              </a:defRPr>
+            </a:lvl4pPr>
+            <a:lvl5pPr marL="1280160" indent="-182880" algn="l" defTabSz="914400" rtl="0" eaLnBrk="1" latinLnBrk="0" hangingPunct="1">
+              <a:lnSpc>
+                <a:spcPct val="90000"/>
+              </a:lnSpc>
+              <a:spcBef>
+                <a:spcPts val="200"/>
+              </a:spcBef>
+              <a:spcAft>
+                <a:spcPts val="400"/>
+              </a:spcAft>
+              <a:buClr>
+                <a:schemeClr val="accent1"/>
+              </a:buClr>
+              <a:buSzPct val="80000"/>
+              <a:buFont typeface="Corbel" pitchFamily="34" charset="0"/>
+              <a:buChar char="•"/>
+              <a:defRPr sz="1600" kern="1200">
+                <a:solidFill>
+                  <a:schemeClr val="accent1"/>
+                </a:solidFill>
+                <a:latin typeface="+mn-lt"/>
+                <a:ea typeface="+mn-ea"/>
+                <a:cs typeface="+mn-cs"/>
+              </a:defRPr>
+            </a:lvl5pPr>
+            <a:lvl6pPr marL="1600000" indent="-228600" algn="l" defTabSz="914400" rtl="0" eaLnBrk="1" latinLnBrk="0" hangingPunct="1">
+              <a:lnSpc>
+                <a:spcPct val="90000"/>
+              </a:lnSpc>
+              <a:spcBef>
+                <a:spcPts val="200"/>
+              </a:spcBef>
+              <a:spcAft>
+                <a:spcPts val="400"/>
+              </a:spcAft>
+              <a:buClr>
+                <a:schemeClr val="accent1"/>
+              </a:buClr>
+              <a:buSzPct val="80000"/>
+              <a:buFont typeface="Corbel" pitchFamily="34" charset="0"/>
+              <a:buChar char="•"/>
+              <a:defRPr sz="1600" kern="1200">
+                <a:solidFill>
+                  <a:schemeClr val="accent1"/>
+                </a:solidFill>
+                <a:latin typeface="+mn-lt"/>
+                <a:ea typeface="+mn-ea"/>
+                <a:cs typeface="+mn-cs"/>
+              </a:defRPr>
+            </a:lvl6pPr>
+            <a:lvl7pPr marL="1900000" indent="-228600" algn="l" defTabSz="914400" rtl="0" eaLnBrk="1" latinLnBrk="0" hangingPunct="1">
+              <a:lnSpc>
+                <a:spcPct val="90000"/>
+              </a:lnSpc>
+              <a:spcBef>
+                <a:spcPts val="200"/>
+              </a:spcBef>
+              <a:spcAft>
+                <a:spcPts val="400"/>
+              </a:spcAft>
+              <a:buClr>
+                <a:schemeClr val="accent1"/>
+              </a:buClr>
+              <a:buSzPct val="80000"/>
+              <a:buFont typeface="Corbel" pitchFamily="34" charset="0"/>
+              <a:buChar char="•"/>
+              <a:defRPr sz="1600" kern="1200">
+                <a:solidFill>
+                  <a:schemeClr val="accent1"/>
+                </a:solidFill>
+                <a:latin typeface="+mn-lt"/>
+                <a:ea typeface="+mn-ea"/>
+                <a:cs typeface="+mn-cs"/>
+              </a:defRPr>
+            </a:lvl7pPr>
+            <a:lvl8pPr marL="2200000" indent="-228600" algn="l" defTabSz="914400" rtl="0" eaLnBrk="1" latinLnBrk="0" hangingPunct="1">
+              <a:lnSpc>
+                <a:spcPct val="90000"/>
+              </a:lnSpc>
+              <a:spcBef>
+                <a:spcPts val="200"/>
+              </a:spcBef>
+              <a:spcAft>
+                <a:spcPts val="400"/>
+              </a:spcAft>
+              <a:buClr>
+                <a:schemeClr val="accent1"/>
+              </a:buClr>
+              <a:buSzPct val="80000"/>
+              <a:buFont typeface="Corbel" pitchFamily="34" charset="0"/>
+              <a:buChar char="•"/>
+              <a:defRPr sz="1600" kern="1200">
+                <a:solidFill>
+                  <a:schemeClr val="accent1"/>
+                </a:solidFill>
+                <a:latin typeface="+mn-lt"/>
+                <a:ea typeface="+mn-ea"/>
+                <a:cs typeface="+mn-cs"/>
+              </a:defRPr>
+            </a:lvl8pPr>
+            <a:lvl9pPr marL="2500000" indent="-228600" algn="l" defTabSz="914400" rtl="0" eaLnBrk="1" latinLnBrk="0" hangingPunct="1">
+              <a:lnSpc>
+                <a:spcPct val="90000"/>
+              </a:lnSpc>
+              <a:spcBef>
+                <a:spcPts val="200"/>
+              </a:spcBef>
+              <a:spcAft>
+                <a:spcPts val="400"/>
+              </a:spcAft>
+              <a:buClr>
+                <a:schemeClr val="accent1"/>
+              </a:buClr>
+              <a:buSzPct val="80000"/>
+              <a:buFont typeface="Corbel" pitchFamily="34" charset="0"/>
+              <a:buChar char="•"/>
+              <a:defRPr sz="1600" kern="1200">
+                <a:solidFill>
+                  <a:schemeClr val="accent1"/>
+                </a:solidFill>
+                <a:latin typeface="+mn-lt"/>
+                <a:ea typeface="+mn-ea"/>
+                <a:cs typeface="+mn-cs"/>
+              </a:defRPr>
+            </a:lvl9pPr>
+          </a:lstStyle>
+          <a:p>
+            <a:pPr marL="45720" indent="0">
+              <a:buFont typeface="Corbel" pitchFamily="34" charset="0"/>
+              <a:buNone/>
+            </a:pPr>
+            <a:r>
+              <a:rPr lang="de-CH" dirty="0"/>
+              <a:t>Schwächen von </a:t>
+            </a:r>
+            <a:r>
+              <a:rPr lang="de-CH" dirty="0" err="1"/>
+              <a:t>Laravel</a:t>
+            </a:r>
+            <a:endParaRPr lang="de-CH" dirty="0"/>
+          </a:p>
+          <a:p>
+            <a:r>
+              <a:rPr lang="de-CH" dirty="0"/>
+              <a:t>Leistungsdefizit</a:t>
+            </a:r>
+          </a:p>
+          <a:p>
+            <a:r>
+              <a:rPr lang="de-CH" dirty="0"/>
+              <a:t>Eignet sich weniger für grosse Projekte</a:t>
+            </a:r>
+          </a:p>
+        </p:txBody>
+      </p:sp>
+      <p:sp>
+        <p:nvSpPr>
+          <p:cNvPr id="7" name="Content Placeholder 2">
+            <a:extLst>
+              <a:ext uri="{FF2B5EF4-FFF2-40B4-BE49-F238E27FC236}">
+                <a16:creationId xmlns:a16="http://schemas.microsoft.com/office/drawing/2014/main" id="{5AD9152E-1B72-4649-837A-5C72F5C0A0D0}"/>
               </a:ext>
             </a:extLst>
           </p:cNvPr>
@@ -6769,30 +10265,25 @@
             <p:ph idx="1"/>
           </p:nvPr>
         </p:nvSpPr>
-        <p:spPr/>
+        <p:spPr>
+          <a:xfrm>
+            <a:off x="5811915" y="2029694"/>
+            <a:ext cx="6838024" cy="385698"/>
+          </a:xfrm>
+        </p:spPr>
         <p:txBody>
-          <a:bodyPr/>
+          <a:bodyPr>
+            <a:normAutofit lnSpcReduction="10000"/>
+          </a:bodyPr>
           <a:lstStyle/>
           <a:p>
+            <a:pPr marL="45720" indent="0">
+              <a:buNone/>
+            </a:pPr>
             <a:r>
               <a:rPr lang="de-CH" dirty="0"/>
-              <a:t>Kompliziert</a:t>
-            </a:r>
-          </a:p>
-          <a:p>
-            <a:r>
-              <a:rPr lang="de-CH" dirty="0"/>
-              <a:t>Hatte viele Probleme mit dem Erstellen des Projektes</a:t>
-            </a:r>
-          </a:p>
-          <a:p>
-            <a:r>
-              <a:rPr lang="de-CH" dirty="0"/>
-              <a:t>Keine Erfahrung</a:t>
-            </a:r>
-          </a:p>
-          <a:p>
-            <a:endParaRPr lang="de-CH" dirty="0"/>
+              <a:t>Vorkenntnisse : keine</a:t>
+            </a:r>
           </a:p>
         </p:txBody>
       </p:sp>
@@ -6806,6 +10297,452 @@
   <p:clrMapOvr>
     <a:masterClrMapping/>
   </p:clrMapOvr>
+</p:sld>
+</file>
+
+<file path=ppt/slides/slide8.xml><?xml version="1.0" encoding="utf-8"?>
+<p:sld xmlns:a="http://schemas.openxmlformats.org/drawingml/2006/main" xmlns:r="http://schemas.openxmlformats.org/officeDocument/2006/relationships" xmlns:p="http://schemas.openxmlformats.org/presentationml/2006/main">
+  <p:cSld>
+    <p:spTree>
+      <p:nvGrpSpPr>
+        <p:cNvPr id="1" name=""/>
+        <p:cNvGrpSpPr/>
+        <p:nvPr/>
+      </p:nvGrpSpPr>
+      <p:grpSpPr>
+        <a:xfrm>
+          <a:off x="0" y="0"/>
+          <a:ext cx="0" cy="0"/>
+          <a:chOff x="0" y="0"/>
+          <a:chExt cx="0" cy="0"/>
+        </a:xfrm>
+      </p:grpSpPr>
+      <p:sp>
+        <p:nvSpPr>
+          <p:cNvPr id="2" name="Titel 1">
+            <a:extLst>
+              <a:ext uri="{FF2B5EF4-FFF2-40B4-BE49-F238E27FC236}">
+                <a16:creationId xmlns:a16="http://schemas.microsoft.com/office/drawing/2014/main" id="{A74C6079-FCB2-4D69-B75B-4C8B71F8F03C}"/>
+              </a:ext>
+            </a:extLst>
+          </p:cNvPr>
+          <p:cNvSpPr>
+            <a:spLocks noGrp="1"/>
+          </p:cNvSpPr>
+          <p:nvPr>
+            <p:ph type="title"/>
+          </p:nvPr>
+        </p:nvSpPr>
+        <p:spPr>
+          <a:xfrm>
+            <a:off x="1391572" y="804908"/>
+            <a:ext cx="3162672" cy="1117483"/>
+          </a:xfrm>
+        </p:spPr>
+        <p:txBody>
+          <a:bodyPr>
+            <a:normAutofit/>
+          </a:bodyPr>
+          <a:lstStyle/>
+          <a:p>
+            <a:r>
+              <a:rPr lang="de-CH" dirty="0"/>
+              <a:t>Datenbank</a:t>
+            </a:r>
+          </a:p>
+        </p:txBody>
+      </p:sp>
+      <p:pic>
+        <p:nvPicPr>
+          <p:cNvPr id="1028" name="Picture 4" descr="MySQL: Definition und Erklärung | Marketing-Lexikon">
+            <a:extLst>
+              <a:ext uri="{FF2B5EF4-FFF2-40B4-BE49-F238E27FC236}">
+                <a16:creationId xmlns:a16="http://schemas.microsoft.com/office/drawing/2014/main" id="{E58E40DD-9FBE-48FA-8AEF-6D6182428DE6}"/>
+              </a:ext>
+            </a:extLst>
+          </p:cNvPr>
+          <p:cNvPicPr>
+            <a:picLocks noChangeAspect="1" noChangeArrowheads="1"/>
+          </p:cNvPicPr>
+          <p:nvPr/>
+        </p:nvPicPr>
+        <p:blipFill>
+          <a:blip r:embed="rId2">
+            <a:extLst>
+              <a:ext uri="{28A0092B-C50C-407E-A947-70E740481C1C}">
+                <a14:useLocalDpi xmlns:a14="http://schemas.microsoft.com/office/drawing/2010/main" val="0"/>
+              </a:ext>
+            </a:extLst>
+          </a:blip>
+          <a:srcRect/>
+          <a:stretch>
+            <a:fillRect/>
+          </a:stretch>
+        </p:blipFill>
+        <p:spPr bwMode="auto">
+          <a:xfrm>
+            <a:off x="1767860" y="2190593"/>
+            <a:ext cx="2360257" cy="1238407"/>
+          </a:xfrm>
+          <a:prstGeom prst="rect">
+            <a:avLst/>
+          </a:prstGeom>
+          <a:noFill/>
+          <a:extLst>
+            <a:ext uri="{909E8E84-426E-40DD-AFC4-6F175D3DCCD1}">
+              <a14:hiddenFill xmlns:a14="http://schemas.microsoft.com/office/drawing/2010/main">
+                <a:solidFill>
+                  <a:srgbClr val="FFFFFF"/>
+                </a:solidFill>
+              </a14:hiddenFill>
+            </a:ext>
+          </a:extLst>
+        </p:spPr>
+      </p:pic>
+      <p:pic>
+        <p:nvPicPr>
+          <p:cNvPr id="1030" name="Picture 6" descr="Redis - Wikipedia">
+            <a:extLst>
+              <a:ext uri="{FF2B5EF4-FFF2-40B4-BE49-F238E27FC236}">
+                <a16:creationId xmlns:a16="http://schemas.microsoft.com/office/drawing/2014/main" id="{8C3523F2-BAB4-4C54-8572-918AE86597AE}"/>
+              </a:ext>
+            </a:extLst>
+          </p:cNvPr>
+          <p:cNvPicPr>
+            <a:picLocks noChangeAspect="1" noChangeArrowheads="1"/>
+          </p:cNvPicPr>
+          <p:nvPr/>
+        </p:nvPicPr>
+        <p:blipFill>
+          <a:blip r:embed="rId3">
+            <a:extLst>
+              <a:ext uri="{28A0092B-C50C-407E-A947-70E740481C1C}">
+                <a14:useLocalDpi xmlns:a14="http://schemas.microsoft.com/office/drawing/2010/main" val="0"/>
+              </a:ext>
+            </a:extLst>
+          </a:blip>
+          <a:srcRect/>
+          <a:stretch>
+            <a:fillRect/>
+          </a:stretch>
+        </p:blipFill>
+        <p:spPr bwMode="auto">
+          <a:xfrm>
+            <a:off x="5136335" y="2351005"/>
+            <a:ext cx="3225692" cy="1077995"/>
+          </a:xfrm>
+          <a:prstGeom prst="rect">
+            <a:avLst/>
+          </a:prstGeom>
+          <a:noFill/>
+          <a:extLst>
+            <a:ext uri="{909E8E84-426E-40DD-AFC4-6F175D3DCCD1}">
+              <a14:hiddenFill xmlns:a14="http://schemas.microsoft.com/office/drawing/2010/main">
+                <a:solidFill>
+                  <a:srgbClr val="FFFFFF"/>
+                </a:solidFill>
+              </a14:hiddenFill>
+            </a:ext>
+          </a:extLst>
+        </p:spPr>
+      </p:pic>
+      <p:sp>
+        <p:nvSpPr>
+          <p:cNvPr id="7" name="Rechteck 6">
+            <a:extLst>
+              <a:ext uri="{FF2B5EF4-FFF2-40B4-BE49-F238E27FC236}">
+                <a16:creationId xmlns:a16="http://schemas.microsoft.com/office/drawing/2014/main" id="{1DA1C8EA-7F81-473C-BCA2-D6A32D89D12D}"/>
+              </a:ext>
+            </a:extLst>
+          </p:cNvPr>
+          <p:cNvSpPr/>
+          <p:nvPr/>
+        </p:nvSpPr>
+        <p:spPr>
+          <a:xfrm>
+            <a:off x="1520168" y="2086253"/>
+            <a:ext cx="3162671" cy="1389274"/>
+          </a:xfrm>
+          <a:prstGeom prst="rect">
+            <a:avLst/>
+          </a:prstGeom>
+          <a:noFill/>
+          <a:ln>
+            <a:solidFill>
+              <a:schemeClr val="tx1"/>
+            </a:solidFill>
+          </a:ln>
+          <a:effectLst>
+            <a:glow rad="101600">
+              <a:schemeClr val="accent2">
+                <a:satMod val="175000"/>
+                <a:alpha val="40000"/>
+              </a:schemeClr>
+            </a:glow>
+          </a:effectLst>
+        </p:spPr>
+        <p:style>
+          <a:lnRef idx="2">
+            <a:schemeClr val="accent1">
+              <a:shade val="50000"/>
+            </a:schemeClr>
+          </a:lnRef>
+          <a:fillRef idx="1">
+            <a:schemeClr val="accent1"/>
+          </a:fillRef>
+          <a:effectRef idx="0">
+            <a:schemeClr val="accent1"/>
+          </a:effectRef>
+          <a:fontRef idx="minor">
+            <a:schemeClr val="lt1"/>
+          </a:fontRef>
+        </p:style>
+        <p:txBody>
+          <a:bodyPr rtlCol="0" anchor="ctr"/>
+          <a:lstStyle/>
+          <a:p>
+            <a:pPr algn="ctr"/>
+            <a:endParaRPr lang="de-CH"/>
+          </a:p>
+        </p:txBody>
+      </p:sp>
+      <p:pic>
+        <p:nvPicPr>
+          <p:cNvPr id="1032" name="Picture 8" descr="Oracle stellt neue Programme vor, die das Kauf- und Nutzungsverhalten von  Cloud-Kunden verändern">
+            <a:extLst>
+              <a:ext uri="{FF2B5EF4-FFF2-40B4-BE49-F238E27FC236}">
+                <a16:creationId xmlns:a16="http://schemas.microsoft.com/office/drawing/2014/main" id="{645DA592-2D18-4073-B528-9B747BA4FB88}"/>
+              </a:ext>
+            </a:extLst>
+          </p:cNvPr>
+          <p:cNvPicPr>
+            <a:picLocks noChangeAspect="1" noChangeArrowheads="1"/>
+          </p:cNvPicPr>
+          <p:nvPr/>
+        </p:nvPicPr>
+        <p:blipFill>
+          <a:blip r:embed="rId4">
+            <a:extLst>
+              <a:ext uri="{28A0092B-C50C-407E-A947-70E740481C1C}">
+                <a14:useLocalDpi xmlns:a14="http://schemas.microsoft.com/office/drawing/2010/main" val="0"/>
+              </a:ext>
+            </a:extLst>
+          </a:blip>
+          <a:srcRect/>
+          <a:stretch>
+            <a:fillRect/>
+          </a:stretch>
+        </p:blipFill>
+        <p:spPr bwMode="auto">
+          <a:xfrm>
+            <a:off x="318625" y="3533340"/>
+            <a:ext cx="3809492" cy="2003054"/>
+          </a:xfrm>
+          <a:prstGeom prst="rect">
+            <a:avLst/>
+          </a:prstGeom>
+          <a:noFill/>
+          <a:extLst>
+            <a:ext uri="{909E8E84-426E-40DD-AFC4-6F175D3DCCD1}">
+              <a14:hiddenFill xmlns:a14="http://schemas.microsoft.com/office/drawing/2010/main">
+                <a:solidFill>
+                  <a:srgbClr val="FFFFFF"/>
+                </a:solidFill>
+              </a14:hiddenFill>
+            </a:ext>
+          </a:extLst>
+        </p:spPr>
+      </p:pic>
+      <p:pic>
+        <p:nvPicPr>
+          <p:cNvPr id="1034" name="Picture 10" descr="SQLite – Wikipedia">
+            <a:extLst>
+              <a:ext uri="{FF2B5EF4-FFF2-40B4-BE49-F238E27FC236}">
+                <a16:creationId xmlns:a16="http://schemas.microsoft.com/office/drawing/2014/main" id="{AA6FB5B2-62D4-4B89-9C5C-83E880DEE436}"/>
+              </a:ext>
+            </a:extLst>
+          </p:cNvPr>
+          <p:cNvPicPr>
+            <a:picLocks noChangeAspect="1" noChangeArrowheads="1"/>
+          </p:cNvPicPr>
+          <p:nvPr/>
+        </p:nvPicPr>
+        <p:blipFill>
+          <a:blip r:embed="rId5">
+            <a:extLst>
+              <a:ext uri="{28A0092B-C50C-407E-A947-70E740481C1C}">
+                <a14:useLocalDpi xmlns:a14="http://schemas.microsoft.com/office/drawing/2010/main" val="0"/>
+              </a:ext>
+            </a:extLst>
+          </a:blip>
+          <a:srcRect/>
+          <a:stretch>
+            <a:fillRect/>
+          </a:stretch>
+        </p:blipFill>
+        <p:spPr bwMode="auto">
+          <a:xfrm>
+            <a:off x="4128117" y="4059304"/>
+            <a:ext cx="4877540" cy="2312767"/>
+          </a:xfrm>
+          <a:prstGeom prst="rect">
+            <a:avLst/>
+          </a:prstGeom>
+          <a:noFill/>
+          <a:extLst>
+            <a:ext uri="{909E8E84-426E-40DD-AFC4-6F175D3DCCD1}">
+              <a14:hiddenFill xmlns:a14="http://schemas.microsoft.com/office/drawing/2010/main">
+                <a:solidFill>
+                  <a:srgbClr val="FFFFFF"/>
+                </a:solidFill>
+              </a14:hiddenFill>
+            </a:ext>
+          </a:extLst>
+        </p:spPr>
+      </p:pic>
+      <p:pic>
+        <p:nvPicPr>
+          <p:cNvPr id="1036" name="Picture 12">
+            <a:extLst>
+              <a:ext uri="{FF2B5EF4-FFF2-40B4-BE49-F238E27FC236}">
+                <a16:creationId xmlns:a16="http://schemas.microsoft.com/office/drawing/2014/main" id="{C2BDF743-1724-4384-BE13-232B1C780F67}"/>
+              </a:ext>
+            </a:extLst>
+          </p:cNvPr>
+          <p:cNvPicPr>
+            <a:picLocks noChangeAspect="1" noChangeArrowheads="1"/>
+          </p:cNvPicPr>
+          <p:nvPr/>
+        </p:nvPicPr>
+        <p:blipFill>
+          <a:blip r:embed="rId6">
+            <a:extLst>
+              <a:ext uri="{28A0092B-C50C-407E-A947-70E740481C1C}">
+                <a14:useLocalDpi xmlns:a14="http://schemas.microsoft.com/office/drawing/2010/main" val="0"/>
+              </a:ext>
+            </a:extLst>
+          </a:blip>
+          <a:srcRect/>
+          <a:stretch>
+            <a:fillRect/>
+          </a:stretch>
+        </p:blipFill>
+        <p:spPr bwMode="auto">
+          <a:xfrm>
+            <a:off x="6897949" y="3412846"/>
+            <a:ext cx="4796901" cy="1292915"/>
+          </a:xfrm>
+          <a:prstGeom prst="rect">
+            <a:avLst/>
+          </a:prstGeom>
+          <a:noFill/>
+          <a:extLst>
+            <a:ext uri="{909E8E84-426E-40DD-AFC4-6F175D3DCCD1}">
+              <a14:hiddenFill xmlns:a14="http://schemas.microsoft.com/office/drawing/2010/main">
+                <a:solidFill>
+                  <a:srgbClr val="FFFFFF"/>
+                </a:solidFill>
+              </a14:hiddenFill>
+            </a:ext>
+          </a:extLst>
+        </p:spPr>
+      </p:pic>
+    </p:spTree>
+    <p:extLst>
+      <p:ext uri="{BB962C8B-B14F-4D97-AF65-F5344CB8AC3E}">
+        <p14:creationId xmlns:p14="http://schemas.microsoft.com/office/powerpoint/2010/main" val="10526833"/>
+      </p:ext>
+    </p:extLst>
+  </p:cSld>
+  <p:clrMapOvr>
+    <a:masterClrMapping/>
+  </p:clrMapOvr>
+  <p:timing>
+    <p:tnLst>
+      <p:par>
+        <p:cTn id="1" dur="indefinite" restart="never" nodeType="tmRoot">
+          <p:childTnLst>
+            <p:seq concurrent="1" nextAc="seek">
+              <p:cTn id="2" dur="indefinite" nodeType="mainSeq">
+                <p:childTnLst>
+                  <p:par>
+                    <p:cTn id="3" fill="hold">
+                      <p:stCondLst>
+                        <p:cond delay="indefinite"/>
+                      </p:stCondLst>
+                      <p:childTnLst>
+                        <p:par>
+                          <p:cTn id="4" fill="hold">
+                            <p:stCondLst>
+                              <p:cond delay="0"/>
+                            </p:stCondLst>
+                            <p:childTnLst>
+                              <p:par>
+                                <p:cTn id="5" presetID="10" presetClass="entr" presetSubtype="0" fill="hold" grpId="0" nodeType="clickEffect">
+                                  <p:stCondLst>
+                                    <p:cond delay="0"/>
+                                  </p:stCondLst>
+                                  <p:childTnLst>
+                                    <p:set>
+                                      <p:cBhvr>
+                                        <p:cTn id="6" dur="1" fill="hold">
+                                          <p:stCondLst>
+                                            <p:cond delay="0"/>
+                                          </p:stCondLst>
+                                        </p:cTn>
+                                        <p:tgtEl>
+                                          <p:spTgt spid="7"/>
+                                        </p:tgtEl>
+                                        <p:attrNameLst>
+                                          <p:attrName>style.visibility</p:attrName>
+                                        </p:attrNameLst>
+                                      </p:cBhvr>
+                                      <p:to>
+                                        <p:strVal val="visible"/>
+                                      </p:to>
+                                    </p:set>
+                                    <p:animEffect transition="in" filter="fade">
+                                      <p:cBhvr>
+                                        <p:cTn id="7" dur="500"/>
+                                        <p:tgtEl>
+                                          <p:spTgt spid="7"/>
+                                        </p:tgtEl>
+                                      </p:cBhvr>
+                                    </p:animEffect>
+                                  </p:childTnLst>
+                                </p:cTn>
+                              </p:par>
+                            </p:childTnLst>
+                          </p:cTn>
+                        </p:par>
+                      </p:childTnLst>
+                    </p:cTn>
+                  </p:par>
+                </p:childTnLst>
+              </p:cTn>
+              <p:prevCondLst>
+                <p:cond evt="onPrev" delay="0">
+                  <p:tgtEl>
+                    <p:sldTgt/>
+                  </p:tgtEl>
+                </p:cond>
+              </p:prevCondLst>
+              <p:nextCondLst>
+                <p:cond evt="onNext" delay="0">
+                  <p:tgtEl>
+                    <p:sldTgt/>
+                  </p:tgtEl>
+                </p:cond>
+              </p:nextCondLst>
+            </p:seq>
+          </p:childTnLst>
+        </p:cTn>
+      </p:par>
+    </p:tnLst>
+    <p:bldLst>
+      <p:bldP spid="7" grpId="0" animBg="1"/>
+    </p:bldLst>
+  </p:timing>
 </p:sld>
 </file>
 
@@ -6828,10 +10765,10 @@
       </p:grpSpPr>
       <p:sp>
         <p:nvSpPr>
-          <p:cNvPr id="2" name="Title 1">
+          <p:cNvPr id="2" name="Titel 1">
             <a:extLst>
               <a:ext uri="{FF2B5EF4-FFF2-40B4-BE49-F238E27FC236}">
-                <a16:creationId xmlns:a16="http://schemas.microsoft.com/office/drawing/2014/main" id="{93AB0AF2-07F6-59C7-D85B-A6AAC32B08ED}"/>
+                <a16:creationId xmlns:a16="http://schemas.microsoft.com/office/drawing/2014/main" id="{2770FCBF-AA2B-47EB-A595-CE38AC98192E}"/>
               </a:ext>
             </a:extLst>
           </p:cNvPr>
@@ -6842,67 +10779,1205 @@
             <p:ph type="title"/>
           </p:nvPr>
         </p:nvSpPr>
-        <p:spPr/>
+        <p:spPr>
+          <a:xfrm>
+            <a:off x="1498107" y="867052"/>
+            <a:ext cx="1973062" cy="1032769"/>
+          </a:xfrm>
+        </p:spPr>
         <p:txBody>
           <a:bodyPr/>
           <a:lstStyle/>
           <a:p>
             <a:r>
               <a:rPr lang="de-CH" dirty="0"/>
-              <a:t>Schwierigkeiten und</a:t>
+              <a:t>MySQL</a:t>
+            </a:r>
+          </a:p>
+        </p:txBody>
+      </p:sp>
+      <p:pic>
+        <p:nvPicPr>
+          <p:cNvPr id="4" name="Picture 4" descr="MySQL: Definition und Erklärung | Marketing-Lexikon">
+            <a:extLst>
+              <a:ext uri="{FF2B5EF4-FFF2-40B4-BE49-F238E27FC236}">
+                <a16:creationId xmlns:a16="http://schemas.microsoft.com/office/drawing/2014/main" id="{34B95301-CFFE-46B9-B081-327EEC721221}"/>
+              </a:ext>
+            </a:extLst>
+          </p:cNvPr>
+          <p:cNvPicPr>
+            <a:picLocks noGrp="1" noChangeAspect="1" noChangeArrowheads="1"/>
+          </p:cNvPicPr>
+          <p:nvPr>
+            <p:ph idx="1"/>
+          </p:nvPr>
+        </p:nvPicPr>
+        <p:blipFill>
+          <a:blip r:embed="rId2">
+            <a:extLst>
+              <a:ext uri="{28A0092B-C50C-407E-A947-70E740481C1C}">
+                <a14:useLocalDpi xmlns:a14="http://schemas.microsoft.com/office/drawing/2010/main" val="0"/>
+              </a:ext>
+            </a:extLst>
+          </a:blip>
+          <a:srcRect/>
+          <a:stretch>
+            <a:fillRect/>
+          </a:stretch>
+        </p:blipFill>
+        <p:spPr bwMode="auto">
+          <a:xfrm>
+            <a:off x="4396935" y="599209"/>
+            <a:ext cx="2989287" cy="1568453"/>
+          </a:xfrm>
+          <a:prstGeom prst="rect">
+            <a:avLst/>
+          </a:prstGeom>
+          <a:noFill/>
+          <a:extLst>
+            <a:ext uri="{909E8E84-426E-40DD-AFC4-6F175D3DCCD1}">
+              <a14:hiddenFill xmlns:a14="http://schemas.microsoft.com/office/drawing/2010/main">
+                <a:solidFill>
+                  <a:srgbClr val="FFFFFF"/>
+                </a:solidFill>
+              </a14:hiddenFill>
+            </a:ext>
+          </a:extLst>
+        </p:spPr>
+      </p:pic>
+      <p:pic>
+        <p:nvPicPr>
+          <p:cNvPr id="3074" name="Picture 2" descr="MySQL Workbench: NEW ADD-ON - The Devolutions Blog">
+            <a:extLst>
+              <a:ext uri="{FF2B5EF4-FFF2-40B4-BE49-F238E27FC236}">
+                <a16:creationId xmlns:a16="http://schemas.microsoft.com/office/drawing/2014/main" id="{0639C9E0-CFCB-4CD2-B751-9D14998F9DEC}"/>
+              </a:ext>
+            </a:extLst>
+          </p:cNvPr>
+          <p:cNvPicPr>
+            <a:picLocks noChangeAspect="1" noChangeArrowheads="1"/>
+          </p:cNvPicPr>
+          <p:nvPr/>
+        </p:nvPicPr>
+        <p:blipFill>
+          <a:blip r:embed="rId3">
+            <a:extLst>
+              <a:ext uri="{28A0092B-C50C-407E-A947-70E740481C1C}">
+                <a14:useLocalDpi xmlns:a14="http://schemas.microsoft.com/office/drawing/2010/main" val="0"/>
+              </a:ext>
+            </a:extLst>
+          </a:blip>
+          <a:srcRect/>
+          <a:stretch>
+            <a:fillRect/>
+          </a:stretch>
+        </p:blipFill>
+        <p:spPr bwMode="auto">
+          <a:xfrm>
+            <a:off x="8919099" y="496038"/>
+            <a:ext cx="1774794" cy="1774794"/>
+          </a:xfrm>
+          <a:prstGeom prst="rect">
+            <a:avLst/>
+          </a:prstGeom>
+          <a:noFill/>
+          <a:extLst>
+            <a:ext uri="{909E8E84-426E-40DD-AFC4-6F175D3DCCD1}">
+              <a14:hiddenFill xmlns:a14="http://schemas.microsoft.com/office/drawing/2010/main">
+                <a:solidFill>
+                  <a:srgbClr val="FFFFFF"/>
+                </a:solidFill>
+              </a14:hiddenFill>
+            </a:ext>
+          </a:extLst>
+        </p:spPr>
+      </p:pic>
+      <p:sp>
+        <p:nvSpPr>
+          <p:cNvPr id="7" name="Content Placeholder 2">
+            <a:extLst>
+              <a:ext uri="{FF2B5EF4-FFF2-40B4-BE49-F238E27FC236}">
+                <a16:creationId xmlns:a16="http://schemas.microsoft.com/office/drawing/2014/main" id="{FE2A37E0-DC9B-4F2F-870E-73C1519D217C}"/>
+              </a:ext>
+            </a:extLst>
+          </p:cNvPr>
+          <p:cNvSpPr txBox="1">
+            <a:spLocks/>
+          </p:cNvSpPr>
+          <p:nvPr/>
+        </p:nvSpPr>
+        <p:spPr>
+          <a:xfrm>
+            <a:off x="1069020" y="3960705"/>
+            <a:ext cx="5388006" cy="2187237"/>
+          </a:xfrm>
+          <a:prstGeom prst="rect">
+            <a:avLst/>
+          </a:prstGeom>
+        </p:spPr>
+        <p:txBody>
+          <a:bodyPr vert="horz" lIns="91440" tIns="45720" rIns="91440" bIns="45720" rtlCol="0">
+            <a:normAutofit/>
+          </a:bodyPr>
+          <a:lstStyle>
+            <a:lvl1pPr marL="228600" indent="-182880" algn="l" defTabSz="914400" rtl="0" eaLnBrk="1" latinLnBrk="0" hangingPunct="1">
+              <a:lnSpc>
+                <a:spcPct val="90000"/>
+              </a:lnSpc>
+              <a:spcBef>
+                <a:spcPts val="1400"/>
+              </a:spcBef>
+              <a:buClr>
+                <a:schemeClr val="accent1"/>
+              </a:buClr>
+              <a:buSzPct val="80000"/>
+              <a:buFont typeface="Corbel" pitchFamily="34" charset="0"/>
+              <a:buChar char="•"/>
+              <a:defRPr sz="2200" kern="1200">
+                <a:solidFill>
+                  <a:schemeClr val="accent1"/>
+                </a:solidFill>
+                <a:latin typeface="+mn-lt"/>
+                <a:ea typeface="+mn-ea"/>
+                <a:cs typeface="+mn-cs"/>
+              </a:defRPr>
+            </a:lvl1pPr>
+            <a:lvl2pPr marL="457200" indent="-182880" algn="l" defTabSz="914400" rtl="0" eaLnBrk="1" latinLnBrk="0" hangingPunct="1">
+              <a:lnSpc>
+                <a:spcPct val="90000"/>
+              </a:lnSpc>
+              <a:spcBef>
+                <a:spcPts val="200"/>
+              </a:spcBef>
+              <a:spcAft>
+                <a:spcPts val="400"/>
+              </a:spcAft>
+              <a:buClr>
+                <a:schemeClr val="accent1"/>
+              </a:buClr>
+              <a:buSzPct val="80000"/>
+              <a:buFont typeface="Corbel" pitchFamily="34" charset="0"/>
+              <a:buChar char="•"/>
+              <a:defRPr sz="2000" kern="1200">
+                <a:solidFill>
+                  <a:schemeClr val="accent1"/>
+                </a:solidFill>
+                <a:latin typeface="+mn-lt"/>
+                <a:ea typeface="+mn-ea"/>
+                <a:cs typeface="+mn-cs"/>
+              </a:defRPr>
+            </a:lvl2pPr>
+            <a:lvl3pPr marL="731520" indent="-182880" algn="l" defTabSz="914400" rtl="0" eaLnBrk="1" latinLnBrk="0" hangingPunct="1">
+              <a:lnSpc>
+                <a:spcPct val="90000"/>
+              </a:lnSpc>
+              <a:spcBef>
+                <a:spcPts val="200"/>
+              </a:spcBef>
+              <a:spcAft>
+                <a:spcPts val="400"/>
+              </a:spcAft>
+              <a:buClr>
+                <a:schemeClr val="accent1"/>
+              </a:buClr>
+              <a:buSzPct val="80000"/>
+              <a:buFont typeface="Corbel" pitchFamily="34" charset="0"/>
+              <a:buChar char="•"/>
+              <a:defRPr sz="1800" kern="1200">
+                <a:solidFill>
+                  <a:schemeClr val="accent1"/>
+                </a:solidFill>
+                <a:latin typeface="+mn-lt"/>
+                <a:ea typeface="+mn-ea"/>
+                <a:cs typeface="+mn-cs"/>
+              </a:defRPr>
+            </a:lvl3pPr>
+            <a:lvl4pPr marL="1005840" indent="-182880" algn="l" defTabSz="914400" rtl="0" eaLnBrk="1" latinLnBrk="0" hangingPunct="1">
+              <a:lnSpc>
+                <a:spcPct val="90000"/>
+              </a:lnSpc>
+              <a:spcBef>
+                <a:spcPts val="200"/>
+              </a:spcBef>
+              <a:spcAft>
+                <a:spcPts val="400"/>
+              </a:spcAft>
+              <a:buClr>
+                <a:schemeClr val="accent1"/>
+              </a:buClr>
+              <a:buSzPct val="80000"/>
+              <a:buFont typeface="Corbel" pitchFamily="34" charset="0"/>
+              <a:buChar char="•"/>
+              <a:defRPr sz="1600" kern="1200">
+                <a:solidFill>
+                  <a:schemeClr val="accent1"/>
+                </a:solidFill>
+                <a:latin typeface="+mn-lt"/>
+                <a:ea typeface="+mn-ea"/>
+                <a:cs typeface="+mn-cs"/>
+              </a:defRPr>
+            </a:lvl4pPr>
+            <a:lvl5pPr marL="1280160" indent="-182880" algn="l" defTabSz="914400" rtl="0" eaLnBrk="1" latinLnBrk="0" hangingPunct="1">
+              <a:lnSpc>
+                <a:spcPct val="90000"/>
+              </a:lnSpc>
+              <a:spcBef>
+                <a:spcPts val="200"/>
+              </a:spcBef>
+              <a:spcAft>
+                <a:spcPts val="400"/>
+              </a:spcAft>
+              <a:buClr>
+                <a:schemeClr val="accent1"/>
+              </a:buClr>
+              <a:buSzPct val="80000"/>
+              <a:buFont typeface="Corbel" pitchFamily="34" charset="0"/>
+              <a:buChar char="•"/>
+              <a:defRPr sz="1600" kern="1200">
+                <a:solidFill>
+                  <a:schemeClr val="accent1"/>
+                </a:solidFill>
+                <a:latin typeface="+mn-lt"/>
+                <a:ea typeface="+mn-ea"/>
+                <a:cs typeface="+mn-cs"/>
+              </a:defRPr>
+            </a:lvl5pPr>
+            <a:lvl6pPr marL="1600000" indent="-228600" algn="l" defTabSz="914400" rtl="0" eaLnBrk="1" latinLnBrk="0" hangingPunct="1">
+              <a:lnSpc>
+                <a:spcPct val="90000"/>
+              </a:lnSpc>
+              <a:spcBef>
+                <a:spcPts val="200"/>
+              </a:spcBef>
+              <a:spcAft>
+                <a:spcPts val="400"/>
+              </a:spcAft>
+              <a:buClr>
+                <a:schemeClr val="accent1"/>
+              </a:buClr>
+              <a:buSzPct val="80000"/>
+              <a:buFont typeface="Corbel" pitchFamily="34" charset="0"/>
+              <a:buChar char="•"/>
+              <a:defRPr sz="1600" kern="1200">
+                <a:solidFill>
+                  <a:schemeClr val="accent1"/>
+                </a:solidFill>
+                <a:latin typeface="+mn-lt"/>
+                <a:ea typeface="+mn-ea"/>
+                <a:cs typeface="+mn-cs"/>
+              </a:defRPr>
+            </a:lvl6pPr>
+            <a:lvl7pPr marL="1900000" indent="-228600" algn="l" defTabSz="914400" rtl="0" eaLnBrk="1" latinLnBrk="0" hangingPunct="1">
+              <a:lnSpc>
+                <a:spcPct val="90000"/>
+              </a:lnSpc>
+              <a:spcBef>
+                <a:spcPts val="200"/>
+              </a:spcBef>
+              <a:spcAft>
+                <a:spcPts val="400"/>
+              </a:spcAft>
+              <a:buClr>
+                <a:schemeClr val="accent1"/>
+              </a:buClr>
+              <a:buSzPct val="80000"/>
+              <a:buFont typeface="Corbel" pitchFamily="34" charset="0"/>
+              <a:buChar char="•"/>
+              <a:defRPr sz="1600" kern="1200">
+                <a:solidFill>
+                  <a:schemeClr val="accent1"/>
+                </a:solidFill>
+                <a:latin typeface="+mn-lt"/>
+                <a:ea typeface="+mn-ea"/>
+                <a:cs typeface="+mn-cs"/>
+              </a:defRPr>
+            </a:lvl7pPr>
+            <a:lvl8pPr marL="2200000" indent="-228600" algn="l" defTabSz="914400" rtl="0" eaLnBrk="1" latinLnBrk="0" hangingPunct="1">
+              <a:lnSpc>
+                <a:spcPct val="90000"/>
+              </a:lnSpc>
+              <a:spcBef>
+                <a:spcPts val="200"/>
+              </a:spcBef>
+              <a:spcAft>
+                <a:spcPts val="400"/>
+              </a:spcAft>
+              <a:buClr>
+                <a:schemeClr val="accent1"/>
+              </a:buClr>
+              <a:buSzPct val="80000"/>
+              <a:buFont typeface="Corbel" pitchFamily="34" charset="0"/>
+              <a:buChar char="•"/>
+              <a:defRPr sz="1600" kern="1200">
+                <a:solidFill>
+                  <a:schemeClr val="accent1"/>
+                </a:solidFill>
+                <a:latin typeface="+mn-lt"/>
+                <a:ea typeface="+mn-ea"/>
+                <a:cs typeface="+mn-cs"/>
+              </a:defRPr>
+            </a:lvl8pPr>
+            <a:lvl9pPr marL="2500000" indent="-228600" algn="l" defTabSz="914400" rtl="0" eaLnBrk="1" latinLnBrk="0" hangingPunct="1">
+              <a:lnSpc>
+                <a:spcPct val="90000"/>
+              </a:lnSpc>
+              <a:spcBef>
+                <a:spcPts val="200"/>
+              </a:spcBef>
+              <a:spcAft>
+                <a:spcPts val="400"/>
+              </a:spcAft>
+              <a:buClr>
+                <a:schemeClr val="accent1"/>
+              </a:buClr>
+              <a:buSzPct val="80000"/>
+              <a:buFont typeface="Corbel" pitchFamily="34" charset="0"/>
+              <a:buChar char="•"/>
+              <a:defRPr sz="1600" kern="1200">
+                <a:solidFill>
+                  <a:schemeClr val="accent1"/>
+                </a:solidFill>
+                <a:latin typeface="+mn-lt"/>
+                <a:ea typeface="+mn-ea"/>
+                <a:cs typeface="+mn-cs"/>
+              </a:defRPr>
+            </a:lvl9pPr>
+          </a:lstStyle>
+          <a:p>
+            <a:pPr marL="45720" indent="0">
+              <a:buFont typeface="Corbel" pitchFamily="34" charset="0"/>
+              <a:buNone/>
+            </a:pPr>
+            <a:r>
+              <a:rPr lang="de-CH" dirty="0"/>
+              <a:t>Stärken von MySQL</a:t>
+            </a:r>
+          </a:p>
+          <a:p>
+            <a:r>
+              <a:rPr lang="de-CH" dirty="0"/>
+              <a:t>Eines von den sichersten Datenbanken</a:t>
+            </a:r>
+          </a:p>
+          <a:p>
+            <a:r>
+              <a:rPr lang="de-CH" dirty="0"/>
+              <a:t>Skalierbar bis zu Mittel - Grossen Projekten</a:t>
+            </a:r>
+          </a:p>
+          <a:p>
+            <a:r>
+              <a:rPr lang="de-CH" dirty="0"/>
+              <a:t>Gute Leistungsfähigkeit</a:t>
             </a:r>
           </a:p>
         </p:txBody>
       </p:sp>
       <p:sp>
         <p:nvSpPr>
-          <p:cNvPr id="3" name="Content Placeholder 2">
+          <p:cNvPr id="8" name="Content Placeholder 2">
             <a:extLst>
               <a:ext uri="{FF2B5EF4-FFF2-40B4-BE49-F238E27FC236}">
-                <a16:creationId xmlns:a16="http://schemas.microsoft.com/office/drawing/2014/main" id="{9E5EE9BF-9882-72DF-DC4C-EC1E24CC0956}"/>
+                <a16:creationId xmlns:a16="http://schemas.microsoft.com/office/drawing/2014/main" id="{937F6248-89C9-466F-92B6-A4B8596EBEA3}"/>
               </a:ext>
             </a:extLst>
           </p:cNvPr>
-          <p:cNvSpPr>
-            <a:spLocks noGrp="1"/>
+          <p:cNvSpPr txBox="1">
+            <a:spLocks/>
           </p:cNvSpPr>
-          <p:nvPr>
-            <p:ph idx="1"/>
-          </p:nvPr>
+          <p:nvPr/>
         </p:nvSpPr>
         <p:spPr>
           <a:xfrm>
-            <a:off x="1143000" y="2057400"/>
-            <a:ext cx="9872871" cy="2279210"/>
+            <a:off x="6232124" y="3960704"/>
+            <a:ext cx="4890856" cy="2187237"/>
           </a:xfrm>
+          <a:prstGeom prst="rect">
+            <a:avLst/>
+          </a:prstGeom>
         </p:spPr>
         <p:txBody>
-          <a:bodyPr>
+          <a:bodyPr vert="horz" lIns="91440" tIns="45720" rIns="91440" bIns="45720" rtlCol="0">
             <a:normAutofit/>
           </a:bodyPr>
-          <a:lstStyle/>
-          <a:p>
+          <a:lstStyle>
+            <a:lvl1pPr marL="228600" indent="-182880" algn="l" defTabSz="914400" rtl="0" eaLnBrk="1" latinLnBrk="0" hangingPunct="1">
+              <a:lnSpc>
+                <a:spcPct val="90000"/>
+              </a:lnSpc>
+              <a:spcBef>
+                <a:spcPts val="1400"/>
+              </a:spcBef>
+              <a:buClr>
+                <a:schemeClr val="accent1"/>
+              </a:buClr>
+              <a:buSzPct val="80000"/>
+              <a:buFont typeface="Corbel" pitchFamily="34" charset="0"/>
+              <a:buChar char="•"/>
+              <a:defRPr sz="2200" kern="1200">
+                <a:solidFill>
+                  <a:schemeClr val="accent1"/>
+                </a:solidFill>
+                <a:latin typeface="+mn-lt"/>
+                <a:ea typeface="+mn-ea"/>
+                <a:cs typeface="+mn-cs"/>
+              </a:defRPr>
+            </a:lvl1pPr>
+            <a:lvl2pPr marL="457200" indent="-182880" algn="l" defTabSz="914400" rtl="0" eaLnBrk="1" latinLnBrk="0" hangingPunct="1">
+              <a:lnSpc>
+                <a:spcPct val="90000"/>
+              </a:lnSpc>
+              <a:spcBef>
+                <a:spcPts val="200"/>
+              </a:spcBef>
+              <a:spcAft>
+                <a:spcPts val="400"/>
+              </a:spcAft>
+              <a:buClr>
+                <a:schemeClr val="accent1"/>
+              </a:buClr>
+              <a:buSzPct val="80000"/>
+              <a:buFont typeface="Corbel" pitchFamily="34" charset="0"/>
+              <a:buChar char="•"/>
+              <a:defRPr sz="2000" kern="1200">
+                <a:solidFill>
+                  <a:schemeClr val="accent1"/>
+                </a:solidFill>
+                <a:latin typeface="+mn-lt"/>
+                <a:ea typeface="+mn-ea"/>
+                <a:cs typeface="+mn-cs"/>
+              </a:defRPr>
+            </a:lvl2pPr>
+            <a:lvl3pPr marL="731520" indent="-182880" algn="l" defTabSz="914400" rtl="0" eaLnBrk="1" latinLnBrk="0" hangingPunct="1">
+              <a:lnSpc>
+                <a:spcPct val="90000"/>
+              </a:lnSpc>
+              <a:spcBef>
+                <a:spcPts val="200"/>
+              </a:spcBef>
+              <a:spcAft>
+                <a:spcPts val="400"/>
+              </a:spcAft>
+              <a:buClr>
+                <a:schemeClr val="accent1"/>
+              </a:buClr>
+              <a:buSzPct val="80000"/>
+              <a:buFont typeface="Corbel" pitchFamily="34" charset="0"/>
+              <a:buChar char="•"/>
+              <a:defRPr sz="1800" kern="1200">
+                <a:solidFill>
+                  <a:schemeClr val="accent1"/>
+                </a:solidFill>
+                <a:latin typeface="+mn-lt"/>
+                <a:ea typeface="+mn-ea"/>
+                <a:cs typeface="+mn-cs"/>
+              </a:defRPr>
+            </a:lvl3pPr>
+            <a:lvl4pPr marL="1005840" indent="-182880" algn="l" defTabSz="914400" rtl="0" eaLnBrk="1" latinLnBrk="0" hangingPunct="1">
+              <a:lnSpc>
+                <a:spcPct val="90000"/>
+              </a:lnSpc>
+              <a:spcBef>
+                <a:spcPts val="200"/>
+              </a:spcBef>
+              <a:spcAft>
+                <a:spcPts val="400"/>
+              </a:spcAft>
+              <a:buClr>
+                <a:schemeClr val="accent1"/>
+              </a:buClr>
+              <a:buSzPct val="80000"/>
+              <a:buFont typeface="Corbel" pitchFamily="34" charset="0"/>
+              <a:buChar char="•"/>
+              <a:defRPr sz="1600" kern="1200">
+                <a:solidFill>
+                  <a:schemeClr val="accent1"/>
+                </a:solidFill>
+                <a:latin typeface="+mn-lt"/>
+                <a:ea typeface="+mn-ea"/>
+                <a:cs typeface="+mn-cs"/>
+              </a:defRPr>
+            </a:lvl4pPr>
+            <a:lvl5pPr marL="1280160" indent="-182880" algn="l" defTabSz="914400" rtl="0" eaLnBrk="1" latinLnBrk="0" hangingPunct="1">
+              <a:lnSpc>
+                <a:spcPct val="90000"/>
+              </a:lnSpc>
+              <a:spcBef>
+                <a:spcPts val="200"/>
+              </a:spcBef>
+              <a:spcAft>
+                <a:spcPts val="400"/>
+              </a:spcAft>
+              <a:buClr>
+                <a:schemeClr val="accent1"/>
+              </a:buClr>
+              <a:buSzPct val="80000"/>
+              <a:buFont typeface="Corbel" pitchFamily="34" charset="0"/>
+              <a:buChar char="•"/>
+              <a:defRPr sz="1600" kern="1200">
+                <a:solidFill>
+                  <a:schemeClr val="accent1"/>
+                </a:solidFill>
+                <a:latin typeface="+mn-lt"/>
+                <a:ea typeface="+mn-ea"/>
+                <a:cs typeface="+mn-cs"/>
+              </a:defRPr>
+            </a:lvl5pPr>
+            <a:lvl6pPr marL="1600000" indent="-228600" algn="l" defTabSz="914400" rtl="0" eaLnBrk="1" latinLnBrk="0" hangingPunct="1">
+              <a:lnSpc>
+                <a:spcPct val="90000"/>
+              </a:lnSpc>
+              <a:spcBef>
+                <a:spcPts val="200"/>
+              </a:spcBef>
+              <a:spcAft>
+                <a:spcPts val="400"/>
+              </a:spcAft>
+              <a:buClr>
+                <a:schemeClr val="accent1"/>
+              </a:buClr>
+              <a:buSzPct val="80000"/>
+              <a:buFont typeface="Corbel" pitchFamily="34" charset="0"/>
+              <a:buChar char="•"/>
+              <a:defRPr sz="1600" kern="1200">
+                <a:solidFill>
+                  <a:schemeClr val="accent1"/>
+                </a:solidFill>
+                <a:latin typeface="+mn-lt"/>
+                <a:ea typeface="+mn-ea"/>
+                <a:cs typeface="+mn-cs"/>
+              </a:defRPr>
+            </a:lvl6pPr>
+            <a:lvl7pPr marL="1900000" indent="-228600" algn="l" defTabSz="914400" rtl="0" eaLnBrk="1" latinLnBrk="0" hangingPunct="1">
+              <a:lnSpc>
+                <a:spcPct val="90000"/>
+              </a:lnSpc>
+              <a:spcBef>
+                <a:spcPts val="200"/>
+              </a:spcBef>
+              <a:spcAft>
+                <a:spcPts val="400"/>
+              </a:spcAft>
+              <a:buClr>
+                <a:schemeClr val="accent1"/>
+              </a:buClr>
+              <a:buSzPct val="80000"/>
+              <a:buFont typeface="Corbel" pitchFamily="34" charset="0"/>
+              <a:buChar char="•"/>
+              <a:defRPr sz="1600" kern="1200">
+                <a:solidFill>
+                  <a:schemeClr val="accent1"/>
+                </a:solidFill>
+                <a:latin typeface="+mn-lt"/>
+                <a:ea typeface="+mn-ea"/>
+                <a:cs typeface="+mn-cs"/>
+              </a:defRPr>
+            </a:lvl7pPr>
+            <a:lvl8pPr marL="2200000" indent="-228600" algn="l" defTabSz="914400" rtl="0" eaLnBrk="1" latinLnBrk="0" hangingPunct="1">
+              <a:lnSpc>
+                <a:spcPct val="90000"/>
+              </a:lnSpc>
+              <a:spcBef>
+                <a:spcPts val="200"/>
+              </a:spcBef>
+              <a:spcAft>
+                <a:spcPts val="400"/>
+              </a:spcAft>
+              <a:buClr>
+                <a:schemeClr val="accent1"/>
+              </a:buClr>
+              <a:buSzPct val="80000"/>
+              <a:buFont typeface="Corbel" pitchFamily="34" charset="0"/>
+              <a:buChar char="•"/>
+              <a:defRPr sz="1600" kern="1200">
+                <a:solidFill>
+                  <a:schemeClr val="accent1"/>
+                </a:solidFill>
+                <a:latin typeface="+mn-lt"/>
+                <a:ea typeface="+mn-ea"/>
+                <a:cs typeface="+mn-cs"/>
+              </a:defRPr>
+            </a:lvl8pPr>
+            <a:lvl9pPr marL="2500000" indent="-228600" algn="l" defTabSz="914400" rtl="0" eaLnBrk="1" latinLnBrk="0" hangingPunct="1">
+              <a:lnSpc>
+                <a:spcPct val="90000"/>
+              </a:lnSpc>
+              <a:spcBef>
+                <a:spcPts val="200"/>
+              </a:spcBef>
+              <a:spcAft>
+                <a:spcPts val="400"/>
+              </a:spcAft>
+              <a:buClr>
+                <a:schemeClr val="accent1"/>
+              </a:buClr>
+              <a:buSzPct val="80000"/>
+              <a:buFont typeface="Corbel" pitchFamily="34" charset="0"/>
+              <a:buChar char="•"/>
+              <a:defRPr sz="1600" kern="1200">
+                <a:solidFill>
+                  <a:schemeClr val="accent1"/>
+                </a:solidFill>
+                <a:latin typeface="+mn-lt"/>
+                <a:ea typeface="+mn-ea"/>
+                <a:cs typeface="+mn-cs"/>
+              </a:defRPr>
+            </a:lvl9pPr>
+          </a:lstStyle>
+          <a:p>
+            <a:pPr marL="45720" indent="0">
+              <a:buFont typeface="Corbel" pitchFamily="34" charset="0"/>
+              <a:buNone/>
+            </a:pPr>
             <a:r>
               <a:rPr lang="de-CH" dirty="0"/>
-              <a:t>Zu grosse Ambitionen</a:t>
+              <a:t>Schwächen von MySQL</a:t>
             </a:r>
           </a:p>
           <a:p>
             <a:r>
               <a:rPr lang="de-CH" dirty="0"/>
-              <a:t>Schlechte Planung am Anfang des Projekts</a:t>
-            </a:r>
-          </a:p>
-          <a:p>
+              <a:t>Eignet sich weniger für grosse Projekte</a:t>
+            </a:r>
+          </a:p>
+          <a:p>
+            <a:endParaRPr lang="de-CH" dirty="0"/>
+          </a:p>
+        </p:txBody>
+      </p:sp>
+      <p:sp>
+        <p:nvSpPr>
+          <p:cNvPr id="9" name="Content Placeholder 2">
+            <a:extLst>
+              <a:ext uri="{FF2B5EF4-FFF2-40B4-BE49-F238E27FC236}">
+                <a16:creationId xmlns:a16="http://schemas.microsoft.com/office/drawing/2014/main" id="{85600DC0-A92C-4215-990A-D99AB4C7154A}"/>
+              </a:ext>
+            </a:extLst>
+          </p:cNvPr>
+          <p:cNvSpPr txBox="1">
+            <a:spLocks/>
+          </p:cNvSpPr>
+          <p:nvPr/>
+        </p:nvSpPr>
+        <p:spPr>
+          <a:xfrm>
+            <a:off x="6232124" y="2535928"/>
+            <a:ext cx="4287915" cy="385698"/>
+          </a:xfrm>
+          <a:prstGeom prst="rect">
+            <a:avLst/>
+          </a:prstGeom>
+        </p:spPr>
+        <p:txBody>
+          <a:bodyPr vert="horz" lIns="91440" tIns="45720" rIns="91440" bIns="45720" rtlCol="0">
+            <a:normAutofit lnSpcReduction="10000"/>
+          </a:bodyPr>
+          <a:lstStyle>
+            <a:lvl1pPr marL="228600" indent="-182880" algn="l" defTabSz="914400" rtl="0" eaLnBrk="1" latinLnBrk="0" hangingPunct="1">
+              <a:lnSpc>
+                <a:spcPct val="90000"/>
+              </a:lnSpc>
+              <a:spcBef>
+                <a:spcPts val="1400"/>
+              </a:spcBef>
+              <a:buClr>
+                <a:schemeClr val="accent1"/>
+              </a:buClr>
+              <a:buSzPct val="80000"/>
+              <a:buFont typeface="Corbel" pitchFamily="34" charset="0"/>
+              <a:buChar char="•"/>
+              <a:defRPr sz="2200" kern="1200">
+                <a:solidFill>
+                  <a:schemeClr val="accent1"/>
+                </a:solidFill>
+                <a:latin typeface="+mn-lt"/>
+                <a:ea typeface="+mn-ea"/>
+                <a:cs typeface="+mn-cs"/>
+              </a:defRPr>
+            </a:lvl1pPr>
+            <a:lvl2pPr marL="457200" indent="-182880" algn="l" defTabSz="914400" rtl="0" eaLnBrk="1" latinLnBrk="0" hangingPunct="1">
+              <a:lnSpc>
+                <a:spcPct val="90000"/>
+              </a:lnSpc>
+              <a:spcBef>
+                <a:spcPts val="200"/>
+              </a:spcBef>
+              <a:spcAft>
+                <a:spcPts val="400"/>
+              </a:spcAft>
+              <a:buClr>
+                <a:schemeClr val="accent1"/>
+              </a:buClr>
+              <a:buSzPct val="80000"/>
+              <a:buFont typeface="Corbel" pitchFamily="34" charset="0"/>
+              <a:buChar char="•"/>
+              <a:defRPr sz="2000" kern="1200">
+                <a:solidFill>
+                  <a:schemeClr val="accent1"/>
+                </a:solidFill>
+                <a:latin typeface="+mn-lt"/>
+                <a:ea typeface="+mn-ea"/>
+                <a:cs typeface="+mn-cs"/>
+              </a:defRPr>
+            </a:lvl2pPr>
+            <a:lvl3pPr marL="731520" indent="-182880" algn="l" defTabSz="914400" rtl="0" eaLnBrk="1" latinLnBrk="0" hangingPunct="1">
+              <a:lnSpc>
+                <a:spcPct val="90000"/>
+              </a:lnSpc>
+              <a:spcBef>
+                <a:spcPts val="200"/>
+              </a:spcBef>
+              <a:spcAft>
+                <a:spcPts val="400"/>
+              </a:spcAft>
+              <a:buClr>
+                <a:schemeClr val="accent1"/>
+              </a:buClr>
+              <a:buSzPct val="80000"/>
+              <a:buFont typeface="Corbel" pitchFamily="34" charset="0"/>
+              <a:buChar char="•"/>
+              <a:defRPr sz="1800" kern="1200">
+                <a:solidFill>
+                  <a:schemeClr val="accent1"/>
+                </a:solidFill>
+                <a:latin typeface="+mn-lt"/>
+                <a:ea typeface="+mn-ea"/>
+                <a:cs typeface="+mn-cs"/>
+              </a:defRPr>
+            </a:lvl3pPr>
+            <a:lvl4pPr marL="1005840" indent="-182880" algn="l" defTabSz="914400" rtl="0" eaLnBrk="1" latinLnBrk="0" hangingPunct="1">
+              <a:lnSpc>
+                <a:spcPct val="90000"/>
+              </a:lnSpc>
+              <a:spcBef>
+                <a:spcPts val="200"/>
+              </a:spcBef>
+              <a:spcAft>
+                <a:spcPts val="400"/>
+              </a:spcAft>
+              <a:buClr>
+                <a:schemeClr val="accent1"/>
+              </a:buClr>
+              <a:buSzPct val="80000"/>
+              <a:buFont typeface="Corbel" pitchFamily="34" charset="0"/>
+              <a:buChar char="•"/>
+              <a:defRPr sz="1600" kern="1200">
+                <a:solidFill>
+                  <a:schemeClr val="accent1"/>
+                </a:solidFill>
+                <a:latin typeface="+mn-lt"/>
+                <a:ea typeface="+mn-ea"/>
+                <a:cs typeface="+mn-cs"/>
+              </a:defRPr>
+            </a:lvl4pPr>
+            <a:lvl5pPr marL="1280160" indent="-182880" algn="l" defTabSz="914400" rtl="0" eaLnBrk="1" latinLnBrk="0" hangingPunct="1">
+              <a:lnSpc>
+                <a:spcPct val="90000"/>
+              </a:lnSpc>
+              <a:spcBef>
+                <a:spcPts val="200"/>
+              </a:spcBef>
+              <a:spcAft>
+                <a:spcPts val="400"/>
+              </a:spcAft>
+              <a:buClr>
+                <a:schemeClr val="accent1"/>
+              </a:buClr>
+              <a:buSzPct val="80000"/>
+              <a:buFont typeface="Corbel" pitchFamily="34" charset="0"/>
+              <a:buChar char="•"/>
+              <a:defRPr sz="1600" kern="1200">
+                <a:solidFill>
+                  <a:schemeClr val="accent1"/>
+                </a:solidFill>
+                <a:latin typeface="+mn-lt"/>
+                <a:ea typeface="+mn-ea"/>
+                <a:cs typeface="+mn-cs"/>
+              </a:defRPr>
+            </a:lvl5pPr>
+            <a:lvl6pPr marL="1600000" indent="-228600" algn="l" defTabSz="914400" rtl="0" eaLnBrk="1" latinLnBrk="0" hangingPunct="1">
+              <a:lnSpc>
+                <a:spcPct val="90000"/>
+              </a:lnSpc>
+              <a:spcBef>
+                <a:spcPts val="200"/>
+              </a:spcBef>
+              <a:spcAft>
+                <a:spcPts val="400"/>
+              </a:spcAft>
+              <a:buClr>
+                <a:schemeClr val="accent1"/>
+              </a:buClr>
+              <a:buSzPct val="80000"/>
+              <a:buFont typeface="Corbel" pitchFamily="34" charset="0"/>
+              <a:buChar char="•"/>
+              <a:defRPr sz="1600" kern="1200">
+                <a:solidFill>
+                  <a:schemeClr val="accent1"/>
+                </a:solidFill>
+                <a:latin typeface="+mn-lt"/>
+                <a:ea typeface="+mn-ea"/>
+                <a:cs typeface="+mn-cs"/>
+              </a:defRPr>
+            </a:lvl6pPr>
+            <a:lvl7pPr marL="1900000" indent="-228600" algn="l" defTabSz="914400" rtl="0" eaLnBrk="1" latinLnBrk="0" hangingPunct="1">
+              <a:lnSpc>
+                <a:spcPct val="90000"/>
+              </a:lnSpc>
+              <a:spcBef>
+                <a:spcPts val="200"/>
+              </a:spcBef>
+              <a:spcAft>
+                <a:spcPts val="400"/>
+              </a:spcAft>
+              <a:buClr>
+                <a:schemeClr val="accent1"/>
+              </a:buClr>
+              <a:buSzPct val="80000"/>
+              <a:buFont typeface="Corbel" pitchFamily="34" charset="0"/>
+              <a:buChar char="•"/>
+              <a:defRPr sz="1600" kern="1200">
+                <a:solidFill>
+                  <a:schemeClr val="accent1"/>
+                </a:solidFill>
+                <a:latin typeface="+mn-lt"/>
+                <a:ea typeface="+mn-ea"/>
+                <a:cs typeface="+mn-cs"/>
+              </a:defRPr>
+            </a:lvl7pPr>
+            <a:lvl8pPr marL="2200000" indent="-228600" algn="l" defTabSz="914400" rtl="0" eaLnBrk="1" latinLnBrk="0" hangingPunct="1">
+              <a:lnSpc>
+                <a:spcPct val="90000"/>
+              </a:lnSpc>
+              <a:spcBef>
+                <a:spcPts val="200"/>
+              </a:spcBef>
+              <a:spcAft>
+                <a:spcPts val="400"/>
+              </a:spcAft>
+              <a:buClr>
+                <a:schemeClr val="accent1"/>
+              </a:buClr>
+              <a:buSzPct val="80000"/>
+              <a:buFont typeface="Corbel" pitchFamily="34" charset="0"/>
+              <a:buChar char="•"/>
+              <a:defRPr sz="1600" kern="1200">
+                <a:solidFill>
+                  <a:schemeClr val="accent1"/>
+                </a:solidFill>
+                <a:latin typeface="+mn-lt"/>
+                <a:ea typeface="+mn-ea"/>
+                <a:cs typeface="+mn-cs"/>
+              </a:defRPr>
+            </a:lvl8pPr>
+            <a:lvl9pPr marL="2500000" indent="-228600" algn="l" defTabSz="914400" rtl="0" eaLnBrk="1" latinLnBrk="0" hangingPunct="1">
+              <a:lnSpc>
+                <a:spcPct val="90000"/>
+              </a:lnSpc>
+              <a:spcBef>
+                <a:spcPts val="200"/>
+              </a:spcBef>
+              <a:spcAft>
+                <a:spcPts val="400"/>
+              </a:spcAft>
+              <a:buClr>
+                <a:schemeClr val="accent1"/>
+              </a:buClr>
+              <a:buSzPct val="80000"/>
+              <a:buFont typeface="Corbel" pitchFamily="34" charset="0"/>
+              <a:buChar char="•"/>
+              <a:defRPr sz="1600" kern="1200">
+                <a:solidFill>
+                  <a:schemeClr val="accent1"/>
+                </a:solidFill>
+                <a:latin typeface="+mn-lt"/>
+                <a:ea typeface="+mn-ea"/>
+                <a:cs typeface="+mn-cs"/>
+              </a:defRPr>
+            </a:lvl9pPr>
+          </a:lstStyle>
+          <a:p>
+            <a:pPr marL="45720" indent="0">
+              <a:buFont typeface="Corbel" pitchFamily="34" charset="0"/>
+              <a:buNone/>
+            </a:pPr>
             <a:r>
               <a:rPr lang="de-CH" dirty="0"/>
-              <a:t>Beschlossen Laravel von 0 anzufangen</a:t>
-            </a:r>
-          </a:p>
-          <a:p>
+              <a:t>Vorkenntnisse : genügend - gut</a:t>
+            </a:r>
+          </a:p>
+        </p:txBody>
+      </p:sp>
+      <p:sp>
+        <p:nvSpPr>
+          <p:cNvPr id="10" name="Content Placeholder 2">
+            <a:extLst>
+              <a:ext uri="{FF2B5EF4-FFF2-40B4-BE49-F238E27FC236}">
+                <a16:creationId xmlns:a16="http://schemas.microsoft.com/office/drawing/2014/main" id="{64335B8D-2C26-42C0-8A0C-8488E60B2424}"/>
+              </a:ext>
+            </a:extLst>
+          </p:cNvPr>
+          <p:cNvSpPr txBox="1">
+            <a:spLocks/>
+          </p:cNvSpPr>
+          <p:nvPr/>
+        </p:nvSpPr>
+        <p:spPr>
+          <a:xfrm>
+            <a:off x="1069020" y="2432758"/>
+            <a:ext cx="6838024" cy="898864"/>
+          </a:xfrm>
+          <a:prstGeom prst="rect">
+            <a:avLst/>
+          </a:prstGeom>
+        </p:spPr>
+        <p:txBody>
+          <a:bodyPr vert="horz" lIns="91440" tIns="45720" rIns="91440" bIns="45720" rtlCol="0">
+            <a:normAutofit/>
+          </a:bodyPr>
+          <a:lstStyle>
+            <a:lvl1pPr marL="228600" indent="-182880" algn="l" defTabSz="914400" rtl="0" eaLnBrk="1" latinLnBrk="0" hangingPunct="1">
+              <a:lnSpc>
+                <a:spcPct val="90000"/>
+              </a:lnSpc>
+              <a:spcBef>
+                <a:spcPts val="1400"/>
+              </a:spcBef>
+              <a:buClr>
+                <a:schemeClr val="accent1"/>
+              </a:buClr>
+              <a:buSzPct val="80000"/>
+              <a:buFont typeface="Corbel" pitchFamily="34" charset="0"/>
+              <a:buChar char="•"/>
+              <a:defRPr sz="2200" kern="1200">
+                <a:solidFill>
+                  <a:schemeClr val="accent1"/>
+                </a:solidFill>
+                <a:latin typeface="+mn-lt"/>
+                <a:ea typeface="+mn-ea"/>
+                <a:cs typeface="+mn-cs"/>
+              </a:defRPr>
+            </a:lvl1pPr>
+            <a:lvl2pPr marL="457200" indent="-182880" algn="l" defTabSz="914400" rtl="0" eaLnBrk="1" latinLnBrk="0" hangingPunct="1">
+              <a:lnSpc>
+                <a:spcPct val="90000"/>
+              </a:lnSpc>
+              <a:spcBef>
+                <a:spcPts val="200"/>
+              </a:spcBef>
+              <a:spcAft>
+                <a:spcPts val="400"/>
+              </a:spcAft>
+              <a:buClr>
+                <a:schemeClr val="accent1"/>
+              </a:buClr>
+              <a:buSzPct val="80000"/>
+              <a:buFont typeface="Corbel" pitchFamily="34" charset="0"/>
+              <a:buChar char="•"/>
+              <a:defRPr sz="2000" kern="1200">
+                <a:solidFill>
+                  <a:schemeClr val="accent1"/>
+                </a:solidFill>
+                <a:latin typeface="+mn-lt"/>
+                <a:ea typeface="+mn-ea"/>
+                <a:cs typeface="+mn-cs"/>
+              </a:defRPr>
+            </a:lvl2pPr>
+            <a:lvl3pPr marL="731520" indent="-182880" algn="l" defTabSz="914400" rtl="0" eaLnBrk="1" latinLnBrk="0" hangingPunct="1">
+              <a:lnSpc>
+                <a:spcPct val="90000"/>
+              </a:lnSpc>
+              <a:spcBef>
+                <a:spcPts val="200"/>
+              </a:spcBef>
+              <a:spcAft>
+                <a:spcPts val="400"/>
+              </a:spcAft>
+              <a:buClr>
+                <a:schemeClr val="accent1"/>
+              </a:buClr>
+              <a:buSzPct val="80000"/>
+              <a:buFont typeface="Corbel" pitchFamily="34" charset="0"/>
+              <a:buChar char="•"/>
+              <a:defRPr sz="1800" kern="1200">
+                <a:solidFill>
+                  <a:schemeClr val="accent1"/>
+                </a:solidFill>
+                <a:latin typeface="+mn-lt"/>
+                <a:ea typeface="+mn-ea"/>
+                <a:cs typeface="+mn-cs"/>
+              </a:defRPr>
+            </a:lvl3pPr>
+            <a:lvl4pPr marL="1005840" indent="-182880" algn="l" defTabSz="914400" rtl="0" eaLnBrk="1" latinLnBrk="0" hangingPunct="1">
+              <a:lnSpc>
+                <a:spcPct val="90000"/>
+              </a:lnSpc>
+              <a:spcBef>
+                <a:spcPts val="200"/>
+              </a:spcBef>
+              <a:spcAft>
+                <a:spcPts val="400"/>
+              </a:spcAft>
+              <a:buClr>
+                <a:schemeClr val="accent1"/>
+              </a:buClr>
+              <a:buSzPct val="80000"/>
+              <a:buFont typeface="Corbel" pitchFamily="34" charset="0"/>
+              <a:buChar char="•"/>
+              <a:defRPr sz="1600" kern="1200">
+                <a:solidFill>
+                  <a:schemeClr val="accent1"/>
+                </a:solidFill>
+                <a:latin typeface="+mn-lt"/>
+                <a:ea typeface="+mn-ea"/>
+                <a:cs typeface="+mn-cs"/>
+              </a:defRPr>
+            </a:lvl4pPr>
+            <a:lvl5pPr marL="1280160" indent="-182880" algn="l" defTabSz="914400" rtl="0" eaLnBrk="1" latinLnBrk="0" hangingPunct="1">
+              <a:lnSpc>
+                <a:spcPct val="90000"/>
+              </a:lnSpc>
+              <a:spcBef>
+                <a:spcPts val="200"/>
+              </a:spcBef>
+              <a:spcAft>
+                <a:spcPts val="400"/>
+              </a:spcAft>
+              <a:buClr>
+                <a:schemeClr val="accent1"/>
+              </a:buClr>
+              <a:buSzPct val="80000"/>
+              <a:buFont typeface="Corbel" pitchFamily="34" charset="0"/>
+              <a:buChar char="•"/>
+              <a:defRPr sz="1600" kern="1200">
+                <a:solidFill>
+                  <a:schemeClr val="accent1"/>
+                </a:solidFill>
+                <a:latin typeface="+mn-lt"/>
+                <a:ea typeface="+mn-ea"/>
+                <a:cs typeface="+mn-cs"/>
+              </a:defRPr>
+            </a:lvl5pPr>
+            <a:lvl6pPr marL="1600000" indent="-228600" algn="l" defTabSz="914400" rtl="0" eaLnBrk="1" latinLnBrk="0" hangingPunct="1">
+              <a:lnSpc>
+                <a:spcPct val="90000"/>
+              </a:lnSpc>
+              <a:spcBef>
+                <a:spcPts val="200"/>
+              </a:spcBef>
+              <a:spcAft>
+                <a:spcPts val="400"/>
+              </a:spcAft>
+              <a:buClr>
+                <a:schemeClr val="accent1"/>
+              </a:buClr>
+              <a:buSzPct val="80000"/>
+              <a:buFont typeface="Corbel" pitchFamily="34" charset="0"/>
+              <a:buChar char="•"/>
+              <a:defRPr sz="1600" kern="1200">
+                <a:solidFill>
+                  <a:schemeClr val="accent1"/>
+                </a:solidFill>
+                <a:latin typeface="+mn-lt"/>
+                <a:ea typeface="+mn-ea"/>
+                <a:cs typeface="+mn-cs"/>
+              </a:defRPr>
+            </a:lvl6pPr>
+            <a:lvl7pPr marL="1900000" indent="-228600" algn="l" defTabSz="914400" rtl="0" eaLnBrk="1" latinLnBrk="0" hangingPunct="1">
+              <a:lnSpc>
+                <a:spcPct val="90000"/>
+              </a:lnSpc>
+              <a:spcBef>
+                <a:spcPts val="200"/>
+              </a:spcBef>
+              <a:spcAft>
+                <a:spcPts val="400"/>
+              </a:spcAft>
+              <a:buClr>
+                <a:schemeClr val="accent1"/>
+              </a:buClr>
+              <a:buSzPct val="80000"/>
+              <a:buFont typeface="Corbel" pitchFamily="34" charset="0"/>
+              <a:buChar char="•"/>
+              <a:defRPr sz="1600" kern="1200">
+                <a:solidFill>
+                  <a:schemeClr val="accent1"/>
+                </a:solidFill>
+                <a:latin typeface="+mn-lt"/>
+                <a:ea typeface="+mn-ea"/>
+                <a:cs typeface="+mn-cs"/>
+              </a:defRPr>
+            </a:lvl7pPr>
+            <a:lvl8pPr marL="2200000" indent="-228600" algn="l" defTabSz="914400" rtl="0" eaLnBrk="1" latinLnBrk="0" hangingPunct="1">
+              <a:lnSpc>
+                <a:spcPct val="90000"/>
+              </a:lnSpc>
+              <a:spcBef>
+                <a:spcPts val="200"/>
+              </a:spcBef>
+              <a:spcAft>
+                <a:spcPts val="400"/>
+              </a:spcAft>
+              <a:buClr>
+                <a:schemeClr val="accent1"/>
+              </a:buClr>
+              <a:buSzPct val="80000"/>
+              <a:buFont typeface="Corbel" pitchFamily="34" charset="0"/>
+              <a:buChar char="•"/>
+              <a:defRPr sz="1600" kern="1200">
+                <a:solidFill>
+                  <a:schemeClr val="accent1"/>
+                </a:solidFill>
+                <a:latin typeface="+mn-lt"/>
+                <a:ea typeface="+mn-ea"/>
+                <a:cs typeface="+mn-cs"/>
+              </a:defRPr>
+            </a:lvl8pPr>
+            <a:lvl9pPr marL="2500000" indent="-228600" algn="l" defTabSz="914400" rtl="0" eaLnBrk="1" latinLnBrk="0" hangingPunct="1">
+              <a:lnSpc>
+                <a:spcPct val="90000"/>
+              </a:lnSpc>
+              <a:spcBef>
+                <a:spcPts val="200"/>
+              </a:spcBef>
+              <a:spcAft>
+                <a:spcPts val="400"/>
+              </a:spcAft>
+              <a:buClr>
+                <a:schemeClr val="accent1"/>
+              </a:buClr>
+              <a:buSzPct val="80000"/>
+              <a:buFont typeface="Corbel" pitchFamily="34" charset="0"/>
+              <a:buChar char="•"/>
+              <a:defRPr sz="1600" kern="1200">
+                <a:solidFill>
+                  <a:schemeClr val="accent1"/>
+                </a:solidFill>
+                <a:latin typeface="+mn-lt"/>
+                <a:ea typeface="+mn-ea"/>
+                <a:cs typeface="+mn-cs"/>
+              </a:defRPr>
+            </a:lvl9pPr>
+          </a:lstStyle>
+          <a:p>
+            <a:pPr marL="45720" indent="0">
+              <a:buFont typeface="Corbel" pitchFamily="34" charset="0"/>
+              <a:buNone/>
+            </a:pPr>
             <a:r>
               <a:rPr lang="de-CH" dirty="0"/>
-              <a:t>Brauchte sehr lange zum lernen</a:t>
+              <a:t>Was ist </a:t>
+            </a:r>
+            <a:r>
+              <a:rPr lang="de-CH" dirty="0" err="1"/>
+              <a:t>VueJS</a:t>
+            </a:r>
+            <a:endParaRPr lang="de-CH" dirty="0"/>
+          </a:p>
+          <a:p>
+            <a:r>
+              <a:rPr lang="de-CH" dirty="0"/>
+              <a:t>Ist ein JavaScript Framework</a:t>
             </a:r>
           </a:p>
         </p:txBody>
@@ -6910,7 +11985,7 @@
     </p:spTree>
     <p:extLst>
       <p:ext uri="{BB962C8B-B14F-4D97-AF65-F5344CB8AC3E}">
-        <p14:creationId xmlns:p14="http://schemas.microsoft.com/office/powerpoint/2010/main" val="923782553"/>
+        <p14:creationId xmlns:p14="http://schemas.microsoft.com/office/powerpoint/2010/main" val="26606654"/>
       </p:ext>
     </p:extLst>
   </p:cSld>

--- a/04_Präsentation/VueJS_Laravel_website.pptx
+++ b/04_Präsentation/VueJS_Laravel_website.pptx
@@ -8,17 +8,18 @@
     <p:sldId id="256" r:id="rId2"/>
     <p:sldId id="257" r:id="rId3"/>
     <p:sldId id="258" r:id="rId4"/>
-    <p:sldId id="260" r:id="rId5"/>
-    <p:sldId id="264" r:id="rId6"/>
-    <p:sldId id="261" r:id="rId7"/>
-    <p:sldId id="265" r:id="rId8"/>
-    <p:sldId id="267" r:id="rId9"/>
-    <p:sldId id="268" r:id="rId10"/>
-    <p:sldId id="259" r:id="rId11"/>
-    <p:sldId id="262" r:id="rId12"/>
-    <p:sldId id="266" r:id="rId13"/>
-    <p:sldId id="263" r:id="rId14"/>
-    <p:sldId id="269" r:id="rId15"/>
+    <p:sldId id="270" r:id="rId5"/>
+    <p:sldId id="260" r:id="rId6"/>
+    <p:sldId id="264" r:id="rId7"/>
+    <p:sldId id="261" r:id="rId8"/>
+    <p:sldId id="265" r:id="rId9"/>
+    <p:sldId id="267" r:id="rId10"/>
+    <p:sldId id="268" r:id="rId11"/>
+    <p:sldId id="259" r:id="rId12"/>
+    <p:sldId id="262" r:id="rId13"/>
+    <p:sldId id="266" r:id="rId14"/>
+    <p:sldId id="263" r:id="rId15"/>
+    <p:sldId id="269" r:id="rId16"/>
   </p:sldIdLst>
   <p:sldSz cx="12192000" cy="6858000"/>
   <p:notesSz cx="6858000" cy="9144000"/>
@@ -3438,6 +3439,1255 @@
           <a:chExt cx="0" cy="0"/>
         </a:xfrm>
       </p:grpSpPr>
+      <p:sp>
+        <p:nvSpPr>
+          <p:cNvPr id="2" name="Titel 1">
+            <a:extLst>
+              <a:ext uri="{FF2B5EF4-FFF2-40B4-BE49-F238E27FC236}">
+                <a16:creationId xmlns:a16="http://schemas.microsoft.com/office/drawing/2014/main" id="{2770FCBF-AA2B-47EB-A595-CE38AC98192E}"/>
+              </a:ext>
+            </a:extLst>
+          </p:cNvPr>
+          <p:cNvSpPr>
+            <a:spLocks noGrp="1"/>
+          </p:cNvSpPr>
+          <p:nvPr>
+            <p:ph type="title"/>
+          </p:nvPr>
+        </p:nvSpPr>
+        <p:spPr>
+          <a:xfrm>
+            <a:off x="1498107" y="867052"/>
+            <a:ext cx="1973062" cy="1032769"/>
+          </a:xfrm>
+        </p:spPr>
+        <p:txBody>
+          <a:bodyPr/>
+          <a:lstStyle/>
+          <a:p>
+            <a:r>
+              <a:rPr lang="de-CH" dirty="0"/>
+              <a:t>MySQL</a:t>
+            </a:r>
+          </a:p>
+        </p:txBody>
+      </p:sp>
+      <p:pic>
+        <p:nvPicPr>
+          <p:cNvPr id="4" name="Picture 4" descr="MySQL: Definition und Erklärung | Marketing-Lexikon">
+            <a:extLst>
+              <a:ext uri="{FF2B5EF4-FFF2-40B4-BE49-F238E27FC236}">
+                <a16:creationId xmlns:a16="http://schemas.microsoft.com/office/drawing/2014/main" id="{34B95301-CFFE-46B9-B081-327EEC721221}"/>
+              </a:ext>
+            </a:extLst>
+          </p:cNvPr>
+          <p:cNvPicPr>
+            <a:picLocks noGrp="1" noChangeAspect="1" noChangeArrowheads="1"/>
+          </p:cNvPicPr>
+          <p:nvPr>
+            <p:ph idx="1"/>
+          </p:nvPr>
+        </p:nvPicPr>
+        <p:blipFill>
+          <a:blip r:embed="rId2">
+            <a:extLst>
+              <a:ext uri="{28A0092B-C50C-407E-A947-70E740481C1C}">
+                <a14:useLocalDpi xmlns:a14="http://schemas.microsoft.com/office/drawing/2010/main" val="0"/>
+              </a:ext>
+            </a:extLst>
+          </a:blip>
+          <a:srcRect/>
+          <a:stretch>
+            <a:fillRect/>
+          </a:stretch>
+        </p:blipFill>
+        <p:spPr bwMode="auto">
+          <a:xfrm>
+            <a:off x="4396935" y="599209"/>
+            <a:ext cx="2989287" cy="1568453"/>
+          </a:xfrm>
+          <a:prstGeom prst="rect">
+            <a:avLst/>
+          </a:prstGeom>
+          <a:noFill/>
+          <a:extLst>
+            <a:ext uri="{909E8E84-426E-40DD-AFC4-6F175D3DCCD1}">
+              <a14:hiddenFill xmlns:a14="http://schemas.microsoft.com/office/drawing/2010/main">
+                <a:solidFill>
+                  <a:srgbClr val="FFFFFF"/>
+                </a:solidFill>
+              </a14:hiddenFill>
+            </a:ext>
+          </a:extLst>
+        </p:spPr>
+      </p:pic>
+      <p:pic>
+        <p:nvPicPr>
+          <p:cNvPr id="3074" name="Picture 2" descr="MySQL Workbench: NEW ADD-ON - The Devolutions Blog">
+            <a:extLst>
+              <a:ext uri="{FF2B5EF4-FFF2-40B4-BE49-F238E27FC236}">
+                <a16:creationId xmlns:a16="http://schemas.microsoft.com/office/drawing/2014/main" id="{0639C9E0-CFCB-4CD2-B751-9D14998F9DEC}"/>
+              </a:ext>
+            </a:extLst>
+          </p:cNvPr>
+          <p:cNvPicPr>
+            <a:picLocks noChangeAspect="1" noChangeArrowheads="1"/>
+          </p:cNvPicPr>
+          <p:nvPr/>
+        </p:nvPicPr>
+        <p:blipFill>
+          <a:blip r:embed="rId3">
+            <a:extLst>
+              <a:ext uri="{28A0092B-C50C-407E-A947-70E740481C1C}">
+                <a14:useLocalDpi xmlns:a14="http://schemas.microsoft.com/office/drawing/2010/main" val="0"/>
+              </a:ext>
+            </a:extLst>
+          </a:blip>
+          <a:srcRect/>
+          <a:stretch>
+            <a:fillRect/>
+          </a:stretch>
+        </p:blipFill>
+        <p:spPr bwMode="auto">
+          <a:xfrm>
+            <a:off x="8919099" y="496038"/>
+            <a:ext cx="1774794" cy="1774794"/>
+          </a:xfrm>
+          <a:prstGeom prst="rect">
+            <a:avLst/>
+          </a:prstGeom>
+          <a:noFill/>
+          <a:extLst>
+            <a:ext uri="{909E8E84-426E-40DD-AFC4-6F175D3DCCD1}">
+              <a14:hiddenFill xmlns:a14="http://schemas.microsoft.com/office/drawing/2010/main">
+                <a:solidFill>
+                  <a:srgbClr val="FFFFFF"/>
+                </a:solidFill>
+              </a14:hiddenFill>
+            </a:ext>
+          </a:extLst>
+        </p:spPr>
+      </p:pic>
+      <p:sp>
+        <p:nvSpPr>
+          <p:cNvPr id="7" name="Content Placeholder 2">
+            <a:extLst>
+              <a:ext uri="{FF2B5EF4-FFF2-40B4-BE49-F238E27FC236}">
+                <a16:creationId xmlns:a16="http://schemas.microsoft.com/office/drawing/2014/main" id="{FE2A37E0-DC9B-4F2F-870E-73C1519D217C}"/>
+              </a:ext>
+            </a:extLst>
+          </p:cNvPr>
+          <p:cNvSpPr txBox="1">
+            <a:spLocks/>
+          </p:cNvSpPr>
+          <p:nvPr/>
+        </p:nvSpPr>
+        <p:spPr>
+          <a:xfrm>
+            <a:off x="1069020" y="3960705"/>
+            <a:ext cx="5388006" cy="2187237"/>
+          </a:xfrm>
+          <a:prstGeom prst="rect">
+            <a:avLst/>
+          </a:prstGeom>
+        </p:spPr>
+        <p:txBody>
+          <a:bodyPr vert="horz" lIns="91440" tIns="45720" rIns="91440" bIns="45720" rtlCol="0">
+            <a:normAutofit/>
+          </a:bodyPr>
+          <a:lstStyle>
+            <a:lvl1pPr marL="228600" indent="-182880" algn="l" defTabSz="914400" rtl="0" eaLnBrk="1" latinLnBrk="0" hangingPunct="1">
+              <a:lnSpc>
+                <a:spcPct val="90000"/>
+              </a:lnSpc>
+              <a:spcBef>
+                <a:spcPts val="1400"/>
+              </a:spcBef>
+              <a:buClr>
+                <a:schemeClr val="accent1"/>
+              </a:buClr>
+              <a:buSzPct val="80000"/>
+              <a:buFont typeface="Corbel" pitchFamily="34" charset="0"/>
+              <a:buChar char="•"/>
+              <a:defRPr sz="2200" kern="1200">
+                <a:solidFill>
+                  <a:schemeClr val="accent1"/>
+                </a:solidFill>
+                <a:latin typeface="+mn-lt"/>
+                <a:ea typeface="+mn-ea"/>
+                <a:cs typeface="+mn-cs"/>
+              </a:defRPr>
+            </a:lvl1pPr>
+            <a:lvl2pPr marL="457200" indent="-182880" algn="l" defTabSz="914400" rtl="0" eaLnBrk="1" latinLnBrk="0" hangingPunct="1">
+              <a:lnSpc>
+                <a:spcPct val="90000"/>
+              </a:lnSpc>
+              <a:spcBef>
+                <a:spcPts val="200"/>
+              </a:spcBef>
+              <a:spcAft>
+                <a:spcPts val="400"/>
+              </a:spcAft>
+              <a:buClr>
+                <a:schemeClr val="accent1"/>
+              </a:buClr>
+              <a:buSzPct val="80000"/>
+              <a:buFont typeface="Corbel" pitchFamily="34" charset="0"/>
+              <a:buChar char="•"/>
+              <a:defRPr sz="2000" kern="1200">
+                <a:solidFill>
+                  <a:schemeClr val="accent1"/>
+                </a:solidFill>
+                <a:latin typeface="+mn-lt"/>
+                <a:ea typeface="+mn-ea"/>
+                <a:cs typeface="+mn-cs"/>
+              </a:defRPr>
+            </a:lvl2pPr>
+            <a:lvl3pPr marL="731520" indent="-182880" algn="l" defTabSz="914400" rtl="0" eaLnBrk="1" latinLnBrk="0" hangingPunct="1">
+              <a:lnSpc>
+                <a:spcPct val="90000"/>
+              </a:lnSpc>
+              <a:spcBef>
+                <a:spcPts val="200"/>
+              </a:spcBef>
+              <a:spcAft>
+                <a:spcPts val="400"/>
+              </a:spcAft>
+              <a:buClr>
+                <a:schemeClr val="accent1"/>
+              </a:buClr>
+              <a:buSzPct val="80000"/>
+              <a:buFont typeface="Corbel" pitchFamily="34" charset="0"/>
+              <a:buChar char="•"/>
+              <a:defRPr sz="1800" kern="1200">
+                <a:solidFill>
+                  <a:schemeClr val="accent1"/>
+                </a:solidFill>
+                <a:latin typeface="+mn-lt"/>
+                <a:ea typeface="+mn-ea"/>
+                <a:cs typeface="+mn-cs"/>
+              </a:defRPr>
+            </a:lvl3pPr>
+            <a:lvl4pPr marL="1005840" indent="-182880" algn="l" defTabSz="914400" rtl="0" eaLnBrk="1" latinLnBrk="0" hangingPunct="1">
+              <a:lnSpc>
+                <a:spcPct val="90000"/>
+              </a:lnSpc>
+              <a:spcBef>
+                <a:spcPts val="200"/>
+              </a:spcBef>
+              <a:spcAft>
+                <a:spcPts val="400"/>
+              </a:spcAft>
+              <a:buClr>
+                <a:schemeClr val="accent1"/>
+              </a:buClr>
+              <a:buSzPct val="80000"/>
+              <a:buFont typeface="Corbel" pitchFamily="34" charset="0"/>
+              <a:buChar char="•"/>
+              <a:defRPr sz="1600" kern="1200">
+                <a:solidFill>
+                  <a:schemeClr val="accent1"/>
+                </a:solidFill>
+                <a:latin typeface="+mn-lt"/>
+                <a:ea typeface="+mn-ea"/>
+                <a:cs typeface="+mn-cs"/>
+              </a:defRPr>
+            </a:lvl4pPr>
+            <a:lvl5pPr marL="1280160" indent="-182880" algn="l" defTabSz="914400" rtl="0" eaLnBrk="1" latinLnBrk="0" hangingPunct="1">
+              <a:lnSpc>
+                <a:spcPct val="90000"/>
+              </a:lnSpc>
+              <a:spcBef>
+                <a:spcPts val="200"/>
+              </a:spcBef>
+              <a:spcAft>
+                <a:spcPts val="400"/>
+              </a:spcAft>
+              <a:buClr>
+                <a:schemeClr val="accent1"/>
+              </a:buClr>
+              <a:buSzPct val="80000"/>
+              <a:buFont typeface="Corbel" pitchFamily="34" charset="0"/>
+              <a:buChar char="•"/>
+              <a:defRPr sz="1600" kern="1200">
+                <a:solidFill>
+                  <a:schemeClr val="accent1"/>
+                </a:solidFill>
+                <a:latin typeface="+mn-lt"/>
+                <a:ea typeface="+mn-ea"/>
+                <a:cs typeface="+mn-cs"/>
+              </a:defRPr>
+            </a:lvl5pPr>
+            <a:lvl6pPr marL="1600000" indent="-228600" algn="l" defTabSz="914400" rtl="0" eaLnBrk="1" latinLnBrk="0" hangingPunct="1">
+              <a:lnSpc>
+                <a:spcPct val="90000"/>
+              </a:lnSpc>
+              <a:spcBef>
+                <a:spcPts val="200"/>
+              </a:spcBef>
+              <a:spcAft>
+                <a:spcPts val="400"/>
+              </a:spcAft>
+              <a:buClr>
+                <a:schemeClr val="accent1"/>
+              </a:buClr>
+              <a:buSzPct val="80000"/>
+              <a:buFont typeface="Corbel" pitchFamily="34" charset="0"/>
+              <a:buChar char="•"/>
+              <a:defRPr sz="1600" kern="1200">
+                <a:solidFill>
+                  <a:schemeClr val="accent1"/>
+                </a:solidFill>
+                <a:latin typeface="+mn-lt"/>
+                <a:ea typeface="+mn-ea"/>
+                <a:cs typeface="+mn-cs"/>
+              </a:defRPr>
+            </a:lvl6pPr>
+            <a:lvl7pPr marL="1900000" indent="-228600" algn="l" defTabSz="914400" rtl="0" eaLnBrk="1" latinLnBrk="0" hangingPunct="1">
+              <a:lnSpc>
+                <a:spcPct val="90000"/>
+              </a:lnSpc>
+              <a:spcBef>
+                <a:spcPts val="200"/>
+              </a:spcBef>
+              <a:spcAft>
+                <a:spcPts val="400"/>
+              </a:spcAft>
+              <a:buClr>
+                <a:schemeClr val="accent1"/>
+              </a:buClr>
+              <a:buSzPct val="80000"/>
+              <a:buFont typeface="Corbel" pitchFamily="34" charset="0"/>
+              <a:buChar char="•"/>
+              <a:defRPr sz="1600" kern="1200">
+                <a:solidFill>
+                  <a:schemeClr val="accent1"/>
+                </a:solidFill>
+                <a:latin typeface="+mn-lt"/>
+                <a:ea typeface="+mn-ea"/>
+                <a:cs typeface="+mn-cs"/>
+              </a:defRPr>
+            </a:lvl7pPr>
+            <a:lvl8pPr marL="2200000" indent="-228600" algn="l" defTabSz="914400" rtl="0" eaLnBrk="1" latinLnBrk="0" hangingPunct="1">
+              <a:lnSpc>
+                <a:spcPct val="90000"/>
+              </a:lnSpc>
+              <a:spcBef>
+                <a:spcPts val="200"/>
+              </a:spcBef>
+              <a:spcAft>
+                <a:spcPts val="400"/>
+              </a:spcAft>
+              <a:buClr>
+                <a:schemeClr val="accent1"/>
+              </a:buClr>
+              <a:buSzPct val="80000"/>
+              <a:buFont typeface="Corbel" pitchFamily="34" charset="0"/>
+              <a:buChar char="•"/>
+              <a:defRPr sz="1600" kern="1200">
+                <a:solidFill>
+                  <a:schemeClr val="accent1"/>
+                </a:solidFill>
+                <a:latin typeface="+mn-lt"/>
+                <a:ea typeface="+mn-ea"/>
+                <a:cs typeface="+mn-cs"/>
+              </a:defRPr>
+            </a:lvl8pPr>
+            <a:lvl9pPr marL="2500000" indent="-228600" algn="l" defTabSz="914400" rtl="0" eaLnBrk="1" latinLnBrk="0" hangingPunct="1">
+              <a:lnSpc>
+                <a:spcPct val="90000"/>
+              </a:lnSpc>
+              <a:spcBef>
+                <a:spcPts val="200"/>
+              </a:spcBef>
+              <a:spcAft>
+                <a:spcPts val="400"/>
+              </a:spcAft>
+              <a:buClr>
+                <a:schemeClr val="accent1"/>
+              </a:buClr>
+              <a:buSzPct val="80000"/>
+              <a:buFont typeface="Corbel" pitchFamily="34" charset="0"/>
+              <a:buChar char="•"/>
+              <a:defRPr sz="1600" kern="1200">
+                <a:solidFill>
+                  <a:schemeClr val="accent1"/>
+                </a:solidFill>
+                <a:latin typeface="+mn-lt"/>
+                <a:ea typeface="+mn-ea"/>
+                <a:cs typeface="+mn-cs"/>
+              </a:defRPr>
+            </a:lvl9pPr>
+          </a:lstStyle>
+          <a:p>
+            <a:pPr marL="45720" indent="0">
+              <a:buFont typeface="Corbel" pitchFamily="34" charset="0"/>
+              <a:buNone/>
+            </a:pPr>
+            <a:r>
+              <a:rPr lang="de-CH" dirty="0"/>
+              <a:t>Stärken von MySQL</a:t>
+            </a:r>
+          </a:p>
+          <a:p>
+            <a:r>
+              <a:rPr lang="de-CH" dirty="0"/>
+              <a:t>Eines von den sichersten Datenbanken</a:t>
+            </a:r>
+          </a:p>
+          <a:p>
+            <a:r>
+              <a:rPr lang="de-CH" dirty="0"/>
+              <a:t>Skalierbar bis zu Mittel - Grossen Projekten</a:t>
+            </a:r>
+          </a:p>
+          <a:p>
+            <a:r>
+              <a:rPr lang="de-CH" dirty="0"/>
+              <a:t>Gute Leistungsfähigkeit</a:t>
+            </a:r>
+          </a:p>
+        </p:txBody>
+      </p:sp>
+      <p:sp>
+        <p:nvSpPr>
+          <p:cNvPr id="8" name="Content Placeholder 2">
+            <a:extLst>
+              <a:ext uri="{FF2B5EF4-FFF2-40B4-BE49-F238E27FC236}">
+                <a16:creationId xmlns:a16="http://schemas.microsoft.com/office/drawing/2014/main" id="{937F6248-89C9-466F-92B6-A4B8596EBEA3}"/>
+              </a:ext>
+            </a:extLst>
+          </p:cNvPr>
+          <p:cNvSpPr txBox="1">
+            <a:spLocks/>
+          </p:cNvSpPr>
+          <p:nvPr/>
+        </p:nvSpPr>
+        <p:spPr>
+          <a:xfrm>
+            <a:off x="6232124" y="3960704"/>
+            <a:ext cx="4890856" cy="2187237"/>
+          </a:xfrm>
+          <a:prstGeom prst="rect">
+            <a:avLst/>
+          </a:prstGeom>
+        </p:spPr>
+        <p:txBody>
+          <a:bodyPr vert="horz" lIns="91440" tIns="45720" rIns="91440" bIns="45720" rtlCol="0">
+            <a:normAutofit/>
+          </a:bodyPr>
+          <a:lstStyle>
+            <a:lvl1pPr marL="228600" indent="-182880" algn="l" defTabSz="914400" rtl="0" eaLnBrk="1" latinLnBrk="0" hangingPunct="1">
+              <a:lnSpc>
+                <a:spcPct val="90000"/>
+              </a:lnSpc>
+              <a:spcBef>
+                <a:spcPts val="1400"/>
+              </a:spcBef>
+              <a:buClr>
+                <a:schemeClr val="accent1"/>
+              </a:buClr>
+              <a:buSzPct val="80000"/>
+              <a:buFont typeface="Corbel" pitchFamily="34" charset="0"/>
+              <a:buChar char="•"/>
+              <a:defRPr sz="2200" kern="1200">
+                <a:solidFill>
+                  <a:schemeClr val="accent1"/>
+                </a:solidFill>
+                <a:latin typeface="+mn-lt"/>
+                <a:ea typeface="+mn-ea"/>
+                <a:cs typeface="+mn-cs"/>
+              </a:defRPr>
+            </a:lvl1pPr>
+            <a:lvl2pPr marL="457200" indent="-182880" algn="l" defTabSz="914400" rtl="0" eaLnBrk="1" latinLnBrk="0" hangingPunct="1">
+              <a:lnSpc>
+                <a:spcPct val="90000"/>
+              </a:lnSpc>
+              <a:spcBef>
+                <a:spcPts val="200"/>
+              </a:spcBef>
+              <a:spcAft>
+                <a:spcPts val="400"/>
+              </a:spcAft>
+              <a:buClr>
+                <a:schemeClr val="accent1"/>
+              </a:buClr>
+              <a:buSzPct val="80000"/>
+              <a:buFont typeface="Corbel" pitchFamily="34" charset="0"/>
+              <a:buChar char="•"/>
+              <a:defRPr sz="2000" kern="1200">
+                <a:solidFill>
+                  <a:schemeClr val="accent1"/>
+                </a:solidFill>
+                <a:latin typeface="+mn-lt"/>
+                <a:ea typeface="+mn-ea"/>
+                <a:cs typeface="+mn-cs"/>
+              </a:defRPr>
+            </a:lvl2pPr>
+            <a:lvl3pPr marL="731520" indent="-182880" algn="l" defTabSz="914400" rtl="0" eaLnBrk="1" latinLnBrk="0" hangingPunct="1">
+              <a:lnSpc>
+                <a:spcPct val="90000"/>
+              </a:lnSpc>
+              <a:spcBef>
+                <a:spcPts val="200"/>
+              </a:spcBef>
+              <a:spcAft>
+                <a:spcPts val="400"/>
+              </a:spcAft>
+              <a:buClr>
+                <a:schemeClr val="accent1"/>
+              </a:buClr>
+              <a:buSzPct val="80000"/>
+              <a:buFont typeface="Corbel" pitchFamily="34" charset="0"/>
+              <a:buChar char="•"/>
+              <a:defRPr sz="1800" kern="1200">
+                <a:solidFill>
+                  <a:schemeClr val="accent1"/>
+                </a:solidFill>
+                <a:latin typeface="+mn-lt"/>
+                <a:ea typeface="+mn-ea"/>
+                <a:cs typeface="+mn-cs"/>
+              </a:defRPr>
+            </a:lvl3pPr>
+            <a:lvl4pPr marL="1005840" indent="-182880" algn="l" defTabSz="914400" rtl="0" eaLnBrk="1" latinLnBrk="0" hangingPunct="1">
+              <a:lnSpc>
+                <a:spcPct val="90000"/>
+              </a:lnSpc>
+              <a:spcBef>
+                <a:spcPts val="200"/>
+              </a:spcBef>
+              <a:spcAft>
+                <a:spcPts val="400"/>
+              </a:spcAft>
+              <a:buClr>
+                <a:schemeClr val="accent1"/>
+              </a:buClr>
+              <a:buSzPct val="80000"/>
+              <a:buFont typeface="Corbel" pitchFamily="34" charset="0"/>
+              <a:buChar char="•"/>
+              <a:defRPr sz="1600" kern="1200">
+                <a:solidFill>
+                  <a:schemeClr val="accent1"/>
+                </a:solidFill>
+                <a:latin typeface="+mn-lt"/>
+                <a:ea typeface="+mn-ea"/>
+                <a:cs typeface="+mn-cs"/>
+              </a:defRPr>
+            </a:lvl4pPr>
+            <a:lvl5pPr marL="1280160" indent="-182880" algn="l" defTabSz="914400" rtl="0" eaLnBrk="1" latinLnBrk="0" hangingPunct="1">
+              <a:lnSpc>
+                <a:spcPct val="90000"/>
+              </a:lnSpc>
+              <a:spcBef>
+                <a:spcPts val="200"/>
+              </a:spcBef>
+              <a:spcAft>
+                <a:spcPts val="400"/>
+              </a:spcAft>
+              <a:buClr>
+                <a:schemeClr val="accent1"/>
+              </a:buClr>
+              <a:buSzPct val="80000"/>
+              <a:buFont typeface="Corbel" pitchFamily="34" charset="0"/>
+              <a:buChar char="•"/>
+              <a:defRPr sz="1600" kern="1200">
+                <a:solidFill>
+                  <a:schemeClr val="accent1"/>
+                </a:solidFill>
+                <a:latin typeface="+mn-lt"/>
+                <a:ea typeface="+mn-ea"/>
+                <a:cs typeface="+mn-cs"/>
+              </a:defRPr>
+            </a:lvl5pPr>
+            <a:lvl6pPr marL="1600000" indent="-228600" algn="l" defTabSz="914400" rtl="0" eaLnBrk="1" latinLnBrk="0" hangingPunct="1">
+              <a:lnSpc>
+                <a:spcPct val="90000"/>
+              </a:lnSpc>
+              <a:spcBef>
+                <a:spcPts val="200"/>
+              </a:spcBef>
+              <a:spcAft>
+                <a:spcPts val="400"/>
+              </a:spcAft>
+              <a:buClr>
+                <a:schemeClr val="accent1"/>
+              </a:buClr>
+              <a:buSzPct val="80000"/>
+              <a:buFont typeface="Corbel" pitchFamily="34" charset="0"/>
+              <a:buChar char="•"/>
+              <a:defRPr sz="1600" kern="1200">
+                <a:solidFill>
+                  <a:schemeClr val="accent1"/>
+                </a:solidFill>
+                <a:latin typeface="+mn-lt"/>
+                <a:ea typeface="+mn-ea"/>
+                <a:cs typeface="+mn-cs"/>
+              </a:defRPr>
+            </a:lvl6pPr>
+            <a:lvl7pPr marL="1900000" indent="-228600" algn="l" defTabSz="914400" rtl="0" eaLnBrk="1" latinLnBrk="0" hangingPunct="1">
+              <a:lnSpc>
+                <a:spcPct val="90000"/>
+              </a:lnSpc>
+              <a:spcBef>
+                <a:spcPts val="200"/>
+              </a:spcBef>
+              <a:spcAft>
+                <a:spcPts val="400"/>
+              </a:spcAft>
+              <a:buClr>
+                <a:schemeClr val="accent1"/>
+              </a:buClr>
+              <a:buSzPct val="80000"/>
+              <a:buFont typeface="Corbel" pitchFamily="34" charset="0"/>
+              <a:buChar char="•"/>
+              <a:defRPr sz="1600" kern="1200">
+                <a:solidFill>
+                  <a:schemeClr val="accent1"/>
+                </a:solidFill>
+                <a:latin typeface="+mn-lt"/>
+                <a:ea typeface="+mn-ea"/>
+                <a:cs typeface="+mn-cs"/>
+              </a:defRPr>
+            </a:lvl7pPr>
+            <a:lvl8pPr marL="2200000" indent="-228600" algn="l" defTabSz="914400" rtl="0" eaLnBrk="1" latinLnBrk="0" hangingPunct="1">
+              <a:lnSpc>
+                <a:spcPct val="90000"/>
+              </a:lnSpc>
+              <a:spcBef>
+                <a:spcPts val="200"/>
+              </a:spcBef>
+              <a:spcAft>
+                <a:spcPts val="400"/>
+              </a:spcAft>
+              <a:buClr>
+                <a:schemeClr val="accent1"/>
+              </a:buClr>
+              <a:buSzPct val="80000"/>
+              <a:buFont typeface="Corbel" pitchFamily="34" charset="0"/>
+              <a:buChar char="•"/>
+              <a:defRPr sz="1600" kern="1200">
+                <a:solidFill>
+                  <a:schemeClr val="accent1"/>
+                </a:solidFill>
+                <a:latin typeface="+mn-lt"/>
+                <a:ea typeface="+mn-ea"/>
+                <a:cs typeface="+mn-cs"/>
+              </a:defRPr>
+            </a:lvl8pPr>
+            <a:lvl9pPr marL="2500000" indent="-228600" algn="l" defTabSz="914400" rtl="0" eaLnBrk="1" latinLnBrk="0" hangingPunct="1">
+              <a:lnSpc>
+                <a:spcPct val="90000"/>
+              </a:lnSpc>
+              <a:spcBef>
+                <a:spcPts val="200"/>
+              </a:spcBef>
+              <a:spcAft>
+                <a:spcPts val="400"/>
+              </a:spcAft>
+              <a:buClr>
+                <a:schemeClr val="accent1"/>
+              </a:buClr>
+              <a:buSzPct val="80000"/>
+              <a:buFont typeface="Corbel" pitchFamily="34" charset="0"/>
+              <a:buChar char="•"/>
+              <a:defRPr sz="1600" kern="1200">
+                <a:solidFill>
+                  <a:schemeClr val="accent1"/>
+                </a:solidFill>
+                <a:latin typeface="+mn-lt"/>
+                <a:ea typeface="+mn-ea"/>
+                <a:cs typeface="+mn-cs"/>
+              </a:defRPr>
+            </a:lvl9pPr>
+          </a:lstStyle>
+          <a:p>
+            <a:pPr marL="45720" indent="0">
+              <a:buFont typeface="Corbel" pitchFamily="34" charset="0"/>
+              <a:buNone/>
+            </a:pPr>
+            <a:r>
+              <a:rPr lang="de-CH" dirty="0"/>
+              <a:t>Schwächen von MySQL</a:t>
+            </a:r>
+          </a:p>
+          <a:p>
+            <a:r>
+              <a:rPr lang="de-CH" dirty="0"/>
+              <a:t>Eignet sich weniger für grosse Projekte</a:t>
+            </a:r>
+          </a:p>
+          <a:p>
+            <a:endParaRPr lang="de-CH" dirty="0"/>
+          </a:p>
+        </p:txBody>
+      </p:sp>
+      <p:sp>
+        <p:nvSpPr>
+          <p:cNvPr id="9" name="Content Placeholder 2">
+            <a:extLst>
+              <a:ext uri="{FF2B5EF4-FFF2-40B4-BE49-F238E27FC236}">
+                <a16:creationId xmlns:a16="http://schemas.microsoft.com/office/drawing/2014/main" id="{85600DC0-A92C-4215-990A-D99AB4C7154A}"/>
+              </a:ext>
+            </a:extLst>
+          </p:cNvPr>
+          <p:cNvSpPr txBox="1">
+            <a:spLocks/>
+          </p:cNvSpPr>
+          <p:nvPr/>
+        </p:nvSpPr>
+        <p:spPr>
+          <a:xfrm>
+            <a:off x="6232124" y="2535928"/>
+            <a:ext cx="4287915" cy="385698"/>
+          </a:xfrm>
+          <a:prstGeom prst="rect">
+            <a:avLst/>
+          </a:prstGeom>
+        </p:spPr>
+        <p:txBody>
+          <a:bodyPr vert="horz" lIns="91440" tIns="45720" rIns="91440" bIns="45720" rtlCol="0">
+            <a:normAutofit lnSpcReduction="10000"/>
+          </a:bodyPr>
+          <a:lstStyle>
+            <a:lvl1pPr marL="228600" indent="-182880" algn="l" defTabSz="914400" rtl="0" eaLnBrk="1" latinLnBrk="0" hangingPunct="1">
+              <a:lnSpc>
+                <a:spcPct val="90000"/>
+              </a:lnSpc>
+              <a:spcBef>
+                <a:spcPts val="1400"/>
+              </a:spcBef>
+              <a:buClr>
+                <a:schemeClr val="accent1"/>
+              </a:buClr>
+              <a:buSzPct val="80000"/>
+              <a:buFont typeface="Corbel" pitchFamily="34" charset="0"/>
+              <a:buChar char="•"/>
+              <a:defRPr sz="2200" kern="1200">
+                <a:solidFill>
+                  <a:schemeClr val="accent1"/>
+                </a:solidFill>
+                <a:latin typeface="+mn-lt"/>
+                <a:ea typeface="+mn-ea"/>
+                <a:cs typeface="+mn-cs"/>
+              </a:defRPr>
+            </a:lvl1pPr>
+            <a:lvl2pPr marL="457200" indent="-182880" algn="l" defTabSz="914400" rtl="0" eaLnBrk="1" latinLnBrk="0" hangingPunct="1">
+              <a:lnSpc>
+                <a:spcPct val="90000"/>
+              </a:lnSpc>
+              <a:spcBef>
+                <a:spcPts val="200"/>
+              </a:spcBef>
+              <a:spcAft>
+                <a:spcPts val="400"/>
+              </a:spcAft>
+              <a:buClr>
+                <a:schemeClr val="accent1"/>
+              </a:buClr>
+              <a:buSzPct val="80000"/>
+              <a:buFont typeface="Corbel" pitchFamily="34" charset="0"/>
+              <a:buChar char="•"/>
+              <a:defRPr sz="2000" kern="1200">
+                <a:solidFill>
+                  <a:schemeClr val="accent1"/>
+                </a:solidFill>
+                <a:latin typeface="+mn-lt"/>
+                <a:ea typeface="+mn-ea"/>
+                <a:cs typeface="+mn-cs"/>
+              </a:defRPr>
+            </a:lvl2pPr>
+            <a:lvl3pPr marL="731520" indent="-182880" algn="l" defTabSz="914400" rtl="0" eaLnBrk="1" latinLnBrk="0" hangingPunct="1">
+              <a:lnSpc>
+                <a:spcPct val="90000"/>
+              </a:lnSpc>
+              <a:spcBef>
+                <a:spcPts val="200"/>
+              </a:spcBef>
+              <a:spcAft>
+                <a:spcPts val="400"/>
+              </a:spcAft>
+              <a:buClr>
+                <a:schemeClr val="accent1"/>
+              </a:buClr>
+              <a:buSzPct val="80000"/>
+              <a:buFont typeface="Corbel" pitchFamily="34" charset="0"/>
+              <a:buChar char="•"/>
+              <a:defRPr sz="1800" kern="1200">
+                <a:solidFill>
+                  <a:schemeClr val="accent1"/>
+                </a:solidFill>
+                <a:latin typeface="+mn-lt"/>
+                <a:ea typeface="+mn-ea"/>
+                <a:cs typeface="+mn-cs"/>
+              </a:defRPr>
+            </a:lvl3pPr>
+            <a:lvl4pPr marL="1005840" indent="-182880" algn="l" defTabSz="914400" rtl="0" eaLnBrk="1" latinLnBrk="0" hangingPunct="1">
+              <a:lnSpc>
+                <a:spcPct val="90000"/>
+              </a:lnSpc>
+              <a:spcBef>
+                <a:spcPts val="200"/>
+              </a:spcBef>
+              <a:spcAft>
+                <a:spcPts val="400"/>
+              </a:spcAft>
+              <a:buClr>
+                <a:schemeClr val="accent1"/>
+              </a:buClr>
+              <a:buSzPct val="80000"/>
+              <a:buFont typeface="Corbel" pitchFamily="34" charset="0"/>
+              <a:buChar char="•"/>
+              <a:defRPr sz="1600" kern="1200">
+                <a:solidFill>
+                  <a:schemeClr val="accent1"/>
+                </a:solidFill>
+                <a:latin typeface="+mn-lt"/>
+                <a:ea typeface="+mn-ea"/>
+                <a:cs typeface="+mn-cs"/>
+              </a:defRPr>
+            </a:lvl4pPr>
+            <a:lvl5pPr marL="1280160" indent="-182880" algn="l" defTabSz="914400" rtl="0" eaLnBrk="1" latinLnBrk="0" hangingPunct="1">
+              <a:lnSpc>
+                <a:spcPct val="90000"/>
+              </a:lnSpc>
+              <a:spcBef>
+                <a:spcPts val="200"/>
+              </a:spcBef>
+              <a:spcAft>
+                <a:spcPts val="400"/>
+              </a:spcAft>
+              <a:buClr>
+                <a:schemeClr val="accent1"/>
+              </a:buClr>
+              <a:buSzPct val="80000"/>
+              <a:buFont typeface="Corbel" pitchFamily="34" charset="0"/>
+              <a:buChar char="•"/>
+              <a:defRPr sz="1600" kern="1200">
+                <a:solidFill>
+                  <a:schemeClr val="accent1"/>
+                </a:solidFill>
+                <a:latin typeface="+mn-lt"/>
+                <a:ea typeface="+mn-ea"/>
+                <a:cs typeface="+mn-cs"/>
+              </a:defRPr>
+            </a:lvl5pPr>
+            <a:lvl6pPr marL="1600000" indent="-228600" algn="l" defTabSz="914400" rtl="0" eaLnBrk="1" latinLnBrk="0" hangingPunct="1">
+              <a:lnSpc>
+                <a:spcPct val="90000"/>
+              </a:lnSpc>
+              <a:spcBef>
+                <a:spcPts val="200"/>
+              </a:spcBef>
+              <a:spcAft>
+                <a:spcPts val="400"/>
+              </a:spcAft>
+              <a:buClr>
+                <a:schemeClr val="accent1"/>
+              </a:buClr>
+              <a:buSzPct val="80000"/>
+              <a:buFont typeface="Corbel" pitchFamily="34" charset="0"/>
+              <a:buChar char="•"/>
+              <a:defRPr sz="1600" kern="1200">
+                <a:solidFill>
+                  <a:schemeClr val="accent1"/>
+                </a:solidFill>
+                <a:latin typeface="+mn-lt"/>
+                <a:ea typeface="+mn-ea"/>
+                <a:cs typeface="+mn-cs"/>
+              </a:defRPr>
+            </a:lvl6pPr>
+            <a:lvl7pPr marL="1900000" indent="-228600" algn="l" defTabSz="914400" rtl="0" eaLnBrk="1" latinLnBrk="0" hangingPunct="1">
+              <a:lnSpc>
+                <a:spcPct val="90000"/>
+              </a:lnSpc>
+              <a:spcBef>
+                <a:spcPts val="200"/>
+              </a:spcBef>
+              <a:spcAft>
+                <a:spcPts val="400"/>
+              </a:spcAft>
+              <a:buClr>
+                <a:schemeClr val="accent1"/>
+              </a:buClr>
+              <a:buSzPct val="80000"/>
+              <a:buFont typeface="Corbel" pitchFamily="34" charset="0"/>
+              <a:buChar char="•"/>
+              <a:defRPr sz="1600" kern="1200">
+                <a:solidFill>
+                  <a:schemeClr val="accent1"/>
+                </a:solidFill>
+                <a:latin typeface="+mn-lt"/>
+                <a:ea typeface="+mn-ea"/>
+                <a:cs typeface="+mn-cs"/>
+              </a:defRPr>
+            </a:lvl7pPr>
+            <a:lvl8pPr marL="2200000" indent="-228600" algn="l" defTabSz="914400" rtl="0" eaLnBrk="1" latinLnBrk="0" hangingPunct="1">
+              <a:lnSpc>
+                <a:spcPct val="90000"/>
+              </a:lnSpc>
+              <a:spcBef>
+                <a:spcPts val="200"/>
+              </a:spcBef>
+              <a:spcAft>
+                <a:spcPts val="400"/>
+              </a:spcAft>
+              <a:buClr>
+                <a:schemeClr val="accent1"/>
+              </a:buClr>
+              <a:buSzPct val="80000"/>
+              <a:buFont typeface="Corbel" pitchFamily="34" charset="0"/>
+              <a:buChar char="•"/>
+              <a:defRPr sz="1600" kern="1200">
+                <a:solidFill>
+                  <a:schemeClr val="accent1"/>
+                </a:solidFill>
+                <a:latin typeface="+mn-lt"/>
+                <a:ea typeface="+mn-ea"/>
+                <a:cs typeface="+mn-cs"/>
+              </a:defRPr>
+            </a:lvl8pPr>
+            <a:lvl9pPr marL="2500000" indent="-228600" algn="l" defTabSz="914400" rtl="0" eaLnBrk="1" latinLnBrk="0" hangingPunct="1">
+              <a:lnSpc>
+                <a:spcPct val="90000"/>
+              </a:lnSpc>
+              <a:spcBef>
+                <a:spcPts val="200"/>
+              </a:spcBef>
+              <a:spcAft>
+                <a:spcPts val="400"/>
+              </a:spcAft>
+              <a:buClr>
+                <a:schemeClr val="accent1"/>
+              </a:buClr>
+              <a:buSzPct val="80000"/>
+              <a:buFont typeface="Corbel" pitchFamily="34" charset="0"/>
+              <a:buChar char="•"/>
+              <a:defRPr sz="1600" kern="1200">
+                <a:solidFill>
+                  <a:schemeClr val="accent1"/>
+                </a:solidFill>
+                <a:latin typeface="+mn-lt"/>
+                <a:ea typeface="+mn-ea"/>
+                <a:cs typeface="+mn-cs"/>
+              </a:defRPr>
+            </a:lvl9pPr>
+          </a:lstStyle>
+          <a:p>
+            <a:pPr marL="45720" indent="0">
+              <a:buFont typeface="Corbel" pitchFamily="34" charset="0"/>
+              <a:buNone/>
+            </a:pPr>
+            <a:r>
+              <a:rPr lang="de-CH" dirty="0"/>
+              <a:t>Vorkenntnisse : genügend - gut</a:t>
+            </a:r>
+          </a:p>
+        </p:txBody>
+      </p:sp>
+      <p:sp>
+        <p:nvSpPr>
+          <p:cNvPr id="10" name="Content Placeholder 2">
+            <a:extLst>
+              <a:ext uri="{FF2B5EF4-FFF2-40B4-BE49-F238E27FC236}">
+                <a16:creationId xmlns:a16="http://schemas.microsoft.com/office/drawing/2014/main" id="{64335B8D-2C26-42C0-8A0C-8488E60B2424}"/>
+              </a:ext>
+            </a:extLst>
+          </p:cNvPr>
+          <p:cNvSpPr txBox="1">
+            <a:spLocks/>
+          </p:cNvSpPr>
+          <p:nvPr/>
+        </p:nvSpPr>
+        <p:spPr>
+          <a:xfrm>
+            <a:off x="1069020" y="2432758"/>
+            <a:ext cx="6838024" cy="898864"/>
+          </a:xfrm>
+          <a:prstGeom prst="rect">
+            <a:avLst/>
+          </a:prstGeom>
+        </p:spPr>
+        <p:txBody>
+          <a:bodyPr vert="horz" lIns="91440" tIns="45720" rIns="91440" bIns="45720" rtlCol="0">
+            <a:normAutofit/>
+          </a:bodyPr>
+          <a:lstStyle>
+            <a:lvl1pPr marL="228600" indent="-182880" algn="l" defTabSz="914400" rtl="0" eaLnBrk="1" latinLnBrk="0" hangingPunct="1">
+              <a:lnSpc>
+                <a:spcPct val="90000"/>
+              </a:lnSpc>
+              <a:spcBef>
+                <a:spcPts val="1400"/>
+              </a:spcBef>
+              <a:buClr>
+                <a:schemeClr val="accent1"/>
+              </a:buClr>
+              <a:buSzPct val="80000"/>
+              <a:buFont typeface="Corbel" pitchFamily="34" charset="0"/>
+              <a:buChar char="•"/>
+              <a:defRPr sz="2200" kern="1200">
+                <a:solidFill>
+                  <a:schemeClr val="accent1"/>
+                </a:solidFill>
+                <a:latin typeface="+mn-lt"/>
+                <a:ea typeface="+mn-ea"/>
+                <a:cs typeface="+mn-cs"/>
+              </a:defRPr>
+            </a:lvl1pPr>
+            <a:lvl2pPr marL="457200" indent="-182880" algn="l" defTabSz="914400" rtl="0" eaLnBrk="1" latinLnBrk="0" hangingPunct="1">
+              <a:lnSpc>
+                <a:spcPct val="90000"/>
+              </a:lnSpc>
+              <a:spcBef>
+                <a:spcPts val="200"/>
+              </a:spcBef>
+              <a:spcAft>
+                <a:spcPts val="400"/>
+              </a:spcAft>
+              <a:buClr>
+                <a:schemeClr val="accent1"/>
+              </a:buClr>
+              <a:buSzPct val="80000"/>
+              <a:buFont typeface="Corbel" pitchFamily="34" charset="0"/>
+              <a:buChar char="•"/>
+              <a:defRPr sz="2000" kern="1200">
+                <a:solidFill>
+                  <a:schemeClr val="accent1"/>
+                </a:solidFill>
+                <a:latin typeface="+mn-lt"/>
+                <a:ea typeface="+mn-ea"/>
+                <a:cs typeface="+mn-cs"/>
+              </a:defRPr>
+            </a:lvl2pPr>
+            <a:lvl3pPr marL="731520" indent="-182880" algn="l" defTabSz="914400" rtl="0" eaLnBrk="1" latinLnBrk="0" hangingPunct="1">
+              <a:lnSpc>
+                <a:spcPct val="90000"/>
+              </a:lnSpc>
+              <a:spcBef>
+                <a:spcPts val="200"/>
+              </a:spcBef>
+              <a:spcAft>
+                <a:spcPts val="400"/>
+              </a:spcAft>
+              <a:buClr>
+                <a:schemeClr val="accent1"/>
+              </a:buClr>
+              <a:buSzPct val="80000"/>
+              <a:buFont typeface="Corbel" pitchFamily="34" charset="0"/>
+              <a:buChar char="•"/>
+              <a:defRPr sz="1800" kern="1200">
+                <a:solidFill>
+                  <a:schemeClr val="accent1"/>
+                </a:solidFill>
+                <a:latin typeface="+mn-lt"/>
+                <a:ea typeface="+mn-ea"/>
+                <a:cs typeface="+mn-cs"/>
+              </a:defRPr>
+            </a:lvl3pPr>
+            <a:lvl4pPr marL="1005840" indent="-182880" algn="l" defTabSz="914400" rtl="0" eaLnBrk="1" latinLnBrk="0" hangingPunct="1">
+              <a:lnSpc>
+                <a:spcPct val="90000"/>
+              </a:lnSpc>
+              <a:spcBef>
+                <a:spcPts val="200"/>
+              </a:spcBef>
+              <a:spcAft>
+                <a:spcPts val="400"/>
+              </a:spcAft>
+              <a:buClr>
+                <a:schemeClr val="accent1"/>
+              </a:buClr>
+              <a:buSzPct val="80000"/>
+              <a:buFont typeface="Corbel" pitchFamily="34" charset="0"/>
+              <a:buChar char="•"/>
+              <a:defRPr sz="1600" kern="1200">
+                <a:solidFill>
+                  <a:schemeClr val="accent1"/>
+                </a:solidFill>
+                <a:latin typeface="+mn-lt"/>
+                <a:ea typeface="+mn-ea"/>
+                <a:cs typeface="+mn-cs"/>
+              </a:defRPr>
+            </a:lvl4pPr>
+            <a:lvl5pPr marL="1280160" indent="-182880" algn="l" defTabSz="914400" rtl="0" eaLnBrk="1" latinLnBrk="0" hangingPunct="1">
+              <a:lnSpc>
+                <a:spcPct val="90000"/>
+              </a:lnSpc>
+              <a:spcBef>
+                <a:spcPts val="200"/>
+              </a:spcBef>
+              <a:spcAft>
+                <a:spcPts val="400"/>
+              </a:spcAft>
+              <a:buClr>
+                <a:schemeClr val="accent1"/>
+              </a:buClr>
+              <a:buSzPct val="80000"/>
+              <a:buFont typeface="Corbel" pitchFamily="34" charset="0"/>
+              <a:buChar char="•"/>
+              <a:defRPr sz="1600" kern="1200">
+                <a:solidFill>
+                  <a:schemeClr val="accent1"/>
+                </a:solidFill>
+                <a:latin typeface="+mn-lt"/>
+                <a:ea typeface="+mn-ea"/>
+                <a:cs typeface="+mn-cs"/>
+              </a:defRPr>
+            </a:lvl5pPr>
+            <a:lvl6pPr marL="1600000" indent="-228600" algn="l" defTabSz="914400" rtl="0" eaLnBrk="1" latinLnBrk="0" hangingPunct="1">
+              <a:lnSpc>
+                <a:spcPct val="90000"/>
+              </a:lnSpc>
+              <a:spcBef>
+                <a:spcPts val="200"/>
+              </a:spcBef>
+              <a:spcAft>
+                <a:spcPts val="400"/>
+              </a:spcAft>
+              <a:buClr>
+                <a:schemeClr val="accent1"/>
+              </a:buClr>
+              <a:buSzPct val="80000"/>
+              <a:buFont typeface="Corbel" pitchFamily="34" charset="0"/>
+              <a:buChar char="•"/>
+              <a:defRPr sz="1600" kern="1200">
+                <a:solidFill>
+                  <a:schemeClr val="accent1"/>
+                </a:solidFill>
+                <a:latin typeface="+mn-lt"/>
+                <a:ea typeface="+mn-ea"/>
+                <a:cs typeface="+mn-cs"/>
+              </a:defRPr>
+            </a:lvl6pPr>
+            <a:lvl7pPr marL="1900000" indent="-228600" algn="l" defTabSz="914400" rtl="0" eaLnBrk="1" latinLnBrk="0" hangingPunct="1">
+              <a:lnSpc>
+                <a:spcPct val="90000"/>
+              </a:lnSpc>
+              <a:spcBef>
+                <a:spcPts val="200"/>
+              </a:spcBef>
+              <a:spcAft>
+                <a:spcPts val="400"/>
+              </a:spcAft>
+              <a:buClr>
+                <a:schemeClr val="accent1"/>
+              </a:buClr>
+              <a:buSzPct val="80000"/>
+              <a:buFont typeface="Corbel" pitchFamily="34" charset="0"/>
+              <a:buChar char="•"/>
+              <a:defRPr sz="1600" kern="1200">
+                <a:solidFill>
+                  <a:schemeClr val="accent1"/>
+                </a:solidFill>
+                <a:latin typeface="+mn-lt"/>
+                <a:ea typeface="+mn-ea"/>
+                <a:cs typeface="+mn-cs"/>
+              </a:defRPr>
+            </a:lvl7pPr>
+            <a:lvl8pPr marL="2200000" indent="-228600" algn="l" defTabSz="914400" rtl="0" eaLnBrk="1" latinLnBrk="0" hangingPunct="1">
+              <a:lnSpc>
+                <a:spcPct val="90000"/>
+              </a:lnSpc>
+              <a:spcBef>
+                <a:spcPts val="200"/>
+              </a:spcBef>
+              <a:spcAft>
+                <a:spcPts val="400"/>
+              </a:spcAft>
+              <a:buClr>
+                <a:schemeClr val="accent1"/>
+              </a:buClr>
+              <a:buSzPct val="80000"/>
+              <a:buFont typeface="Corbel" pitchFamily="34" charset="0"/>
+              <a:buChar char="•"/>
+              <a:defRPr sz="1600" kern="1200">
+                <a:solidFill>
+                  <a:schemeClr val="accent1"/>
+                </a:solidFill>
+                <a:latin typeface="+mn-lt"/>
+                <a:ea typeface="+mn-ea"/>
+                <a:cs typeface="+mn-cs"/>
+              </a:defRPr>
+            </a:lvl8pPr>
+            <a:lvl9pPr marL="2500000" indent="-228600" algn="l" defTabSz="914400" rtl="0" eaLnBrk="1" latinLnBrk="0" hangingPunct="1">
+              <a:lnSpc>
+                <a:spcPct val="90000"/>
+              </a:lnSpc>
+              <a:spcBef>
+                <a:spcPts val="200"/>
+              </a:spcBef>
+              <a:spcAft>
+                <a:spcPts val="400"/>
+              </a:spcAft>
+              <a:buClr>
+                <a:schemeClr val="accent1"/>
+              </a:buClr>
+              <a:buSzPct val="80000"/>
+              <a:buFont typeface="Corbel" pitchFamily="34" charset="0"/>
+              <a:buChar char="•"/>
+              <a:defRPr sz="1600" kern="1200">
+                <a:solidFill>
+                  <a:schemeClr val="accent1"/>
+                </a:solidFill>
+                <a:latin typeface="+mn-lt"/>
+                <a:ea typeface="+mn-ea"/>
+                <a:cs typeface="+mn-cs"/>
+              </a:defRPr>
+            </a:lvl9pPr>
+          </a:lstStyle>
+          <a:p>
+            <a:pPr marL="45720" indent="0">
+              <a:buFont typeface="Corbel" pitchFamily="34" charset="0"/>
+              <a:buNone/>
+            </a:pPr>
+            <a:r>
+              <a:rPr lang="de-CH" dirty="0"/>
+              <a:t>Was ist </a:t>
+            </a:r>
+            <a:r>
+              <a:rPr lang="de-CH" dirty="0" err="1"/>
+              <a:t>VueJS</a:t>
+            </a:r>
+            <a:endParaRPr lang="de-CH" dirty="0"/>
+          </a:p>
+          <a:p>
+            <a:r>
+              <a:rPr lang="de-CH" dirty="0"/>
+              <a:t>Ist ein JavaScript Framework</a:t>
+            </a:r>
+          </a:p>
+        </p:txBody>
+      </p:sp>
+    </p:spTree>
+    <p:extLst>
+      <p:ext uri="{BB962C8B-B14F-4D97-AF65-F5344CB8AC3E}">
+        <p14:creationId xmlns:p14="http://schemas.microsoft.com/office/powerpoint/2010/main" val="26606654"/>
+      </p:ext>
+    </p:extLst>
+  </p:cSld>
+  <p:clrMapOvr>
+    <a:masterClrMapping/>
+  </p:clrMapOvr>
+</p:sld>
+</file>
+
+<file path=ppt/slides/slide11.xml><?xml version="1.0" encoding="utf-8"?>
+<p:sld xmlns:a="http://schemas.openxmlformats.org/drawingml/2006/main" xmlns:r="http://schemas.openxmlformats.org/officeDocument/2006/relationships" xmlns:p="http://schemas.openxmlformats.org/presentationml/2006/main">
+  <p:cSld>
+    <p:spTree>
+      <p:nvGrpSpPr>
+        <p:cNvPr id="1" name=""/>
+        <p:cNvGrpSpPr/>
+        <p:nvPr/>
+      </p:nvGrpSpPr>
+      <p:grpSpPr>
+        <a:xfrm>
+          <a:off x="0" y="0"/>
+          <a:ext cx="0" cy="0"/>
+          <a:chOff x="0" y="0"/>
+          <a:chExt cx="0" cy="0"/>
+        </a:xfrm>
+      </p:grpSpPr>
       <p:pic>
         <p:nvPicPr>
           <p:cNvPr id="25" name="Picture 24" descr="Diagram&#10;&#10;Description automatically generated">
@@ -4158,7 +5408,7 @@
 </p:sld>
 </file>
 
-<file path=ppt/slides/slide11.xml><?xml version="1.0" encoding="utf-8"?>
+<file path=ppt/slides/slide12.xml><?xml version="1.0" encoding="utf-8"?>
 <p:sld xmlns:a="http://schemas.openxmlformats.org/drawingml/2006/main" xmlns:r="http://schemas.openxmlformats.org/officeDocument/2006/relationships" xmlns:p="http://schemas.openxmlformats.org/presentationml/2006/main">
   <p:cSld>
     <p:spTree>
@@ -4275,7 +5525,7 @@
 </p:sld>
 </file>
 
-<file path=ppt/slides/slide12.xml><?xml version="1.0" encoding="utf-8"?>
+<file path=ppt/slides/slide13.xml><?xml version="1.0" encoding="utf-8"?>
 <p:sld xmlns:a="http://schemas.openxmlformats.org/drawingml/2006/main" xmlns:r="http://schemas.openxmlformats.org/officeDocument/2006/relationships" xmlns:p="http://schemas.openxmlformats.org/presentationml/2006/main">
   <p:cSld>
     <p:spTree>
@@ -4950,7 +6200,7 @@
 </p:sld>
 </file>
 
-<file path=ppt/slides/slide13.xml><?xml version="1.0" encoding="utf-8"?>
+<file path=ppt/slides/slide14.xml><?xml version="1.0" encoding="utf-8"?>
 <p:sld xmlns:a="http://schemas.openxmlformats.org/drawingml/2006/main" xmlns:r="http://schemas.openxmlformats.org/officeDocument/2006/relationships" xmlns:p="http://schemas.openxmlformats.org/presentationml/2006/main">
   <p:cSld>
     <p:spTree>
@@ -5014,7 +6264,7 @@
 </p:sld>
 </file>
 
-<file path=ppt/slides/slide14.xml><?xml version="1.0" encoding="utf-8"?>
+<file path=ppt/slides/slide15.xml><?xml version="1.0" encoding="utf-8"?>
 <p:sld xmlns:a="http://schemas.openxmlformats.org/drawingml/2006/main" xmlns:r="http://schemas.openxmlformats.org/officeDocument/2006/relationships" xmlns:p="http://schemas.openxmlformats.org/presentationml/2006/main" show="0">
   <p:cSld>
     <p:spTree>
@@ -5031,6 +6281,50 @@
           <a:chExt cx="0" cy="0"/>
         </a:xfrm>
       </p:grpSpPr>
+      <p:pic>
+        <p:nvPicPr>
+          <p:cNvPr id="24" name="Grafik 23">
+            <a:extLst>
+              <a:ext uri="{FF2B5EF4-FFF2-40B4-BE49-F238E27FC236}">
+                <a16:creationId xmlns:a16="http://schemas.microsoft.com/office/drawing/2014/main" id="{D79074E4-4600-48C9-BEEC-51F636EA1489}"/>
+              </a:ext>
+            </a:extLst>
+          </p:cNvPr>
+          <p:cNvPicPr>
+            <a:picLocks noChangeAspect="1"/>
+          </p:cNvPicPr>
+          <p:nvPr/>
+        </p:nvPicPr>
+        <p:blipFill>
+          <a:blip r:embed="rId2"/>
+          <a:stretch>
+            <a:fillRect/>
+          </a:stretch>
+        </p:blipFill>
+        <p:spPr>
+          <a:xfrm>
+            <a:off x="1871431" y="3902451"/>
+            <a:ext cx="3757237" cy="2542244"/>
+          </a:xfrm>
+          <a:prstGeom prst="rect">
+            <a:avLst/>
+          </a:prstGeom>
+          <a:ln w="38100" cap="sq">
+            <a:solidFill>
+              <a:srgbClr val="000000"/>
+            </a:solidFill>
+            <a:prstDash val="solid"/>
+            <a:miter lim="800000"/>
+          </a:ln>
+          <a:effectLst>
+            <a:outerShdw blurRad="50800" dist="38100" dir="2700000" algn="tl" rotWithShape="0">
+              <a:srgbClr val="000000">
+                <a:alpha val="43000"/>
+              </a:srgbClr>
+            </a:outerShdw>
+          </a:effectLst>
+        </p:spPr>
+      </p:pic>
       <p:pic>
         <p:nvPicPr>
           <p:cNvPr id="37" name="Grafik 36">
@@ -5077,10 +6371,10 @@
       </p:pic>
       <p:pic>
         <p:nvPicPr>
-          <p:cNvPr id="24" name="Grafik 23">
+          <p:cNvPr id="17" name="Grafik 16">
             <a:extLst>
               <a:ext uri="{FF2B5EF4-FFF2-40B4-BE49-F238E27FC236}">
-                <a16:creationId xmlns:a16="http://schemas.microsoft.com/office/drawing/2014/main" id="{D79074E4-4600-48C9-BEEC-51F636EA1489}"/>
+                <a16:creationId xmlns:a16="http://schemas.microsoft.com/office/drawing/2014/main" id="{3B7BFAC6-38E4-4CFE-BBD9-616992F7443F}"/>
               </a:ext>
             </a:extLst>
           </p:cNvPr>
@@ -5090,15 +6384,15 @@
           <p:nvPr/>
         </p:nvPicPr>
         <p:blipFill>
-          <a:blip r:embed="rId2"/>
+          <a:blip r:embed="rId3"/>
           <a:stretch>
             <a:fillRect/>
           </a:stretch>
         </p:blipFill>
         <p:spPr>
           <a:xfrm>
-            <a:off x="1871431" y="3902451"/>
-            <a:ext cx="3757237" cy="2542244"/>
+            <a:off x="3950613" y="4345702"/>
+            <a:ext cx="2175686" cy="2098994"/>
           </a:xfrm>
           <a:prstGeom prst="rect">
             <a:avLst/>
@@ -5134,7 +6428,7 @@
           <p:nvPr/>
         </p:nvPicPr>
         <p:blipFill rotWithShape="1">
-          <a:blip r:embed="rId3"/>
+          <a:blip r:embed="rId4"/>
           <a:srcRect l="4468" t="5169" r="3231" b="5092"/>
           <a:stretch/>
         </p:blipFill>
@@ -5177,7 +6471,7 @@
           <p:nvPr/>
         </p:nvPicPr>
         <p:blipFill>
-          <a:blip r:embed="rId4"/>
+          <a:blip r:embed="rId5"/>
           <a:stretch>
             <a:fillRect/>
           </a:stretch>
@@ -5186,56 +6480,6 @@
           <a:xfrm>
             <a:off x="1871431" y="2280266"/>
             <a:ext cx="1724266" cy="1619476"/>
-          </a:xfrm>
-          <a:prstGeom prst="rect">
-            <a:avLst/>
-          </a:prstGeom>
-          <a:ln w="38100" cap="sq">
-            <a:solidFill>
-              <a:srgbClr val="000000"/>
-            </a:solidFill>
-            <a:prstDash val="solid"/>
-            <a:miter lim="800000"/>
-          </a:ln>
-          <a:effectLst>
-            <a:outerShdw blurRad="50800" dist="38100" dir="2700000" algn="tl" rotWithShape="0">
-              <a:srgbClr val="000000">
-                <a:alpha val="43000"/>
-              </a:srgbClr>
-            </a:outerShdw>
-          </a:effectLst>
-        </p:spPr>
-      </p:pic>
-      <p:pic>
-        <p:nvPicPr>
-          <p:cNvPr id="9" name="Grafik 8">
-            <a:extLst>
-              <a:ext uri="{FF2B5EF4-FFF2-40B4-BE49-F238E27FC236}">
-                <a16:creationId xmlns:a16="http://schemas.microsoft.com/office/drawing/2014/main" id="{67C87EA2-AAD7-4A92-8A10-4E4E45D14201}"/>
-              </a:ext>
-            </a:extLst>
-          </p:cNvPr>
-          <p:cNvPicPr>
-            <a:picLocks noChangeAspect="1"/>
-          </p:cNvPicPr>
-          <p:nvPr/>
-        </p:nvPicPr>
-        <p:blipFill>
-          <a:blip r:embed="rId5">
-            <a:extLst>
-              <a:ext uri="{28A0092B-C50C-407E-A947-70E740481C1C}">
-                <a14:useLocalDpi xmlns:a14="http://schemas.microsoft.com/office/drawing/2010/main" val="0"/>
-              </a:ext>
-            </a:extLst>
-          </a:blip>
-          <a:stretch>
-            <a:fillRect/>
-          </a:stretch>
-        </p:blipFill>
-        <p:spPr>
-          <a:xfrm>
-            <a:off x="3516655" y="2276174"/>
-            <a:ext cx="3043930" cy="2025598"/>
           </a:xfrm>
           <a:prstGeom prst="rect">
             <a:avLst/>
@@ -5293,47 +6537,6 @@
             <a:r>
               <a:rPr lang="de-CH" sz="1400" dirty="0"/>
               <a:t>Projekte</a:t>
-            </a:r>
-          </a:p>
-        </p:txBody>
-      </p:sp>
-      <p:sp>
-        <p:nvSpPr>
-          <p:cNvPr id="11" name="Textfeld 10">
-            <a:extLst>
-              <a:ext uri="{FF2B5EF4-FFF2-40B4-BE49-F238E27FC236}">
-                <a16:creationId xmlns:a16="http://schemas.microsoft.com/office/drawing/2014/main" id="{C731A408-16FD-4924-A95F-C77A884977B5}"/>
-              </a:ext>
-            </a:extLst>
-          </p:cNvPr>
-          <p:cNvSpPr txBox="1"/>
-          <p:nvPr/>
-        </p:nvSpPr>
-        <p:spPr>
-          <a:xfrm>
-            <a:off x="4094742" y="3696595"/>
-            <a:ext cx="1745933" cy="307777"/>
-          </a:xfrm>
-          <a:prstGeom prst="rect">
-            <a:avLst/>
-          </a:prstGeom>
-          <a:solidFill>
-            <a:schemeClr val="tx2">
-              <a:lumMod val="40000"/>
-              <a:lumOff val="60000"/>
-            </a:schemeClr>
-          </a:solidFill>
-        </p:spPr>
-        <p:txBody>
-          <a:bodyPr wrap="square" rtlCol="0">
-            <a:spAutoFit/>
-          </a:bodyPr>
-          <a:lstStyle/>
-          <a:p>
-            <a:pPr algn="ctr"/>
-            <a:r>
-              <a:rPr lang="de-CH" sz="1400" dirty="0"/>
-              <a:t>Kommunikation</a:t>
             </a:r>
           </a:p>
         </p:txBody>
@@ -5463,50 +6666,6 @@
           </a:p>
         </p:txBody>
       </p:sp>
-      <p:pic>
-        <p:nvPicPr>
-          <p:cNvPr id="17" name="Grafik 16">
-            <a:extLst>
-              <a:ext uri="{FF2B5EF4-FFF2-40B4-BE49-F238E27FC236}">
-                <a16:creationId xmlns:a16="http://schemas.microsoft.com/office/drawing/2014/main" id="{3B7BFAC6-38E4-4CFE-BBD9-616992F7443F}"/>
-              </a:ext>
-            </a:extLst>
-          </p:cNvPr>
-          <p:cNvPicPr>
-            <a:picLocks noChangeAspect="1"/>
-          </p:cNvPicPr>
-          <p:nvPr/>
-        </p:nvPicPr>
-        <p:blipFill>
-          <a:blip r:embed="rId7"/>
-          <a:stretch>
-            <a:fillRect/>
-          </a:stretch>
-        </p:blipFill>
-        <p:spPr>
-          <a:xfrm>
-            <a:off x="3950613" y="4345702"/>
-            <a:ext cx="2175686" cy="2098994"/>
-          </a:xfrm>
-          <a:prstGeom prst="rect">
-            <a:avLst/>
-          </a:prstGeom>
-          <a:ln w="38100" cap="sq">
-            <a:solidFill>
-              <a:srgbClr val="000000"/>
-            </a:solidFill>
-            <a:prstDash val="solid"/>
-            <a:miter lim="800000"/>
-          </a:ln>
-          <a:effectLst>
-            <a:outerShdw blurRad="50800" dist="38100" dir="2700000" algn="tl" rotWithShape="0">
-              <a:srgbClr val="000000">
-                <a:alpha val="43000"/>
-              </a:srgbClr>
-            </a:outerShdw>
-          </a:effectLst>
-        </p:spPr>
-      </p:pic>
       <p:sp>
         <p:nvSpPr>
           <p:cNvPr id="18" name="Textfeld 17">
@@ -5563,7 +6722,7 @@
           <p:nvPr/>
         </p:nvPicPr>
         <p:blipFill>
-          <a:blip r:embed="rId8">
+          <a:blip r:embed="rId7">
             <a:extLst>
               <a:ext uri="{28A0092B-C50C-407E-A947-70E740481C1C}">
                 <a14:useLocalDpi xmlns:a14="http://schemas.microsoft.com/office/drawing/2010/main" val="0"/>
@@ -5599,7 +6758,7 @@
           <p:nvPr/>
         </p:nvPicPr>
         <p:blipFill>
-          <a:blip r:embed="rId9">
+          <a:blip r:embed="rId8">
             <a:extLst>
               <a:ext uri="{28A0092B-C50C-407E-A947-70E740481C1C}">
                 <a14:useLocalDpi xmlns:a14="http://schemas.microsoft.com/office/drawing/2010/main" val="0"/>
@@ -5776,7 +6935,7 @@
           <p:nvPr/>
         </p:nvPicPr>
         <p:blipFill>
-          <a:blip r:embed="rId10">
+          <a:blip r:embed="rId9">
             <a:extLst>
               <a:ext uri="{28A0092B-C50C-407E-A947-70E740481C1C}">
                 <a14:useLocalDpi xmlns:a14="http://schemas.microsoft.com/office/drawing/2010/main" val="0"/>
@@ -5812,7 +6971,7 @@
           <p:nvPr/>
         </p:nvPicPr>
         <p:blipFill>
-          <a:blip r:embed="rId11">
+          <a:blip r:embed="rId10">
             <a:extLst>
               <a:ext uri="{28A0092B-C50C-407E-A947-70E740481C1C}">
                 <a14:useLocalDpi xmlns:a14="http://schemas.microsoft.com/office/drawing/2010/main" val="0"/>
@@ -5848,7 +7007,7 @@
           <p:nvPr/>
         </p:nvPicPr>
         <p:blipFill>
-          <a:blip r:embed="rId12">
+          <a:blip r:embed="rId11">
             <a:extLst>
               <a:ext uri="{28A0092B-C50C-407E-A947-70E740481C1C}">
                 <a14:useLocalDpi xmlns:a14="http://schemas.microsoft.com/office/drawing/2010/main" val="0"/>
@@ -5910,6 +7069,398 @@
           </a:p>
         </p:txBody>
       </p:sp>
+      <p:grpSp>
+        <p:nvGrpSpPr>
+          <p:cNvPr id="27" name="Gruppieren 26">
+            <a:extLst>
+              <a:ext uri="{FF2B5EF4-FFF2-40B4-BE49-F238E27FC236}">
+                <a16:creationId xmlns:a16="http://schemas.microsoft.com/office/drawing/2014/main" id="{854D4B9D-A998-4B26-A6E7-C4E4B1E78EB9}"/>
+              </a:ext>
+            </a:extLst>
+          </p:cNvPr>
+          <p:cNvGrpSpPr/>
+          <p:nvPr/>
+        </p:nvGrpSpPr>
+        <p:grpSpPr>
+          <a:xfrm>
+            <a:off x="3468065" y="2234730"/>
+            <a:ext cx="3012969" cy="2098995"/>
+            <a:chOff x="3093434" y="440320"/>
+            <a:chExt cx="4283910" cy="2853127"/>
+          </a:xfrm>
+        </p:grpSpPr>
+        <p:grpSp>
+          <p:nvGrpSpPr>
+            <p:cNvPr id="29" name="Gruppieren 28">
+              <a:extLst>
+                <a:ext uri="{FF2B5EF4-FFF2-40B4-BE49-F238E27FC236}">
+                  <a16:creationId xmlns:a16="http://schemas.microsoft.com/office/drawing/2014/main" id="{0545ACCD-8257-46AE-B4E0-BFF6F1EBBD34}"/>
+                </a:ext>
+              </a:extLst>
+            </p:cNvPr>
+            <p:cNvGrpSpPr/>
+            <p:nvPr/>
+          </p:nvGrpSpPr>
+          <p:grpSpPr>
+            <a:xfrm>
+              <a:off x="3093434" y="440320"/>
+              <a:ext cx="4283910" cy="2853127"/>
+              <a:chOff x="3093434" y="440320"/>
+              <a:chExt cx="4283910" cy="2853127"/>
+            </a:xfrm>
+          </p:grpSpPr>
+          <p:pic>
+            <p:nvPicPr>
+              <p:cNvPr id="33" name="Grafik 32">
+                <a:extLst>
+                  <a:ext uri="{FF2B5EF4-FFF2-40B4-BE49-F238E27FC236}">
+                    <a16:creationId xmlns:a16="http://schemas.microsoft.com/office/drawing/2014/main" id="{6E757355-DC66-49F1-BFB7-413C9E141FAF}"/>
+                  </a:ext>
+                </a:extLst>
+              </p:cNvPr>
+              <p:cNvPicPr>
+                <a:picLocks noChangeAspect="1"/>
+              </p:cNvPicPr>
+              <p:nvPr/>
+            </p:nvPicPr>
+            <p:blipFill>
+              <a:blip r:embed="rId2"/>
+              <a:stretch>
+                <a:fillRect/>
+              </a:stretch>
+            </p:blipFill>
+            <p:spPr>
+              <a:xfrm>
+                <a:off x="3093434" y="440320"/>
+                <a:ext cx="4283910" cy="2853127"/>
+              </a:xfrm>
+              <a:prstGeom prst="rect">
+                <a:avLst/>
+              </a:prstGeom>
+              <a:ln w="38100" cap="sq">
+                <a:solidFill>
+                  <a:srgbClr val="000000"/>
+                </a:solidFill>
+                <a:prstDash val="solid"/>
+                <a:miter lim="800000"/>
+              </a:ln>
+              <a:effectLst>
+                <a:outerShdw blurRad="50800" dist="38100" dir="2700000" algn="tl" rotWithShape="0">
+                  <a:srgbClr val="000000">
+                    <a:alpha val="43000"/>
+                  </a:srgbClr>
+                </a:outerShdw>
+              </a:effectLst>
+            </p:spPr>
+          </p:pic>
+          <p:pic>
+            <p:nvPicPr>
+              <p:cNvPr id="34" name="Grafik 33">
+                <a:extLst>
+                  <a:ext uri="{FF2B5EF4-FFF2-40B4-BE49-F238E27FC236}">
+                    <a16:creationId xmlns:a16="http://schemas.microsoft.com/office/drawing/2014/main" id="{A219FB72-EC29-420C-B4D1-B814D9DBEABB}"/>
+                  </a:ext>
+                </a:extLst>
+              </p:cNvPr>
+              <p:cNvPicPr>
+                <a:picLocks noChangeAspect="1"/>
+              </p:cNvPicPr>
+              <p:nvPr/>
+            </p:nvPicPr>
+            <p:blipFill>
+              <a:blip r:embed="rId12">
+                <a:extLst>
+                  <a:ext uri="{28A0092B-C50C-407E-A947-70E740481C1C}">
+                    <a14:useLocalDpi xmlns:a14="http://schemas.microsoft.com/office/drawing/2010/main" val="0"/>
+                  </a:ext>
+                </a:extLst>
+              </a:blip>
+              <a:stretch>
+                <a:fillRect/>
+              </a:stretch>
+            </p:blipFill>
+            <p:spPr>
+              <a:xfrm>
+                <a:off x="3664346" y="1123154"/>
+                <a:ext cx="3275913" cy="2170293"/>
+              </a:xfrm>
+              <a:prstGeom prst="rect">
+                <a:avLst/>
+              </a:prstGeom>
+            </p:spPr>
+          </p:pic>
+          <p:sp>
+            <p:nvSpPr>
+              <p:cNvPr id="35" name="Sprechblase: oval 34">
+                <a:extLst>
+                  <a:ext uri="{FF2B5EF4-FFF2-40B4-BE49-F238E27FC236}">
+                    <a16:creationId xmlns:a16="http://schemas.microsoft.com/office/drawing/2014/main" id="{EAFBCBA9-2BB1-47DD-8269-836A22BFFCD7}"/>
+                  </a:ext>
+                </a:extLst>
+              </p:cNvPr>
+              <p:cNvSpPr/>
+              <p:nvPr/>
+            </p:nvSpPr>
+            <p:spPr>
+              <a:xfrm>
+                <a:off x="3762001" y="489698"/>
+                <a:ext cx="916532" cy="610458"/>
+              </a:xfrm>
+              <a:prstGeom prst="wedgeEllipseCallout">
+                <a:avLst/>
+              </a:prstGeom>
+              <a:solidFill>
+                <a:schemeClr val="accent1">
+                  <a:lumMod val="40000"/>
+                  <a:lumOff val="60000"/>
+                  <a:alpha val="40000"/>
+                </a:schemeClr>
+              </a:solidFill>
+              <a:ln>
+                <a:solidFill>
+                  <a:schemeClr val="tx1"/>
+                </a:solidFill>
+              </a:ln>
+            </p:spPr>
+            <p:style>
+              <a:lnRef idx="2">
+                <a:schemeClr val="accent1">
+                  <a:shade val="50000"/>
+                </a:schemeClr>
+              </a:lnRef>
+              <a:fillRef idx="1">
+                <a:schemeClr val="accent1"/>
+              </a:fillRef>
+              <a:effectRef idx="0">
+                <a:schemeClr val="accent1"/>
+              </a:effectRef>
+              <a:fontRef idx="minor">
+                <a:schemeClr val="lt1"/>
+              </a:fontRef>
+            </p:style>
+            <p:txBody>
+              <a:bodyPr rtlCol="0" anchor="ctr"/>
+              <a:lstStyle/>
+              <a:p>
+                <a:pPr algn="ctr"/>
+                <a:endParaRPr lang="de-CH"/>
+              </a:p>
+            </p:txBody>
+          </p:sp>
+          <p:sp>
+            <p:nvSpPr>
+              <p:cNvPr id="39" name="Sprechblase: oval 38">
+                <a:extLst>
+                  <a:ext uri="{FF2B5EF4-FFF2-40B4-BE49-F238E27FC236}">
+                    <a16:creationId xmlns:a16="http://schemas.microsoft.com/office/drawing/2014/main" id="{F833C832-D5FA-4218-803C-8BB2DDB5AD5E}"/>
+                  </a:ext>
+                </a:extLst>
+              </p:cNvPr>
+              <p:cNvSpPr/>
+              <p:nvPr/>
+            </p:nvSpPr>
+            <p:spPr>
+              <a:xfrm flipH="1">
+                <a:off x="6196613" y="736847"/>
+                <a:ext cx="604094" cy="455974"/>
+              </a:xfrm>
+              <a:prstGeom prst="wedgeEllipseCallout">
+                <a:avLst/>
+              </a:prstGeom>
+              <a:solidFill>
+                <a:srgbClr val="002060">
+                  <a:alpha val="40000"/>
+                </a:srgbClr>
+              </a:solidFill>
+              <a:ln>
+                <a:solidFill>
+                  <a:schemeClr val="tx1"/>
+                </a:solidFill>
+              </a:ln>
+            </p:spPr>
+            <p:style>
+              <a:lnRef idx="2">
+                <a:schemeClr val="accent1">
+                  <a:shade val="50000"/>
+                </a:schemeClr>
+              </a:lnRef>
+              <a:fillRef idx="1">
+                <a:schemeClr val="accent1"/>
+              </a:fillRef>
+              <a:effectRef idx="0">
+                <a:schemeClr val="accent1"/>
+              </a:effectRef>
+              <a:fontRef idx="minor">
+                <a:schemeClr val="lt1"/>
+              </a:fontRef>
+            </p:style>
+            <p:txBody>
+              <a:bodyPr rtlCol="0" anchor="ctr"/>
+              <a:lstStyle/>
+              <a:p>
+                <a:pPr algn="ctr"/>
+                <a:endParaRPr lang="de-CH"/>
+              </a:p>
+            </p:txBody>
+          </p:sp>
+          <p:sp>
+            <p:nvSpPr>
+              <p:cNvPr id="40" name="Sprechblase: oval 39">
+                <a:extLst>
+                  <a:ext uri="{FF2B5EF4-FFF2-40B4-BE49-F238E27FC236}">
+                    <a16:creationId xmlns:a16="http://schemas.microsoft.com/office/drawing/2014/main" id="{1CCAA264-61EA-483A-B831-8193864B0696}"/>
+                  </a:ext>
+                </a:extLst>
+              </p:cNvPr>
+              <p:cNvSpPr/>
+              <p:nvPr/>
+            </p:nvSpPr>
+            <p:spPr>
+              <a:xfrm flipH="1">
+                <a:off x="5062246" y="837087"/>
+                <a:ext cx="827505" cy="286067"/>
+              </a:xfrm>
+              <a:prstGeom prst="wedgeEllipseCallout">
+                <a:avLst/>
+              </a:prstGeom>
+              <a:solidFill>
+                <a:schemeClr val="accent2">
+                  <a:lumMod val="60000"/>
+                  <a:lumOff val="40000"/>
+                  <a:alpha val="40000"/>
+                </a:schemeClr>
+              </a:solidFill>
+              <a:ln>
+                <a:solidFill>
+                  <a:schemeClr val="tx1"/>
+                </a:solidFill>
+              </a:ln>
+            </p:spPr>
+            <p:style>
+              <a:lnRef idx="2">
+                <a:schemeClr val="accent1">
+                  <a:shade val="50000"/>
+                </a:schemeClr>
+              </a:lnRef>
+              <a:fillRef idx="1">
+                <a:schemeClr val="accent1"/>
+              </a:fillRef>
+              <a:effectRef idx="0">
+                <a:schemeClr val="accent1"/>
+              </a:effectRef>
+              <a:fontRef idx="minor">
+                <a:schemeClr val="lt1"/>
+              </a:fontRef>
+            </p:style>
+            <p:txBody>
+              <a:bodyPr rtlCol="0" anchor="ctr"/>
+              <a:lstStyle/>
+              <a:p>
+                <a:pPr algn="ctr"/>
+                <a:endParaRPr lang="de-CH"/>
+              </a:p>
+            </p:txBody>
+          </p:sp>
+          <p:sp>
+            <p:nvSpPr>
+              <p:cNvPr id="41" name="Sprechblase: oval 40">
+                <a:extLst>
+                  <a:ext uri="{FF2B5EF4-FFF2-40B4-BE49-F238E27FC236}">
+                    <a16:creationId xmlns:a16="http://schemas.microsoft.com/office/drawing/2014/main" id="{A34FB120-4256-4622-B23D-2F6A8FFB404A}"/>
+                  </a:ext>
+                </a:extLst>
+              </p:cNvPr>
+              <p:cNvSpPr/>
+              <p:nvPr/>
+            </p:nvSpPr>
+            <p:spPr>
+              <a:xfrm>
+                <a:off x="4760406" y="588390"/>
+                <a:ext cx="604094" cy="497393"/>
+              </a:xfrm>
+              <a:prstGeom prst="wedgeEllipseCallout">
+                <a:avLst/>
+              </a:prstGeom>
+              <a:solidFill>
+                <a:schemeClr val="accent5">
+                  <a:lumMod val="75000"/>
+                  <a:alpha val="40000"/>
+                </a:schemeClr>
+              </a:solidFill>
+              <a:ln>
+                <a:solidFill>
+                  <a:schemeClr val="tx1"/>
+                </a:solidFill>
+              </a:ln>
+            </p:spPr>
+            <p:style>
+              <a:lnRef idx="2">
+                <a:schemeClr val="accent1">
+                  <a:shade val="50000"/>
+                </a:schemeClr>
+              </a:lnRef>
+              <a:fillRef idx="1">
+                <a:schemeClr val="accent1"/>
+              </a:fillRef>
+              <a:effectRef idx="0">
+                <a:schemeClr val="accent1"/>
+              </a:effectRef>
+              <a:fontRef idx="minor">
+                <a:schemeClr val="lt1"/>
+              </a:fontRef>
+            </p:style>
+            <p:txBody>
+              <a:bodyPr rtlCol="0" anchor="ctr"/>
+              <a:lstStyle/>
+              <a:p>
+                <a:pPr algn="ctr"/>
+                <a:endParaRPr lang="de-CH"/>
+              </a:p>
+            </p:txBody>
+          </p:sp>
+        </p:grpSp>
+        <p:sp>
+          <p:nvSpPr>
+            <p:cNvPr id="31" name="Textfeld 30">
+              <a:extLst>
+                <a:ext uri="{FF2B5EF4-FFF2-40B4-BE49-F238E27FC236}">
+                  <a16:creationId xmlns:a16="http://schemas.microsoft.com/office/drawing/2014/main" id="{32B467FC-F245-482B-B370-B109F0784BCD}"/>
+                </a:ext>
+              </a:extLst>
+            </p:cNvPr>
+            <p:cNvSpPr txBox="1"/>
+            <p:nvPr/>
+          </p:nvSpPr>
+          <p:spPr>
+            <a:xfrm>
+              <a:off x="4103186" y="2849295"/>
+              <a:ext cx="2345005" cy="418356"/>
+            </a:xfrm>
+            <a:prstGeom prst="rect">
+              <a:avLst/>
+            </a:prstGeom>
+            <a:solidFill>
+              <a:schemeClr val="tx2">
+                <a:lumMod val="40000"/>
+                <a:lumOff val="60000"/>
+              </a:schemeClr>
+            </a:solidFill>
+          </p:spPr>
+          <p:txBody>
+            <a:bodyPr wrap="square" rtlCol="0">
+              <a:spAutoFit/>
+            </a:bodyPr>
+            <a:lstStyle/>
+            <a:p>
+              <a:pPr algn="ctr"/>
+              <a:r>
+                <a:rPr lang="de-CH" sz="1400" dirty="0"/>
+                <a:t>Kommunikation</a:t>
+              </a:r>
+            </a:p>
+          </p:txBody>
+        </p:sp>
+      </p:grpSp>
     </p:spTree>
     <p:extLst>
       <p:ext uri="{BB962C8B-B14F-4D97-AF65-F5344CB8AC3E}">
@@ -6412,45 +7963,6 @@
           </a:p>
         </p:txBody>
       </p:sp>
-      <p:pic>
-        <p:nvPicPr>
-          <p:cNvPr id="5" name="Grafik 4">
-            <a:extLst>
-              <a:ext uri="{FF2B5EF4-FFF2-40B4-BE49-F238E27FC236}">
-                <a16:creationId xmlns:a16="http://schemas.microsoft.com/office/drawing/2014/main" id="{C15BDE9B-EC25-4691-9AAB-624B000CB7D7}"/>
-              </a:ext>
-            </a:extLst>
-          </p:cNvPr>
-          <p:cNvPicPr/>
-          <p:nvPr/>
-        </p:nvPicPr>
-        <p:blipFill>
-          <a:blip r:embed="rId2" cstate="print">
-            <a:extLst>
-              <a:ext uri="{28A0092B-C50C-407E-A947-70E740481C1C}">
-                <a14:useLocalDpi xmlns:a14="http://schemas.microsoft.com/office/drawing/2010/main" val="0"/>
-              </a:ext>
-            </a:extLst>
-          </a:blip>
-          <a:srcRect/>
-          <a:stretch>
-            <a:fillRect/>
-          </a:stretch>
-        </p:blipFill>
-        <p:spPr bwMode="auto">
-          <a:xfrm>
-            <a:off x="6889070" y="1429304"/>
-            <a:ext cx="4838331" cy="4136995"/>
-          </a:xfrm>
-          <a:prstGeom prst="rect">
-            <a:avLst/>
-          </a:prstGeom>
-          <a:noFill/>
-          <a:ln>
-            <a:noFill/>
-          </a:ln>
-        </p:spPr>
-      </p:pic>
     </p:spTree>
     <p:extLst>
       <p:ext uri="{BB962C8B-B14F-4D97-AF65-F5344CB8AC3E}">
@@ -6465,6 +7977,1375 @@
 </file>
 
 <file path=ppt/slides/slide4.xml><?xml version="1.0" encoding="utf-8"?>
+<p:sld xmlns:a="http://schemas.openxmlformats.org/drawingml/2006/main" xmlns:r="http://schemas.openxmlformats.org/officeDocument/2006/relationships" xmlns:p="http://schemas.openxmlformats.org/presentationml/2006/main">
+  <p:cSld>
+    <p:spTree>
+      <p:nvGrpSpPr>
+        <p:cNvPr id="1" name=""/>
+        <p:cNvGrpSpPr/>
+        <p:nvPr/>
+      </p:nvGrpSpPr>
+      <p:grpSpPr>
+        <a:xfrm>
+          <a:off x="0" y="0"/>
+          <a:ext cx="0" cy="0"/>
+          <a:chOff x="0" y="0"/>
+          <a:chExt cx="0" cy="0"/>
+        </a:xfrm>
+      </p:grpSpPr>
+      <p:grpSp>
+        <p:nvGrpSpPr>
+          <p:cNvPr id="10" name="Gruppieren 9">
+            <a:extLst>
+              <a:ext uri="{FF2B5EF4-FFF2-40B4-BE49-F238E27FC236}">
+                <a16:creationId xmlns:a16="http://schemas.microsoft.com/office/drawing/2014/main" id="{0F674C84-0BEF-4479-8F26-4E8F69FDA497}"/>
+              </a:ext>
+            </a:extLst>
+          </p:cNvPr>
+          <p:cNvGrpSpPr/>
+          <p:nvPr/>
+        </p:nvGrpSpPr>
+        <p:grpSpPr>
+          <a:xfrm>
+            <a:off x="5746524" y="927028"/>
+            <a:ext cx="2018072" cy="2795988"/>
+            <a:chOff x="461639" y="408358"/>
+            <a:chExt cx="2018072" cy="2795988"/>
+          </a:xfrm>
+        </p:grpSpPr>
+        <p:pic>
+          <p:nvPicPr>
+            <p:cNvPr id="4" name="Grafik 3">
+              <a:extLst>
+                <a:ext uri="{FF2B5EF4-FFF2-40B4-BE49-F238E27FC236}">
+                  <a16:creationId xmlns:a16="http://schemas.microsoft.com/office/drawing/2014/main" id="{D2F24788-19B6-403C-9E7E-500306AEEDF6}"/>
+                </a:ext>
+              </a:extLst>
+            </p:cNvPr>
+            <p:cNvPicPr>
+              <a:picLocks noChangeAspect="1"/>
+            </p:cNvPicPr>
+            <p:nvPr/>
+          </p:nvPicPr>
+          <p:blipFill>
+            <a:blip r:embed="rId2"/>
+            <a:stretch>
+              <a:fillRect/>
+            </a:stretch>
+          </p:blipFill>
+          <p:spPr>
+            <a:xfrm>
+              <a:off x="461639" y="408358"/>
+              <a:ext cx="2018072" cy="2795988"/>
+            </a:xfrm>
+            <a:prstGeom prst="rect">
+              <a:avLst/>
+            </a:prstGeom>
+            <a:ln w="38100" cap="sq">
+              <a:solidFill>
+                <a:srgbClr val="000000"/>
+              </a:solidFill>
+              <a:prstDash val="solid"/>
+              <a:miter lim="800000"/>
+            </a:ln>
+            <a:effectLst>
+              <a:outerShdw blurRad="50800" dist="38100" dir="2700000" algn="tl" rotWithShape="0">
+                <a:srgbClr val="000000">
+                  <a:alpha val="43000"/>
+                </a:srgbClr>
+              </a:outerShdw>
+            </a:effectLst>
+          </p:spPr>
+        </p:pic>
+        <p:pic>
+          <p:nvPicPr>
+            <p:cNvPr id="6" name="Grafik 5">
+              <a:extLst>
+                <a:ext uri="{FF2B5EF4-FFF2-40B4-BE49-F238E27FC236}">
+                  <a16:creationId xmlns:a16="http://schemas.microsoft.com/office/drawing/2014/main" id="{581BE449-BC7D-49CF-8B66-B0BD152FBFD4}"/>
+                </a:ext>
+              </a:extLst>
+            </p:cNvPr>
+            <p:cNvPicPr>
+              <a:picLocks noChangeAspect="1"/>
+            </p:cNvPicPr>
+            <p:nvPr/>
+          </p:nvPicPr>
+          <p:blipFill>
+            <a:blip r:embed="rId3">
+              <a:extLst>
+                <a:ext uri="{28A0092B-C50C-407E-A947-70E740481C1C}">
+                  <a14:useLocalDpi xmlns:a14="http://schemas.microsoft.com/office/drawing/2010/main" val="0"/>
+                </a:ext>
+              </a:extLst>
+            </a:blip>
+            <a:stretch>
+              <a:fillRect/>
+            </a:stretch>
+          </p:blipFill>
+          <p:spPr>
+            <a:xfrm>
+              <a:off x="570422" y="482727"/>
+              <a:ext cx="943399" cy="566039"/>
+            </a:xfrm>
+            <a:prstGeom prst="rect">
+              <a:avLst/>
+            </a:prstGeom>
+          </p:spPr>
+        </p:pic>
+        <p:pic>
+          <p:nvPicPr>
+            <p:cNvPr id="7" name="Grafik 6">
+              <a:extLst>
+                <a:ext uri="{FF2B5EF4-FFF2-40B4-BE49-F238E27FC236}">
+                  <a16:creationId xmlns:a16="http://schemas.microsoft.com/office/drawing/2014/main" id="{AEBBFD62-952D-467C-A25A-AC5173C2D96C}"/>
+                </a:ext>
+              </a:extLst>
+            </p:cNvPr>
+            <p:cNvPicPr>
+              <a:picLocks noChangeAspect="1"/>
+            </p:cNvPicPr>
+            <p:nvPr/>
+          </p:nvPicPr>
+          <p:blipFill>
+            <a:blip r:embed="rId4">
+              <a:extLst>
+                <a:ext uri="{28A0092B-C50C-407E-A947-70E740481C1C}">
+                  <a14:useLocalDpi xmlns:a14="http://schemas.microsoft.com/office/drawing/2010/main" val="0"/>
+                </a:ext>
+              </a:extLst>
+            </a:blip>
+            <a:stretch>
+              <a:fillRect/>
+            </a:stretch>
+          </p:blipFill>
+          <p:spPr>
+            <a:xfrm>
+              <a:off x="1453689" y="1100156"/>
+              <a:ext cx="943399" cy="627789"/>
+            </a:xfrm>
+            <a:prstGeom prst="rect">
+              <a:avLst/>
+            </a:prstGeom>
+          </p:spPr>
+        </p:pic>
+        <p:pic>
+          <p:nvPicPr>
+            <p:cNvPr id="8" name="Grafik 7">
+              <a:extLst>
+                <a:ext uri="{FF2B5EF4-FFF2-40B4-BE49-F238E27FC236}">
+                  <a16:creationId xmlns:a16="http://schemas.microsoft.com/office/drawing/2014/main" id="{9404C20A-5BB3-4BBA-B1C3-05AE027F7E64}"/>
+                </a:ext>
+              </a:extLst>
+            </p:cNvPr>
+            <p:cNvPicPr>
+              <a:picLocks noChangeAspect="1"/>
+            </p:cNvPicPr>
+            <p:nvPr/>
+          </p:nvPicPr>
+          <p:blipFill>
+            <a:blip r:embed="rId5">
+              <a:extLst>
+                <a:ext uri="{28A0092B-C50C-407E-A947-70E740481C1C}">
+                  <a14:useLocalDpi xmlns:a14="http://schemas.microsoft.com/office/drawing/2010/main" val="0"/>
+                </a:ext>
+              </a:extLst>
+            </a:blip>
+            <a:stretch>
+              <a:fillRect/>
+            </a:stretch>
+          </p:blipFill>
+          <p:spPr>
+            <a:xfrm>
+              <a:off x="1016178" y="2237172"/>
+              <a:ext cx="896615" cy="896615"/>
+            </a:xfrm>
+            <a:prstGeom prst="rect">
+              <a:avLst/>
+            </a:prstGeom>
+          </p:spPr>
+        </p:pic>
+        <p:sp>
+          <p:nvSpPr>
+            <p:cNvPr id="9" name="Textfeld 8">
+              <a:extLst>
+                <a:ext uri="{FF2B5EF4-FFF2-40B4-BE49-F238E27FC236}">
+                  <a16:creationId xmlns:a16="http://schemas.microsoft.com/office/drawing/2014/main" id="{63A3F8C3-6860-4A16-AB7F-5BEF0A7B7F55}"/>
+                </a:ext>
+              </a:extLst>
+            </p:cNvPr>
+            <p:cNvSpPr txBox="1"/>
+            <p:nvPr/>
+          </p:nvSpPr>
+          <p:spPr>
+            <a:xfrm>
+              <a:off x="512066" y="1779335"/>
+              <a:ext cx="1917218" cy="307777"/>
+            </a:xfrm>
+            <a:prstGeom prst="rect">
+              <a:avLst/>
+            </a:prstGeom>
+            <a:solidFill>
+              <a:schemeClr val="tx2">
+                <a:lumMod val="40000"/>
+                <a:lumOff val="60000"/>
+              </a:schemeClr>
+            </a:solidFill>
+          </p:spPr>
+          <p:txBody>
+            <a:bodyPr wrap="square" rtlCol="0">
+              <a:spAutoFit/>
+            </a:bodyPr>
+            <a:lstStyle/>
+            <a:p>
+              <a:pPr algn="ctr"/>
+              <a:r>
+                <a:rPr lang="de-CH" sz="1400" dirty="0"/>
+                <a:t>Verschiedene Sprachen</a:t>
+              </a:r>
+            </a:p>
+          </p:txBody>
+        </p:sp>
+      </p:grpSp>
+      <p:grpSp>
+        <p:nvGrpSpPr>
+          <p:cNvPr id="18" name="Gruppieren 17">
+            <a:extLst>
+              <a:ext uri="{FF2B5EF4-FFF2-40B4-BE49-F238E27FC236}">
+                <a16:creationId xmlns:a16="http://schemas.microsoft.com/office/drawing/2014/main" id="{2434F6FC-9F91-4852-872E-915D39103EBD}"/>
+              </a:ext>
+            </a:extLst>
+          </p:cNvPr>
+          <p:cNvGrpSpPr/>
+          <p:nvPr/>
+        </p:nvGrpSpPr>
+        <p:grpSpPr>
+          <a:xfrm>
+            <a:off x="490112" y="3840207"/>
+            <a:ext cx="2141276" cy="2542244"/>
+            <a:chOff x="1871432" y="3902451"/>
+            <a:chExt cx="2141276" cy="2542244"/>
+          </a:xfrm>
+        </p:grpSpPr>
+        <p:pic>
+          <p:nvPicPr>
+            <p:cNvPr id="11" name="Grafik 10">
+              <a:extLst>
+                <a:ext uri="{FF2B5EF4-FFF2-40B4-BE49-F238E27FC236}">
+                  <a16:creationId xmlns:a16="http://schemas.microsoft.com/office/drawing/2014/main" id="{BF5FA773-B6C4-416B-8106-D0337E1C8FBF}"/>
+                </a:ext>
+              </a:extLst>
+            </p:cNvPr>
+            <p:cNvPicPr>
+              <a:picLocks noChangeAspect="1"/>
+            </p:cNvPicPr>
+            <p:nvPr/>
+          </p:nvPicPr>
+          <p:blipFill>
+            <a:blip r:embed="rId2"/>
+            <a:stretch>
+              <a:fillRect/>
+            </a:stretch>
+          </p:blipFill>
+          <p:spPr>
+            <a:xfrm>
+              <a:off x="1871432" y="3902451"/>
+              <a:ext cx="2141276" cy="2542244"/>
+            </a:xfrm>
+            <a:prstGeom prst="rect">
+              <a:avLst/>
+            </a:prstGeom>
+            <a:ln w="38100" cap="sq">
+              <a:solidFill>
+                <a:srgbClr val="000000"/>
+              </a:solidFill>
+              <a:prstDash val="solid"/>
+              <a:miter lim="800000"/>
+            </a:ln>
+            <a:effectLst>
+              <a:outerShdw blurRad="50800" dist="38100" dir="2700000" algn="tl" rotWithShape="0">
+                <a:srgbClr val="000000">
+                  <a:alpha val="43000"/>
+                </a:srgbClr>
+              </a:outerShdw>
+            </a:effectLst>
+          </p:spPr>
+        </p:pic>
+        <p:pic>
+          <p:nvPicPr>
+            <p:cNvPr id="13" name="Grafik 12">
+              <a:extLst>
+                <a:ext uri="{FF2B5EF4-FFF2-40B4-BE49-F238E27FC236}">
+                  <a16:creationId xmlns:a16="http://schemas.microsoft.com/office/drawing/2014/main" id="{7A48ED9F-D2B8-481D-B0E9-A45384395C63}"/>
+                </a:ext>
+              </a:extLst>
+            </p:cNvPr>
+            <p:cNvPicPr>
+              <a:picLocks noChangeAspect="1"/>
+            </p:cNvPicPr>
+            <p:nvPr/>
+          </p:nvPicPr>
+          <p:blipFill>
+            <a:blip r:embed="rId6">
+              <a:extLst>
+                <a:ext uri="{28A0092B-C50C-407E-A947-70E740481C1C}">
+                  <a14:useLocalDpi xmlns:a14="http://schemas.microsoft.com/office/drawing/2010/main" val="0"/>
+                </a:ext>
+              </a:extLst>
+            </a:blip>
+            <a:stretch>
+              <a:fillRect/>
+            </a:stretch>
+          </p:blipFill>
+          <p:spPr>
+            <a:xfrm>
+              <a:off x="1958168" y="3989998"/>
+              <a:ext cx="843194" cy="961867"/>
+            </a:xfrm>
+            <a:prstGeom prst="rect">
+              <a:avLst/>
+            </a:prstGeom>
+          </p:spPr>
+        </p:pic>
+        <p:pic>
+          <p:nvPicPr>
+            <p:cNvPr id="14" name="Grafik 13">
+              <a:extLst>
+                <a:ext uri="{FF2B5EF4-FFF2-40B4-BE49-F238E27FC236}">
+                  <a16:creationId xmlns:a16="http://schemas.microsoft.com/office/drawing/2014/main" id="{5009133C-2B5D-4807-9C25-4C8F95DFD0C5}"/>
+                </a:ext>
+              </a:extLst>
+            </p:cNvPr>
+            <p:cNvPicPr>
+              <a:picLocks noChangeAspect="1"/>
+            </p:cNvPicPr>
+            <p:nvPr/>
+          </p:nvPicPr>
+          <p:blipFill>
+            <a:blip r:embed="rId7">
+              <a:extLst>
+                <a:ext uri="{28A0092B-C50C-407E-A947-70E740481C1C}">
+                  <a14:useLocalDpi xmlns:a14="http://schemas.microsoft.com/office/drawing/2010/main" val="0"/>
+                </a:ext>
+              </a:extLst>
+            </a:blip>
+            <a:stretch>
+              <a:fillRect/>
+            </a:stretch>
+          </p:blipFill>
+          <p:spPr>
+            <a:xfrm>
+              <a:off x="2937849" y="5378502"/>
+              <a:ext cx="956192" cy="992734"/>
+            </a:xfrm>
+            <a:prstGeom prst="rect">
+              <a:avLst/>
+            </a:prstGeom>
+          </p:spPr>
+        </p:pic>
+        <p:sp>
+          <p:nvSpPr>
+            <p:cNvPr id="15" name="Pfeil: gebogen 14">
+              <a:extLst>
+                <a:ext uri="{FF2B5EF4-FFF2-40B4-BE49-F238E27FC236}">
+                  <a16:creationId xmlns:a16="http://schemas.microsoft.com/office/drawing/2014/main" id="{523CC880-6EE8-4E58-B960-D44950AAFDF6}"/>
+                </a:ext>
+              </a:extLst>
+            </p:cNvPr>
+            <p:cNvSpPr/>
+            <p:nvPr/>
+          </p:nvSpPr>
+          <p:spPr>
+            <a:xfrm rot="5400000">
+              <a:off x="3146684" y="4189631"/>
+              <a:ext cx="664578" cy="654861"/>
+            </a:xfrm>
+            <a:prstGeom prst="bentArrow">
+              <a:avLst/>
+            </a:prstGeom>
+          </p:spPr>
+          <p:style>
+            <a:lnRef idx="2">
+              <a:schemeClr val="accent1">
+                <a:shade val="50000"/>
+              </a:schemeClr>
+            </a:lnRef>
+            <a:fillRef idx="1">
+              <a:schemeClr val="accent1"/>
+            </a:fillRef>
+            <a:effectRef idx="0">
+              <a:schemeClr val="accent1"/>
+            </a:effectRef>
+            <a:fontRef idx="minor">
+              <a:schemeClr val="lt1"/>
+            </a:fontRef>
+          </p:style>
+          <p:txBody>
+            <a:bodyPr rtlCol="0" anchor="ctr"/>
+            <a:lstStyle/>
+            <a:p>
+              <a:pPr algn="ctr"/>
+              <a:endParaRPr lang="de-CH">
+                <a:solidFill>
+                  <a:schemeClr val="tx1"/>
+                </a:solidFill>
+              </a:endParaRPr>
+            </a:p>
+          </p:txBody>
+        </p:sp>
+        <p:sp>
+          <p:nvSpPr>
+            <p:cNvPr id="16" name="Pfeil: gebogen 15">
+              <a:extLst>
+                <a:ext uri="{FF2B5EF4-FFF2-40B4-BE49-F238E27FC236}">
+                  <a16:creationId xmlns:a16="http://schemas.microsoft.com/office/drawing/2014/main" id="{443DDD4C-A392-465C-B0E7-02EA5AE2B1B0}"/>
+                </a:ext>
+              </a:extLst>
+            </p:cNvPr>
+            <p:cNvSpPr/>
+            <p:nvPr/>
+          </p:nvSpPr>
+          <p:spPr>
+            <a:xfrm rot="16200000">
+              <a:off x="1931959" y="5505067"/>
+              <a:ext cx="664578" cy="654861"/>
+            </a:xfrm>
+            <a:prstGeom prst="bentArrow">
+              <a:avLst/>
+            </a:prstGeom>
+          </p:spPr>
+          <p:style>
+            <a:lnRef idx="2">
+              <a:schemeClr val="accent1">
+                <a:shade val="50000"/>
+              </a:schemeClr>
+            </a:lnRef>
+            <a:fillRef idx="1">
+              <a:schemeClr val="accent1"/>
+            </a:fillRef>
+            <a:effectRef idx="0">
+              <a:schemeClr val="accent1"/>
+            </a:effectRef>
+            <a:fontRef idx="minor">
+              <a:schemeClr val="lt1"/>
+            </a:fontRef>
+          </p:style>
+          <p:txBody>
+            <a:bodyPr rtlCol="0" anchor="ctr"/>
+            <a:lstStyle/>
+            <a:p>
+              <a:pPr algn="ctr"/>
+              <a:endParaRPr lang="de-CH">
+                <a:solidFill>
+                  <a:schemeClr val="tx1"/>
+                </a:solidFill>
+              </a:endParaRPr>
+            </a:p>
+          </p:txBody>
+        </p:sp>
+        <p:sp>
+          <p:nvSpPr>
+            <p:cNvPr id="17" name="Textfeld 16">
+              <a:extLst>
+                <a:ext uri="{FF2B5EF4-FFF2-40B4-BE49-F238E27FC236}">
+                  <a16:creationId xmlns:a16="http://schemas.microsoft.com/office/drawing/2014/main" id="{49CE98A5-010E-4D3F-96A5-83744037646A}"/>
+                </a:ext>
+              </a:extLst>
+            </p:cNvPr>
+            <p:cNvSpPr txBox="1"/>
+            <p:nvPr/>
+          </p:nvSpPr>
+          <p:spPr>
+            <a:xfrm>
+              <a:off x="1958168" y="4997267"/>
+              <a:ext cx="1959362" cy="307777"/>
+            </a:xfrm>
+            <a:prstGeom prst="rect">
+              <a:avLst/>
+            </a:prstGeom>
+            <a:solidFill>
+              <a:schemeClr val="tx2">
+                <a:lumMod val="40000"/>
+                <a:lumOff val="60000"/>
+              </a:schemeClr>
+            </a:solidFill>
+          </p:spPr>
+          <p:txBody>
+            <a:bodyPr wrap="square" rtlCol="0">
+              <a:spAutoFit/>
+            </a:bodyPr>
+            <a:lstStyle/>
+            <a:p>
+              <a:pPr algn="ctr"/>
+              <a:r>
+                <a:rPr lang="de-CH" sz="1400" dirty="0"/>
+                <a:t>Verschiedene Schulen</a:t>
+              </a:r>
+            </a:p>
+          </p:txBody>
+        </p:sp>
+      </p:grpSp>
+      <p:grpSp>
+        <p:nvGrpSpPr>
+          <p:cNvPr id="34" name="Gruppieren 33">
+            <a:extLst>
+              <a:ext uri="{FF2B5EF4-FFF2-40B4-BE49-F238E27FC236}">
+                <a16:creationId xmlns:a16="http://schemas.microsoft.com/office/drawing/2014/main" id="{2B6B3104-F06C-4135-AE40-C4DEDF03CC34}"/>
+              </a:ext>
+            </a:extLst>
+          </p:cNvPr>
+          <p:cNvGrpSpPr/>
+          <p:nvPr/>
+        </p:nvGrpSpPr>
+        <p:grpSpPr>
+          <a:xfrm>
+            <a:off x="8044819" y="447486"/>
+            <a:ext cx="3683786" cy="2585203"/>
+            <a:chOff x="3093434" y="440320"/>
+            <a:chExt cx="4283910" cy="2853127"/>
+          </a:xfrm>
+        </p:grpSpPr>
+        <p:grpSp>
+          <p:nvGrpSpPr>
+            <p:cNvPr id="26" name="Gruppieren 25">
+              <a:extLst>
+                <a:ext uri="{FF2B5EF4-FFF2-40B4-BE49-F238E27FC236}">
+                  <a16:creationId xmlns:a16="http://schemas.microsoft.com/office/drawing/2014/main" id="{226CB851-6257-4DEB-8ABC-9CCAF169A9D0}"/>
+                </a:ext>
+              </a:extLst>
+            </p:cNvPr>
+            <p:cNvGrpSpPr/>
+            <p:nvPr/>
+          </p:nvGrpSpPr>
+          <p:grpSpPr>
+            <a:xfrm>
+              <a:off x="3093434" y="440320"/>
+              <a:ext cx="4283910" cy="2853127"/>
+              <a:chOff x="3093434" y="440320"/>
+              <a:chExt cx="4283910" cy="2853127"/>
+            </a:xfrm>
+          </p:grpSpPr>
+          <p:pic>
+            <p:nvPicPr>
+              <p:cNvPr id="28" name="Grafik 27">
+                <a:extLst>
+                  <a:ext uri="{FF2B5EF4-FFF2-40B4-BE49-F238E27FC236}">
+                    <a16:creationId xmlns:a16="http://schemas.microsoft.com/office/drawing/2014/main" id="{D75F1FAC-5BF5-44D3-96CA-504148C89153}"/>
+                  </a:ext>
+                </a:extLst>
+              </p:cNvPr>
+              <p:cNvPicPr>
+                <a:picLocks noChangeAspect="1"/>
+              </p:cNvPicPr>
+              <p:nvPr/>
+            </p:nvPicPr>
+            <p:blipFill>
+              <a:blip r:embed="rId2"/>
+              <a:stretch>
+                <a:fillRect/>
+              </a:stretch>
+            </p:blipFill>
+            <p:spPr>
+              <a:xfrm>
+                <a:off x="3093434" y="440320"/>
+                <a:ext cx="4283910" cy="2853127"/>
+              </a:xfrm>
+              <a:prstGeom prst="rect">
+                <a:avLst/>
+              </a:prstGeom>
+              <a:ln w="38100" cap="sq">
+                <a:solidFill>
+                  <a:srgbClr val="000000"/>
+                </a:solidFill>
+                <a:prstDash val="solid"/>
+                <a:miter lim="800000"/>
+              </a:ln>
+              <a:effectLst>
+                <a:outerShdw blurRad="50800" dist="38100" dir="2700000" algn="tl" rotWithShape="0">
+                  <a:srgbClr val="000000">
+                    <a:alpha val="43000"/>
+                  </a:srgbClr>
+                </a:outerShdw>
+              </a:effectLst>
+            </p:spPr>
+          </p:pic>
+          <p:pic>
+            <p:nvPicPr>
+              <p:cNvPr id="24" name="Grafik 23">
+                <a:extLst>
+                  <a:ext uri="{FF2B5EF4-FFF2-40B4-BE49-F238E27FC236}">
+                    <a16:creationId xmlns:a16="http://schemas.microsoft.com/office/drawing/2014/main" id="{91CFF90E-EFCD-4E53-9CE1-9CE6270C5A44}"/>
+                  </a:ext>
+                </a:extLst>
+              </p:cNvPr>
+              <p:cNvPicPr>
+                <a:picLocks noChangeAspect="1"/>
+              </p:cNvPicPr>
+              <p:nvPr/>
+            </p:nvPicPr>
+            <p:blipFill>
+              <a:blip r:embed="rId8">
+                <a:extLst>
+                  <a:ext uri="{28A0092B-C50C-407E-A947-70E740481C1C}">
+                    <a14:useLocalDpi xmlns:a14="http://schemas.microsoft.com/office/drawing/2010/main" val="0"/>
+                  </a:ext>
+                </a:extLst>
+              </a:blip>
+              <a:stretch>
+                <a:fillRect/>
+              </a:stretch>
+            </p:blipFill>
+            <p:spPr>
+              <a:xfrm>
+                <a:off x="3664346" y="1123154"/>
+                <a:ext cx="3275913" cy="2170293"/>
+              </a:xfrm>
+              <a:prstGeom prst="rect">
+                <a:avLst/>
+              </a:prstGeom>
+            </p:spPr>
+          </p:pic>
+          <p:sp>
+            <p:nvSpPr>
+              <p:cNvPr id="25" name="Sprechblase: oval 24">
+                <a:extLst>
+                  <a:ext uri="{FF2B5EF4-FFF2-40B4-BE49-F238E27FC236}">
+                    <a16:creationId xmlns:a16="http://schemas.microsoft.com/office/drawing/2014/main" id="{95167A3D-DF18-4D3B-8B93-864542084667}"/>
+                  </a:ext>
+                </a:extLst>
+              </p:cNvPr>
+              <p:cNvSpPr/>
+              <p:nvPr/>
+            </p:nvSpPr>
+            <p:spPr>
+              <a:xfrm>
+                <a:off x="3762001" y="489698"/>
+                <a:ext cx="916532" cy="610458"/>
+              </a:xfrm>
+              <a:prstGeom prst="wedgeEllipseCallout">
+                <a:avLst/>
+              </a:prstGeom>
+              <a:solidFill>
+                <a:schemeClr val="accent1">
+                  <a:lumMod val="40000"/>
+                  <a:lumOff val="60000"/>
+                  <a:alpha val="40000"/>
+                </a:schemeClr>
+              </a:solidFill>
+              <a:ln>
+                <a:solidFill>
+                  <a:schemeClr val="tx1"/>
+                </a:solidFill>
+              </a:ln>
+            </p:spPr>
+            <p:style>
+              <a:lnRef idx="2">
+                <a:schemeClr val="accent1">
+                  <a:shade val="50000"/>
+                </a:schemeClr>
+              </a:lnRef>
+              <a:fillRef idx="1">
+                <a:schemeClr val="accent1"/>
+              </a:fillRef>
+              <a:effectRef idx="0">
+                <a:schemeClr val="accent1"/>
+              </a:effectRef>
+              <a:fontRef idx="minor">
+                <a:schemeClr val="lt1"/>
+              </a:fontRef>
+            </p:style>
+            <p:txBody>
+              <a:bodyPr rtlCol="0" anchor="ctr"/>
+              <a:lstStyle/>
+              <a:p>
+                <a:pPr algn="ctr"/>
+                <a:endParaRPr lang="de-CH"/>
+              </a:p>
+            </p:txBody>
+          </p:sp>
+          <p:sp>
+            <p:nvSpPr>
+              <p:cNvPr id="35" name="Sprechblase: oval 34">
+                <a:extLst>
+                  <a:ext uri="{FF2B5EF4-FFF2-40B4-BE49-F238E27FC236}">
+                    <a16:creationId xmlns:a16="http://schemas.microsoft.com/office/drawing/2014/main" id="{9F8DE4F2-330B-4AC0-A2F2-D2C7D412FB89}"/>
+                  </a:ext>
+                </a:extLst>
+              </p:cNvPr>
+              <p:cNvSpPr/>
+              <p:nvPr/>
+            </p:nvSpPr>
+            <p:spPr>
+              <a:xfrm flipH="1">
+                <a:off x="6196613" y="736847"/>
+                <a:ext cx="604094" cy="455974"/>
+              </a:xfrm>
+              <a:prstGeom prst="wedgeEllipseCallout">
+                <a:avLst/>
+              </a:prstGeom>
+              <a:solidFill>
+                <a:srgbClr val="002060">
+                  <a:alpha val="40000"/>
+                </a:srgbClr>
+              </a:solidFill>
+              <a:ln>
+                <a:solidFill>
+                  <a:schemeClr val="tx1"/>
+                </a:solidFill>
+              </a:ln>
+            </p:spPr>
+            <p:style>
+              <a:lnRef idx="2">
+                <a:schemeClr val="accent1">
+                  <a:shade val="50000"/>
+                </a:schemeClr>
+              </a:lnRef>
+              <a:fillRef idx="1">
+                <a:schemeClr val="accent1"/>
+              </a:fillRef>
+              <a:effectRef idx="0">
+                <a:schemeClr val="accent1"/>
+              </a:effectRef>
+              <a:fontRef idx="minor">
+                <a:schemeClr val="lt1"/>
+              </a:fontRef>
+            </p:style>
+            <p:txBody>
+              <a:bodyPr rtlCol="0" anchor="ctr"/>
+              <a:lstStyle/>
+              <a:p>
+                <a:pPr algn="ctr"/>
+                <a:endParaRPr lang="de-CH"/>
+              </a:p>
+            </p:txBody>
+          </p:sp>
+          <p:sp>
+            <p:nvSpPr>
+              <p:cNvPr id="36" name="Sprechblase: oval 35">
+                <a:extLst>
+                  <a:ext uri="{FF2B5EF4-FFF2-40B4-BE49-F238E27FC236}">
+                    <a16:creationId xmlns:a16="http://schemas.microsoft.com/office/drawing/2014/main" id="{1931EF9E-4B9B-498C-BAF8-B2706E9416AD}"/>
+                  </a:ext>
+                </a:extLst>
+              </p:cNvPr>
+              <p:cNvSpPr/>
+              <p:nvPr/>
+            </p:nvSpPr>
+            <p:spPr>
+              <a:xfrm flipH="1">
+                <a:off x="5062246" y="837087"/>
+                <a:ext cx="827505" cy="286067"/>
+              </a:xfrm>
+              <a:prstGeom prst="wedgeEllipseCallout">
+                <a:avLst/>
+              </a:prstGeom>
+              <a:solidFill>
+                <a:schemeClr val="accent2">
+                  <a:lumMod val="60000"/>
+                  <a:lumOff val="40000"/>
+                  <a:alpha val="40000"/>
+                </a:schemeClr>
+              </a:solidFill>
+              <a:ln>
+                <a:solidFill>
+                  <a:schemeClr val="tx1"/>
+                </a:solidFill>
+              </a:ln>
+            </p:spPr>
+            <p:style>
+              <a:lnRef idx="2">
+                <a:schemeClr val="accent1">
+                  <a:shade val="50000"/>
+                </a:schemeClr>
+              </a:lnRef>
+              <a:fillRef idx="1">
+                <a:schemeClr val="accent1"/>
+              </a:fillRef>
+              <a:effectRef idx="0">
+                <a:schemeClr val="accent1"/>
+              </a:effectRef>
+              <a:fontRef idx="minor">
+                <a:schemeClr val="lt1"/>
+              </a:fontRef>
+            </p:style>
+            <p:txBody>
+              <a:bodyPr rtlCol="0" anchor="ctr"/>
+              <a:lstStyle/>
+              <a:p>
+                <a:pPr algn="ctr"/>
+                <a:endParaRPr lang="de-CH"/>
+              </a:p>
+            </p:txBody>
+          </p:sp>
+          <p:sp>
+            <p:nvSpPr>
+              <p:cNvPr id="37" name="Sprechblase: oval 36">
+                <a:extLst>
+                  <a:ext uri="{FF2B5EF4-FFF2-40B4-BE49-F238E27FC236}">
+                    <a16:creationId xmlns:a16="http://schemas.microsoft.com/office/drawing/2014/main" id="{F43333F3-35D0-4624-9C03-CA2B86DEF77C}"/>
+                  </a:ext>
+                </a:extLst>
+              </p:cNvPr>
+              <p:cNvSpPr/>
+              <p:nvPr/>
+            </p:nvSpPr>
+            <p:spPr>
+              <a:xfrm>
+                <a:off x="4760406" y="588390"/>
+                <a:ext cx="604094" cy="497393"/>
+              </a:xfrm>
+              <a:prstGeom prst="wedgeEllipseCallout">
+                <a:avLst/>
+              </a:prstGeom>
+              <a:solidFill>
+                <a:schemeClr val="accent5">
+                  <a:lumMod val="75000"/>
+                  <a:alpha val="40000"/>
+                </a:schemeClr>
+              </a:solidFill>
+              <a:ln>
+                <a:solidFill>
+                  <a:schemeClr val="tx1"/>
+                </a:solidFill>
+              </a:ln>
+            </p:spPr>
+            <p:style>
+              <a:lnRef idx="2">
+                <a:schemeClr val="accent1">
+                  <a:shade val="50000"/>
+                </a:schemeClr>
+              </a:lnRef>
+              <a:fillRef idx="1">
+                <a:schemeClr val="accent1"/>
+              </a:fillRef>
+              <a:effectRef idx="0">
+                <a:schemeClr val="accent1"/>
+              </a:effectRef>
+              <a:fontRef idx="minor">
+                <a:schemeClr val="lt1"/>
+              </a:fontRef>
+            </p:style>
+            <p:txBody>
+              <a:bodyPr rtlCol="0" anchor="ctr"/>
+              <a:lstStyle/>
+              <a:p>
+                <a:pPr algn="ctr"/>
+                <a:endParaRPr lang="de-CH"/>
+              </a:p>
+            </p:txBody>
+          </p:sp>
+        </p:grpSp>
+        <p:sp>
+          <p:nvSpPr>
+            <p:cNvPr id="39" name="Textfeld 38">
+              <a:extLst>
+                <a:ext uri="{FF2B5EF4-FFF2-40B4-BE49-F238E27FC236}">
+                  <a16:creationId xmlns:a16="http://schemas.microsoft.com/office/drawing/2014/main" id="{3FC3D010-FEBD-4640-B39F-CC509B29C96F}"/>
+                </a:ext>
+              </a:extLst>
+            </p:cNvPr>
+            <p:cNvSpPr txBox="1"/>
+            <p:nvPr/>
+          </p:nvSpPr>
+          <p:spPr>
+            <a:xfrm>
+              <a:off x="4450680" y="2979898"/>
+              <a:ext cx="1745933" cy="307777"/>
+            </a:xfrm>
+            <a:prstGeom prst="rect">
+              <a:avLst/>
+            </a:prstGeom>
+            <a:solidFill>
+              <a:schemeClr val="tx2">
+                <a:lumMod val="40000"/>
+                <a:lumOff val="60000"/>
+              </a:schemeClr>
+            </a:solidFill>
+          </p:spPr>
+          <p:txBody>
+            <a:bodyPr wrap="square" rtlCol="0">
+              <a:spAutoFit/>
+            </a:bodyPr>
+            <a:lstStyle/>
+            <a:p>
+              <a:pPr algn="ctr"/>
+              <a:r>
+                <a:rPr lang="de-CH" sz="1400" dirty="0"/>
+                <a:t>Kommunikation</a:t>
+              </a:r>
+            </a:p>
+          </p:txBody>
+        </p:sp>
+      </p:grpSp>
+      <p:grpSp>
+        <p:nvGrpSpPr>
+          <p:cNvPr id="38" name="Gruppieren 37">
+            <a:extLst>
+              <a:ext uri="{FF2B5EF4-FFF2-40B4-BE49-F238E27FC236}">
+                <a16:creationId xmlns:a16="http://schemas.microsoft.com/office/drawing/2014/main" id="{94C0B3A9-D6CA-4634-ADAA-821794F44B58}"/>
+              </a:ext>
+            </a:extLst>
+          </p:cNvPr>
+          <p:cNvGrpSpPr/>
+          <p:nvPr/>
+        </p:nvGrpSpPr>
+        <p:grpSpPr>
+          <a:xfrm>
+            <a:off x="2966703" y="4030411"/>
+            <a:ext cx="2407605" cy="2219617"/>
+            <a:chOff x="3950613" y="4345702"/>
+            <a:chExt cx="2175686" cy="2098994"/>
+          </a:xfrm>
+        </p:grpSpPr>
+        <p:pic>
+          <p:nvPicPr>
+            <p:cNvPr id="41" name="Grafik 40">
+              <a:extLst>
+                <a:ext uri="{FF2B5EF4-FFF2-40B4-BE49-F238E27FC236}">
+                  <a16:creationId xmlns:a16="http://schemas.microsoft.com/office/drawing/2014/main" id="{10B4ED89-3EA4-4046-8CBC-738C9BF85C78}"/>
+                </a:ext>
+              </a:extLst>
+            </p:cNvPr>
+            <p:cNvPicPr>
+              <a:picLocks noChangeAspect="1"/>
+            </p:cNvPicPr>
+            <p:nvPr/>
+          </p:nvPicPr>
+          <p:blipFill>
+            <a:blip r:embed="rId9"/>
+            <a:stretch>
+              <a:fillRect/>
+            </a:stretch>
+          </p:blipFill>
+          <p:spPr>
+            <a:xfrm>
+              <a:off x="3950613" y="4345702"/>
+              <a:ext cx="2175686" cy="2098994"/>
+            </a:xfrm>
+            <a:prstGeom prst="rect">
+              <a:avLst/>
+            </a:prstGeom>
+            <a:ln w="38100" cap="sq">
+              <a:solidFill>
+                <a:srgbClr val="000000"/>
+              </a:solidFill>
+              <a:prstDash val="solid"/>
+              <a:miter lim="800000"/>
+            </a:ln>
+            <a:effectLst>
+              <a:outerShdw blurRad="50800" dist="38100" dir="2700000" algn="tl" rotWithShape="0">
+                <a:srgbClr val="000000">
+                  <a:alpha val="43000"/>
+                </a:srgbClr>
+              </a:outerShdw>
+            </a:effectLst>
+          </p:spPr>
+        </p:pic>
+        <p:sp>
+          <p:nvSpPr>
+            <p:cNvPr id="42" name="Textfeld 41">
+              <a:extLst>
+                <a:ext uri="{FF2B5EF4-FFF2-40B4-BE49-F238E27FC236}">
+                  <a16:creationId xmlns:a16="http://schemas.microsoft.com/office/drawing/2014/main" id="{BDD4EB9C-6EDF-4CF3-B23F-F4D9B91EE3F2}"/>
+                </a:ext>
+              </a:extLst>
+            </p:cNvPr>
+            <p:cNvSpPr txBox="1"/>
+            <p:nvPr/>
+          </p:nvSpPr>
+          <p:spPr>
+            <a:xfrm>
+              <a:off x="4027137" y="6041033"/>
+              <a:ext cx="2032857" cy="307777"/>
+            </a:xfrm>
+            <a:prstGeom prst="rect">
+              <a:avLst/>
+            </a:prstGeom>
+            <a:solidFill>
+              <a:schemeClr val="tx2">
+                <a:lumMod val="40000"/>
+                <a:lumOff val="60000"/>
+              </a:schemeClr>
+            </a:solidFill>
+          </p:spPr>
+          <p:txBody>
+            <a:bodyPr wrap="square" rtlCol="0">
+              <a:spAutoFit/>
+            </a:bodyPr>
+            <a:lstStyle/>
+            <a:p>
+              <a:pPr algn="ctr"/>
+              <a:r>
+                <a:rPr lang="de-CH" sz="1400" dirty="0"/>
+                <a:t>Private Konversationen</a:t>
+              </a:r>
+            </a:p>
+          </p:txBody>
+        </p:sp>
+      </p:grpSp>
+      <p:grpSp>
+        <p:nvGrpSpPr>
+          <p:cNvPr id="40" name="Gruppieren 39">
+            <a:extLst>
+              <a:ext uri="{FF2B5EF4-FFF2-40B4-BE49-F238E27FC236}">
+                <a16:creationId xmlns:a16="http://schemas.microsoft.com/office/drawing/2014/main" id="{0F7D4AB5-EB6F-4F38-AF01-5849365067AE}"/>
+              </a:ext>
+            </a:extLst>
+          </p:cNvPr>
+          <p:cNvGrpSpPr/>
+          <p:nvPr/>
+        </p:nvGrpSpPr>
+        <p:grpSpPr>
+          <a:xfrm>
+            <a:off x="6148608" y="4073046"/>
+            <a:ext cx="2407605" cy="2209019"/>
+            <a:chOff x="6265878" y="3888589"/>
+            <a:chExt cx="1724266" cy="1619476"/>
+          </a:xfrm>
+        </p:grpSpPr>
+        <p:pic>
+          <p:nvPicPr>
+            <p:cNvPr id="44" name="Grafik 43">
+              <a:extLst>
+                <a:ext uri="{FF2B5EF4-FFF2-40B4-BE49-F238E27FC236}">
+                  <a16:creationId xmlns:a16="http://schemas.microsoft.com/office/drawing/2014/main" id="{C429375E-5EC1-4020-B2F4-720FC8579462}"/>
+                </a:ext>
+              </a:extLst>
+            </p:cNvPr>
+            <p:cNvPicPr>
+              <a:picLocks noChangeAspect="1"/>
+            </p:cNvPicPr>
+            <p:nvPr/>
+          </p:nvPicPr>
+          <p:blipFill>
+            <a:blip r:embed="rId10"/>
+            <a:stretch>
+              <a:fillRect/>
+            </a:stretch>
+          </p:blipFill>
+          <p:spPr>
+            <a:xfrm>
+              <a:off x="6265878" y="3888589"/>
+              <a:ext cx="1724266" cy="1619476"/>
+            </a:xfrm>
+            <a:prstGeom prst="rect">
+              <a:avLst/>
+            </a:prstGeom>
+            <a:ln w="38100" cap="sq">
+              <a:solidFill>
+                <a:srgbClr val="000000"/>
+              </a:solidFill>
+              <a:prstDash val="solid"/>
+              <a:miter lim="800000"/>
+            </a:ln>
+            <a:effectLst>
+              <a:outerShdw blurRad="50800" dist="38100" dir="2700000" algn="tl" rotWithShape="0">
+                <a:srgbClr val="000000">
+                  <a:alpha val="43000"/>
+                </a:srgbClr>
+              </a:outerShdw>
+            </a:effectLst>
+          </p:spPr>
+        </p:pic>
+        <p:sp>
+          <p:nvSpPr>
+            <p:cNvPr id="45" name="Textfeld 44">
+              <a:extLst>
+                <a:ext uri="{FF2B5EF4-FFF2-40B4-BE49-F238E27FC236}">
+                  <a16:creationId xmlns:a16="http://schemas.microsoft.com/office/drawing/2014/main" id="{C8B27D00-F104-4F82-8653-978DED71AE43}"/>
+                </a:ext>
+              </a:extLst>
+            </p:cNvPr>
+            <p:cNvSpPr txBox="1"/>
+            <p:nvPr/>
+          </p:nvSpPr>
+          <p:spPr>
+            <a:xfrm>
+              <a:off x="6609681" y="5201609"/>
+              <a:ext cx="1014215" cy="225637"/>
+            </a:xfrm>
+            <a:prstGeom prst="rect">
+              <a:avLst/>
+            </a:prstGeom>
+            <a:solidFill>
+              <a:schemeClr val="tx2">
+                <a:lumMod val="40000"/>
+                <a:lumOff val="60000"/>
+              </a:schemeClr>
+            </a:solidFill>
+          </p:spPr>
+          <p:txBody>
+            <a:bodyPr wrap="square" rtlCol="0">
+              <a:spAutoFit/>
+            </a:bodyPr>
+            <a:lstStyle/>
+            <a:p>
+              <a:pPr algn="ctr"/>
+              <a:r>
+                <a:rPr lang="de-CH" sz="1400" dirty="0"/>
+                <a:t>Projekte</a:t>
+              </a:r>
+            </a:p>
+          </p:txBody>
+        </p:sp>
+      </p:grpSp>
+      <p:grpSp>
+        <p:nvGrpSpPr>
+          <p:cNvPr id="43" name="Gruppieren 42">
+            <a:extLst>
+              <a:ext uri="{FF2B5EF4-FFF2-40B4-BE49-F238E27FC236}">
+                <a16:creationId xmlns:a16="http://schemas.microsoft.com/office/drawing/2014/main" id="{DE7A7A58-0260-49F1-AFFD-1B1237DCFECF}"/>
+              </a:ext>
+            </a:extLst>
+          </p:cNvPr>
+          <p:cNvGrpSpPr/>
+          <p:nvPr/>
+        </p:nvGrpSpPr>
+        <p:grpSpPr>
+          <a:xfrm>
+            <a:off x="620632" y="2127445"/>
+            <a:ext cx="4833139" cy="1326140"/>
+            <a:chOff x="1871430" y="1028515"/>
+            <a:chExt cx="4546505" cy="1255119"/>
+          </a:xfrm>
+        </p:grpSpPr>
+        <p:pic>
+          <p:nvPicPr>
+            <p:cNvPr id="47" name="Grafik 46">
+              <a:extLst>
+                <a:ext uri="{FF2B5EF4-FFF2-40B4-BE49-F238E27FC236}">
+                  <a16:creationId xmlns:a16="http://schemas.microsoft.com/office/drawing/2014/main" id="{D8E8E57E-3928-4281-BA32-3C7C5F0B3161}"/>
+                </a:ext>
+              </a:extLst>
+            </p:cNvPr>
+            <p:cNvPicPr>
+              <a:picLocks noChangeAspect="1"/>
+            </p:cNvPicPr>
+            <p:nvPr/>
+          </p:nvPicPr>
+          <p:blipFill rotWithShape="1">
+            <a:blip r:embed="rId11"/>
+            <a:srcRect l="4468" t="5169" r="3231" b="7332"/>
+            <a:stretch/>
+          </p:blipFill>
+          <p:spPr>
+            <a:xfrm>
+              <a:off x="1871430" y="1028515"/>
+              <a:ext cx="4546505" cy="1255119"/>
+            </a:xfrm>
+            <a:prstGeom prst="rect">
+              <a:avLst/>
+            </a:prstGeom>
+            <a:ln w="38100" cap="sq">
+              <a:solidFill>
+                <a:srgbClr val="000000"/>
+              </a:solidFill>
+              <a:prstDash val="solid"/>
+              <a:miter lim="800000"/>
+            </a:ln>
+            <a:effectLst>
+              <a:outerShdw blurRad="50800" dist="38100" dir="2700000" algn="tl" rotWithShape="0">
+                <a:srgbClr val="000000">
+                  <a:alpha val="43000"/>
+                </a:srgbClr>
+              </a:outerShdw>
+            </a:effectLst>
+          </p:spPr>
+        </p:pic>
+        <p:sp>
+          <p:nvSpPr>
+            <p:cNvPr id="48" name="Textfeld 47">
+              <a:extLst>
+                <a:ext uri="{FF2B5EF4-FFF2-40B4-BE49-F238E27FC236}">
+                  <a16:creationId xmlns:a16="http://schemas.microsoft.com/office/drawing/2014/main" id="{76CBE647-08F0-48AC-BF00-203FFA97E361}"/>
+                </a:ext>
+              </a:extLst>
+            </p:cNvPr>
+            <p:cNvSpPr txBox="1"/>
+            <p:nvPr/>
+          </p:nvSpPr>
+          <p:spPr>
+            <a:xfrm>
+              <a:off x="3670158" y="1850500"/>
+              <a:ext cx="823626" cy="307777"/>
+            </a:xfrm>
+            <a:prstGeom prst="rect">
+              <a:avLst/>
+            </a:prstGeom>
+            <a:solidFill>
+              <a:schemeClr val="tx2">
+                <a:lumMod val="40000"/>
+                <a:lumOff val="60000"/>
+              </a:schemeClr>
+            </a:solidFill>
+          </p:spPr>
+          <p:txBody>
+            <a:bodyPr wrap="square" rtlCol="0">
+              <a:spAutoFit/>
+            </a:bodyPr>
+            <a:lstStyle/>
+            <a:p>
+              <a:pPr algn="ctr"/>
+              <a:r>
+                <a:rPr lang="de-CH" sz="1400" dirty="0"/>
+                <a:t>Posten</a:t>
+              </a:r>
+            </a:p>
+          </p:txBody>
+        </p:sp>
+      </p:grpSp>
+      <p:grpSp>
+        <p:nvGrpSpPr>
+          <p:cNvPr id="46" name="Gruppieren 45">
+            <a:extLst>
+              <a:ext uri="{FF2B5EF4-FFF2-40B4-BE49-F238E27FC236}">
+                <a16:creationId xmlns:a16="http://schemas.microsoft.com/office/drawing/2014/main" id="{7CED9D18-2F9A-42A9-B59F-C299771804B8}"/>
+              </a:ext>
+            </a:extLst>
+          </p:cNvPr>
+          <p:cNvGrpSpPr/>
+          <p:nvPr/>
+        </p:nvGrpSpPr>
+        <p:grpSpPr>
+          <a:xfrm>
+            <a:off x="9097832" y="3327098"/>
+            <a:ext cx="2141277" cy="3083416"/>
+            <a:chOff x="8237401" y="2120641"/>
+            <a:chExt cx="1787873" cy="2596501"/>
+          </a:xfrm>
+        </p:grpSpPr>
+        <p:pic>
+          <p:nvPicPr>
+            <p:cNvPr id="50" name="Grafik 49">
+              <a:extLst>
+                <a:ext uri="{FF2B5EF4-FFF2-40B4-BE49-F238E27FC236}">
+                  <a16:creationId xmlns:a16="http://schemas.microsoft.com/office/drawing/2014/main" id="{114D117D-36AF-461C-89E0-C77B04E7E478}"/>
+                </a:ext>
+              </a:extLst>
+            </p:cNvPr>
+            <p:cNvPicPr>
+              <a:picLocks noChangeAspect="1"/>
+            </p:cNvPicPr>
+            <p:nvPr/>
+          </p:nvPicPr>
+          <p:blipFill rotWithShape="1">
+            <a:blip r:embed="rId12"/>
+            <a:srcRect b="679"/>
+            <a:stretch/>
+          </p:blipFill>
+          <p:spPr>
+            <a:xfrm>
+              <a:off x="8237401" y="2120641"/>
+              <a:ext cx="1787873" cy="2596501"/>
+            </a:xfrm>
+            <a:prstGeom prst="rect">
+              <a:avLst/>
+            </a:prstGeom>
+            <a:ln w="38100" cap="sq">
+              <a:solidFill>
+                <a:srgbClr val="000000"/>
+              </a:solidFill>
+              <a:prstDash val="solid"/>
+              <a:miter lim="800000"/>
+            </a:ln>
+            <a:effectLst>
+              <a:outerShdw blurRad="50800" dist="38100" dir="2700000" algn="tl" rotWithShape="0">
+                <a:srgbClr val="000000">
+                  <a:alpha val="43000"/>
+                </a:srgbClr>
+              </a:outerShdw>
+            </a:effectLst>
+          </p:spPr>
+        </p:pic>
+        <p:sp>
+          <p:nvSpPr>
+            <p:cNvPr id="51" name="Textfeld 50">
+              <a:extLst>
+                <a:ext uri="{FF2B5EF4-FFF2-40B4-BE49-F238E27FC236}">
+                  <a16:creationId xmlns:a16="http://schemas.microsoft.com/office/drawing/2014/main" id="{DD182FB2-30E5-435A-8A00-27EEA2F5A7C5}"/>
+                </a:ext>
+              </a:extLst>
+            </p:cNvPr>
+            <p:cNvSpPr txBox="1"/>
+            <p:nvPr/>
+          </p:nvSpPr>
+          <p:spPr>
+            <a:xfrm>
+              <a:off x="8528136" y="4321472"/>
+              <a:ext cx="1249417" cy="208493"/>
+            </a:xfrm>
+            <a:prstGeom prst="rect">
+              <a:avLst/>
+            </a:prstGeom>
+            <a:solidFill>
+              <a:schemeClr val="tx2">
+                <a:lumMod val="40000"/>
+                <a:lumOff val="60000"/>
+              </a:schemeClr>
+            </a:solidFill>
+          </p:spPr>
+          <p:txBody>
+            <a:bodyPr wrap="square" rtlCol="0">
+              <a:spAutoFit/>
+            </a:bodyPr>
+            <a:lstStyle/>
+            <a:p>
+              <a:pPr algn="ctr"/>
+              <a:r>
+                <a:rPr lang="de-CH" sz="1400" dirty="0"/>
+                <a:t>Eigener Account</a:t>
+              </a:r>
+            </a:p>
+          </p:txBody>
+        </p:sp>
+      </p:grpSp>
+      <p:sp>
+        <p:nvSpPr>
+          <p:cNvPr id="53" name="Title 1">
+            <a:extLst>
+              <a:ext uri="{FF2B5EF4-FFF2-40B4-BE49-F238E27FC236}">
+                <a16:creationId xmlns:a16="http://schemas.microsoft.com/office/drawing/2014/main" id="{3C4E8DB0-DA11-4A4F-BB12-E2CC575D2920}"/>
+              </a:ext>
+            </a:extLst>
+          </p:cNvPr>
+          <p:cNvSpPr>
+            <a:spLocks noGrp="1"/>
+          </p:cNvSpPr>
+          <p:nvPr>
+            <p:ph type="title"/>
+          </p:nvPr>
+        </p:nvSpPr>
+        <p:spPr>
+          <a:xfrm>
+            <a:off x="469153" y="639605"/>
+            <a:ext cx="5278901" cy="1356360"/>
+          </a:xfrm>
+        </p:spPr>
+        <p:txBody>
+          <a:bodyPr/>
+          <a:lstStyle/>
+          <a:p>
+            <a:r>
+              <a:rPr lang="de-CH" dirty="0"/>
+              <a:t>Ziele dieses Projekts</a:t>
+            </a:r>
+          </a:p>
+        </p:txBody>
+      </p:sp>
+    </p:spTree>
+    <p:extLst>
+      <p:ext uri="{BB962C8B-B14F-4D97-AF65-F5344CB8AC3E}">
+        <p14:creationId xmlns:p14="http://schemas.microsoft.com/office/powerpoint/2010/main" val="2421135042"/>
+      </p:ext>
+    </p:extLst>
+  </p:cSld>
+  <p:clrMapOvr>
+    <a:masterClrMapping/>
+  </p:clrMapOvr>
+</p:sld>
+</file>
+
+<file path=ppt/slides/slide5.xml><?xml version="1.0" encoding="utf-8"?>
 <p:sld xmlns:a="http://schemas.openxmlformats.org/drawingml/2006/main" xmlns:r="http://schemas.openxmlformats.org/officeDocument/2006/relationships" xmlns:p="http://schemas.openxmlformats.org/presentationml/2006/main">
   <p:cSld>
     <p:spTree>
@@ -7464,7 +10345,7 @@
 </p:sld>
 </file>
 
-<file path=ppt/slides/slide5.xml><?xml version="1.0" encoding="utf-8"?>
+<file path=ppt/slides/slide6.xml><?xml version="1.0" encoding="utf-8"?>
 <p:sld xmlns:a="http://schemas.openxmlformats.org/drawingml/2006/main" xmlns:r="http://schemas.openxmlformats.org/officeDocument/2006/relationships" xmlns:p="http://schemas.openxmlformats.org/presentationml/2006/main">
   <p:cSld>
     <p:spTree>
@@ -8403,7 +11284,7 @@
 </p:sld>
 </file>
 
-<file path=ppt/slides/slide6.xml><?xml version="1.0" encoding="utf-8"?>
+<file path=ppt/slides/slide7.xml><?xml version="1.0" encoding="utf-8"?>
 <p:sld xmlns:a="http://schemas.openxmlformats.org/drawingml/2006/main" xmlns:r="http://schemas.openxmlformats.org/officeDocument/2006/relationships" xmlns:p="http://schemas.openxmlformats.org/presentationml/2006/main">
   <p:cSld>
     <p:spTree>
@@ -9356,7 +12237,7 @@
 </p:sld>
 </file>
 
-<file path=ppt/slides/slide7.xml><?xml version="1.0" encoding="utf-8"?>
+<file path=ppt/slides/slide8.xml><?xml version="1.0" encoding="utf-8"?>
 <p:sld xmlns:a="http://schemas.openxmlformats.org/drawingml/2006/main" xmlns:r="http://schemas.openxmlformats.org/officeDocument/2006/relationships" xmlns:p="http://schemas.openxmlformats.org/presentationml/2006/main">
   <p:cSld>
     <p:spTree>
@@ -10300,7 +13181,7 @@
 </p:sld>
 </file>
 
-<file path=ppt/slides/slide8.xml><?xml version="1.0" encoding="utf-8"?>
+<file path=ppt/slides/slide9.xml><?xml version="1.0" encoding="utf-8"?>
 <p:sld xmlns:a="http://schemas.openxmlformats.org/drawingml/2006/main" xmlns:r="http://schemas.openxmlformats.org/officeDocument/2006/relationships" xmlns:p="http://schemas.openxmlformats.org/presentationml/2006/main">
   <p:cSld>
     <p:spTree>
@@ -10743,1255 +13624,6 @@
       <p:bldP spid="7" grpId="0" animBg="1"/>
     </p:bldLst>
   </p:timing>
-</p:sld>
-</file>
-
-<file path=ppt/slides/slide9.xml><?xml version="1.0" encoding="utf-8"?>
-<p:sld xmlns:a="http://schemas.openxmlformats.org/drawingml/2006/main" xmlns:r="http://schemas.openxmlformats.org/officeDocument/2006/relationships" xmlns:p="http://schemas.openxmlformats.org/presentationml/2006/main">
-  <p:cSld>
-    <p:spTree>
-      <p:nvGrpSpPr>
-        <p:cNvPr id="1" name=""/>
-        <p:cNvGrpSpPr/>
-        <p:nvPr/>
-      </p:nvGrpSpPr>
-      <p:grpSpPr>
-        <a:xfrm>
-          <a:off x="0" y="0"/>
-          <a:ext cx="0" cy="0"/>
-          <a:chOff x="0" y="0"/>
-          <a:chExt cx="0" cy="0"/>
-        </a:xfrm>
-      </p:grpSpPr>
-      <p:sp>
-        <p:nvSpPr>
-          <p:cNvPr id="2" name="Titel 1">
-            <a:extLst>
-              <a:ext uri="{FF2B5EF4-FFF2-40B4-BE49-F238E27FC236}">
-                <a16:creationId xmlns:a16="http://schemas.microsoft.com/office/drawing/2014/main" id="{2770FCBF-AA2B-47EB-A595-CE38AC98192E}"/>
-              </a:ext>
-            </a:extLst>
-          </p:cNvPr>
-          <p:cNvSpPr>
-            <a:spLocks noGrp="1"/>
-          </p:cNvSpPr>
-          <p:nvPr>
-            <p:ph type="title"/>
-          </p:nvPr>
-        </p:nvSpPr>
-        <p:spPr>
-          <a:xfrm>
-            <a:off x="1498107" y="867052"/>
-            <a:ext cx="1973062" cy="1032769"/>
-          </a:xfrm>
-        </p:spPr>
-        <p:txBody>
-          <a:bodyPr/>
-          <a:lstStyle/>
-          <a:p>
-            <a:r>
-              <a:rPr lang="de-CH" dirty="0"/>
-              <a:t>MySQL</a:t>
-            </a:r>
-          </a:p>
-        </p:txBody>
-      </p:sp>
-      <p:pic>
-        <p:nvPicPr>
-          <p:cNvPr id="4" name="Picture 4" descr="MySQL: Definition und Erklärung | Marketing-Lexikon">
-            <a:extLst>
-              <a:ext uri="{FF2B5EF4-FFF2-40B4-BE49-F238E27FC236}">
-                <a16:creationId xmlns:a16="http://schemas.microsoft.com/office/drawing/2014/main" id="{34B95301-CFFE-46B9-B081-327EEC721221}"/>
-              </a:ext>
-            </a:extLst>
-          </p:cNvPr>
-          <p:cNvPicPr>
-            <a:picLocks noGrp="1" noChangeAspect="1" noChangeArrowheads="1"/>
-          </p:cNvPicPr>
-          <p:nvPr>
-            <p:ph idx="1"/>
-          </p:nvPr>
-        </p:nvPicPr>
-        <p:blipFill>
-          <a:blip r:embed="rId2">
-            <a:extLst>
-              <a:ext uri="{28A0092B-C50C-407E-A947-70E740481C1C}">
-                <a14:useLocalDpi xmlns:a14="http://schemas.microsoft.com/office/drawing/2010/main" val="0"/>
-              </a:ext>
-            </a:extLst>
-          </a:blip>
-          <a:srcRect/>
-          <a:stretch>
-            <a:fillRect/>
-          </a:stretch>
-        </p:blipFill>
-        <p:spPr bwMode="auto">
-          <a:xfrm>
-            <a:off x="4396935" y="599209"/>
-            <a:ext cx="2989287" cy="1568453"/>
-          </a:xfrm>
-          <a:prstGeom prst="rect">
-            <a:avLst/>
-          </a:prstGeom>
-          <a:noFill/>
-          <a:extLst>
-            <a:ext uri="{909E8E84-426E-40DD-AFC4-6F175D3DCCD1}">
-              <a14:hiddenFill xmlns:a14="http://schemas.microsoft.com/office/drawing/2010/main">
-                <a:solidFill>
-                  <a:srgbClr val="FFFFFF"/>
-                </a:solidFill>
-              </a14:hiddenFill>
-            </a:ext>
-          </a:extLst>
-        </p:spPr>
-      </p:pic>
-      <p:pic>
-        <p:nvPicPr>
-          <p:cNvPr id="3074" name="Picture 2" descr="MySQL Workbench: NEW ADD-ON - The Devolutions Blog">
-            <a:extLst>
-              <a:ext uri="{FF2B5EF4-FFF2-40B4-BE49-F238E27FC236}">
-                <a16:creationId xmlns:a16="http://schemas.microsoft.com/office/drawing/2014/main" id="{0639C9E0-CFCB-4CD2-B751-9D14998F9DEC}"/>
-              </a:ext>
-            </a:extLst>
-          </p:cNvPr>
-          <p:cNvPicPr>
-            <a:picLocks noChangeAspect="1" noChangeArrowheads="1"/>
-          </p:cNvPicPr>
-          <p:nvPr/>
-        </p:nvPicPr>
-        <p:blipFill>
-          <a:blip r:embed="rId3">
-            <a:extLst>
-              <a:ext uri="{28A0092B-C50C-407E-A947-70E740481C1C}">
-                <a14:useLocalDpi xmlns:a14="http://schemas.microsoft.com/office/drawing/2010/main" val="0"/>
-              </a:ext>
-            </a:extLst>
-          </a:blip>
-          <a:srcRect/>
-          <a:stretch>
-            <a:fillRect/>
-          </a:stretch>
-        </p:blipFill>
-        <p:spPr bwMode="auto">
-          <a:xfrm>
-            <a:off x="8919099" y="496038"/>
-            <a:ext cx="1774794" cy="1774794"/>
-          </a:xfrm>
-          <a:prstGeom prst="rect">
-            <a:avLst/>
-          </a:prstGeom>
-          <a:noFill/>
-          <a:extLst>
-            <a:ext uri="{909E8E84-426E-40DD-AFC4-6F175D3DCCD1}">
-              <a14:hiddenFill xmlns:a14="http://schemas.microsoft.com/office/drawing/2010/main">
-                <a:solidFill>
-                  <a:srgbClr val="FFFFFF"/>
-                </a:solidFill>
-              </a14:hiddenFill>
-            </a:ext>
-          </a:extLst>
-        </p:spPr>
-      </p:pic>
-      <p:sp>
-        <p:nvSpPr>
-          <p:cNvPr id="7" name="Content Placeholder 2">
-            <a:extLst>
-              <a:ext uri="{FF2B5EF4-FFF2-40B4-BE49-F238E27FC236}">
-                <a16:creationId xmlns:a16="http://schemas.microsoft.com/office/drawing/2014/main" id="{FE2A37E0-DC9B-4F2F-870E-73C1519D217C}"/>
-              </a:ext>
-            </a:extLst>
-          </p:cNvPr>
-          <p:cNvSpPr txBox="1">
-            <a:spLocks/>
-          </p:cNvSpPr>
-          <p:nvPr/>
-        </p:nvSpPr>
-        <p:spPr>
-          <a:xfrm>
-            <a:off x="1069020" y="3960705"/>
-            <a:ext cx="5388006" cy="2187237"/>
-          </a:xfrm>
-          <a:prstGeom prst="rect">
-            <a:avLst/>
-          </a:prstGeom>
-        </p:spPr>
-        <p:txBody>
-          <a:bodyPr vert="horz" lIns="91440" tIns="45720" rIns="91440" bIns="45720" rtlCol="0">
-            <a:normAutofit/>
-          </a:bodyPr>
-          <a:lstStyle>
-            <a:lvl1pPr marL="228600" indent="-182880" algn="l" defTabSz="914400" rtl="0" eaLnBrk="1" latinLnBrk="0" hangingPunct="1">
-              <a:lnSpc>
-                <a:spcPct val="90000"/>
-              </a:lnSpc>
-              <a:spcBef>
-                <a:spcPts val="1400"/>
-              </a:spcBef>
-              <a:buClr>
-                <a:schemeClr val="accent1"/>
-              </a:buClr>
-              <a:buSzPct val="80000"/>
-              <a:buFont typeface="Corbel" pitchFamily="34" charset="0"/>
-              <a:buChar char="•"/>
-              <a:defRPr sz="2200" kern="1200">
-                <a:solidFill>
-                  <a:schemeClr val="accent1"/>
-                </a:solidFill>
-                <a:latin typeface="+mn-lt"/>
-                <a:ea typeface="+mn-ea"/>
-                <a:cs typeface="+mn-cs"/>
-              </a:defRPr>
-            </a:lvl1pPr>
-            <a:lvl2pPr marL="457200" indent="-182880" algn="l" defTabSz="914400" rtl="0" eaLnBrk="1" latinLnBrk="0" hangingPunct="1">
-              <a:lnSpc>
-                <a:spcPct val="90000"/>
-              </a:lnSpc>
-              <a:spcBef>
-                <a:spcPts val="200"/>
-              </a:spcBef>
-              <a:spcAft>
-                <a:spcPts val="400"/>
-              </a:spcAft>
-              <a:buClr>
-                <a:schemeClr val="accent1"/>
-              </a:buClr>
-              <a:buSzPct val="80000"/>
-              <a:buFont typeface="Corbel" pitchFamily="34" charset="0"/>
-              <a:buChar char="•"/>
-              <a:defRPr sz="2000" kern="1200">
-                <a:solidFill>
-                  <a:schemeClr val="accent1"/>
-                </a:solidFill>
-                <a:latin typeface="+mn-lt"/>
-                <a:ea typeface="+mn-ea"/>
-                <a:cs typeface="+mn-cs"/>
-              </a:defRPr>
-            </a:lvl2pPr>
-            <a:lvl3pPr marL="731520" indent="-182880" algn="l" defTabSz="914400" rtl="0" eaLnBrk="1" latinLnBrk="0" hangingPunct="1">
-              <a:lnSpc>
-                <a:spcPct val="90000"/>
-              </a:lnSpc>
-              <a:spcBef>
-                <a:spcPts val="200"/>
-              </a:spcBef>
-              <a:spcAft>
-                <a:spcPts val="400"/>
-              </a:spcAft>
-              <a:buClr>
-                <a:schemeClr val="accent1"/>
-              </a:buClr>
-              <a:buSzPct val="80000"/>
-              <a:buFont typeface="Corbel" pitchFamily="34" charset="0"/>
-              <a:buChar char="•"/>
-              <a:defRPr sz="1800" kern="1200">
-                <a:solidFill>
-                  <a:schemeClr val="accent1"/>
-                </a:solidFill>
-                <a:latin typeface="+mn-lt"/>
-                <a:ea typeface="+mn-ea"/>
-                <a:cs typeface="+mn-cs"/>
-              </a:defRPr>
-            </a:lvl3pPr>
-            <a:lvl4pPr marL="1005840" indent="-182880" algn="l" defTabSz="914400" rtl="0" eaLnBrk="1" latinLnBrk="0" hangingPunct="1">
-              <a:lnSpc>
-                <a:spcPct val="90000"/>
-              </a:lnSpc>
-              <a:spcBef>
-                <a:spcPts val="200"/>
-              </a:spcBef>
-              <a:spcAft>
-                <a:spcPts val="400"/>
-              </a:spcAft>
-              <a:buClr>
-                <a:schemeClr val="accent1"/>
-              </a:buClr>
-              <a:buSzPct val="80000"/>
-              <a:buFont typeface="Corbel" pitchFamily="34" charset="0"/>
-              <a:buChar char="•"/>
-              <a:defRPr sz="1600" kern="1200">
-                <a:solidFill>
-                  <a:schemeClr val="accent1"/>
-                </a:solidFill>
-                <a:latin typeface="+mn-lt"/>
-                <a:ea typeface="+mn-ea"/>
-                <a:cs typeface="+mn-cs"/>
-              </a:defRPr>
-            </a:lvl4pPr>
-            <a:lvl5pPr marL="1280160" indent="-182880" algn="l" defTabSz="914400" rtl="0" eaLnBrk="1" latinLnBrk="0" hangingPunct="1">
-              <a:lnSpc>
-                <a:spcPct val="90000"/>
-              </a:lnSpc>
-              <a:spcBef>
-                <a:spcPts val="200"/>
-              </a:spcBef>
-              <a:spcAft>
-                <a:spcPts val="400"/>
-              </a:spcAft>
-              <a:buClr>
-                <a:schemeClr val="accent1"/>
-              </a:buClr>
-              <a:buSzPct val="80000"/>
-              <a:buFont typeface="Corbel" pitchFamily="34" charset="0"/>
-              <a:buChar char="•"/>
-              <a:defRPr sz="1600" kern="1200">
-                <a:solidFill>
-                  <a:schemeClr val="accent1"/>
-                </a:solidFill>
-                <a:latin typeface="+mn-lt"/>
-                <a:ea typeface="+mn-ea"/>
-                <a:cs typeface="+mn-cs"/>
-              </a:defRPr>
-            </a:lvl5pPr>
-            <a:lvl6pPr marL="1600000" indent="-228600" algn="l" defTabSz="914400" rtl="0" eaLnBrk="1" latinLnBrk="0" hangingPunct="1">
-              <a:lnSpc>
-                <a:spcPct val="90000"/>
-              </a:lnSpc>
-              <a:spcBef>
-                <a:spcPts val="200"/>
-              </a:spcBef>
-              <a:spcAft>
-                <a:spcPts val="400"/>
-              </a:spcAft>
-              <a:buClr>
-                <a:schemeClr val="accent1"/>
-              </a:buClr>
-              <a:buSzPct val="80000"/>
-              <a:buFont typeface="Corbel" pitchFamily="34" charset="0"/>
-              <a:buChar char="•"/>
-              <a:defRPr sz="1600" kern="1200">
-                <a:solidFill>
-                  <a:schemeClr val="accent1"/>
-                </a:solidFill>
-                <a:latin typeface="+mn-lt"/>
-                <a:ea typeface="+mn-ea"/>
-                <a:cs typeface="+mn-cs"/>
-              </a:defRPr>
-            </a:lvl6pPr>
-            <a:lvl7pPr marL="1900000" indent="-228600" algn="l" defTabSz="914400" rtl="0" eaLnBrk="1" latinLnBrk="0" hangingPunct="1">
-              <a:lnSpc>
-                <a:spcPct val="90000"/>
-              </a:lnSpc>
-              <a:spcBef>
-                <a:spcPts val="200"/>
-              </a:spcBef>
-              <a:spcAft>
-                <a:spcPts val="400"/>
-              </a:spcAft>
-              <a:buClr>
-                <a:schemeClr val="accent1"/>
-              </a:buClr>
-              <a:buSzPct val="80000"/>
-              <a:buFont typeface="Corbel" pitchFamily="34" charset="0"/>
-              <a:buChar char="•"/>
-              <a:defRPr sz="1600" kern="1200">
-                <a:solidFill>
-                  <a:schemeClr val="accent1"/>
-                </a:solidFill>
-                <a:latin typeface="+mn-lt"/>
-                <a:ea typeface="+mn-ea"/>
-                <a:cs typeface="+mn-cs"/>
-              </a:defRPr>
-            </a:lvl7pPr>
-            <a:lvl8pPr marL="2200000" indent="-228600" algn="l" defTabSz="914400" rtl="0" eaLnBrk="1" latinLnBrk="0" hangingPunct="1">
-              <a:lnSpc>
-                <a:spcPct val="90000"/>
-              </a:lnSpc>
-              <a:spcBef>
-                <a:spcPts val="200"/>
-              </a:spcBef>
-              <a:spcAft>
-                <a:spcPts val="400"/>
-              </a:spcAft>
-              <a:buClr>
-                <a:schemeClr val="accent1"/>
-              </a:buClr>
-              <a:buSzPct val="80000"/>
-              <a:buFont typeface="Corbel" pitchFamily="34" charset="0"/>
-              <a:buChar char="•"/>
-              <a:defRPr sz="1600" kern="1200">
-                <a:solidFill>
-                  <a:schemeClr val="accent1"/>
-                </a:solidFill>
-                <a:latin typeface="+mn-lt"/>
-                <a:ea typeface="+mn-ea"/>
-                <a:cs typeface="+mn-cs"/>
-              </a:defRPr>
-            </a:lvl8pPr>
-            <a:lvl9pPr marL="2500000" indent="-228600" algn="l" defTabSz="914400" rtl="0" eaLnBrk="1" latinLnBrk="0" hangingPunct="1">
-              <a:lnSpc>
-                <a:spcPct val="90000"/>
-              </a:lnSpc>
-              <a:spcBef>
-                <a:spcPts val="200"/>
-              </a:spcBef>
-              <a:spcAft>
-                <a:spcPts val="400"/>
-              </a:spcAft>
-              <a:buClr>
-                <a:schemeClr val="accent1"/>
-              </a:buClr>
-              <a:buSzPct val="80000"/>
-              <a:buFont typeface="Corbel" pitchFamily="34" charset="0"/>
-              <a:buChar char="•"/>
-              <a:defRPr sz="1600" kern="1200">
-                <a:solidFill>
-                  <a:schemeClr val="accent1"/>
-                </a:solidFill>
-                <a:latin typeface="+mn-lt"/>
-                <a:ea typeface="+mn-ea"/>
-                <a:cs typeface="+mn-cs"/>
-              </a:defRPr>
-            </a:lvl9pPr>
-          </a:lstStyle>
-          <a:p>
-            <a:pPr marL="45720" indent="0">
-              <a:buFont typeface="Corbel" pitchFamily="34" charset="0"/>
-              <a:buNone/>
-            </a:pPr>
-            <a:r>
-              <a:rPr lang="de-CH" dirty="0"/>
-              <a:t>Stärken von MySQL</a:t>
-            </a:r>
-          </a:p>
-          <a:p>
-            <a:r>
-              <a:rPr lang="de-CH" dirty="0"/>
-              <a:t>Eines von den sichersten Datenbanken</a:t>
-            </a:r>
-          </a:p>
-          <a:p>
-            <a:r>
-              <a:rPr lang="de-CH" dirty="0"/>
-              <a:t>Skalierbar bis zu Mittel - Grossen Projekten</a:t>
-            </a:r>
-          </a:p>
-          <a:p>
-            <a:r>
-              <a:rPr lang="de-CH" dirty="0"/>
-              <a:t>Gute Leistungsfähigkeit</a:t>
-            </a:r>
-          </a:p>
-        </p:txBody>
-      </p:sp>
-      <p:sp>
-        <p:nvSpPr>
-          <p:cNvPr id="8" name="Content Placeholder 2">
-            <a:extLst>
-              <a:ext uri="{FF2B5EF4-FFF2-40B4-BE49-F238E27FC236}">
-                <a16:creationId xmlns:a16="http://schemas.microsoft.com/office/drawing/2014/main" id="{937F6248-89C9-466F-92B6-A4B8596EBEA3}"/>
-              </a:ext>
-            </a:extLst>
-          </p:cNvPr>
-          <p:cNvSpPr txBox="1">
-            <a:spLocks/>
-          </p:cNvSpPr>
-          <p:nvPr/>
-        </p:nvSpPr>
-        <p:spPr>
-          <a:xfrm>
-            <a:off x="6232124" y="3960704"/>
-            <a:ext cx="4890856" cy="2187237"/>
-          </a:xfrm>
-          <a:prstGeom prst="rect">
-            <a:avLst/>
-          </a:prstGeom>
-        </p:spPr>
-        <p:txBody>
-          <a:bodyPr vert="horz" lIns="91440" tIns="45720" rIns="91440" bIns="45720" rtlCol="0">
-            <a:normAutofit/>
-          </a:bodyPr>
-          <a:lstStyle>
-            <a:lvl1pPr marL="228600" indent="-182880" algn="l" defTabSz="914400" rtl="0" eaLnBrk="1" latinLnBrk="0" hangingPunct="1">
-              <a:lnSpc>
-                <a:spcPct val="90000"/>
-              </a:lnSpc>
-              <a:spcBef>
-                <a:spcPts val="1400"/>
-              </a:spcBef>
-              <a:buClr>
-                <a:schemeClr val="accent1"/>
-              </a:buClr>
-              <a:buSzPct val="80000"/>
-              <a:buFont typeface="Corbel" pitchFamily="34" charset="0"/>
-              <a:buChar char="•"/>
-              <a:defRPr sz="2200" kern="1200">
-                <a:solidFill>
-                  <a:schemeClr val="accent1"/>
-                </a:solidFill>
-                <a:latin typeface="+mn-lt"/>
-                <a:ea typeface="+mn-ea"/>
-                <a:cs typeface="+mn-cs"/>
-              </a:defRPr>
-            </a:lvl1pPr>
-            <a:lvl2pPr marL="457200" indent="-182880" algn="l" defTabSz="914400" rtl="0" eaLnBrk="1" latinLnBrk="0" hangingPunct="1">
-              <a:lnSpc>
-                <a:spcPct val="90000"/>
-              </a:lnSpc>
-              <a:spcBef>
-                <a:spcPts val="200"/>
-              </a:spcBef>
-              <a:spcAft>
-                <a:spcPts val="400"/>
-              </a:spcAft>
-              <a:buClr>
-                <a:schemeClr val="accent1"/>
-              </a:buClr>
-              <a:buSzPct val="80000"/>
-              <a:buFont typeface="Corbel" pitchFamily="34" charset="0"/>
-              <a:buChar char="•"/>
-              <a:defRPr sz="2000" kern="1200">
-                <a:solidFill>
-                  <a:schemeClr val="accent1"/>
-                </a:solidFill>
-                <a:latin typeface="+mn-lt"/>
-                <a:ea typeface="+mn-ea"/>
-                <a:cs typeface="+mn-cs"/>
-              </a:defRPr>
-            </a:lvl2pPr>
-            <a:lvl3pPr marL="731520" indent="-182880" algn="l" defTabSz="914400" rtl="0" eaLnBrk="1" latinLnBrk="0" hangingPunct="1">
-              <a:lnSpc>
-                <a:spcPct val="90000"/>
-              </a:lnSpc>
-              <a:spcBef>
-                <a:spcPts val="200"/>
-              </a:spcBef>
-              <a:spcAft>
-                <a:spcPts val="400"/>
-              </a:spcAft>
-              <a:buClr>
-                <a:schemeClr val="accent1"/>
-              </a:buClr>
-              <a:buSzPct val="80000"/>
-              <a:buFont typeface="Corbel" pitchFamily="34" charset="0"/>
-              <a:buChar char="•"/>
-              <a:defRPr sz="1800" kern="1200">
-                <a:solidFill>
-                  <a:schemeClr val="accent1"/>
-                </a:solidFill>
-                <a:latin typeface="+mn-lt"/>
-                <a:ea typeface="+mn-ea"/>
-                <a:cs typeface="+mn-cs"/>
-              </a:defRPr>
-            </a:lvl3pPr>
-            <a:lvl4pPr marL="1005840" indent="-182880" algn="l" defTabSz="914400" rtl="0" eaLnBrk="1" latinLnBrk="0" hangingPunct="1">
-              <a:lnSpc>
-                <a:spcPct val="90000"/>
-              </a:lnSpc>
-              <a:spcBef>
-                <a:spcPts val="200"/>
-              </a:spcBef>
-              <a:spcAft>
-                <a:spcPts val="400"/>
-              </a:spcAft>
-              <a:buClr>
-                <a:schemeClr val="accent1"/>
-              </a:buClr>
-              <a:buSzPct val="80000"/>
-              <a:buFont typeface="Corbel" pitchFamily="34" charset="0"/>
-              <a:buChar char="•"/>
-              <a:defRPr sz="1600" kern="1200">
-                <a:solidFill>
-                  <a:schemeClr val="accent1"/>
-                </a:solidFill>
-                <a:latin typeface="+mn-lt"/>
-                <a:ea typeface="+mn-ea"/>
-                <a:cs typeface="+mn-cs"/>
-              </a:defRPr>
-            </a:lvl4pPr>
-            <a:lvl5pPr marL="1280160" indent="-182880" algn="l" defTabSz="914400" rtl="0" eaLnBrk="1" latinLnBrk="0" hangingPunct="1">
-              <a:lnSpc>
-                <a:spcPct val="90000"/>
-              </a:lnSpc>
-              <a:spcBef>
-                <a:spcPts val="200"/>
-              </a:spcBef>
-              <a:spcAft>
-                <a:spcPts val="400"/>
-              </a:spcAft>
-              <a:buClr>
-                <a:schemeClr val="accent1"/>
-              </a:buClr>
-              <a:buSzPct val="80000"/>
-              <a:buFont typeface="Corbel" pitchFamily="34" charset="0"/>
-              <a:buChar char="•"/>
-              <a:defRPr sz="1600" kern="1200">
-                <a:solidFill>
-                  <a:schemeClr val="accent1"/>
-                </a:solidFill>
-                <a:latin typeface="+mn-lt"/>
-                <a:ea typeface="+mn-ea"/>
-                <a:cs typeface="+mn-cs"/>
-              </a:defRPr>
-            </a:lvl5pPr>
-            <a:lvl6pPr marL="1600000" indent="-228600" algn="l" defTabSz="914400" rtl="0" eaLnBrk="1" latinLnBrk="0" hangingPunct="1">
-              <a:lnSpc>
-                <a:spcPct val="90000"/>
-              </a:lnSpc>
-              <a:spcBef>
-                <a:spcPts val="200"/>
-              </a:spcBef>
-              <a:spcAft>
-                <a:spcPts val="400"/>
-              </a:spcAft>
-              <a:buClr>
-                <a:schemeClr val="accent1"/>
-              </a:buClr>
-              <a:buSzPct val="80000"/>
-              <a:buFont typeface="Corbel" pitchFamily="34" charset="0"/>
-              <a:buChar char="•"/>
-              <a:defRPr sz="1600" kern="1200">
-                <a:solidFill>
-                  <a:schemeClr val="accent1"/>
-                </a:solidFill>
-                <a:latin typeface="+mn-lt"/>
-                <a:ea typeface="+mn-ea"/>
-                <a:cs typeface="+mn-cs"/>
-              </a:defRPr>
-            </a:lvl6pPr>
-            <a:lvl7pPr marL="1900000" indent="-228600" algn="l" defTabSz="914400" rtl="0" eaLnBrk="1" latinLnBrk="0" hangingPunct="1">
-              <a:lnSpc>
-                <a:spcPct val="90000"/>
-              </a:lnSpc>
-              <a:spcBef>
-                <a:spcPts val="200"/>
-              </a:spcBef>
-              <a:spcAft>
-                <a:spcPts val="400"/>
-              </a:spcAft>
-              <a:buClr>
-                <a:schemeClr val="accent1"/>
-              </a:buClr>
-              <a:buSzPct val="80000"/>
-              <a:buFont typeface="Corbel" pitchFamily="34" charset="0"/>
-              <a:buChar char="•"/>
-              <a:defRPr sz="1600" kern="1200">
-                <a:solidFill>
-                  <a:schemeClr val="accent1"/>
-                </a:solidFill>
-                <a:latin typeface="+mn-lt"/>
-                <a:ea typeface="+mn-ea"/>
-                <a:cs typeface="+mn-cs"/>
-              </a:defRPr>
-            </a:lvl7pPr>
-            <a:lvl8pPr marL="2200000" indent="-228600" algn="l" defTabSz="914400" rtl="0" eaLnBrk="1" latinLnBrk="0" hangingPunct="1">
-              <a:lnSpc>
-                <a:spcPct val="90000"/>
-              </a:lnSpc>
-              <a:spcBef>
-                <a:spcPts val="200"/>
-              </a:spcBef>
-              <a:spcAft>
-                <a:spcPts val="400"/>
-              </a:spcAft>
-              <a:buClr>
-                <a:schemeClr val="accent1"/>
-              </a:buClr>
-              <a:buSzPct val="80000"/>
-              <a:buFont typeface="Corbel" pitchFamily="34" charset="0"/>
-              <a:buChar char="•"/>
-              <a:defRPr sz="1600" kern="1200">
-                <a:solidFill>
-                  <a:schemeClr val="accent1"/>
-                </a:solidFill>
-                <a:latin typeface="+mn-lt"/>
-                <a:ea typeface="+mn-ea"/>
-                <a:cs typeface="+mn-cs"/>
-              </a:defRPr>
-            </a:lvl8pPr>
-            <a:lvl9pPr marL="2500000" indent="-228600" algn="l" defTabSz="914400" rtl="0" eaLnBrk="1" latinLnBrk="0" hangingPunct="1">
-              <a:lnSpc>
-                <a:spcPct val="90000"/>
-              </a:lnSpc>
-              <a:spcBef>
-                <a:spcPts val="200"/>
-              </a:spcBef>
-              <a:spcAft>
-                <a:spcPts val="400"/>
-              </a:spcAft>
-              <a:buClr>
-                <a:schemeClr val="accent1"/>
-              </a:buClr>
-              <a:buSzPct val="80000"/>
-              <a:buFont typeface="Corbel" pitchFamily="34" charset="0"/>
-              <a:buChar char="•"/>
-              <a:defRPr sz="1600" kern="1200">
-                <a:solidFill>
-                  <a:schemeClr val="accent1"/>
-                </a:solidFill>
-                <a:latin typeface="+mn-lt"/>
-                <a:ea typeface="+mn-ea"/>
-                <a:cs typeface="+mn-cs"/>
-              </a:defRPr>
-            </a:lvl9pPr>
-          </a:lstStyle>
-          <a:p>
-            <a:pPr marL="45720" indent="0">
-              <a:buFont typeface="Corbel" pitchFamily="34" charset="0"/>
-              <a:buNone/>
-            </a:pPr>
-            <a:r>
-              <a:rPr lang="de-CH" dirty="0"/>
-              <a:t>Schwächen von MySQL</a:t>
-            </a:r>
-          </a:p>
-          <a:p>
-            <a:r>
-              <a:rPr lang="de-CH" dirty="0"/>
-              <a:t>Eignet sich weniger für grosse Projekte</a:t>
-            </a:r>
-          </a:p>
-          <a:p>
-            <a:endParaRPr lang="de-CH" dirty="0"/>
-          </a:p>
-        </p:txBody>
-      </p:sp>
-      <p:sp>
-        <p:nvSpPr>
-          <p:cNvPr id="9" name="Content Placeholder 2">
-            <a:extLst>
-              <a:ext uri="{FF2B5EF4-FFF2-40B4-BE49-F238E27FC236}">
-                <a16:creationId xmlns:a16="http://schemas.microsoft.com/office/drawing/2014/main" id="{85600DC0-A92C-4215-990A-D99AB4C7154A}"/>
-              </a:ext>
-            </a:extLst>
-          </p:cNvPr>
-          <p:cNvSpPr txBox="1">
-            <a:spLocks/>
-          </p:cNvSpPr>
-          <p:nvPr/>
-        </p:nvSpPr>
-        <p:spPr>
-          <a:xfrm>
-            <a:off x="6232124" y="2535928"/>
-            <a:ext cx="4287915" cy="385698"/>
-          </a:xfrm>
-          <a:prstGeom prst="rect">
-            <a:avLst/>
-          </a:prstGeom>
-        </p:spPr>
-        <p:txBody>
-          <a:bodyPr vert="horz" lIns="91440" tIns="45720" rIns="91440" bIns="45720" rtlCol="0">
-            <a:normAutofit lnSpcReduction="10000"/>
-          </a:bodyPr>
-          <a:lstStyle>
-            <a:lvl1pPr marL="228600" indent="-182880" algn="l" defTabSz="914400" rtl="0" eaLnBrk="1" latinLnBrk="0" hangingPunct="1">
-              <a:lnSpc>
-                <a:spcPct val="90000"/>
-              </a:lnSpc>
-              <a:spcBef>
-                <a:spcPts val="1400"/>
-              </a:spcBef>
-              <a:buClr>
-                <a:schemeClr val="accent1"/>
-              </a:buClr>
-              <a:buSzPct val="80000"/>
-              <a:buFont typeface="Corbel" pitchFamily="34" charset="0"/>
-              <a:buChar char="•"/>
-              <a:defRPr sz="2200" kern="1200">
-                <a:solidFill>
-                  <a:schemeClr val="accent1"/>
-                </a:solidFill>
-                <a:latin typeface="+mn-lt"/>
-                <a:ea typeface="+mn-ea"/>
-                <a:cs typeface="+mn-cs"/>
-              </a:defRPr>
-            </a:lvl1pPr>
-            <a:lvl2pPr marL="457200" indent="-182880" algn="l" defTabSz="914400" rtl="0" eaLnBrk="1" latinLnBrk="0" hangingPunct="1">
-              <a:lnSpc>
-                <a:spcPct val="90000"/>
-              </a:lnSpc>
-              <a:spcBef>
-                <a:spcPts val="200"/>
-              </a:spcBef>
-              <a:spcAft>
-                <a:spcPts val="400"/>
-              </a:spcAft>
-              <a:buClr>
-                <a:schemeClr val="accent1"/>
-              </a:buClr>
-              <a:buSzPct val="80000"/>
-              <a:buFont typeface="Corbel" pitchFamily="34" charset="0"/>
-              <a:buChar char="•"/>
-              <a:defRPr sz="2000" kern="1200">
-                <a:solidFill>
-                  <a:schemeClr val="accent1"/>
-                </a:solidFill>
-                <a:latin typeface="+mn-lt"/>
-                <a:ea typeface="+mn-ea"/>
-                <a:cs typeface="+mn-cs"/>
-              </a:defRPr>
-            </a:lvl2pPr>
-            <a:lvl3pPr marL="731520" indent="-182880" algn="l" defTabSz="914400" rtl="0" eaLnBrk="1" latinLnBrk="0" hangingPunct="1">
-              <a:lnSpc>
-                <a:spcPct val="90000"/>
-              </a:lnSpc>
-              <a:spcBef>
-                <a:spcPts val="200"/>
-              </a:spcBef>
-              <a:spcAft>
-                <a:spcPts val="400"/>
-              </a:spcAft>
-              <a:buClr>
-                <a:schemeClr val="accent1"/>
-              </a:buClr>
-              <a:buSzPct val="80000"/>
-              <a:buFont typeface="Corbel" pitchFamily="34" charset="0"/>
-              <a:buChar char="•"/>
-              <a:defRPr sz="1800" kern="1200">
-                <a:solidFill>
-                  <a:schemeClr val="accent1"/>
-                </a:solidFill>
-                <a:latin typeface="+mn-lt"/>
-                <a:ea typeface="+mn-ea"/>
-                <a:cs typeface="+mn-cs"/>
-              </a:defRPr>
-            </a:lvl3pPr>
-            <a:lvl4pPr marL="1005840" indent="-182880" algn="l" defTabSz="914400" rtl="0" eaLnBrk="1" latinLnBrk="0" hangingPunct="1">
-              <a:lnSpc>
-                <a:spcPct val="90000"/>
-              </a:lnSpc>
-              <a:spcBef>
-                <a:spcPts val="200"/>
-              </a:spcBef>
-              <a:spcAft>
-                <a:spcPts val="400"/>
-              </a:spcAft>
-              <a:buClr>
-                <a:schemeClr val="accent1"/>
-              </a:buClr>
-              <a:buSzPct val="80000"/>
-              <a:buFont typeface="Corbel" pitchFamily="34" charset="0"/>
-              <a:buChar char="•"/>
-              <a:defRPr sz="1600" kern="1200">
-                <a:solidFill>
-                  <a:schemeClr val="accent1"/>
-                </a:solidFill>
-                <a:latin typeface="+mn-lt"/>
-                <a:ea typeface="+mn-ea"/>
-                <a:cs typeface="+mn-cs"/>
-              </a:defRPr>
-            </a:lvl4pPr>
-            <a:lvl5pPr marL="1280160" indent="-182880" algn="l" defTabSz="914400" rtl="0" eaLnBrk="1" latinLnBrk="0" hangingPunct="1">
-              <a:lnSpc>
-                <a:spcPct val="90000"/>
-              </a:lnSpc>
-              <a:spcBef>
-                <a:spcPts val="200"/>
-              </a:spcBef>
-              <a:spcAft>
-                <a:spcPts val="400"/>
-              </a:spcAft>
-              <a:buClr>
-                <a:schemeClr val="accent1"/>
-              </a:buClr>
-              <a:buSzPct val="80000"/>
-              <a:buFont typeface="Corbel" pitchFamily="34" charset="0"/>
-              <a:buChar char="•"/>
-              <a:defRPr sz="1600" kern="1200">
-                <a:solidFill>
-                  <a:schemeClr val="accent1"/>
-                </a:solidFill>
-                <a:latin typeface="+mn-lt"/>
-                <a:ea typeface="+mn-ea"/>
-                <a:cs typeface="+mn-cs"/>
-              </a:defRPr>
-            </a:lvl5pPr>
-            <a:lvl6pPr marL="1600000" indent="-228600" algn="l" defTabSz="914400" rtl="0" eaLnBrk="1" latinLnBrk="0" hangingPunct="1">
-              <a:lnSpc>
-                <a:spcPct val="90000"/>
-              </a:lnSpc>
-              <a:spcBef>
-                <a:spcPts val="200"/>
-              </a:spcBef>
-              <a:spcAft>
-                <a:spcPts val="400"/>
-              </a:spcAft>
-              <a:buClr>
-                <a:schemeClr val="accent1"/>
-              </a:buClr>
-              <a:buSzPct val="80000"/>
-              <a:buFont typeface="Corbel" pitchFamily="34" charset="0"/>
-              <a:buChar char="•"/>
-              <a:defRPr sz="1600" kern="1200">
-                <a:solidFill>
-                  <a:schemeClr val="accent1"/>
-                </a:solidFill>
-                <a:latin typeface="+mn-lt"/>
-                <a:ea typeface="+mn-ea"/>
-                <a:cs typeface="+mn-cs"/>
-              </a:defRPr>
-            </a:lvl6pPr>
-            <a:lvl7pPr marL="1900000" indent="-228600" algn="l" defTabSz="914400" rtl="0" eaLnBrk="1" latinLnBrk="0" hangingPunct="1">
-              <a:lnSpc>
-                <a:spcPct val="90000"/>
-              </a:lnSpc>
-              <a:spcBef>
-                <a:spcPts val="200"/>
-              </a:spcBef>
-              <a:spcAft>
-                <a:spcPts val="400"/>
-              </a:spcAft>
-              <a:buClr>
-                <a:schemeClr val="accent1"/>
-              </a:buClr>
-              <a:buSzPct val="80000"/>
-              <a:buFont typeface="Corbel" pitchFamily="34" charset="0"/>
-              <a:buChar char="•"/>
-              <a:defRPr sz="1600" kern="1200">
-                <a:solidFill>
-                  <a:schemeClr val="accent1"/>
-                </a:solidFill>
-                <a:latin typeface="+mn-lt"/>
-                <a:ea typeface="+mn-ea"/>
-                <a:cs typeface="+mn-cs"/>
-              </a:defRPr>
-            </a:lvl7pPr>
-            <a:lvl8pPr marL="2200000" indent="-228600" algn="l" defTabSz="914400" rtl="0" eaLnBrk="1" latinLnBrk="0" hangingPunct="1">
-              <a:lnSpc>
-                <a:spcPct val="90000"/>
-              </a:lnSpc>
-              <a:spcBef>
-                <a:spcPts val="200"/>
-              </a:spcBef>
-              <a:spcAft>
-                <a:spcPts val="400"/>
-              </a:spcAft>
-              <a:buClr>
-                <a:schemeClr val="accent1"/>
-              </a:buClr>
-              <a:buSzPct val="80000"/>
-              <a:buFont typeface="Corbel" pitchFamily="34" charset="0"/>
-              <a:buChar char="•"/>
-              <a:defRPr sz="1600" kern="1200">
-                <a:solidFill>
-                  <a:schemeClr val="accent1"/>
-                </a:solidFill>
-                <a:latin typeface="+mn-lt"/>
-                <a:ea typeface="+mn-ea"/>
-                <a:cs typeface="+mn-cs"/>
-              </a:defRPr>
-            </a:lvl8pPr>
-            <a:lvl9pPr marL="2500000" indent="-228600" algn="l" defTabSz="914400" rtl="0" eaLnBrk="1" latinLnBrk="0" hangingPunct="1">
-              <a:lnSpc>
-                <a:spcPct val="90000"/>
-              </a:lnSpc>
-              <a:spcBef>
-                <a:spcPts val="200"/>
-              </a:spcBef>
-              <a:spcAft>
-                <a:spcPts val="400"/>
-              </a:spcAft>
-              <a:buClr>
-                <a:schemeClr val="accent1"/>
-              </a:buClr>
-              <a:buSzPct val="80000"/>
-              <a:buFont typeface="Corbel" pitchFamily="34" charset="0"/>
-              <a:buChar char="•"/>
-              <a:defRPr sz="1600" kern="1200">
-                <a:solidFill>
-                  <a:schemeClr val="accent1"/>
-                </a:solidFill>
-                <a:latin typeface="+mn-lt"/>
-                <a:ea typeface="+mn-ea"/>
-                <a:cs typeface="+mn-cs"/>
-              </a:defRPr>
-            </a:lvl9pPr>
-          </a:lstStyle>
-          <a:p>
-            <a:pPr marL="45720" indent="0">
-              <a:buFont typeface="Corbel" pitchFamily="34" charset="0"/>
-              <a:buNone/>
-            </a:pPr>
-            <a:r>
-              <a:rPr lang="de-CH" dirty="0"/>
-              <a:t>Vorkenntnisse : genügend - gut</a:t>
-            </a:r>
-          </a:p>
-        </p:txBody>
-      </p:sp>
-      <p:sp>
-        <p:nvSpPr>
-          <p:cNvPr id="10" name="Content Placeholder 2">
-            <a:extLst>
-              <a:ext uri="{FF2B5EF4-FFF2-40B4-BE49-F238E27FC236}">
-                <a16:creationId xmlns:a16="http://schemas.microsoft.com/office/drawing/2014/main" id="{64335B8D-2C26-42C0-8A0C-8488E60B2424}"/>
-              </a:ext>
-            </a:extLst>
-          </p:cNvPr>
-          <p:cNvSpPr txBox="1">
-            <a:spLocks/>
-          </p:cNvSpPr>
-          <p:nvPr/>
-        </p:nvSpPr>
-        <p:spPr>
-          <a:xfrm>
-            <a:off x="1069020" y="2432758"/>
-            <a:ext cx="6838024" cy="898864"/>
-          </a:xfrm>
-          <a:prstGeom prst="rect">
-            <a:avLst/>
-          </a:prstGeom>
-        </p:spPr>
-        <p:txBody>
-          <a:bodyPr vert="horz" lIns="91440" tIns="45720" rIns="91440" bIns="45720" rtlCol="0">
-            <a:normAutofit/>
-          </a:bodyPr>
-          <a:lstStyle>
-            <a:lvl1pPr marL="228600" indent="-182880" algn="l" defTabSz="914400" rtl="0" eaLnBrk="1" latinLnBrk="0" hangingPunct="1">
-              <a:lnSpc>
-                <a:spcPct val="90000"/>
-              </a:lnSpc>
-              <a:spcBef>
-                <a:spcPts val="1400"/>
-              </a:spcBef>
-              <a:buClr>
-                <a:schemeClr val="accent1"/>
-              </a:buClr>
-              <a:buSzPct val="80000"/>
-              <a:buFont typeface="Corbel" pitchFamily="34" charset="0"/>
-              <a:buChar char="•"/>
-              <a:defRPr sz="2200" kern="1200">
-                <a:solidFill>
-                  <a:schemeClr val="accent1"/>
-                </a:solidFill>
-                <a:latin typeface="+mn-lt"/>
-                <a:ea typeface="+mn-ea"/>
-                <a:cs typeface="+mn-cs"/>
-              </a:defRPr>
-            </a:lvl1pPr>
-            <a:lvl2pPr marL="457200" indent="-182880" algn="l" defTabSz="914400" rtl="0" eaLnBrk="1" latinLnBrk="0" hangingPunct="1">
-              <a:lnSpc>
-                <a:spcPct val="90000"/>
-              </a:lnSpc>
-              <a:spcBef>
-                <a:spcPts val="200"/>
-              </a:spcBef>
-              <a:spcAft>
-                <a:spcPts val="400"/>
-              </a:spcAft>
-              <a:buClr>
-                <a:schemeClr val="accent1"/>
-              </a:buClr>
-              <a:buSzPct val="80000"/>
-              <a:buFont typeface="Corbel" pitchFamily="34" charset="0"/>
-              <a:buChar char="•"/>
-              <a:defRPr sz="2000" kern="1200">
-                <a:solidFill>
-                  <a:schemeClr val="accent1"/>
-                </a:solidFill>
-                <a:latin typeface="+mn-lt"/>
-                <a:ea typeface="+mn-ea"/>
-                <a:cs typeface="+mn-cs"/>
-              </a:defRPr>
-            </a:lvl2pPr>
-            <a:lvl3pPr marL="731520" indent="-182880" algn="l" defTabSz="914400" rtl="0" eaLnBrk="1" latinLnBrk="0" hangingPunct="1">
-              <a:lnSpc>
-                <a:spcPct val="90000"/>
-              </a:lnSpc>
-              <a:spcBef>
-                <a:spcPts val="200"/>
-              </a:spcBef>
-              <a:spcAft>
-                <a:spcPts val="400"/>
-              </a:spcAft>
-              <a:buClr>
-                <a:schemeClr val="accent1"/>
-              </a:buClr>
-              <a:buSzPct val="80000"/>
-              <a:buFont typeface="Corbel" pitchFamily="34" charset="0"/>
-              <a:buChar char="•"/>
-              <a:defRPr sz="1800" kern="1200">
-                <a:solidFill>
-                  <a:schemeClr val="accent1"/>
-                </a:solidFill>
-                <a:latin typeface="+mn-lt"/>
-                <a:ea typeface="+mn-ea"/>
-                <a:cs typeface="+mn-cs"/>
-              </a:defRPr>
-            </a:lvl3pPr>
-            <a:lvl4pPr marL="1005840" indent="-182880" algn="l" defTabSz="914400" rtl="0" eaLnBrk="1" latinLnBrk="0" hangingPunct="1">
-              <a:lnSpc>
-                <a:spcPct val="90000"/>
-              </a:lnSpc>
-              <a:spcBef>
-                <a:spcPts val="200"/>
-              </a:spcBef>
-              <a:spcAft>
-                <a:spcPts val="400"/>
-              </a:spcAft>
-              <a:buClr>
-                <a:schemeClr val="accent1"/>
-              </a:buClr>
-              <a:buSzPct val="80000"/>
-              <a:buFont typeface="Corbel" pitchFamily="34" charset="0"/>
-              <a:buChar char="•"/>
-              <a:defRPr sz="1600" kern="1200">
-                <a:solidFill>
-                  <a:schemeClr val="accent1"/>
-                </a:solidFill>
-                <a:latin typeface="+mn-lt"/>
-                <a:ea typeface="+mn-ea"/>
-                <a:cs typeface="+mn-cs"/>
-              </a:defRPr>
-            </a:lvl4pPr>
-            <a:lvl5pPr marL="1280160" indent="-182880" algn="l" defTabSz="914400" rtl="0" eaLnBrk="1" latinLnBrk="0" hangingPunct="1">
-              <a:lnSpc>
-                <a:spcPct val="90000"/>
-              </a:lnSpc>
-              <a:spcBef>
-                <a:spcPts val="200"/>
-              </a:spcBef>
-              <a:spcAft>
-                <a:spcPts val="400"/>
-              </a:spcAft>
-              <a:buClr>
-                <a:schemeClr val="accent1"/>
-              </a:buClr>
-              <a:buSzPct val="80000"/>
-              <a:buFont typeface="Corbel" pitchFamily="34" charset="0"/>
-              <a:buChar char="•"/>
-              <a:defRPr sz="1600" kern="1200">
-                <a:solidFill>
-                  <a:schemeClr val="accent1"/>
-                </a:solidFill>
-                <a:latin typeface="+mn-lt"/>
-                <a:ea typeface="+mn-ea"/>
-                <a:cs typeface="+mn-cs"/>
-              </a:defRPr>
-            </a:lvl5pPr>
-            <a:lvl6pPr marL="1600000" indent="-228600" algn="l" defTabSz="914400" rtl="0" eaLnBrk="1" latinLnBrk="0" hangingPunct="1">
-              <a:lnSpc>
-                <a:spcPct val="90000"/>
-              </a:lnSpc>
-              <a:spcBef>
-                <a:spcPts val="200"/>
-              </a:spcBef>
-              <a:spcAft>
-                <a:spcPts val="400"/>
-              </a:spcAft>
-              <a:buClr>
-                <a:schemeClr val="accent1"/>
-              </a:buClr>
-              <a:buSzPct val="80000"/>
-              <a:buFont typeface="Corbel" pitchFamily="34" charset="0"/>
-              <a:buChar char="•"/>
-              <a:defRPr sz="1600" kern="1200">
-                <a:solidFill>
-                  <a:schemeClr val="accent1"/>
-                </a:solidFill>
-                <a:latin typeface="+mn-lt"/>
-                <a:ea typeface="+mn-ea"/>
-                <a:cs typeface="+mn-cs"/>
-              </a:defRPr>
-            </a:lvl6pPr>
-            <a:lvl7pPr marL="1900000" indent="-228600" algn="l" defTabSz="914400" rtl="0" eaLnBrk="1" latinLnBrk="0" hangingPunct="1">
-              <a:lnSpc>
-                <a:spcPct val="90000"/>
-              </a:lnSpc>
-              <a:spcBef>
-                <a:spcPts val="200"/>
-              </a:spcBef>
-              <a:spcAft>
-                <a:spcPts val="400"/>
-              </a:spcAft>
-              <a:buClr>
-                <a:schemeClr val="accent1"/>
-              </a:buClr>
-              <a:buSzPct val="80000"/>
-              <a:buFont typeface="Corbel" pitchFamily="34" charset="0"/>
-              <a:buChar char="•"/>
-              <a:defRPr sz="1600" kern="1200">
-                <a:solidFill>
-                  <a:schemeClr val="accent1"/>
-                </a:solidFill>
-                <a:latin typeface="+mn-lt"/>
-                <a:ea typeface="+mn-ea"/>
-                <a:cs typeface="+mn-cs"/>
-              </a:defRPr>
-            </a:lvl7pPr>
-            <a:lvl8pPr marL="2200000" indent="-228600" algn="l" defTabSz="914400" rtl="0" eaLnBrk="1" latinLnBrk="0" hangingPunct="1">
-              <a:lnSpc>
-                <a:spcPct val="90000"/>
-              </a:lnSpc>
-              <a:spcBef>
-                <a:spcPts val="200"/>
-              </a:spcBef>
-              <a:spcAft>
-                <a:spcPts val="400"/>
-              </a:spcAft>
-              <a:buClr>
-                <a:schemeClr val="accent1"/>
-              </a:buClr>
-              <a:buSzPct val="80000"/>
-              <a:buFont typeface="Corbel" pitchFamily="34" charset="0"/>
-              <a:buChar char="•"/>
-              <a:defRPr sz="1600" kern="1200">
-                <a:solidFill>
-                  <a:schemeClr val="accent1"/>
-                </a:solidFill>
-                <a:latin typeface="+mn-lt"/>
-                <a:ea typeface="+mn-ea"/>
-                <a:cs typeface="+mn-cs"/>
-              </a:defRPr>
-            </a:lvl8pPr>
-            <a:lvl9pPr marL="2500000" indent="-228600" algn="l" defTabSz="914400" rtl="0" eaLnBrk="1" latinLnBrk="0" hangingPunct="1">
-              <a:lnSpc>
-                <a:spcPct val="90000"/>
-              </a:lnSpc>
-              <a:spcBef>
-                <a:spcPts val="200"/>
-              </a:spcBef>
-              <a:spcAft>
-                <a:spcPts val="400"/>
-              </a:spcAft>
-              <a:buClr>
-                <a:schemeClr val="accent1"/>
-              </a:buClr>
-              <a:buSzPct val="80000"/>
-              <a:buFont typeface="Corbel" pitchFamily="34" charset="0"/>
-              <a:buChar char="•"/>
-              <a:defRPr sz="1600" kern="1200">
-                <a:solidFill>
-                  <a:schemeClr val="accent1"/>
-                </a:solidFill>
-                <a:latin typeface="+mn-lt"/>
-                <a:ea typeface="+mn-ea"/>
-                <a:cs typeface="+mn-cs"/>
-              </a:defRPr>
-            </a:lvl9pPr>
-          </a:lstStyle>
-          <a:p>
-            <a:pPr marL="45720" indent="0">
-              <a:buFont typeface="Corbel" pitchFamily="34" charset="0"/>
-              <a:buNone/>
-            </a:pPr>
-            <a:r>
-              <a:rPr lang="de-CH" dirty="0"/>
-              <a:t>Was ist </a:t>
-            </a:r>
-            <a:r>
-              <a:rPr lang="de-CH" dirty="0" err="1"/>
-              <a:t>VueJS</a:t>
-            </a:r>
-            <a:endParaRPr lang="de-CH" dirty="0"/>
-          </a:p>
-          <a:p>
-            <a:r>
-              <a:rPr lang="de-CH" dirty="0"/>
-              <a:t>Ist ein JavaScript Framework</a:t>
-            </a:r>
-          </a:p>
-        </p:txBody>
-      </p:sp>
-    </p:spTree>
-    <p:extLst>
-      <p:ext uri="{BB962C8B-B14F-4D97-AF65-F5344CB8AC3E}">
-        <p14:creationId xmlns:p14="http://schemas.microsoft.com/office/powerpoint/2010/main" val="26606654"/>
-      </p:ext>
-    </p:extLst>
-  </p:cSld>
-  <p:clrMapOvr>
-    <a:masterClrMapping/>
-  </p:clrMapOvr>
 </p:sld>
 </file>
 

--- a/04_Präsentation/VueJS_Laravel_website.pptx
+++ b/04_Präsentation/VueJS_Laravel_website.pptx
@@ -16,10 +16,11 @@
     <p:sldId id="267" r:id="rId10"/>
     <p:sldId id="268" r:id="rId11"/>
     <p:sldId id="259" r:id="rId12"/>
-    <p:sldId id="262" r:id="rId13"/>
-    <p:sldId id="266" r:id="rId14"/>
-    <p:sldId id="263" r:id="rId15"/>
-    <p:sldId id="269" r:id="rId16"/>
+    <p:sldId id="271" r:id="rId13"/>
+    <p:sldId id="262" r:id="rId14"/>
+    <p:sldId id="266" r:id="rId15"/>
+    <p:sldId id="263" r:id="rId16"/>
+    <p:sldId id="269" r:id="rId17"/>
   </p:sldIdLst>
   <p:sldSz cx="12192000" cy="6858000"/>
   <p:notesSz cx="6858000" cy="9144000"/>
@@ -322,7 +323,7 @@
           <a:p>
             <a:fld id="{D4BC6153-6F2A-4CC2-8D39-3B985E7CB1A0}" type="datetimeFigureOut">
               <a:rPr lang="de-CH" smtClean="0"/>
-              <a:t>08.03.2023</a:t>
+              <a:t>09.03.2023</a:t>
             </a:fld>
             <a:endParaRPr lang="de-CH"/>
           </a:p>
@@ -543,7 +544,7 @@
           <a:p>
             <a:fld id="{D4BC6153-6F2A-4CC2-8D39-3B985E7CB1A0}" type="datetimeFigureOut">
               <a:rPr lang="de-CH" smtClean="0"/>
-              <a:t>08.03.2023</a:t>
+              <a:t>09.03.2023</a:t>
             </a:fld>
             <a:endParaRPr lang="de-CH"/>
           </a:p>
@@ -723,7 +724,7 @@
           <a:p>
             <a:fld id="{D4BC6153-6F2A-4CC2-8D39-3B985E7CB1A0}" type="datetimeFigureOut">
               <a:rPr lang="de-CH" smtClean="0"/>
-              <a:t>08.03.2023</a:t>
+              <a:t>09.03.2023</a:t>
             </a:fld>
             <a:endParaRPr lang="de-CH"/>
           </a:p>
@@ -893,7 +894,7 @@
           <a:p>
             <a:fld id="{D4BC6153-6F2A-4CC2-8D39-3B985E7CB1A0}" type="datetimeFigureOut">
               <a:rPr lang="de-CH" smtClean="0"/>
-              <a:t>08.03.2023</a:t>
+              <a:t>09.03.2023</a:t>
             </a:fld>
             <a:endParaRPr lang="de-CH"/>
           </a:p>
@@ -1144,7 +1145,7 @@
           <a:p>
             <a:fld id="{D4BC6153-6F2A-4CC2-8D39-3B985E7CB1A0}" type="datetimeFigureOut">
               <a:rPr lang="de-CH" smtClean="0"/>
-              <a:t>08.03.2023</a:t>
+              <a:t>09.03.2023</a:t>
             </a:fld>
             <a:endParaRPr lang="de-CH"/>
           </a:p>
@@ -1467,7 +1468,7 @@
           <a:p>
             <a:fld id="{D4BC6153-6F2A-4CC2-8D39-3B985E7CB1A0}" type="datetimeFigureOut">
               <a:rPr lang="de-CH" smtClean="0"/>
-              <a:t>08.03.2023</a:t>
+              <a:t>09.03.2023</a:t>
             </a:fld>
             <a:endParaRPr lang="de-CH"/>
           </a:p>
@@ -1891,7 +1892,7 @@
           <a:p>
             <a:fld id="{D4BC6153-6F2A-4CC2-8D39-3B985E7CB1A0}" type="datetimeFigureOut">
               <a:rPr lang="de-CH" smtClean="0"/>
-              <a:t>08.03.2023</a:t>
+              <a:t>09.03.2023</a:t>
             </a:fld>
             <a:endParaRPr lang="de-CH"/>
           </a:p>
@@ -2009,7 +2010,7 @@
           <a:p>
             <a:fld id="{D4BC6153-6F2A-4CC2-8D39-3B985E7CB1A0}" type="datetimeFigureOut">
               <a:rPr lang="de-CH" smtClean="0"/>
-              <a:t>08.03.2023</a:t>
+              <a:t>09.03.2023</a:t>
             </a:fld>
             <a:endParaRPr lang="de-CH"/>
           </a:p>
@@ -2104,7 +2105,7 @@
           <a:p>
             <a:fld id="{D4BC6153-6F2A-4CC2-8D39-3B985E7CB1A0}" type="datetimeFigureOut">
               <a:rPr lang="de-CH" smtClean="0"/>
-              <a:t>08.03.2023</a:t>
+              <a:t>09.03.2023</a:t>
             </a:fld>
             <a:endParaRPr lang="de-CH"/>
           </a:p>
@@ -2394,7 +2395,7 @@
           <a:p>
             <a:fld id="{D4BC6153-6F2A-4CC2-8D39-3B985E7CB1A0}" type="datetimeFigureOut">
               <a:rPr lang="de-CH" smtClean="0"/>
-              <a:t>08.03.2023</a:t>
+              <a:t>09.03.2023</a:t>
             </a:fld>
             <a:endParaRPr lang="de-CH"/>
           </a:p>
@@ -2666,7 +2667,7 @@
           <a:p>
             <a:fld id="{D4BC6153-6F2A-4CC2-8D39-3B985E7CB1A0}" type="datetimeFigureOut">
               <a:rPr lang="de-CH" smtClean="0"/>
-              <a:t>08.03.2023</a:t>
+              <a:t>09.03.2023</a:t>
             </a:fld>
             <a:endParaRPr lang="de-CH"/>
           </a:p>
@@ -2920,7 +2921,7 @@
           <a:p>
             <a:fld id="{D4BC6153-6F2A-4CC2-8D39-3B985E7CB1A0}" type="datetimeFigureOut">
               <a:rPr lang="de-CH" smtClean="0"/>
-              <a:t>08.03.2023</a:t>
+              <a:t>09.03.2023</a:t>
             </a:fld>
             <a:endParaRPr lang="de-CH"/>
           </a:p>
@@ -4775,7 +4776,7 @@
         </p:nvSpPr>
         <p:spPr>
           <a:xfrm>
-            <a:off x="1516211" y="2057783"/>
+            <a:off x="1246647" y="2041481"/>
             <a:ext cx="9872871" cy="414196"/>
           </a:xfrm>
         </p:spPr>
@@ -4788,7 +4789,7 @@
             </a:pPr>
             <a:r>
               <a:rPr lang="de-CH" dirty="0"/>
-              <a:t>Was ist ein Frontend Backend?</a:t>
+              <a:t>Wie funktionieren Frontend Backend zusammen?</a:t>
             </a:r>
           </a:p>
           <a:p>
@@ -5427,6 +5428,99 @@
       </p:grpSpPr>
       <p:sp>
         <p:nvSpPr>
+          <p:cNvPr id="2" name="Titel 1">
+            <a:extLst>
+              <a:ext uri="{FF2B5EF4-FFF2-40B4-BE49-F238E27FC236}">
+                <a16:creationId xmlns:a16="http://schemas.microsoft.com/office/drawing/2014/main" id="{871FAA9F-E30F-4E3A-9BE7-D23728F69FC3}"/>
+              </a:ext>
+            </a:extLst>
+          </p:cNvPr>
+          <p:cNvSpPr>
+            <a:spLocks noGrp="1"/>
+          </p:cNvSpPr>
+          <p:nvPr>
+            <p:ph type="title"/>
+          </p:nvPr>
+        </p:nvSpPr>
+        <p:spPr/>
+        <p:txBody>
+          <a:bodyPr/>
+          <a:lstStyle/>
+          <a:p>
+            <a:r>
+              <a:rPr lang="de-CH" dirty="0"/>
+              <a:t>Technische Ansicht</a:t>
+            </a:r>
+          </a:p>
+        </p:txBody>
+      </p:sp>
+      <p:sp>
+        <p:nvSpPr>
+          <p:cNvPr id="3" name="Inhaltsplatzhalter 2">
+            <a:extLst>
+              <a:ext uri="{FF2B5EF4-FFF2-40B4-BE49-F238E27FC236}">
+                <a16:creationId xmlns:a16="http://schemas.microsoft.com/office/drawing/2014/main" id="{118E3E2B-73BD-4C14-8F13-0670A3E09E0A}"/>
+              </a:ext>
+            </a:extLst>
+          </p:cNvPr>
+          <p:cNvSpPr>
+            <a:spLocks noGrp="1"/>
+          </p:cNvSpPr>
+          <p:nvPr>
+            <p:ph idx="1"/>
+          </p:nvPr>
+        </p:nvSpPr>
+        <p:spPr>
+          <a:xfrm>
+            <a:off x="3930589" y="3212679"/>
+            <a:ext cx="3979416" cy="631352"/>
+          </a:xfrm>
+        </p:spPr>
+        <p:txBody>
+          <a:bodyPr>
+            <a:normAutofit fontScale="92500" lnSpcReduction="10000"/>
+          </a:bodyPr>
+          <a:lstStyle/>
+          <a:p>
+            <a:r>
+              <a:rPr lang="de-CH" sz="4400" dirty="0"/>
+              <a:t>Dokumentation</a:t>
+            </a:r>
+          </a:p>
+        </p:txBody>
+      </p:sp>
+    </p:spTree>
+    <p:extLst>
+      <p:ext uri="{BB962C8B-B14F-4D97-AF65-F5344CB8AC3E}">
+        <p14:creationId xmlns:p14="http://schemas.microsoft.com/office/powerpoint/2010/main" val="3111545487"/>
+      </p:ext>
+    </p:extLst>
+  </p:cSld>
+  <p:clrMapOvr>
+    <a:masterClrMapping/>
+  </p:clrMapOvr>
+</p:sld>
+</file>
+
+<file path=ppt/slides/slide13.xml><?xml version="1.0" encoding="utf-8"?>
+<p:sld xmlns:a="http://schemas.openxmlformats.org/drawingml/2006/main" xmlns:r="http://schemas.openxmlformats.org/officeDocument/2006/relationships" xmlns:p="http://schemas.openxmlformats.org/presentationml/2006/main">
+  <p:cSld>
+    <p:spTree>
+      <p:nvGrpSpPr>
+        <p:cNvPr id="1" name=""/>
+        <p:cNvGrpSpPr/>
+        <p:nvPr/>
+      </p:nvGrpSpPr>
+      <p:grpSpPr>
+        <a:xfrm>
+          <a:off x="0" y="0"/>
+          <a:ext cx="0" cy="0"/>
+          <a:chOff x="0" y="0"/>
+          <a:chExt cx="0" cy="0"/>
+        </a:xfrm>
+      </p:grpSpPr>
+      <p:sp>
+        <p:nvSpPr>
           <p:cNvPr id="2" name="Title 1">
             <a:extLst>
               <a:ext uri="{FF2B5EF4-FFF2-40B4-BE49-F238E27FC236}">
@@ -5525,7 +5619,7 @@
 </p:sld>
 </file>
 
-<file path=ppt/slides/slide13.xml><?xml version="1.0" encoding="utf-8"?>
+<file path=ppt/slides/slide14.xml><?xml version="1.0" encoding="utf-8"?>
 <p:sld xmlns:a="http://schemas.openxmlformats.org/drawingml/2006/main" xmlns:r="http://schemas.openxmlformats.org/officeDocument/2006/relationships" xmlns:p="http://schemas.openxmlformats.org/presentationml/2006/main">
   <p:cSld>
     <p:spTree>
@@ -6200,7 +6294,7 @@
 </p:sld>
 </file>
 
-<file path=ppt/slides/slide14.xml><?xml version="1.0" encoding="utf-8"?>
+<file path=ppt/slides/slide15.xml><?xml version="1.0" encoding="utf-8"?>
 <p:sld xmlns:a="http://schemas.openxmlformats.org/drawingml/2006/main" xmlns:r="http://schemas.openxmlformats.org/officeDocument/2006/relationships" xmlns:p="http://schemas.openxmlformats.org/presentationml/2006/main">
   <p:cSld>
     <p:spTree>
@@ -6264,7 +6358,7 @@
 </p:sld>
 </file>
 
-<file path=ppt/slides/slide15.xml><?xml version="1.0" encoding="utf-8"?>
+<file path=ppt/slides/slide16.xml><?xml version="1.0" encoding="utf-8"?>
 <p:sld xmlns:a="http://schemas.openxmlformats.org/drawingml/2006/main" xmlns:r="http://schemas.openxmlformats.org/officeDocument/2006/relationships" xmlns:p="http://schemas.openxmlformats.org/presentationml/2006/main" show="0">
   <p:cSld>
     <p:spTree>
@@ -7538,7 +7632,7 @@
         <p:spPr/>
         <p:txBody>
           <a:bodyPr>
-            <a:normAutofit/>
+            <a:normAutofit lnSpcReduction="10000"/>
           </a:bodyPr>
           <a:lstStyle/>
           <a:p>
@@ -7562,13 +7656,19 @@
           <a:p>
             <a:r>
               <a:rPr lang="de-CH" dirty="0"/>
-              <a:t>MySQL</a:t>
+              <a:t>Datenbank</a:t>
             </a:r>
           </a:p>
           <a:p>
             <a:r>
               <a:rPr lang="de-CH" dirty="0"/>
               <a:t>Verbindung</a:t>
+            </a:r>
+          </a:p>
+          <a:p>
+            <a:r>
+              <a:rPr lang="de-CH" dirty="0"/>
+              <a:t>Dokumentation</a:t>
             </a:r>
           </a:p>
           <a:p>
@@ -11621,7 +11721,7 @@
           <a:p>
             <a:r>
               <a:rPr lang="de-CH" dirty="0"/>
-              <a:t>Es gibt verschiedene Frontend Libraries/Frameworks/Programmiersprachen </a:t>
+              <a:t>Es gibt verschiedene Backend Libraries/Frameworks/Programmiersprachen </a:t>
             </a:r>
             <a:r>
               <a:rPr lang="de-CH" dirty="0" err="1"/>

--- a/04_Präsentation/VueJS_Laravel_website.pptx
+++ b/04_Präsentation/VueJS_Laravel_website.pptx
@@ -4643,18 +4643,13 @@
             </a:pPr>
             <a:r>
               <a:rPr lang="de-CH" dirty="0"/>
-              <a:t>Was ist </a:t>
-            </a:r>
-            <a:r>
-              <a:rPr lang="de-CH" dirty="0" err="1"/>
-              <a:t>VueJS</a:t>
-            </a:r>
-            <a:endParaRPr lang="de-CH" dirty="0"/>
+              <a:t>Was ist MySQL</a:t>
+            </a:r>
           </a:p>
           <a:p>
             <a:r>
               <a:rPr lang="de-CH" dirty="0"/>
-              <a:t>Ist ein JavaScript Framework</a:t>
+              <a:t>Ist eine Datenbank</a:t>
             </a:r>
           </a:p>
         </p:txBody>

--- a/04_Präsentation/VueJS_Laravel_website.pptx
+++ b/04_Präsentation/VueJS_Laravel_website.pptx
@@ -5467,19 +5467,19 @@
         </p:nvSpPr>
         <p:spPr>
           <a:xfrm>
-            <a:off x="3930589" y="3212679"/>
-            <a:ext cx="3979416" cy="631352"/>
+            <a:off x="2555080" y="2892247"/>
+            <a:ext cx="7378273" cy="2680121"/>
           </a:xfrm>
         </p:spPr>
         <p:txBody>
           <a:bodyPr>
-            <a:normAutofit fontScale="92500" lnSpcReduction="10000"/>
+            <a:normAutofit/>
           </a:bodyPr>
           <a:lstStyle/>
           <a:p>
             <a:r>
               <a:rPr lang="de-CH" sz="4400" dirty="0"/>
-              <a:t>Dokumentation</a:t>
+              <a:t>Dokumentation und App</a:t>
             </a:r>
           </a:p>
         </p:txBody>
